--- a/Poster.pptx
+++ b/Poster.pptx
@@ -692,6 +692,91 @@
     </a:lvl9pPr>
   </p:notesStyle>
 </p:notesMaster>
+</file>
+
+<file path=ppt/notesSlides/notesSlide1.xml><?xml version="1.0" encoding="utf-8"?>
+<p:notes xmlns:a="http://schemas.openxmlformats.org/drawingml/2006/main" xmlns:r="http://schemas.openxmlformats.org/officeDocument/2006/relationships" xmlns:p="http://schemas.openxmlformats.org/presentationml/2006/main">
+  <p:cSld>
+    <p:spTree>
+      <p:nvGrpSpPr>
+        <p:cNvPr id="1" name=""/>
+        <p:cNvGrpSpPr/>
+        <p:nvPr/>
+      </p:nvGrpSpPr>
+      <p:grpSpPr>
+        <a:xfrm>
+          <a:off x="0" y="0"/>
+          <a:ext cx="0" cy="0"/>
+          <a:chOff x="0" y="0"/>
+          <a:chExt cx="0" cy="0"/>
+        </a:xfrm>
+      </p:grpSpPr>
+      <p:sp>
+        <p:nvSpPr>
+          <p:cNvPr id="2" name="Slide Image Placeholder 1"/>
+          <p:cNvSpPr>
+            <a:spLocks noGrp="1" noRot="1" noChangeAspect="1"/>
+          </p:cNvSpPr>
+          <p:nvPr>
+            <p:ph type="sldImg"/>
+          </p:nvPr>
+        </p:nvSpPr>
+        <p:spPr/>
+      </p:sp>
+      <p:sp>
+        <p:nvSpPr>
+          <p:cNvPr id="3" name="Notes Placeholder 2"/>
+          <p:cNvSpPr>
+            <a:spLocks noGrp="1"/>
+          </p:cNvSpPr>
+          <p:nvPr>
+            <p:ph type="body" idx="1"/>
+          </p:nvPr>
+        </p:nvSpPr>
+        <p:spPr/>
+        <p:txBody>
+          <a:bodyPr/>
+          <a:lstStyle/>
+          <a:p>
+            <a:endParaRPr lang="en-US" dirty="0"/>
+          </a:p>
+        </p:txBody>
+      </p:sp>
+      <p:sp>
+        <p:nvSpPr>
+          <p:cNvPr id="4" name="Slide Number Placeholder 3"/>
+          <p:cNvSpPr>
+            <a:spLocks noGrp="1"/>
+          </p:cNvSpPr>
+          <p:nvPr>
+            <p:ph type="sldNum" sz="quarter" idx="5"/>
+          </p:nvPr>
+        </p:nvSpPr>
+        <p:spPr/>
+        <p:txBody>
+          <a:bodyPr/>
+          <a:lstStyle/>
+          <a:p>
+            <a:fld id="{26A1A87D-CAF7-4BDC-A0D3-C0DBEDE81619}" type="slidenum">
+              <a:rPr lang="en-US" smtClean="0"/>
+              <a:pPr/>
+              <a:t>1</a:t>
+            </a:fld>
+            <a:endParaRPr lang="en-US" dirty="0"/>
+          </a:p>
+        </p:txBody>
+      </p:sp>
+    </p:spTree>
+    <p:extLst>
+      <p:ext uri="{BB962C8B-B14F-4D97-AF65-F5344CB8AC3E}">
+        <p14:creationId xmlns:p14="http://schemas.microsoft.com/office/powerpoint/2010/main" val="2793044974"/>
+      </p:ext>
+    </p:extLst>
+  </p:cSld>
+  <p:clrMapOvr>
+    <a:masterClrMapping/>
+  </p:clrMapOvr>
+</p:notes>
 </file>
 
 <file path=ppt/slideLayouts/slideLayout1.xml><?xml version="1.0" encoding="utf-8"?>
@@ -16394,7 +16479,7 @@
           <p:nvPr/>
         </p:nvPicPr>
         <p:blipFill>
-          <a:blip r:embed="rId2">
+          <a:blip r:embed="rId3">
             <a:extLst>
               <a:ext uri="{28A0092B-C50C-407E-A947-70E740481C1C}">
                 <a14:useLocalDpi xmlns:a14="http://schemas.microsoft.com/office/drawing/2010/main" val="0"/>
@@ -16407,7 +16492,7 @@
         </p:blipFill>
         <p:spPr>
           <a:xfrm>
-            <a:off x="0" y="21276132"/>
+            <a:off x="0" y="22276453"/>
             <a:ext cx="7449189" cy="5187426"/>
           </a:xfrm>
           <a:prstGeom prst="rect">
@@ -16430,7 +16515,7 @@
           <p:nvPr/>
         </p:nvPicPr>
         <p:blipFill>
-          <a:blip r:embed="rId3">
+          <a:blip r:embed="rId4">
             <a:extLst>
               <a:ext uri="{28A0092B-C50C-407E-A947-70E740481C1C}">
                 <a14:useLocalDpi xmlns:a14="http://schemas.microsoft.com/office/drawing/2010/main" val="0"/>
@@ -16443,7 +16528,7 @@
         </p:blipFill>
         <p:spPr>
           <a:xfrm>
-            <a:off x="0" y="16879427"/>
+            <a:off x="0" y="17874267"/>
             <a:ext cx="7386587" cy="5143832"/>
           </a:xfrm>
           <a:prstGeom prst="rect">
@@ -16746,7 +16831,7 @@
                 <a:ext cx="10056813" cy="1687491"/>
               </a:xfrm>
               <a:blipFill>
-                <a:blip r:embed="rId4"/>
+                <a:blip r:embed="rId5"/>
                 <a:stretch>
                   <a:fillRect/>
                 </a:stretch>
@@ -16828,39 +16913,365 @@
           </a:p>
         </p:txBody>
       </p:sp>
-      <p:sp>
-        <p:nvSpPr>
-          <p:cNvPr id="90" name="Text Placeholder 89">
-            <a:extLst>
-              <a:ext uri="{FF2B5EF4-FFF2-40B4-BE49-F238E27FC236}">
-                <a16:creationId xmlns:a16="http://schemas.microsoft.com/office/drawing/2014/main" id="{B20DAE73-7398-3541-9047-3EF06FA94C0B}"/>
-              </a:ext>
-            </a:extLst>
-          </p:cNvPr>
-          <p:cNvSpPr>
-            <a:spLocks noGrp="1"/>
-          </p:cNvSpPr>
-          <p:nvPr>
-            <p:ph type="body" sz="quarter" idx="21"/>
-          </p:nvPr>
-        </p:nvSpPr>
-        <p:spPr>
-          <a:xfrm>
-            <a:off x="11445049" y="6320483"/>
-            <a:ext cx="20974054" cy="807891"/>
-          </a:xfrm>
-        </p:spPr>
-        <p:txBody>
-          <a:bodyPr/>
-          <a:lstStyle/>
-          <a:p>
-            <a:r>
-              <a:rPr lang="en-US" dirty="0"/>
-              <a:t>l</a:t>
-            </a:r>
-          </a:p>
-        </p:txBody>
-      </p:sp>
+      <mc:AlternateContent xmlns:mc="http://schemas.openxmlformats.org/markup-compatibility/2006">
+        <mc:Choice xmlns:a14="http://schemas.microsoft.com/office/drawing/2010/main" Requires="a14">
+          <p:sp>
+            <p:nvSpPr>
+              <p:cNvPr id="90" name="Text Placeholder 89">
+                <a:extLst>
+                  <a:ext uri="{FF2B5EF4-FFF2-40B4-BE49-F238E27FC236}">
+                    <a16:creationId xmlns:a16="http://schemas.microsoft.com/office/drawing/2014/main" id="{B20DAE73-7398-3541-9047-3EF06FA94C0B}"/>
+                  </a:ext>
+                </a:extLst>
+              </p:cNvPr>
+              <p:cNvSpPr>
+                <a:spLocks noGrp="1"/>
+              </p:cNvSpPr>
+              <p:nvPr>
+                <p:ph type="body" sz="quarter" idx="21"/>
+              </p:nvPr>
+            </p:nvSpPr>
+            <p:spPr>
+              <a:xfrm>
+                <a:off x="11433249" y="6278842"/>
+                <a:ext cx="10038662" cy="2337797"/>
+              </a:xfrm>
+            </p:spPr>
+            <p:txBody>
+              <a:bodyPr/>
+              <a:lstStyle/>
+              <a:p>
+                <a:pPr algn="just">
+                  <a:lnSpc>
+                    <a:spcPct val="100000"/>
+                  </a:lnSpc>
+                </a:pPr>
+                <a:r>
+                  <a:rPr lang="en-US" dirty="0"/>
+                  <a:t>For a small initial displacement </a:t>
+                </a:r>
+                <a14:m>
+                  <m:oMath xmlns:m="http://schemas.openxmlformats.org/officeDocument/2006/math">
+                    <m:sSub>
+                      <m:sSubPr>
+                        <m:ctrlPr>
+                          <a:rPr lang="en-US" b="0" i="1" smtClean="0">
+                            <a:latin typeface="Cambria Math" panose="02040503050406030204" pitchFamily="18" charset="0"/>
+                          </a:rPr>
+                        </m:ctrlPr>
+                      </m:sSubPr>
+                      <m:e>
+                        <m:r>
+                          <a:rPr lang="en-US" b="0" i="1" smtClean="0">
+                            <a:latin typeface="Cambria Math" panose="02040503050406030204" pitchFamily="18" charset="0"/>
+                          </a:rPr>
+                          <m:t>𝜙</m:t>
+                        </m:r>
+                      </m:e>
+                      <m:sub>
+                        <m:r>
+                          <a:rPr lang="en-US" b="0" i="1" smtClean="0">
+                            <a:latin typeface="Cambria Math" panose="02040503050406030204" pitchFamily="18" charset="0"/>
+                          </a:rPr>
+                          <m:t>0</m:t>
+                        </m:r>
+                      </m:sub>
+                    </m:sSub>
+                    <m:r>
+                      <a:rPr lang="en-US" b="0" i="1" smtClean="0">
+                        <a:latin typeface="Cambria Math" panose="02040503050406030204" pitchFamily="18" charset="0"/>
+                      </a:rPr>
+                      <m:t>=</m:t>
+                    </m:r>
+                    <m:f>
+                      <m:fPr>
+                        <m:ctrlPr>
+                          <a:rPr lang="en-US" b="0" i="1" smtClean="0">
+                            <a:latin typeface="Cambria Math" panose="02040503050406030204" pitchFamily="18" charset="0"/>
+                          </a:rPr>
+                        </m:ctrlPr>
+                      </m:fPr>
+                      <m:num>
+                        <m:r>
+                          <a:rPr lang="en-US" b="0" i="1" smtClean="0">
+                            <a:latin typeface="Cambria Math" panose="02040503050406030204" pitchFamily="18" charset="0"/>
+                          </a:rPr>
+                          <m:t>𝜋</m:t>
+                        </m:r>
+                      </m:num>
+                      <m:den>
+                        <m:r>
+                          <a:rPr lang="en-US" b="0" i="1" smtClean="0">
+                            <a:latin typeface="Cambria Math" panose="02040503050406030204" pitchFamily="18" charset="0"/>
+                          </a:rPr>
+                          <m:t>20</m:t>
+                        </m:r>
+                      </m:den>
+                    </m:f>
+                  </m:oMath>
+                </a14:m>
+                <a:r>
+                  <a:rPr lang="en-US" dirty="0"/>
+                  <a:t>, the dynamics of the pendulum can be well approximated by the analytic solution </a:t>
+                </a:r>
+                <a14:m>
+                  <m:oMath xmlns:m="http://schemas.openxmlformats.org/officeDocument/2006/math">
+                    <m:r>
+                      <a:rPr lang="en-US" b="0" i="1" smtClean="0">
+                        <a:latin typeface="Cambria Math" panose="02040503050406030204" pitchFamily="18" charset="0"/>
+                      </a:rPr>
+                      <m:t>𝜙</m:t>
+                    </m:r>
+                    <m:r>
+                      <a:rPr lang="en-US" b="0" i="1" smtClean="0">
+                        <a:latin typeface="Cambria Math" panose="02040503050406030204" pitchFamily="18" charset="0"/>
+                      </a:rPr>
+                      <m:t>(</m:t>
+                    </m:r>
+                    <m:r>
+                      <a:rPr lang="en-US" b="0" i="1" smtClean="0">
+                        <a:latin typeface="Cambria Math" panose="02040503050406030204" pitchFamily="18" charset="0"/>
+                      </a:rPr>
+                      <m:t>𝑡</m:t>
+                    </m:r>
+                    <m:r>
+                      <a:rPr lang="en-US" b="0" i="1" smtClean="0">
+                        <a:latin typeface="Cambria Math" panose="02040503050406030204" pitchFamily="18" charset="0"/>
+                      </a:rPr>
+                      <m:t>)=</m:t>
+                    </m:r>
+                    <m:sSub>
+                      <m:sSubPr>
+                        <m:ctrlPr>
+                          <a:rPr lang="en-US" b="0" i="1" smtClean="0">
+                            <a:latin typeface="Cambria Math" panose="02040503050406030204" pitchFamily="18" charset="0"/>
+                          </a:rPr>
+                        </m:ctrlPr>
+                      </m:sSubPr>
+                      <m:e>
+                        <m:r>
+                          <a:rPr lang="en-US" b="0" i="1" smtClean="0">
+                            <a:latin typeface="Cambria Math" panose="02040503050406030204" pitchFamily="18" charset="0"/>
+                          </a:rPr>
+                          <m:t>𝜙</m:t>
+                        </m:r>
+                      </m:e>
+                      <m:sub>
+                        <m:r>
+                          <a:rPr lang="en-US" b="0" i="1" smtClean="0">
+                            <a:latin typeface="Cambria Math" panose="02040503050406030204" pitchFamily="18" charset="0"/>
+                          </a:rPr>
+                          <m:t>0</m:t>
+                        </m:r>
+                      </m:sub>
+                    </m:sSub>
+                    <m:r>
+                      <m:rPr>
+                        <m:nor/>
+                      </m:rPr>
+                      <a:rPr lang="en-US" b="0" i="0" smtClean="0">
+                        <a:latin typeface="Cambria Math" panose="02040503050406030204" pitchFamily="18" charset="0"/>
+                      </a:rPr>
+                      <m:t>cos</m:t>
+                    </m:r>
+                    <m:r>
+                      <a:rPr lang="en-US" b="0" i="1" smtClean="0">
+                        <a:latin typeface="Cambria Math" panose="02040503050406030204" pitchFamily="18" charset="0"/>
+                      </a:rPr>
+                      <m:t>(</m:t>
+                    </m:r>
+                    <m:sSub>
+                      <m:sSubPr>
+                        <m:ctrlPr>
+                          <a:rPr lang="en-US" b="0" i="1" smtClean="0">
+                            <a:latin typeface="Cambria Math" panose="02040503050406030204" pitchFamily="18" charset="0"/>
+                          </a:rPr>
+                        </m:ctrlPr>
+                      </m:sSubPr>
+                      <m:e>
+                        <m:r>
+                          <a:rPr lang="en-US" b="0" i="1" smtClean="0">
+                            <a:latin typeface="Cambria Math" panose="02040503050406030204" pitchFamily="18" charset="0"/>
+                          </a:rPr>
+                          <m:t>𝜔</m:t>
+                        </m:r>
+                      </m:e>
+                      <m:sub>
+                        <m:r>
+                          <a:rPr lang="en-US" b="0" i="1" smtClean="0">
+                            <a:latin typeface="Cambria Math" panose="02040503050406030204" pitchFamily="18" charset="0"/>
+                          </a:rPr>
+                          <m:t>0</m:t>
+                        </m:r>
+                      </m:sub>
+                    </m:sSub>
+                    <m:r>
+                      <a:rPr lang="en-US" b="0" i="1" smtClean="0">
+                        <a:latin typeface="Cambria Math" panose="02040503050406030204" pitchFamily="18" charset="0"/>
+                      </a:rPr>
+                      <m:t>𝑡</m:t>
+                    </m:r>
+                    <m:r>
+                      <a:rPr lang="en-US" b="0" i="1" smtClean="0">
+                        <a:latin typeface="Cambria Math" panose="02040503050406030204" pitchFamily="18" charset="0"/>
+                      </a:rPr>
+                      <m:t>)</m:t>
+                    </m:r>
+                  </m:oMath>
+                </a14:m>
+                <a:r>
+                  <a:rPr lang="en-US" dirty="0"/>
+                  <a:t>. For the case shown, the pendulum acquires a well defined period of </a:t>
+                </a:r>
+                <a14:m>
+                  <m:oMath xmlns:m="http://schemas.openxmlformats.org/officeDocument/2006/math">
+                    <m:sSub>
+                      <m:sSubPr>
+                        <m:ctrlPr>
+                          <a:rPr lang="en-US" b="0" i="1" smtClean="0">
+                            <a:latin typeface="Cambria Math" panose="02040503050406030204" pitchFamily="18" charset="0"/>
+                          </a:rPr>
+                        </m:ctrlPr>
+                      </m:sSubPr>
+                      <m:e>
+                        <m:r>
+                          <a:rPr lang="en-US" b="0" i="1" smtClean="0">
+                            <a:latin typeface="Cambria Math" panose="02040503050406030204" pitchFamily="18" charset="0"/>
+                          </a:rPr>
+                          <m:t>𝑇</m:t>
+                        </m:r>
+                      </m:e>
+                      <m:sub>
+                        <m:r>
+                          <a:rPr lang="en-US" b="0" i="1" smtClean="0">
+                            <a:latin typeface="Cambria Math" panose="02040503050406030204" pitchFamily="18" charset="0"/>
+                          </a:rPr>
+                          <m:t>0</m:t>
+                        </m:r>
+                      </m:sub>
+                    </m:sSub>
+                    <m:r>
+                      <a:rPr lang="en-US" b="0" i="1" smtClean="0">
+                        <a:latin typeface="Cambria Math" panose="02040503050406030204" pitchFamily="18" charset="0"/>
+                      </a:rPr>
+                      <m:t>=</m:t>
+                    </m:r>
+                    <m:f>
+                      <m:fPr>
+                        <m:ctrlPr>
+                          <a:rPr lang="en-US" b="0" i="1" smtClean="0">
+                            <a:latin typeface="Cambria Math" panose="02040503050406030204" pitchFamily="18" charset="0"/>
+                          </a:rPr>
+                        </m:ctrlPr>
+                      </m:fPr>
+                      <m:num>
+                        <m:r>
+                          <a:rPr lang="en-US" b="0" i="1" smtClean="0">
+                            <a:latin typeface="Cambria Math" panose="02040503050406030204" pitchFamily="18" charset="0"/>
+                          </a:rPr>
+                          <m:t>2</m:t>
+                        </m:r>
+                        <m:r>
+                          <a:rPr lang="en-US" b="0" i="1" smtClean="0">
+                            <a:latin typeface="Cambria Math" panose="02040503050406030204" pitchFamily="18" charset="0"/>
+                          </a:rPr>
+                          <m:t>𝜋</m:t>
+                        </m:r>
+                      </m:num>
+                      <m:den>
+                        <m:sSub>
+                          <m:sSubPr>
+                            <m:ctrlPr>
+                              <a:rPr lang="en-US" b="0" i="1" smtClean="0">
+                                <a:latin typeface="Cambria Math" panose="02040503050406030204" pitchFamily="18" charset="0"/>
+                              </a:rPr>
+                            </m:ctrlPr>
+                          </m:sSubPr>
+                          <m:e>
+                            <m:r>
+                              <a:rPr lang="en-US" b="0" i="1" smtClean="0">
+                                <a:latin typeface="Cambria Math" panose="02040503050406030204" pitchFamily="18" charset="0"/>
+                              </a:rPr>
+                              <m:t>𝜔</m:t>
+                            </m:r>
+                          </m:e>
+                          <m:sub>
+                            <m:r>
+                              <a:rPr lang="en-US" b="0" i="1" smtClean="0">
+                                <a:latin typeface="Cambria Math" panose="02040503050406030204" pitchFamily="18" charset="0"/>
+                              </a:rPr>
+                              <m:t>0</m:t>
+                            </m:r>
+                          </m:sub>
+                        </m:sSub>
+                      </m:den>
+                    </m:f>
+                    <m:r>
+                      <a:rPr lang="en-US" b="0" i="1" smtClean="0">
+                        <a:latin typeface="Cambria Math" panose="02040503050406030204" pitchFamily="18" charset="0"/>
+                      </a:rPr>
+                      <m:t>=0.916 </m:t>
+                    </m:r>
+                    <m:r>
+                      <a:rPr lang="en-US" b="0" i="1" smtClean="0">
+                        <a:latin typeface="Cambria Math" panose="02040503050406030204" pitchFamily="18" charset="0"/>
+                      </a:rPr>
+                      <m:t>𝑠</m:t>
+                    </m:r>
+                  </m:oMath>
+                </a14:m>
+                <a:r>
+                  <a:rPr lang="en-US" dirty="0"/>
+                  <a:t>.</a:t>
+                </a:r>
+              </a:p>
+            </p:txBody>
+          </p:sp>
+        </mc:Choice>
+        <mc:Fallback>
+          <p:sp>
+            <p:nvSpPr>
+              <p:cNvPr id="90" name="Text Placeholder 89">
+                <a:extLst>
+                  <a:ext uri="{FF2B5EF4-FFF2-40B4-BE49-F238E27FC236}">
+                    <a16:creationId xmlns:a16="http://schemas.microsoft.com/office/drawing/2014/main" id="{B20DAE73-7398-3541-9047-3EF06FA94C0B}"/>
+                  </a:ext>
+                </a:extLst>
+              </p:cNvPr>
+              <p:cNvSpPr>
+                <a:spLocks noGrp="1" noRot="1" noChangeAspect="1" noMove="1" noResize="1" noEditPoints="1" noAdjustHandles="1" noChangeArrowheads="1" noChangeShapeType="1" noTextEdit="1"/>
+              </p:cNvSpPr>
+              <p:nvPr>
+                <p:ph type="body" sz="quarter" idx="21"/>
+              </p:nvPr>
+            </p:nvSpPr>
+            <p:spPr>
+              <a:xfrm>
+                <a:off x="11433249" y="6278842"/>
+                <a:ext cx="10038662" cy="2337797"/>
+              </a:xfrm>
+              <a:blipFill>
+                <a:blip r:embed="rId6"/>
+                <a:stretch>
+                  <a:fillRect/>
+                </a:stretch>
+              </a:blipFill>
+            </p:spPr>
+            <p:txBody>
+              <a:bodyPr/>
+              <a:lstStyle/>
+              <a:p>
+                <a:r>
+                  <a:rPr lang="en-US">
+                    <a:noFill/>
+                  </a:rPr>
+                  <a:t> </a:t>
+                </a:r>
+              </a:p>
+            </p:txBody>
+          </p:sp>
+        </mc:Fallback>
+      </mc:AlternateContent>
       <p:sp>
         <p:nvSpPr>
           <p:cNvPr id="91" name="Text Placeholder 90">
@@ -16910,12 +17321,20 @@
             <p:ph type="body" sz="quarter" idx="25"/>
           </p:nvPr>
         </p:nvSpPr>
-        <p:spPr/>
+        <p:spPr>
+          <a:xfrm>
+            <a:off x="33390292" y="5577218"/>
+            <a:ext cx="10047018" cy="697106"/>
+          </a:xfrm>
+        </p:spPr>
         <p:txBody>
           <a:bodyPr/>
           <a:lstStyle/>
           <a:p>
-            <a:endParaRPr lang="en-US"/>
+            <a:r>
+              <a:rPr lang="en-US" u="none" dirty="0"/>
+              <a:t>How Chaos Develops</a:t>
+            </a:r>
           </a:p>
         </p:txBody>
       </p:sp>
@@ -16940,7 +17359,7 @@
           <a:bodyPr/>
           <a:lstStyle/>
           <a:p>
-            <a:endParaRPr lang="en-US"/>
+            <a:endParaRPr lang="en-US" dirty="0"/>
           </a:p>
         </p:txBody>
       </p:sp>
@@ -17065,7 +17484,7 @@
             <p:spPr>
               <a:xfrm>
                 <a:off x="459674" y="14951552"/>
-                <a:ext cx="10056813" cy="15025694"/>
+                <a:ext cx="10056813" cy="15956718"/>
               </a:xfrm>
             </p:spPr>
             <p:txBody>
@@ -17087,7 +17506,26 @@
                 </a:r>
                 <a:r>
                   <a:rPr lang="en-US" dirty="0"/>
-                  <a:t> and chaotic behavior progressively arises in pendulum dynamics by simulating the above differential equation. I will do this by manipulating the frictional and driving force parameters, </a:t>
+                  <a:t> and chaotic behavior progressively arises in pendulum dynamics by simulating the above differential equation by implementing a fourth order Runge-</a:t>
+                </a:r>
+                <a:r>
+                  <a:rPr lang="en-US" dirty="0" err="1"/>
+                  <a:t>Kutta</a:t>
+                </a:r>
+                <a:r>
+                  <a:rPr lang="en-US" dirty="0"/>
+                  <a:t> method in Python. The time step for each simulation was set to 0.001 s.</a:t>
+                </a:r>
+              </a:p>
+              <a:p>
+                <a:pPr>
+                  <a:lnSpc>
+                    <a:spcPct val="100000"/>
+                  </a:lnSpc>
+                </a:pPr>
+                <a:r>
+                  <a:rPr lang="en-US" dirty="0"/>
+                  <a:t>By manipulating the frictional and driving force parameters, </a:t>
                 </a:r>
                 <a14:m>
                   <m:oMath xmlns:m="http://schemas.openxmlformats.org/officeDocument/2006/math">
@@ -17195,7 +17633,15 @@
                 </a14:m>
                 <a:r>
                   <a:rPr lang="en-US" dirty="0"/>
-                  <a:t>. </a:t>
+                  <a:t>, we can study three main cases of </a:t>
+                </a:r>
+                <a:r>
+                  <a:rPr lang="en-US" dirty="0" err="1"/>
+                  <a:t>oscillatiors</a:t>
+                </a:r>
+                <a:r>
+                  <a:rPr lang="en-US" dirty="0"/>
+                  <a:t>:</a:t>
                 </a:r>
               </a:p>
               <a:p>
@@ -18106,10 +18552,10 @@
             <p:spPr>
               <a:xfrm>
                 <a:off x="459674" y="14951552"/>
-                <a:ext cx="10056813" cy="15025694"/>
+                <a:ext cx="10056813" cy="15956718"/>
               </a:xfrm>
               <a:blipFill>
-                <a:blip r:embed="rId5"/>
+                <a:blip r:embed="rId7"/>
                 <a:stretch>
                   <a:fillRect/>
                 </a:stretch>
@@ -18218,181 +18664,6 @@
           </a:p>
         </p:txBody>
       </p:sp>
-      <p:sp>
-        <p:nvSpPr>
-          <p:cNvPr id="19" name="Text Placeholder 88">
-            <a:extLst>
-              <a:ext uri="{FF2B5EF4-FFF2-40B4-BE49-F238E27FC236}">
-                <a16:creationId xmlns:a16="http://schemas.microsoft.com/office/drawing/2014/main" id="{1F0B2AD6-773D-514F-9563-064FCEA19788}"/>
-              </a:ext>
-            </a:extLst>
-          </p:cNvPr>
-          <p:cNvSpPr txBox="1">
-            <a:spLocks/>
-          </p:cNvSpPr>
-          <p:nvPr/>
-        </p:nvSpPr>
-        <p:spPr>
-          <a:xfrm>
-            <a:off x="11433249" y="26597917"/>
-            <a:ext cx="10050462" cy="754045"/>
-          </a:xfrm>
-          <a:prstGeom prst="rect">
-            <a:avLst/>
-          </a:prstGeom>
-          <a:noFill/>
-        </p:spPr>
-        <p:txBody>
-          <a:bodyPr wrap="square" lIns="91436" tIns="91436" rIns="91436" bIns="91436" anchor="ctr" anchorCtr="0">
-            <a:spAutoFit/>
-          </a:bodyPr>
-          <a:lstStyle>
-            <a:lvl1pPr marL="0" indent="0" algn="ctr" defTabSz="4388900" rtl="0" eaLnBrk="1" latinLnBrk="0" hangingPunct="1">
-              <a:spcBef>
-                <a:spcPct val="20000"/>
-              </a:spcBef>
-              <a:buFont typeface="Arial" pitchFamily="34" charset="0"/>
-              <a:buNone/>
-              <a:defRPr sz="3700" b="1" u="sng" kern="1200" baseline="0">
-                <a:solidFill>
-                  <a:schemeClr val="accent5">
-                    <a:lumMod val="50000"/>
-                  </a:schemeClr>
-                </a:solidFill>
-                <a:latin typeface="+mn-lt"/>
-                <a:ea typeface="+mn-ea"/>
-                <a:cs typeface="+mn-cs"/>
-              </a:defRPr>
-            </a:lvl1pPr>
-            <a:lvl2pPr marL="3565982" indent="-1371531" algn="l" defTabSz="4388900" rtl="0" eaLnBrk="1" latinLnBrk="0" hangingPunct="1">
-              <a:spcBef>
-                <a:spcPct val="20000"/>
-              </a:spcBef>
-              <a:buFont typeface="Arial" pitchFamily="34" charset="0"/>
-              <a:buChar char="–"/>
-              <a:defRPr sz="13500" kern="1200">
-                <a:solidFill>
-                  <a:schemeClr val="tx1"/>
-                </a:solidFill>
-                <a:latin typeface="+mn-lt"/>
-                <a:ea typeface="+mn-ea"/>
-                <a:cs typeface="+mn-cs"/>
-              </a:defRPr>
-            </a:lvl2pPr>
-            <a:lvl3pPr marL="5486126" indent="-1097226" algn="l" defTabSz="4388900" rtl="0" eaLnBrk="1" latinLnBrk="0" hangingPunct="1">
-              <a:spcBef>
-                <a:spcPct val="20000"/>
-              </a:spcBef>
-              <a:buFont typeface="Arial" pitchFamily="34" charset="0"/>
-              <a:buChar char="•"/>
-              <a:defRPr sz="11600" kern="1200">
-                <a:solidFill>
-                  <a:schemeClr val="tx1"/>
-                </a:solidFill>
-                <a:latin typeface="+mn-lt"/>
-                <a:ea typeface="+mn-ea"/>
-                <a:cs typeface="+mn-cs"/>
-              </a:defRPr>
-            </a:lvl3pPr>
-            <a:lvl4pPr marL="7680577" indent="-1097226" algn="l" defTabSz="4388900" rtl="0" eaLnBrk="1" latinLnBrk="0" hangingPunct="1">
-              <a:spcBef>
-                <a:spcPct val="20000"/>
-              </a:spcBef>
-              <a:buFont typeface="Arial" pitchFamily="34" charset="0"/>
-              <a:buChar char="–"/>
-              <a:defRPr sz="9600" kern="1200">
-                <a:solidFill>
-                  <a:schemeClr val="tx1"/>
-                </a:solidFill>
-                <a:latin typeface="+mn-lt"/>
-                <a:ea typeface="+mn-ea"/>
-                <a:cs typeface="+mn-cs"/>
-              </a:defRPr>
-            </a:lvl4pPr>
-            <a:lvl5pPr marL="9875026" indent="-1097226" algn="l" defTabSz="4388900" rtl="0" eaLnBrk="1" latinLnBrk="0" hangingPunct="1">
-              <a:spcBef>
-                <a:spcPct val="20000"/>
-              </a:spcBef>
-              <a:buFont typeface="Arial" pitchFamily="34" charset="0"/>
-              <a:buChar char="»"/>
-              <a:defRPr sz="9600" kern="1200">
-                <a:solidFill>
-                  <a:schemeClr val="tx1"/>
-                </a:solidFill>
-                <a:latin typeface="+mn-lt"/>
-                <a:ea typeface="+mn-ea"/>
-                <a:cs typeface="+mn-cs"/>
-              </a:defRPr>
-            </a:lvl5pPr>
-            <a:lvl6pPr marL="12069477" indent="-1097226" algn="l" defTabSz="4388900" rtl="0" eaLnBrk="1" latinLnBrk="0" hangingPunct="1">
-              <a:spcBef>
-                <a:spcPct val="20000"/>
-              </a:spcBef>
-              <a:buFont typeface="Arial" pitchFamily="34" charset="0"/>
-              <a:buChar char="•"/>
-              <a:defRPr sz="9600" kern="1200">
-                <a:solidFill>
-                  <a:schemeClr val="tx1"/>
-                </a:solidFill>
-                <a:latin typeface="+mn-lt"/>
-                <a:ea typeface="+mn-ea"/>
-                <a:cs typeface="+mn-cs"/>
-              </a:defRPr>
-            </a:lvl6pPr>
-            <a:lvl7pPr marL="14263926" indent="-1097226" algn="l" defTabSz="4388900" rtl="0" eaLnBrk="1" latinLnBrk="0" hangingPunct="1">
-              <a:spcBef>
-                <a:spcPct val="20000"/>
-              </a:spcBef>
-              <a:buFont typeface="Arial" pitchFamily="34" charset="0"/>
-              <a:buChar char="•"/>
-              <a:defRPr sz="9600" kern="1200">
-                <a:solidFill>
-                  <a:schemeClr val="tx1"/>
-                </a:solidFill>
-                <a:latin typeface="+mn-lt"/>
-                <a:ea typeface="+mn-ea"/>
-                <a:cs typeface="+mn-cs"/>
-              </a:defRPr>
-            </a:lvl7pPr>
-            <a:lvl8pPr marL="16458377" indent="-1097226" algn="l" defTabSz="4388900" rtl="0" eaLnBrk="1" latinLnBrk="0" hangingPunct="1">
-              <a:spcBef>
-                <a:spcPct val="20000"/>
-              </a:spcBef>
-              <a:buFont typeface="Arial" pitchFamily="34" charset="0"/>
-              <a:buChar char="•"/>
-              <a:defRPr sz="9600" kern="1200">
-                <a:solidFill>
-                  <a:schemeClr val="tx1"/>
-                </a:solidFill>
-                <a:latin typeface="+mn-lt"/>
-                <a:ea typeface="+mn-ea"/>
-                <a:cs typeface="+mn-cs"/>
-              </a:defRPr>
-            </a:lvl8pPr>
-            <a:lvl9pPr marL="18652827" indent="-1097226" algn="l" defTabSz="4388900" rtl="0" eaLnBrk="1" latinLnBrk="0" hangingPunct="1">
-              <a:spcBef>
-                <a:spcPct val="20000"/>
-              </a:spcBef>
-              <a:buFont typeface="Arial" pitchFamily="34" charset="0"/>
-              <a:buChar char="•"/>
-              <a:defRPr sz="9600" kern="1200">
-                <a:solidFill>
-                  <a:schemeClr val="tx1"/>
-                </a:solidFill>
-                <a:latin typeface="+mn-lt"/>
-                <a:ea typeface="+mn-ea"/>
-                <a:cs typeface="+mn-cs"/>
-              </a:defRPr>
-            </a:lvl9pPr>
-          </a:lstStyle>
-          <a:p>
-            <a:r>
-              <a:rPr lang="en-US" u="none" dirty="0"/>
-              <a:t>Methods</a:t>
-            </a:r>
-          </a:p>
-        </p:txBody>
-      </p:sp>
       <p:pic>
         <p:nvPicPr>
           <p:cNvPr id="13" name="Picture 12">
@@ -18408,7 +18679,7 @@
           <p:nvPr/>
         </p:nvPicPr>
         <p:blipFill>
-          <a:blip r:embed="rId6">
+          <a:blip r:embed="rId8">
             <a:extLst>
               <a:ext uri="{28A0092B-C50C-407E-A947-70E740481C1C}">
                 <a14:useLocalDpi xmlns:a14="http://schemas.microsoft.com/office/drawing/2010/main" val="0"/>
@@ -18421,7 +18692,7 @@
         </p:blipFill>
         <p:spPr>
           <a:xfrm>
-            <a:off x="10947476" y="8299515"/>
+            <a:off x="10956944" y="8701083"/>
             <a:ext cx="7315200" cy="4864100"/>
           </a:xfrm>
           <a:prstGeom prst="rect">
@@ -18444,7 +18715,7 @@
           <p:nvPr/>
         </p:nvPicPr>
         <p:blipFill>
-          <a:blip r:embed="rId7">
+          <a:blip r:embed="rId9">
             <a:extLst>
               <a:ext uri="{28A0092B-C50C-407E-A947-70E740481C1C}">
                 <a14:useLocalDpi xmlns:a14="http://schemas.microsoft.com/office/drawing/2010/main" val="0"/>
@@ -18457,7 +18728,7 @@
         </p:blipFill>
         <p:spPr>
           <a:xfrm>
-            <a:off x="25577876" y="8312962"/>
+            <a:off x="25301876" y="8701083"/>
             <a:ext cx="7315200" cy="4864100"/>
           </a:xfrm>
           <a:prstGeom prst="rect">
@@ -18480,7 +18751,7 @@
           <p:nvPr/>
         </p:nvPicPr>
         <p:blipFill>
-          <a:blip r:embed="rId8">
+          <a:blip r:embed="rId10">
             <a:extLst>
               <a:ext uri="{28A0092B-C50C-407E-A947-70E740481C1C}">
                 <a14:useLocalDpi xmlns:a14="http://schemas.microsoft.com/office/drawing/2010/main" val="0"/>
@@ -18493,7 +18764,7 @@
         </p:blipFill>
         <p:spPr>
           <a:xfrm>
-            <a:off x="18262676" y="8312962"/>
+            <a:off x="17986676" y="8701083"/>
             <a:ext cx="7315200" cy="4864100"/>
           </a:xfrm>
           <a:prstGeom prst="rect">
@@ -18517,7 +18788,7 @@
         </p:nvSpPr>
         <p:spPr>
           <a:xfrm>
-            <a:off x="11445049" y="14509465"/>
+            <a:off x="11472262" y="14074616"/>
             <a:ext cx="20974055" cy="697106"/>
           </a:xfrm>
           <a:prstGeom prst="rect">
@@ -18711,244 +18982,291 @@
           </a:p>
         </p:txBody>
       </p:sp>
-      <p:sp>
-        <p:nvSpPr>
-          <p:cNvPr id="37" name="Text Placeholder 89">
-            <a:extLst>
-              <a:ext uri="{FF2B5EF4-FFF2-40B4-BE49-F238E27FC236}">
-                <a16:creationId xmlns:a16="http://schemas.microsoft.com/office/drawing/2014/main" id="{A9A36B7B-F10F-704C-8CED-B5A530088F29}"/>
-              </a:ext>
-            </a:extLst>
-          </p:cNvPr>
-          <p:cNvSpPr txBox="1">
-            <a:spLocks/>
-          </p:cNvSpPr>
-          <p:nvPr/>
-        </p:nvSpPr>
-        <p:spPr>
-          <a:xfrm>
-            <a:off x="11433249" y="15202062"/>
-            <a:ext cx="20974054" cy="807891"/>
-          </a:xfrm>
-          <a:prstGeom prst="rect">
-            <a:avLst/>
-          </a:prstGeom>
-        </p:spPr>
-        <p:txBody>
-          <a:bodyPr vert="horz" wrap="square" lIns="228589" tIns="228589" rIns="228589" bIns="228589" rtlCol="0">
-            <a:spAutoFit/>
-          </a:bodyPr>
-          <a:lstStyle>
-            <a:lvl1pPr marL="0" indent="0" algn="l" defTabSz="4389120" rtl="0" eaLnBrk="1" latinLnBrk="0" hangingPunct="1">
-              <a:lnSpc>
-                <a:spcPct val="90000"/>
-              </a:lnSpc>
-              <a:spcBef>
-                <a:spcPts val="4800"/>
-              </a:spcBef>
-              <a:buFont typeface="Arial" panose="020B0604020202020204" pitchFamily="34" charset="0"/>
-              <a:buNone/>
-              <a:defRPr sz="2500" kern="1200">
-                <a:solidFill>
-                  <a:schemeClr val="accent5">
-                    <a:lumMod val="50000"/>
-                  </a:schemeClr>
-                </a:solidFill>
-                <a:latin typeface="Times New Roman" pitchFamily="18" charset="0"/>
-                <a:ea typeface="+mn-ea"/>
-                <a:cs typeface="Times New Roman" pitchFamily="18" charset="0"/>
-              </a:defRPr>
-            </a:lvl1pPr>
-            <a:lvl2pPr marL="1485825" indent="-571471" algn="l" defTabSz="4389120" rtl="0" eaLnBrk="1" latinLnBrk="0" hangingPunct="1">
-              <a:lnSpc>
-                <a:spcPct val="90000"/>
-              </a:lnSpc>
-              <a:spcBef>
-                <a:spcPts val="2400"/>
-              </a:spcBef>
-              <a:buFont typeface="Arial" panose="020B0604020202020204" pitchFamily="34" charset="0"/>
-              <a:buChar char="•"/>
-              <a:defRPr sz="2500" kern="1200">
-                <a:solidFill>
-                  <a:schemeClr val="tx1"/>
-                </a:solidFill>
-                <a:latin typeface="Trebuchet MS" pitchFamily="34" charset="0"/>
-                <a:ea typeface="+mn-ea"/>
-                <a:cs typeface="+mn-cs"/>
-              </a:defRPr>
-            </a:lvl2pPr>
-            <a:lvl3pPr marL="2057297" indent="-571471" algn="l" defTabSz="4389120" rtl="0" eaLnBrk="1" latinLnBrk="0" hangingPunct="1">
-              <a:lnSpc>
-                <a:spcPct val="90000"/>
-              </a:lnSpc>
-              <a:spcBef>
-                <a:spcPts val="2400"/>
-              </a:spcBef>
-              <a:buFont typeface="Arial" panose="020B0604020202020204" pitchFamily="34" charset="0"/>
-              <a:buChar char="•"/>
-              <a:defRPr sz="2500" kern="1200">
-                <a:solidFill>
-                  <a:schemeClr val="tx1"/>
-                </a:solidFill>
-                <a:latin typeface="Trebuchet MS" pitchFamily="34" charset="0"/>
-                <a:ea typeface="+mn-ea"/>
-                <a:cs typeface="+mn-cs"/>
-              </a:defRPr>
-            </a:lvl3pPr>
-            <a:lvl4pPr marL="2685916" indent="-628619" algn="l" defTabSz="4389120" rtl="0" eaLnBrk="1" latinLnBrk="0" hangingPunct="1">
-              <a:lnSpc>
-                <a:spcPct val="90000"/>
-              </a:lnSpc>
-              <a:spcBef>
-                <a:spcPts val="2400"/>
-              </a:spcBef>
-              <a:buFont typeface="Arial" panose="020B0604020202020204" pitchFamily="34" charset="0"/>
-              <a:buChar char="•"/>
-              <a:defRPr sz="2500" kern="1200">
-                <a:solidFill>
-                  <a:schemeClr val="tx1"/>
-                </a:solidFill>
-                <a:latin typeface="Trebuchet MS" pitchFamily="34" charset="0"/>
-                <a:ea typeface="+mn-ea"/>
-                <a:cs typeface="+mn-cs"/>
-              </a:defRPr>
-            </a:lvl4pPr>
-            <a:lvl5pPr marL="3143093" indent="-457177" algn="l" defTabSz="4389120" rtl="0" eaLnBrk="1" latinLnBrk="0" hangingPunct="1">
-              <a:lnSpc>
-                <a:spcPct val="90000"/>
-              </a:lnSpc>
-              <a:spcBef>
-                <a:spcPts val="2400"/>
-              </a:spcBef>
-              <a:buFont typeface="Arial" panose="020B0604020202020204" pitchFamily="34" charset="0"/>
-              <a:buChar char="•"/>
-              <a:defRPr sz="2500" kern="1200">
-                <a:solidFill>
-                  <a:schemeClr val="tx1"/>
-                </a:solidFill>
-                <a:latin typeface="Trebuchet MS" pitchFamily="34" charset="0"/>
-                <a:ea typeface="+mn-ea"/>
-                <a:cs typeface="+mn-cs"/>
-              </a:defRPr>
-            </a:lvl5pPr>
-            <a:lvl6pPr marL="12070080" indent="-1097280" algn="l" defTabSz="4389120" rtl="0" eaLnBrk="1" latinLnBrk="0" hangingPunct="1">
-              <a:lnSpc>
-                <a:spcPct val="90000"/>
-              </a:lnSpc>
-              <a:spcBef>
-                <a:spcPts val="2400"/>
-              </a:spcBef>
-              <a:buFont typeface="Arial" panose="020B0604020202020204" pitchFamily="34" charset="0"/>
-              <a:buChar char="•"/>
-              <a:defRPr sz="8640" kern="1200">
-                <a:solidFill>
-                  <a:schemeClr val="tx1"/>
-                </a:solidFill>
-                <a:latin typeface="+mn-lt"/>
-                <a:ea typeface="+mn-ea"/>
-                <a:cs typeface="+mn-cs"/>
-              </a:defRPr>
-            </a:lvl6pPr>
-            <a:lvl7pPr marL="14264640" indent="-1097280" algn="l" defTabSz="4389120" rtl="0" eaLnBrk="1" latinLnBrk="0" hangingPunct="1">
-              <a:lnSpc>
-                <a:spcPct val="90000"/>
-              </a:lnSpc>
-              <a:spcBef>
-                <a:spcPts val="2400"/>
-              </a:spcBef>
-              <a:buFont typeface="Arial" panose="020B0604020202020204" pitchFamily="34" charset="0"/>
-              <a:buChar char="•"/>
-              <a:defRPr sz="8640" kern="1200">
-                <a:solidFill>
-                  <a:schemeClr val="tx1"/>
-                </a:solidFill>
-                <a:latin typeface="+mn-lt"/>
-                <a:ea typeface="+mn-ea"/>
-                <a:cs typeface="+mn-cs"/>
-              </a:defRPr>
-            </a:lvl7pPr>
-            <a:lvl8pPr marL="16459200" indent="-1097280" algn="l" defTabSz="4389120" rtl="0" eaLnBrk="1" latinLnBrk="0" hangingPunct="1">
-              <a:lnSpc>
-                <a:spcPct val="90000"/>
-              </a:lnSpc>
-              <a:spcBef>
-                <a:spcPts val="2400"/>
-              </a:spcBef>
-              <a:buFont typeface="Arial" panose="020B0604020202020204" pitchFamily="34" charset="0"/>
-              <a:buChar char="•"/>
-              <a:defRPr sz="8640" kern="1200">
-                <a:solidFill>
-                  <a:schemeClr val="tx1"/>
-                </a:solidFill>
-                <a:latin typeface="+mn-lt"/>
-                <a:ea typeface="+mn-ea"/>
-                <a:cs typeface="+mn-cs"/>
-              </a:defRPr>
-            </a:lvl8pPr>
-            <a:lvl9pPr marL="18653760" indent="-1097280" algn="l" defTabSz="4389120" rtl="0" eaLnBrk="1" latinLnBrk="0" hangingPunct="1">
-              <a:lnSpc>
-                <a:spcPct val="90000"/>
-              </a:lnSpc>
-              <a:spcBef>
-                <a:spcPts val="2400"/>
-              </a:spcBef>
-              <a:buFont typeface="Arial" panose="020B0604020202020204" pitchFamily="34" charset="0"/>
-              <a:buChar char="•"/>
-              <a:defRPr sz="8640" kern="1200">
-                <a:solidFill>
-                  <a:schemeClr val="tx1"/>
-                </a:solidFill>
-                <a:latin typeface="+mn-lt"/>
-                <a:ea typeface="+mn-ea"/>
-                <a:cs typeface="+mn-cs"/>
-              </a:defRPr>
-            </a:lvl9pPr>
-          </a:lstStyle>
-          <a:p>
-            <a:r>
-              <a:rPr lang="en-US"/>
-              <a:t>l</a:t>
-            </a:r>
-            <a:endParaRPr lang="en-US" dirty="0"/>
-          </a:p>
-        </p:txBody>
-      </p:sp>
-      <p:pic>
-        <p:nvPicPr>
-          <p:cNvPr id="22" name="Picture 21">
-            <a:extLst>
-              <a:ext uri="{FF2B5EF4-FFF2-40B4-BE49-F238E27FC236}">
-                <a16:creationId xmlns:a16="http://schemas.microsoft.com/office/drawing/2014/main" id="{9F688B99-4B96-444A-902C-ABE0220025AE}"/>
-              </a:ext>
-            </a:extLst>
-          </p:cNvPr>
-          <p:cNvPicPr>
-            <a:picLocks noChangeAspect="1"/>
-          </p:cNvPicPr>
-          <p:nvPr/>
-        </p:nvPicPr>
-        <p:blipFill>
-          <a:blip r:embed="rId9">
-            <a:extLst>
-              <a:ext uri="{28A0092B-C50C-407E-A947-70E740481C1C}">
-                <a14:useLocalDpi xmlns:a14="http://schemas.microsoft.com/office/drawing/2010/main" val="0"/>
-              </a:ext>
-            </a:extLst>
-          </a:blip>
-          <a:stretch>
-            <a:fillRect/>
-          </a:stretch>
-        </p:blipFill>
-        <p:spPr>
-          <a:xfrm>
-            <a:off x="11044615" y="16702550"/>
-            <a:ext cx="7315200" cy="4864100"/>
-          </a:xfrm>
-          <a:prstGeom prst="rect">
-            <a:avLst/>
-          </a:prstGeom>
-        </p:spPr>
-      </p:pic>
+      <mc:AlternateContent xmlns:mc="http://schemas.openxmlformats.org/markup-compatibility/2006">
+        <mc:Choice xmlns:a14="http://schemas.microsoft.com/office/drawing/2010/main" Requires="a14">
+          <p:sp>
+            <p:nvSpPr>
+              <p:cNvPr id="37" name="Text Placeholder 89">
+                <a:extLst>
+                  <a:ext uri="{FF2B5EF4-FFF2-40B4-BE49-F238E27FC236}">
+                    <a16:creationId xmlns:a16="http://schemas.microsoft.com/office/drawing/2014/main" id="{A9A36B7B-F10F-704C-8CED-B5A530088F29}"/>
+                  </a:ext>
+                </a:extLst>
+              </p:cNvPr>
+              <p:cNvSpPr txBox="1">
+                <a:spLocks/>
+              </p:cNvSpPr>
+              <p:nvPr/>
+            </p:nvSpPr>
+            <p:spPr>
+              <a:xfrm>
+                <a:off x="11466362" y="15144161"/>
+                <a:ext cx="6829427" cy="1846637"/>
+              </a:xfrm>
+              <a:prstGeom prst="rect">
+                <a:avLst/>
+              </a:prstGeom>
+            </p:spPr>
+            <p:txBody>
+              <a:bodyPr vert="horz" wrap="square" lIns="228589" tIns="228589" rIns="228589" bIns="228589" rtlCol="0">
+                <a:spAutoFit/>
+              </a:bodyPr>
+              <a:lstStyle>
+                <a:lvl1pPr marL="0" indent="0" algn="l" defTabSz="4389120" rtl="0" eaLnBrk="1" latinLnBrk="0" hangingPunct="1">
+                  <a:lnSpc>
+                    <a:spcPct val="90000"/>
+                  </a:lnSpc>
+                  <a:spcBef>
+                    <a:spcPts val="4800"/>
+                  </a:spcBef>
+                  <a:buFont typeface="Arial" panose="020B0604020202020204" pitchFamily="34" charset="0"/>
+                  <a:buNone/>
+                  <a:defRPr sz="2500" kern="1200">
+                    <a:solidFill>
+                      <a:schemeClr val="accent5">
+                        <a:lumMod val="50000"/>
+                      </a:schemeClr>
+                    </a:solidFill>
+                    <a:latin typeface="Times New Roman" pitchFamily="18" charset="0"/>
+                    <a:ea typeface="+mn-ea"/>
+                    <a:cs typeface="Times New Roman" pitchFamily="18" charset="0"/>
+                  </a:defRPr>
+                </a:lvl1pPr>
+                <a:lvl2pPr marL="1485825" indent="-571471" algn="l" defTabSz="4389120" rtl="0" eaLnBrk="1" latinLnBrk="0" hangingPunct="1">
+                  <a:lnSpc>
+                    <a:spcPct val="90000"/>
+                  </a:lnSpc>
+                  <a:spcBef>
+                    <a:spcPts val="2400"/>
+                  </a:spcBef>
+                  <a:buFont typeface="Arial" panose="020B0604020202020204" pitchFamily="34" charset="0"/>
+                  <a:buChar char="•"/>
+                  <a:defRPr sz="2500" kern="1200">
+                    <a:solidFill>
+                      <a:schemeClr val="tx1"/>
+                    </a:solidFill>
+                    <a:latin typeface="Trebuchet MS" pitchFamily="34" charset="0"/>
+                    <a:ea typeface="+mn-ea"/>
+                    <a:cs typeface="+mn-cs"/>
+                  </a:defRPr>
+                </a:lvl2pPr>
+                <a:lvl3pPr marL="2057297" indent="-571471" algn="l" defTabSz="4389120" rtl="0" eaLnBrk="1" latinLnBrk="0" hangingPunct="1">
+                  <a:lnSpc>
+                    <a:spcPct val="90000"/>
+                  </a:lnSpc>
+                  <a:spcBef>
+                    <a:spcPts val="2400"/>
+                  </a:spcBef>
+                  <a:buFont typeface="Arial" panose="020B0604020202020204" pitchFamily="34" charset="0"/>
+                  <a:buChar char="•"/>
+                  <a:defRPr sz="2500" kern="1200">
+                    <a:solidFill>
+                      <a:schemeClr val="tx1"/>
+                    </a:solidFill>
+                    <a:latin typeface="Trebuchet MS" pitchFamily="34" charset="0"/>
+                    <a:ea typeface="+mn-ea"/>
+                    <a:cs typeface="+mn-cs"/>
+                  </a:defRPr>
+                </a:lvl3pPr>
+                <a:lvl4pPr marL="2685916" indent="-628619" algn="l" defTabSz="4389120" rtl="0" eaLnBrk="1" latinLnBrk="0" hangingPunct="1">
+                  <a:lnSpc>
+                    <a:spcPct val="90000"/>
+                  </a:lnSpc>
+                  <a:spcBef>
+                    <a:spcPts val="2400"/>
+                  </a:spcBef>
+                  <a:buFont typeface="Arial" panose="020B0604020202020204" pitchFamily="34" charset="0"/>
+                  <a:buChar char="•"/>
+                  <a:defRPr sz="2500" kern="1200">
+                    <a:solidFill>
+                      <a:schemeClr val="tx1"/>
+                    </a:solidFill>
+                    <a:latin typeface="Trebuchet MS" pitchFamily="34" charset="0"/>
+                    <a:ea typeface="+mn-ea"/>
+                    <a:cs typeface="+mn-cs"/>
+                  </a:defRPr>
+                </a:lvl4pPr>
+                <a:lvl5pPr marL="3143093" indent="-457177" algn="l" defTabSz="4389120" rtl="0" eaLnBrk="1" latinLnBrk="0" hangingPunct="1">
+                  <a:lnSpc>
+                    <a:spcPct val="90000"/>
+                  </a:lnSpc>
+                  <a:spcBef>
+                    <a:spcPts val="2400"/>
+                  </a:spcBef>
+                  <a:buFont typeface="Arial" panose="020B0604020202020204" pitchFamily="34" charset="0"/>
+                  <a:buChar char="•"/>
+                  <a:defRPr sz="2500" kern="1200">
+                    <a:solidFill>
+                      <a:schemeClr val="tx1"/>
+                    </a:solidFill>
+                    <a:latin typeface="Trebuchet MS" pitchFamily="34" charset="0"/>
+                    <a:ea typeface="+mn-ea"/>
+                    <a:cs typeface="+mn-cs"/>
+                  </a:defRPr>
+                </a:lvl5pPr>
+                <a:lvl6pPr marL="12070080" indent="-1097280" algn="l" defTabSz="4389120" rtl="0" eaLnBrk="1" latinLnBrk="0" hangingPunct="1">
+                  <a:lnSpc>
+                    <a:spcPct val="90000"/>
+                  </a:lnSpc>
+                  <a:spcBef>
+                    <a:spcPts val="2400"/>
+                  </a:spcBef>
+                  <a:buFont typeface="Arial" panose="020B0604020202020204" pitchFamily="34" charset="0"/>
+                  <a:buChar char="•"/>
+                  <a:defRPr sz="8640" kern="1200">
+                    <a:solidFill>
+                      <a:schemeClr val="tx1"/>
+                    </a:solidFill>
+                    <a:latin typeface="+mn-lt"/>
+                    <a:ea typeface="+mn-ea"/>
+                    <a:cs typeface="+mn-cs"/>
+                  </a:defRPr>
+                </a:lvl6pPr>
+                <a:lvl7pPr marL="14264640" indent="-1097280" algn="l" defTabSz="4389120" rtl="0" eaLnBrk="1" latinLnBrk="0" hangingPunct="1">
+                  <a:lnSpc>
+                    <a:spcPct val="90000"/>
+                  </a:lnSpc>
+                  <a:spcBef>
+                    <a:spcPts val="2400"/>
+                  </a:spcBef>
+                  <a:buFont typeface="Arial" panose="020B0604020202020204" pitchFamily="34" charset="0"/>
+                  <a:buChar char="•"/>
+                  <a:defRPr sz="8640" kern="1200">
+                    <a:solidFill>
+                      <a:schemeClr val="tx1"/>
+                    </a:solidFill>
+                    <a:latin typeface="+mn-lt"/>
+                    <a:ea typeface="+mn-ea"/>
+                    <a:cs typeface="+mn-cs"/>
+                  </a:defRPr>
+                </a:lvl7pPr>
+                <a:lvl8pPr marL="16459200" indent="-1097280" algn="l" defTabSz="4389120" rtl="0" eaLnBrk="1" latinLnBrk="0" hangingPunct="1">
+                  <a:lnSpc>
+                    <a:spcPct val="90000"/>
+                  </a:lnSpc>
+                  <a:spcBef>
+                    <a:spcPts val="2400"/>
+                  </a:spcBef>
+                  <a:buFont typeface="Arial" panose="020B0604020202020204" pitchFamily="34" charset="0"/>
+                  <a:buChar char="•"/>
+                  <a:defRPr sz="8640" kern="1200">
+                    <a:solidFill>
+                      <a:schemeClr val="tx1"/>
+                    </a:solidFill>
+                    <a:latin typeface="+mn-lt"/>
+                    <a:ea typeface="+mn-ea"/>
+                    <a:cs typeface="+mn-cs"/>
+                  </a:defRPr>
+                </a:lvl8pPr>
+                <a:lvl9pPr marL="18653760" indent="-1097280" algn="l" defTabSz="4389120" rtl="0" eaLnBrk="1" latinLnBrk="0" hangingPunct="1">
+                  <a:lnSpc>
+                    <a:spcPct val="90000"/>
+                  </a:lnSpc>
+                  <a:spcBef>
+                    <a:spcPts val="2400"/>
+                  </a:spcBef>
+                  <a:buFont typeface="Arial" panose="020B0604020202020204" pitchFamily="34" charset="0"/>
+                  <a:buChar char="•"/>
+                  <a:defRPr sz="8640" kern="1200">
+                    <a:solidFill>
+                      <a:schemeClr val="tx1"/>
+                    </a:solidFill>
+                    <a:latin typeface="+mn-lt"/>
+                    <a:ea typeface="+mn-ea"/>
+                    <a:cs typeface="+mn-cs"/>
+                  </a:defRPr>
+                </a:lvl9pPr>
+              </a:lstStyle>
+              <a:p>
+                <a:pPr algn="just"/>
+                <a:r>
+                  <a:rPr lang="en-US" dirty="0"/>
+                  <a:t>As the initial displacement is further increased, higher order terms in the </a:t>
+                </a:r>
+                <a14:m>
+                  <m:oMath xmlns:m="http://schemas.openxmlformats.org/officeDocument/2006/math">
+                    <m:r>
+                      <m:rPr>
+                        <m:nor/>
+                      </m:rPr>
+                      <a:rPr lang="en-US" b="0" i="0" smtClean="0">
+                        <a:latin typeface="Cambria Math" panose="02040503050406030204" pitchFamily="18" charset="0"/>
+                      </a:rPr>
+                      <m:t>sin</m:t>
+                    </m:r>
+                    <m:r>
+                      <a:rPr lang="en-US" b="0" i="1" smtClean="0">
+                        <a:latin typeface="Cambria Math" panose="02040503050406030204" pitchFamily="18" charset="0"/>
+                      </a:rPr>
+                      <m:t>(</m:t>
+                    </m:r>
+                    <m:r>
+                      <a:rPr lang="en-US" b="0" i="1" smtClean="0">
+                        <a:latin typeface="Cambria Math" panose="02040503050406030204" pitchFamily="18" charset="0"/>
+                      </a:rPr>
+                      <m:t>𝜙</m:t>
+                    </m:r>
+                    <m:r>
+                      <a:rPr lang="en-US" b="0" i="1" smtClean="0">
+                        <a:latin typeface="Cambria Math" panose="02040503050406030204" pitchFamily="18" charset="0"/>
+                      </a:rPr>
+                      <m:t>)</m:t>
+                    </m:r>
+                  </m:oMath>
+                </a14:m>
+                <a:r>
+                  <a:rPr lang="en-US" dirty="0"/>
+                  <a:t> term become dominant. While periodic, the behavior is no longer harmonic [].  </a:t>
+                </a:r>
+              </a:p>
+            </p:txBody>
+          </p:sp>
+        </mc:Choice>
+        <mc:Fallback>
+          <p:sp>
+            <p:nvSpPr>
+              <p:cNvPr id="37" name="Text Placeholder 89">
+                <a:extLst>
+                  <a:ext uri="{FF2B5EF4-FFF2-40B4-BE49-F238E27FC236}">
+                    <a16:creationId xmlns:a16="http://schemas.microsoft.com/office/drawing/2014/main" id="{A9A36B7B-F10F-704C-8CED-B5A530088F29}"/>
+                  </a:ext>
+                </a:extLst>
+              </p:cNvPr>
+              <p:cNvSpPr txBox="1">
+                <a:spLocks noRot="1" noChangeAspect="1" noMove="1" noResize="1" noEditPoints="1" noAdjustHandles="1" noChangeArrowheads="1" noChangeShapeType="1" noTextEdit="1"/>
+              </p:cNvSpPr>
+              <p:nvPr/>
+            </p:nvSpPr>
+            <p:spPr>
+              <a:xfrm>
+                <a:off x="11466362" y="15144161"/>
+                <a:ext cx="6829427" cy="1846637"/>
+              </a:xfrm>
+              <a:prstGeom prst="rect">
+                <a:avLst/>
+              </a:prstGeom>
+              <a:blipFill>
+                <a:blip r:embed="rId11"/>
+                <a:stretch>
+                  <a:fillRect/>
+                </a:stretch>
+              </a:blipFill>
+            </p:spPr>
+            <p:txBody>
+              <a:bodyPr/>
+              <a:lstStyle/>
+              <a:p>
+                <a:r>
+                  <a:rPr lang="en-US">
+                    <a:noFill/>
+                  </a:rPr>
+                  <a:t> </a:t>
+                </a:r>
+              </a:p>
+            </p:txBody>
+          </p:sp>
+        </mc:Fallback>
+      </mc:AlternateContent>
       <p:pic>
         <p:nvPicPr>
           <p:cNvPr id="24" name="Picture 23">
@@ -18964,7 +19282,7 @@
           <p:nvPr/>
         </p:nvPicPr>
         <p:blipFill>
-          <a:blip r:embed="rId10">
+          <a:blip r:embed="rId12">
             <a:extLst>
               <a:ext uri="{28A0092B-C50C-407E-A947-70E740481C1C}">
                 <a14:useLocalDpi xmlns:a14="http://schemas.microsoft.com/office/drawing/2010/main" val="0"/>
@@ -18977,7 +19295,7 @@
         </p:blipFill>
         <p:spPr>
           <a:xfrm>
-            <a:off x="18295789" y="16702550"/>
+            <a:off x="17986676" y="17056112"/>
             <a:ext cx="7315200" cy="4864100"/>
           </a:xfrm>
           <a:prstGeom prst="rect">
@@ -19000,7 +19318,7 @@
           <p:nvPr/>
         </p:nvPicPr>
         <p:blipFill>
-          <a:blip r:embed="rId11">
+          <a:blip r:embed="rId13">
             <a:extLst>
               <a:ext uri="{28A0092B-C50C-407E-A947-70E740481C1C}">
                 <a14:useLocalDpi xmlns:a14="http://schemas.microsoft.com/office/drawing/2010/main" val="0"/>
@@ -19013,7 +19331,7 @@
         </p:blipFill>
         <p:spPr>
           <a:xfrm>
-            <a:off x="25577876" y="16700343"/>
+            <a:off x="24863393" y="17064436"/>
             <a:ext cx="7315200" cy="4864100"/>
           </a:xfrm>
           <a:prstGeom prst="rect">
@@ -19036,7 +19354,7 @@
           <p:nvPr/>
         </p:nvPicPr>
         <p:blipFill>
-          <a:blip r:embed="rId12">
+          <a:blip r:embed="rId14">
             <a:extLst>
               <a:ext uri="{28A0092B-C50C-407E-A947-70E740481C1C}">
                 <a14:useLocalDpi xmlns:a14="http://schemas.microsoft.com/office/drawing/2010/main" val="0"/>
@@ -19049,8 +19367,990 @@
         </p:blipFill>
         <p:spPr>
           <a:xfrm>
-            <a:off x="-5853" y="26722233"/>
+            <a:off x="-4428" y="27463879"/>
             <a:ext cx="7386588" cy="5143832"/>
+          </a:xfrm>
+          <a:prstGeom prst="rect">
+            <a:avLst/>
+          </a:prstGeom>
+        </p:spPr>
+      </p:pic>
+      <p:sp>
+        <p:nvSpPr>
+          <p:cNvPr id="54" name="Text Placeholder 89">
+            <a:extLst>
+              <a:ext uri="{FF2B5EF4-FFF2-40B4-BE49-F238E27FC236}">
+                <a16:creationId xmlns:a16="http://schemas.microsoft.com/office/drawing/2014/main" id="{249576E7-3750-0245-AA4D-B17D9B32E321}"/>
+              </a:ext>
+            </a:extLst>
+          </p:cNvPr>
+          <p:cNvSpPr txBox="1">
+            <a:spLocks/>
+          </p:cNvSpPr>
+          <p:nvPr/>
+        </p:nvSpPr>
+        <p:spPr>
+          <a:xfrm>
+            <a:off x="18472449" y="15144161"/>
+            <a:ext cx="6829427" cy="1154140"/>
+          </a:xfrm>
+          <a:prstGeom prst="rect">
+            <a:avLst/>
+          </a:prstGeom>
+        </p:spPr>
+        <p:txBody>
+          <a:bodyPr vert="horz" wrap="square" lIns="228589" tIns="228589" rIns="228589" bIns="228589" rtlCol="0">
+            <a:spAutoFit/>
+          </a:bodyPr>
+          <a:lstStyle>
+            <a:lvl1pPr marL="0" indent="0" algn="l" defTabSz="4389120" rtl="0" eaLnBrk="1" latinLnBrk="0" hangingPunct="1">
+              <a:lnSpc>
+                <a:spcPct val="90000"/>
+              </a:lnSpc>
+              <a:spcBef>
+                <a:spcPts val="4800"/>
+              </a:spcBef>
+              <a:buFont typeface="Arial" panose="020B0604020202020204" pitchFamily="34" charset="0"/>
+              <a:buNone/>
+              <a:defRPr sz="2500" kern="1200">
+                <a:solidFill>
+                  <a:schemeClr val="accent5">
+                    <a:lumMod val="50000"/>
+                  </a:schemeClr>
+                </a:solidFill>
+                <a:latin typeface="Times New Roman" pitchFamily="18" charset="0"/>
+                <a:ea typeface="+mn-ea"/>
+                <a:cs typeface="Times New Roman" pitchFamily="18" charset="0"/>
+              </a:defRPr>
+            </a:lvl1pPr>
+            <a:lvl2pPr marL="1485825" indent="-571471" algn="l" defTabSz="4389120" rtl="0" eaLnBrk="1" latinLnBrk="0" hangingPunct="1">
+              <a:lnSpc>
+                <a:spcPct val="90000"/>
+              </a:lnSpc>
+              <a:spcBef>
+                <a:spcPts val="2400"/>
+              </a:spcBef>
+              <a:buFont typeface="Arial" panose="020B0604020202020204" pitchFamily="34" charset="0"/>
+              <a:buChar char="•"/>
+              <a:defRPr sz="2500" kern="1200">
+                <a:solidFill>
+                  <a:schemeClr val="tx1"/>
+                </a:solidFill>
+                <a:latin typeface="Trebuchet MS" pitchFamily="34" charset="0"/>
+                <a:ea typeface="+mn-ea"/>
+                <a:cs typeface="+mn-cs"/>
+              </a:defRPr>
+            </a:lvl2pPr>
+            <a:lvl3pPr marL="2057297" indent="-571471" algn="l" defTabSz="4389120" rtl="0" eaLnBrk="1" latinLnBrk="0" hangingPunct="1">
+              <a:lnSpc>
+                <a:spcPct val="90000"/>
+              </a:lnSpc>
+              <a:spcBef>
+                <a:spcPts val="2400"/>
+              </a:spcBef>
+              <a:buFont typeface="Arial" panose="020B0604020202020204" pitchFamily="34" charset="0"/>
+              <a:buChar char="•"/>
+              <a:defRPr sz="2500" kern="1200">
+                <a:solidFill>
+                  <a:schemeClr val="tx1"/>
+                </a:solidFill>
+                <a:latin typeface="Trebuchet MS" pitchFamily="34" charset="0"/>
+                <a:ea typeface="+mn-ea"/>
+                <a:cs typeface="+mn-cs"/>
+              </a:defRPr>
+            </a:lvl3pPr>
+            <a:lvl4pPr marL="2685916" indent="-628619" algn="l" defTabSz="4389120" rtl="0" eaLnBrk="1" latinLnBrk="0" hangingPunct="1">
+              <a:lnSpc>
+                <a:spcPct val="90000"/>
+              </a:lnSpc>
+              <a:spcBef>
+                <a:spcPts val="2400"/>
+              </a:spcBef>
+              <a:buFont typeface="Arial" panose="020B0604020202020204" pitchFamily="34" charset="0"/>
+              <a:buChar char="•"/>
+              <a:defRPr sz="2500" kern="1200">
+                <a:solidFill>
+                  <a:schemeClr val="tx1"/>
+                </a:solidFill>
+                <a:latin typeface="Trebuchet MS" pitchFamily="34" charset="0"/>
+                <a:ea typeface="+mn-ea"/>
+                <a:cs typeface="+mn-cs"/>
+              </a:defRPr>
+            </a:lvl4pPr>
+            <a:lvl5pPr marL="3143093" indent="-457177" algn="l" defTabSz="4389120" rtl="0" eaLnBrk="1" latinLnBrk="0" hangingPunct="1">
+              <a:lnSpc>
+                <a:spcPct val="90000"/>
+              </a:lnSpc>
+              <a:spcBef>
+                <a:spcPts val="2400"/>
+              </a:spcBef>
+              <a:buFont typeface="Arial" panose="020B0604020202020204" pitchFamily="34" charset="0"/>
+              <a:buChar char="•"/>
+              <a:defRPr sz="2500" kern="1200">
+                <a:solidFill>
+                  <a:schemeClr val="tx1"/>
+                </a:solidFill>
+                <a:latin typeface="Trebuchet MS" pitchFamily="34" charset="0"/>
+                <a:ea typeface="+mn-ea"/>
+                <a:cs typeface="+mn-cs"/>
+              </a:defRPr>
+            </a:lvl5pPr>
+            <a:lvl6pPr marL="12070080" indent="-1097280" algn="l" defTabSz="4389120" rtl="0" eaLnBrk="1" latinLnBrk="0" hangingPunct="1">
+              <a:lnSpc>
+                <a:spcPct val="90000"/>
+              </a:lnSpc>
+              <a:spcBef>
+                <a:spcPts val="2400"/>
+              </a:spcBef>
+              <a:buFont typeface="Arial" panose="020B0604020202020204" pitchFamily="34" charset="0"/>
+              <a:buChar char="•"/>
+              <a:defRPr sz="8640" kern="1200">
+                <a:solidFill>
+                  <a:schemeClr val="tx1"/>
+                </a:solidFill>
+                <a:latin typeface="+mn-lt"/>
+                <a:ea typeface="+mn-ea"/>
+                <a:cs typeface="+mn-cs"/>
+              </a:defRPr>
+            </a:lvl6pPr>
+            <a:lvl7pPr marL="14264640" indent="-1097280" algn="l" defTabSz="4389120" rtl="0" eaLnBrk="1" latinLnBrk="0" hangingPunct="1">
+              <a:lnSpc>
+                <a:spcPct val="90000"/>
+              </a:lnSpc>
+              <a:spcBef>
+                <a:spcPts val="2400"/>
+              </a:spcBef>
+              <a:buFont typeface="Arial" panose="020B0604020202020204" pitchFamily="34" charset="0"/>
+              <a:buChar char="•"/>
+              <a:defRPr sz="8640" kern="1200">
+                <a:solidFill>
+                  <a:schemeClr val="tx1"/>
+                </a:solidFill>
+                <a:latin typeface="+mn-lt"/>
+                <a:ea typeface="+mn-ea"/>
+                <a:cs typeface="+mn-cs"/>
+              </a:defRPr>
+            </a:lvl7pPr>
+            <a:lvl8pPr marL="16459200" indent="-1097280" algn="l" defTabSz="4389120" rtl="0" eaLnBrk="1" latinLnBrk="0" hangingPunct="1">
+              <a:lnSpc>
+                <a:spcPct val="90000"/>
+              </a:lnSpc>
+              <a:spcBef>
+                <a:spcPts val="2400"/>
+              </a:spcBef>
+              <a:buFont typeface="Arial" panose="020B0604020202020204" pitchFamily="34" charset="0"/>
+              <a:buChar char="•"/>
+              <a:defRPr sz="8640" kern="1200">
+                <a:solidFill>
+                  <a:schemeClr val="tx1"/>
+                </a:solidFill>
+                <a:latin typeface="+mn-lt"/>
+                <a:ea typeface="+mn-ea"/>
+                <a:cs typeface="+mn-cs"/>
+              </a:defRPr>
+            </a:lvl8pPr>
+            <a:lvl9pPr marL="18653760" indent="-1097280" algn="l" defTabSz="4389120" rtl="0" eaLnBrk="1" latinLnBrk="0" hangingPunct="1">
+              <a:lnSpc>
+                <a:spcPct val="90000"/>
+              </a:lnSpc>
+              <a:spcBef>
+                <a:spcPts val="2400"/>
+              </a:spcBef>
+              <a:buFont typeface="Arial" panose="020B0604020202020204" pitchFamily="34" charset="0"/>
+              <a:buChar char="•"/>
+              <a:defRPr sz="8640" kern="1200">
+                <a:solidFill>
+                  <a:schemeClr val="tx1"/>
+                </a:solidFill>
+                <a:latin typeface="+mn-lt"/>
+                <a:ea typeface="+mn-ea"/>
+                <a:cs typeface="+mn-cs"/>
+              </a:defRPr>
+            </a:lvl9pPr>
+          </a:lstStyle>
+          <a:p>
+            <a:pPr algn="just"/>
+            <a:r>
+              <a:rPr lang="en-US" dirty="0"/>
+              <a:t>The phase space orbits now become pointed ellipses, indicating an elongation of the period. </a:t>
+            </a:r>
+          </a:p>
+        </p:txBody>
+      </p:sp>
+      <p:sp>
+        <p:nvSpPr>
+          <p:cNvPr id="58" name="Text Placeholder 89">
+            <a:extLst>
+              <a:ext uri="{FF2B5EF4-FFF2-40B4-BE49-F238E27FC236}">
+                <a16:creationId xmlns:a16="http://schemas.microsoft.com/office/drawing/2014/main" id="{1BF51346-5E94-474F-B65D-93C0189192C0}"/>
+              </a:ext>
+            </a:extLst>
+          </p:cNvPr>
+          <p:cNvSpPr txBox="1">
+            <a:spLocks/>
+          </p:cNvSpPr>
+          <p:nvPr/>
+        </p:nvSpPr>
+        <p:spPr>
+          <a:xfrm>
+            <a:off x="21471911" y="6281665"/>
+            <a:ext cx="10038662" cy="1615805"/>
+          </a:xfrm>
+          <a:prstGeom prst="rect">
+            <a:avLst/>
+          </a:prstGeom>
+        </p:spPr>
+        <p:txBody>
+          <a:bodyPr vert="horz" wrap="square" lIns="228589" tIns="228589" rIns="228589" bIns="228589" rtlCol="0">
+            <a:spAutoFit/>
+          </a:bodyPr>
+          <a:lstStyle>
+            <a:lvl1pPr marL="0" indent="0" algn="l" defTabSz="4389120" rtl="0" eaLnBrk="1" latinLnBrk="0" hangingPunct="1">
+              <a:lnSpc>
+                <a:spcPct val="90000"/>
+              </a:lnSpc>
+              <a:spcBef>
+                <a:spcPts val="4800"/>
+              </a:spcBef>
+              <a:buFont typeface="Arial" panose="020B0604020202020204" pitchFamily="34" charset="0"/>
+              <a:buNone/>
+              <a:defRPr sz="2500" kern="1200">
+                <a:solidFill>
+                  <a:schemeClr val="accent5">
+                    <a:lumMod val="50000"/>
+                  </a:schemeClr>
+                </a:solidFill>
+                <a:latin typeface="Times New Roman" pitchFamily="18" charset="0"/>
+                <a:ea typeface="+mn-ea"/>
+                <a:cs typeface="Times New Roman" pitchFamily="18" charset="0"/>
+              </a:defRPr>
+            </a:lvl1pPr>
+            <a:lvl2pPr marL="1485825" indent="-571471" algn="l" defTabSz="4389120" rtl="0" eaLnBrk="1" latinLnBrk="0" hangingPunct="1">
+              <a:lnSpc>
+                <a:spcPct val="90000"/>
+              </a:lnSpc>
+              <a:spcBef>
+                <a:spcPts val="2400"/>
+              </a:spcBef>
+              <a:buFont typeface="Arial" panose="020B0604020202020204" pitchFamily="34" charset="0"/>
+              <a:buChar char="•"/>
+              <a:defRPr sz="2500" kern="1200">
+                <a:solidFill>
+                  <a:schemeClr val="tx1"/>
+                </a:solidFill>
+                <a:latin typeface="Trebuchet MS" pitchFamily="34" charset="0"/>
+                <a:ea typeface="+mn-ea"/>
+                <a:cs typeface="+mn-cs"/>
+              </a:defRPr>
+            </a:lvl2pPr>
+            <a:lvl3pPr marL="2057297" indent="-571471" algn="l" defTabSz="4389120" rtl="0" eaLnBrk="1" latinLnBrk="0" hangingPunct="1">
+              <a:lnSpc>
+                <a:spcPct val="90000"/>
+              </a:lnSpc>
+              <a:spcBef>
+                <a:spcPts val="2400"/>
+              </a:spcBef>
+              <a:buFont typeface="Arial" panose="020B0604020202020204" pitchFamily="34" charset="0"/>
+              <a:buChar char="•"/>
+              <a:defRPr sz="2500" kern="1200">
+                <a:solidFill>
+                  <a:schemeClr val="tx1"/>
+                </a:solidFill>
+                <a:latin typeface="Trebuchet MS" pitchFamily="34" charset="0"/>
+                <a:ea typeface="+mn-ea"/>
+                <a:cs typeface="+mn-cs"/>
+              </a:defRPr>
+            </a:lvl3pPr>
+            <a:lvl4pPr marL="2685916" indent="-628619" algn="l" defTabSz="4389120" rtl="0" eaLnBrk="1" latinLnBrk="0" hangingPunct="1">
+              <a:lnSpc>
+                <a:spcPct val="90000"/>
+              </a:lnSpc>
+              <a:spcBef>
+                <a:spcPts val="2400"/>
+              </a:spcBef>
+              <a:buFont typeface="Arial" panose="020B0604020202020204" pitchFamily="34" charset="0"/>
+              <a:buChar char="•"/>
+              <a:defRPr sz="2500" kern="1200">
+                <a:solidFill>
+                  <a:schemeClr val="tx1"/>
+                </a:solidFill>
+                <a:latin typeface="Trebuchet MS" pitchFamily="34" charset="0"/>
+                <a:ea typeface="+mn-ea"/>
+                <a:cs typeface="+mn-cs"/>
+              </a:defRPr>
+            </a:lvl4pPr>
+            <a:lvl5pPr marL="3143093" indent="-457177" algn="l" defTabSz="4389120" rtl="0" eaLnBrk="1" latinLnBrk="0" hangingPunct="1">
+              <a:lnSpc>
+                <a:spcPct val="90000"/>
+              </a:lnSpc>
+              <a:spcBef>
+                <a:spcPts val="2400"/>
+              </a:spcBef>
+              <a:buFont typeface="Arial" panose="020B0604020202020204" pitchFamily="34" charset="0"/>
+              <a:buChar char="•"/>
+              <a:defRPr sz="2500" kern="1200">
+                <a:solidFill>
+                  <a:schemeClr val="tx1"/>
+                </a:solidFill>
+                <a:latin typeface="Trebuchet MS" pitchFamily="34" charset="0"/>
+                <a:ea typeface="+mn-ea"/>
+                <a:cs typeface="+mn-cs"/>
+              </a:defRPr>
+            </a:lvl5pPr>
+            <a:lvl6pPr marL="12070080" indent="-1097280" algn="l" defTabSz="4389120" rtl="0" eaLnBrk="1" latinLnBrk="0" hangingPunct="1">
+              <a:lnSpc>
+                <a:spcPct val="90000"/>
+              </a:lnSpc>
+              <a:spcBef>
+                <a:spcPts val="2400"/>
+              </a:spcBef>
+              <a:buFont typeface="Arial" panose="020B0604020202020204" pitchFamily="34" charset="0"/>
+              <a:buChar char="•"/>
+              <a:defRPr sz="8640" kern="1200">
+                <a:solidFill>
+                  <a:schemeClr val="tx1"/>
+                </a:solidFill>
+                <a:latin typeface="+mn-lt"/>
+                <a:ea typeface="+mn-ea"/>
+                <a:cs typeface="+mn-cs"/>
+              </a:defRPr>
+            </a:lvl6pPr>
+            <a:lvl7pPr marL="14264640" indent="-1097280" algn="l" defTabSz="4389120" rtl="0" eaLnBrk="1" latinLnBrk="0" hangingPunct="1">
+              <a:lnSpc>
+                <a:spcPct val="90000"/>
+              </a:lnSpc>
+              <a:spcBef>
+                <a:spcPts val="2400"/>
+              </a:spcBef>
+              <a:buFont typeface="Arial" panose="020B0604020202020204" pitchFamily="34" charset="0"/>
+              <a:buChar char="•"/>
+              <a:defRPr sz="8640" kern="1200">
+                <a:solidFill>
+                  <a:schemeClr val="tx1"/>
+                </a:solidFill>
+                <a:latin typeface="+mn-lt"/>
+                <a:ea typeface="+mn-ea"/>
+                <a:cs typeface="+mn-cs"/>
+              </a:defRPr>
+            </a:lvl7pPr>
+            <a:lvl8pPr marL="16459200" indent="-1097280" algn="l" defTabSz="4389120" rtl="0" eaLnBrk="1" latinLnBrk="0" hangingPunct="1">
+              <a:lnSpc>
+                <a:spcPct val="90000"/>
+              </a:lnSpc>
+              <a:spcBef>
+                <a:spcPts val="2400"/>
+              </a:spcBef>
+              <a:buFont typeface="Arial" panose="020B0604020202020204" pitchFamily="34" charset="0"/>
+              <a:buChar char="•"/>
+              <a:defRPr sz="8640" kern="1200">
+                <a:solidFill>
+                  <a:schemeClr val="tx1"/>
+                </a:solidFill>
+                <a:latin typeface="+mn-lt"/>
+                <a:ea typeface="+mn-ea"/>
+                <a:cs typeface="+mn-cs"/>
+              </a:defRPr>
+            </a:lvl8pPr>
+            <a:lvl9pPr marL="18653760" indent="-1097280" algn="l" defTabSz="4389120" rtl="0" eaLnBrk="1" latinLnBrk="0" hangingPunct="1">
+              <a:lnSpc>
+                <a:spcPct val="90000"/>
+              </a:lnSpc>
+              <a:spcBef>
+                <a:spcPts val="2400"/>
+              </a:spcBef>
+              <a:buFont typeface="Arial" panose="020B0604020202020204" pitchFamily="34" charset="0"/>
+              <a:buChar char="•"/>
+              <a:defRPr sz="8640" kern="1200">
+                <a:solidFill>
+                  <a:schemeClr val="tx1"/>
+                </a:solidFill>
+                <a:latin typeface="+mn-lt"/>
+                <a:ea typeface="+mn-ea"/>
+                <a:cs typeface="+mn-cs"/>
+              </a:defRPr>
+            </a:lvl9pPr>
+          </a:lstStyle>
+          <a:p>
+            <a:pPr algn="just">
+              <a:lnSpc>
+                <a:spcPct val="100000"/>
+              </a:lnSpc>
+            </a:pPr>
+            <a:r>
+              <a:rPr lang="en-US" dirty="0"/>
+              <a:t>Elliptical phase space orbits indicate harmonic pendulum oscillations. Adding a damping force to the system causes the orbits to converge to a single point.</a:t>
+            </a:r>
+          </a:p>
+        </p:txBody>
+      </p:sp>
+      <mc:AlternateContent xmlns:mc="http://schemas.openxmlformats.org/markup-compatibility/2006">
+        <mc:Choice xmlns:a14="http://schemas.microsoft.com/office/drawing/2010/main" Requires="a14">
+          <p:sp>
+            <p:nvSpPr>
+              <p:cNvPr id="59" name="Text Placeholder 89">
+                <a:extLst>
+                  <a:ext uri="{FF2B5EF4-FFF2-40B4-BE49-F238E27FC236}">
+                    <a16:creationId xmlns:a16="http://schemas.microsoft.com/office/drawing/2014/main" id="{ABC0D69B-B231-4342-8C0B-6FD25750A5FE}"/>
+                  </a:ext>
+                </a:extLst>
+              </p:cNvPr>
+              <p:cNvSpPr txBox="1">
+                <a:spLocks/>
+              </p:cNvSpPr>
+              <p:nvPr/>
+            </p:nvSpPr>
+            <p:spPr>
+              <a:xfrm>
+                <a:off x="25301876" y="15144161"/>
+                <a:ext cx="6829427" cy="1154140"/>
+              </a:xfrm>
+              <a:prstGeom prst="rect">
+                <a:avLst/>
+              </a:prstGeom>
+            </p:spPr>
+            <p:txBody>
+              <a:bodyPr vert="horz" wrap="square" lIns="228589" tIns="228589" rIns="228589" bIns="228589" rtlCol="0">
+                <a:spAutoFit/>
+              </a:bodyPr>
+              <a:lstStyle>
+                <a:lvl1pPr marL="0" indent="0" algn="l" defTabSz="4389120" rtl="0" eaLnBrk="1" latinLnBrk="0" hangingPunct="1">
+                  <a:lnSpc>
+                    <a:spcPct val="90000"/>
+                  </a:lnSpc>
+                  <a:spcBef>
+                    <a:spcPts val="4800"/>
+                  </a:spcBef>
+                  <a:buFont typeface="Arial" panose="020B0604020202020204" pitchFamily="34" charset="0"/>
+                  <a:buNone/>
+                  <a:defRPr sz="2500" kern="1200">
+                    <a:solidFill>
+                      <a:schemeClr val="accent5">
+                        <a:lumMod val="50000"/>
+                      </a:schemeClr>
+                    </a:solidFill>
+                    <a:latin typeface="Times New Roman" pitchFamily="18" charset="0"/>
+                    <a:ea typeface="+mn-ea"/>
+                    <a:cs typeface="Times New Roman" pitchFamily="18" charset="0"/>
+                  </a:defRPr>
+                </a:lvl1pPr>
+                <a:lvl2pPr marL="1485825" indent="-571471" algn="l" defTabSz="4389120" rtl="0" eaLnBrk="1" latinLnBrk="0" hangingPunct="1">
+                  <a:lnSpc>
+                    <a:spcPct val="90000"/>
+                  </a:lnSpc>
+                  <a:spcBef>
+                    <a:spcPts val="2400"/>
+                  </a:spcBef>
+                  <a:buFont typeface="Arial" panose="020B0604020202020204" pitchFamily="34" charset="0"/>
+                  <a:buChar char="•"/>
+                  <a:defRPr sz="2500" kern="1200">
+                    <a:solidFill>
+                      <a:schemeClr val="tx1"/>
+                    </a:solidFill>
+                    <a:latin typeface="Trebuchet MS" pitchFamily="34" charset="0"/>
+                    <a:ea typeface="+mn-ea"/>
+                    <a:cs typeface="+mn-cs"/>
+                  </a:defRPr>
+                </a:lvl2pPr>
+                <a:lvl3pPr marL="2057297" indent="-571471" algn="l" defTabSz="4389120" rtl="0" eaLnBrk="1" latinLnBrk="0" hangingPunct="1">
+                  <a:lnSpc>
+                    <a:spcPct val="90000"/>
+                  </a:lnSpc>
+                  <a:spcBef>
+                    <a:spcPts val="2400"/>
+                  </a:spcBef>
+                  <a:buFont typeface="Arial" panose="020B0604020202020204" pitchFamily="34" charset="0"/>
+                  <a:buChar char="•"/>
+                  <a:defRPr sz="2500" kern="1200">
+                    <a:solidFill>
+                      <a:schemeClr val="tx1"/>
+                    </a:solidFill>
+                    <a:latin typeface="Trebuchet MS" pitchFamily="34" charset="0"/>
+                    <a:ea typeface="+mn-ea"/>
+                    <a:cs typeface="+mn-cs"/>
+                  </a:defRPr>
+                </a:lvl3pPr>
+                <a:lvl4pPr marL="2685916" indent="-628619" algn="l" defTabSz="4389120" rtl="0" eaLnBrk="1" latinLnBrk="0" hangingPunct="1">
+                  <a:lnSpc>
+                    <a:spcPct val="90000"/>
+                  </a:lnSpc>
+                  <a:spcBef>
+                    <a:spcPts val="2400"/>
+                  </a:spcBef>
+                  <a:buFont typeface="Arial" panose="020B0604020202020204" pitchFamily="34" charset="0"/>
+                  <a:buChar char="•"/>
+                  <a:defRPr sz="2500" kern="1200">
+                    <a:solidFill>
+                      <a:schemeClr val="tx1"/>
+                    </a:solidFill>
+                    <a:latin typeface="Trebuchet MS" pitchFamily="34" charset="0"/>
+                    <a:ea typeface="+mn-ea"/>
+                    <a:cs typeface="+mn-cs"/>
+                  </a:defRPr>
+                </a:lvl4pPr>
+                <a:lvl5pPr marL="3143093" indent="-457177" algn="l" defTabSz="4389120" rtl="0" eaLnBrk="1" latinLnBrk="0" hangingPunct="1">
+                  <a:lnSpc>
+                    <a:spcPct val="90000"/>
+                  </a:lnSpc>
+                  <a:spcBef>
+                    <a:spcPts val="2400"/>
+                  </a:spcBef>
+                  <a:buFont typeface="Arial" panose="020B0604020202020204" pitchFamily="34" charset="0"/>
+                  <a:buChar char="•"/>
+                  <a:defRPr sz="2500" kern="1200">
+                    <a:solidFill>
+                      <a:schemeClr val="tx1"/>
+                    </a:solidFill>
+                    <a:latin typeface="Trebuchet MS" pitchFamily="34" charset="0"/>
+                    <a:ea typeface="+mn-ea"/>
+                    <a:cs typeface="+mn-cs"/>
+                  </a:defRPr>
+                </a:lvl5pPr>
+                <a:lvl6pPr marL="12070080" indent="-1097280" algn="l" defTabSz="4389120" rtl="0" eaLnBrk="1" latinLnBrk="0" hangingPunct="1">
+                  <a:lnSpc>
+                    <a:spcPct val="90000"/>
+                  </a:lnSpc>
+                  <a:spcBef>
+                    <a:spcPts val="2400"/>
+                  </a:spcBef>
+                  <a:buFont typeface="Arial" panose="020B0604020202020204" pitchFamily="34" charset="0"/>
+                  <a:buChar char="•"/>
+                  <a:defRPr sz="8640" kern="1200">
+                    <a:solidFill>
+                      <a:schemeClr val="tx1"/>
+                    </a:solidFill>
+                    <a:latin typeface="+mn-lt"/>
+                    <a:ea typeface="+mn-ea"/>
+                    <a:cs typeface="+mn-cs"/>
+                  </a:defRPr>
+                </a:lvl6pPr>
+                <a:lvl7pPr marL="14264640" indent="-1097280" algn="l" defTabSz="4389120" rtl="0" eaLnBrk="1" latinLnBrk="0" hangingPunct="1">
+                  <a:lnSpc>
+                    <a:spcPct val="90000"/>
+                  </a:lnSpc>
+                  <a:spcBef>
+                    <a:spcPts val="2400"/>
+                  </a:spcBef>
+                  <a:buFont typeface="Arial" panose="020B0604020202020204" pitchFamily="34" charset="0"/>
+                  <a:buChar char="•"/>
+                  <a:defRPr sz="8640" kern="1200">
+                    <a:solidFill>
+                      <a:schemeClr val="tx1"/>
+                    </a:solidFill>
+                    <a:latin typeface="+mn-lt"/>
+                    <a:ea typeface="+mn-ea"/>
+                    <a:cs typeface="+mn-cs"/>
+                  </a:defRPr>
+                </a:lvl7pPr>
+                <a:lvl8pPr marL="16459200" indent="-1097280" algn="l" defTabSz="4389120" rtl="0" eaLnBrk="1" latinLnBrk="0" hangingPunct="1">
+                  <a:lnSpc>
+                    <a:spcPct val="90000"/>
+                  </a:lnSpc>
+                  <a:spcBef>
+                    <a:spcPts val="2400"/>
+                  </a:spcBef>
+                  <a:buFont typeface="Arial" panose="020B0604020202020204" pitchFamily="34" charset="0"/>
+                  <a:buChar char="•"/>
+                  <a:defRPr sz="8640" kern="1200">
+                    <a:solidFill>
+                      <a:schemeClr val="tx1"/>
+                    </a:solidFill>
+                    <a:latin typeface="+mn-lt"/>
+                    <a:ea typeface="+mn-ea"/>
+                    <a:cs typeface="+mn-cs"/>
+                  </a:defRPr>
+                </a:lvl8pPr>
+                <a:lvl9pPr marL="18653760" indent="-1097280" algn="l" defTabSz="4389120" rtl="0" eaLnBrk="1" latinLnBrk="0" hangingPunct="1">
+                  <a:lnSpc>
+                    <a:spcPct val="90000"/>
+                  </a:lnSpc>
+                  <a:spcBef>
+                    <a:spcPts val="2400"/>
+                  </a:spcBef>
+                  <a:buFont typeface="Arial" panose="020B0604020202020204" pitchFamily="34" charset="0"/>
+                  <a:buChar char="•"/>
+                  <a:defRPr sz="8640" kern="1200">
+                    <a:solidFill>
+                      <a:schemeClr val="tx1"/>
+                    </a:solidFill>
+                    <a:latin typeface="+mn-lt"/>
+                    <a:ea typeface="+mn-ea"/>
+                    <a:cs typeface="+mn-cs"/>
+                  </a:defRPr>
+                </a:lvl9pPr>
+              </a:lstStyle>
+              <a:p>
+                <a:pPr algn="just"/>
+                <a:r>
+                  <a:rPr lang="en-US" dirty="0"/>
+                  <a:t>As the initial angle approaches </a:t>
+                </a:r>
+                <a14:m>
+                  <m:oMath xmlns:m="http://schemas.openxmlformats.org/officeDocument/2006/math">
+                    <m:r>
+                      <a:rPr lang="en-US" b="0" i="1" smtClean="0">
+                        <a:latin typeface="Cambria Math" panose="02040503050406030204" pitchFamily="18" charset="0"/>
+                      </a:rPr>
+                      <m:t>𝜋</m:t>
+                    </m:r>
+                  </m:oMath>
+                </a14:m>
+                <a:r>
+                  <a:rPr lang="en-US" dirty="0"/>
+                  <a:t>, the period of oscillations quickly diverges.</a:t>
+                </a:r>
+              </a:p>
+            </p:txBody>
+          </p:sp>
+        </mc:Choice>
+        <mc:Fallback>
+          <p:sp>
+            <p:nvSpPr>
+              <p:cNvPr id="59" name="Text Placeholder 89">
+                <a:extLst>
+                  <a:ext uri="{FF2B5EF4-FFF2-40B4-BE49-F238E27FC236}">
+                    <a16:creationId xmlns:a16="http://schemas.microsoft.com/office/drawing/2014/main" id="{ABC0D69B-B231-4342-8C0B-6FD25750A5FE}"/>
+                  </a:ext>
+                </a:extLst>
+              </p:cNvPr>
+              <p:cNvSpPr txBox="1">
+                <a:spLocks noRot="1" noChangeAspect="1" noMove="1" noResize="1" noEditPoints="1" noAdjustHandles="1" noChangeArrowheads="1" noChangeShapeType="1" noTextEdit="1"/>
+              </p:cNvSpPr>
+              <p:nvPr/>
+            </p:nvSpPr>
+            <p:spPr>
+              <a:xfrm>
+                <a:off x="25301876" y="15144161"/>
+                <a:ext cx="6829427" cy="1154140"/>
+              </a:xfrm>
+              <a:prstGeom prst="rect">
+                <a:avLst/>
+              </a:prstGeom>
+              <a:blipFill>
+                <a:blip r:embed="rId15"/>
+                <a:stretch>
+                  <a:fillRect/>
+                </a:stretch>
+              </a:blipFill>
+            </p:spPr>
+            <p:txBody>
+              <a:bodyPr/>
+              <a:lstStyle/>
+              <a:p>
+                <a:r>
+                  <a:rPr lang="en-US">
+                    <a:noFill/>
+                  </a:rPr>
+                  <a:t> </a:t>
+                </a:r>
+              </a:p>
+            </p:txBody>
+          </p:sp>
+        </mc:Fallback>
+      </mc:AlternateContent>
+      <p:pic>
+        <p:nvPicPr>
+          <p:cNvPr id="40" name="Picture 39">
+            <a:extLst>
+              <a:ext uri="{FF2B5EF4-FFF2-40B4-BE49-F238E27FC236}">
+                <a16:creationId xmlns:a16="http://schemas.microsoft.com/office/drawing/2014/main" id="{8681B195-5D34-4747-A94D-11D6C0492740}"/>
+              </a:ext>
+            </a:extLst>
+          </p:cNvPr>
+          <p:cNvPicPr>
+            <a:picLocks noChangeAspect="1"/>
+          </p:cNvPicPr>
+          <p:nvPr/>
+        </p:nvPicPr>
+        <p:blipFill>
+          <a:blip r:embed="rId16">
+            <a:extLst>
+              <a:ext uri="{28A0092B-C50C-407E-A947-70E740481C1C}">
+                <a14:useLocalDpi xmlns:a14="http://schemas.microsoft.com/office/drawing/2010/main" val="0"/>
+              </a:ext>
+            </a:extLst>
+          </a:blip>
+          <a:stretch>
+            <a:fillRect/>
+          </a:stretch>
+        </p:blipFill>
+        <p:spPr>
+          <a:xfrm>
+            <a:off x="10902440" y="17064436"/>
+            <a:ext cx="7315200" cy="4855776"/>
+          </a:xfrm>
+          <a:prstGeom prst="rect">
+            <a:avLst/>
+          </a:prstGeom>
+        </p:spPr>
+      </p:pic>
+      <p:sp>
+        <p:nvSpPr>
+          <p:cNvPr id="62" name="Text Placeholder 90">
+            <a:extLst>
+              <a:ext uri="{FF2B5EF4-FFF2-40B4-BE49-F238E27FC236}">
+                <a16:creationId xmlns:a16="http://schemas.microsoft.com/office/drawing/2014/main" id="{2598926A-A1B4-A143-A74C-813F9CC1A1D2}"/>
+              </a:ext>
+            </a:extLst>
+          </p:cNvPr>
+          <p:cNvSpPr txBox="1">
+            <a:spLocks/>
+          </p:cNvSpPr>
+          <p:nvPr/>
+        </p:nvSpPr>
+        <p:spPr>
+          <a:xfrm>
+            <a:off x="11400133" y="22444413"/>
+            <a:ext cx="20974055" cy="697106"/>
+          </a:xfrm>
+          <a:prstGeom prst="rect">
+            <a:avLst/>
+          </a:prstGeom>
+          <a:noFill/>
+        </p:spPr>
+        <p:txBody>
+          <a:bodyPr vert="horz" lIns="91436" tIns="91436" rIns="91436" bIns="91436" rtlCol="0" anchor="ctr" anchorCtr="0">
+            <a:spAutoFit/>
+          </a:bodyPr>
+          <a:lstStyle>
+            <a:lvl1pPr marL="0" indent="0" algn="ctr" defTabSz="4389120" rtl="0" eaLnBrk="1" latinLnBrk="0" hangingPunct="1">
+              <a:lnSpc>
+                <a:spcPct val="90000"/>
+              </a:lnSpc>
+              <a:spcBef>
+                <a:spcPts val="4800"/>
+              </a:spcBef>
+              <a:buFont typeface="Arial" panose="020B0604020202020204" pitchFamily="34" charset="0"/>
+              <a:buNone/>
+              <a:defRPr sz="3700" b="1" u="sng" kern="1200" baseline="0">
+                <a:solidFill>
+                  <a:schemeClr val="accent5">
+                    <a:lumMod val="50000"/>
+                  </a:schemeClr>
+                </a:solidFill>
+                <a:latin typeface="+mn-lt"/>
+                <a:ea typeface="+mn-ea"/>
+                <a:cs typeface="+mn-cs"/>
+              </a:defRPr>
+            </a:lvl1pPr>
+            <a:lvl2pPr marL="3291840" indent="-1097280" algn="l" defTabSz="4389120" rtl="0" eaLnBrk="1" latinLnBrk="0" hangingPunct="1">
+              <a:lnSpc>
+                <a:spcPct val="90000"/>
+              </a:lnSpc>
+              <a:spcBef>
+                <a:spcPts val="2400"/>
+              </a:spcBef>
+              <a:buFont typeface="Arial" panose="020B0604020202020204" pitchFamily="34" charset="0"/>
+              <a:buChar char="•"/>
+              <a:defRPr sz="11520" kern="1200">
+                <a:solidFill>
+                  <a:schemeClr val="tx1"/>
+                </a:solidFill>
+                <a:latin typeface="+mn-lt"/>
+                <a:ea typeface="+mn-ea"/>
+                <a:cs typeface="+mn-cs"/>
+              </a:defRPr>
+            </a:lvl2pPr>
+            <a:lvl3pPr marL="5486400" indent="-1097280" algn="l" defTabSz="4389120" rtl="0" eaLnBrk="1" latinLnBrk="0" hangingPunct="1">
+              <a:lnSpc>
+                <a:spcPct val="90000"/>
+              </a:lnSpc>
+              <a:spcBef>
+                <a:spcPts val="2400"/>
+              </a:spcBef>
+              <a:buFont typeface="Arial" panose="020B0604020202020204" pitchFamily="34" charset="0"/>
+              <a:buChar char="•"/>
+              <a:defRPr sz="9600" kern="1200">
+                <a:solidFill>
+                  <a:schemeClr val="tx1"/>
+                </a:solidFill>
+                <a:latin typeface="+mn-lt"/>
+                <a:ea typeface="+mn-ea"/>
+                <a:cs typeface="+mn-cs"/>
+              </a:defRPr>
+            </a:lvl3pPr>
+            <a:lvl4pPr marL="7680960" indent="-1097280" algn="l" defTabSz="4389120" rtl="0" eaLnBrk="1" latinLnBrk="0" hangingPunct="1">
+              <a:lnSpc>
+                <a:spcPct val="90000"/>
+              </a:lnSpc>
+              <a:spcBef>
+                <a:spcPts val="2400"/>
+              </a:spcBef>
+              <a:buFont typeface="Arial" panose="020B0604020202020204" pitchFamily="34" charset="0"/>
+              <a:buChar char="•"/>
+              <a:defRPr sz="8640" kern="1200">
+                <a:solidFill>
+                  <a:schemeClr val="tx1"/>
+                </a:solidFill>
+                <a:latin typeface="+mn-lt"/>
+                <a:ea typeface="+mn-ea"/>
+                <a:cs typeface="+mn-cs"/>
+              </a:defRPr>
+            </a:lvl4pPr>
+            <a:lvl5pPr marL="9875520" indent="-1097280" algn="l" defTabSz="4389120" rtl="0" eaLnBrk="1" latinLnBrk="0" hangingPunct="1">
+              <a:lnSpc>
+                <a:spcPct val="90000"/>
+              </a:lnSpc>
+              <a:spcBef>
+                <a:spcPts val="2400"/>
+              </a:spcBef>
+              <a:buFont typeface="Arial" panose="020B0604020202020204" pitchFamily="34" charset="0"/>
+              <a:buChar char="•"/>
+              <a:defRPr sz="8640" kern="1200">
+                <a:solidFill>
+                  <a:schemeClr val="tx1"/>
+                </a:solidFill>
+                <a:latin typeface="+mn-lt"/>
+                <a:ea typeface="+mn-ea"/>
+                <a:cs typeface="+mn-cs"/>
+              </a:defRPr>
+            </a:lvl5pPr>
+            <a:lvl6pPr marL="12070080" indent="-1097280" algn="l" defTabSz="4389120" rtl="0" eaLnBrk="1" latinLnBrk="0" hangingPunct="1">
+              <a:lnSpc>
+                <a:spcPct val="90000"/>
+              </a:lnSpc>
+              <a:spcBef>
+                <a:spcPts val="2400"/>
+              </a:spcBef>
+              <a:buFont typeface="Arial" panose="020B0604020202020204" pitchFamily="34" charset="0"/>
+              <a:buChar char="•"/>
+              <a:defRPr sz="8640" kern="1200">
+                <a:solidFill>
+                  <a:schemeClr val="tx1"/>
+                </a:solidFill>
+                <a:latin typeface="+mn-lt"/>
+                <a:ea typeface="+mn-ea"/>
+                <a:cs typeface="+mn-cs"/>
+              </a:defRPr>
+            </a:lvl6pPr>
+            <a:lvl7pPr marL="14264640" indent="-1097280" algn="l" defTabSz="4389120" rtl="0" eaLnBrk="1" latinLnBrk="0" hangingPunct="1">
+              <a:lnSpc>
+                <a:spcPct val="90000"/>
+              </a:lnSpc>
+              <a:spcBef>
+                <a:spcPts val="2400"/>
+              </a:spcBef>
+              <a:buFont typeface="Arial" panose="020B0604020202020204" pitchFamily="34" charset="0"/>
+              <a:buChar char="•"/>
+              <a:defRPr sz="8640" kern="1200">
+                <a:solidFill>
+                  <a:schemeClr val="tx1"/>
+                </a:solidFill>
+                <a:latin typeface="+mn-lt"/>
+                <a:ea typeface="+mn-ea"/>
+                <a:cs typeface="+mn-cs"/>
+              </a:defRPr>
+            </a:lvl7pPr>
+            <a:lvl8pPr marL="16459200" indent="-1097280" algn="l" defTabSz="4389120" rtl="0" eaLnBrk="1" latinLnBrk="0" hangingPunct="1">
+              <a:lnSpc>
+                <a:spcPct val="90000"/>
+              </a:lnSpc>
+              <a:spcBef>
+                <a:spcPts val="2400"/>
+              </a:spcBef>
+              <a:buFont typeface="Arial" panose="020B0604020202020204" pitchFamily="34" charset="0"/>
+              <a:buChar char="•"/>
+              <a:defRPr sz="8640" kern="1200">
+                <a:solidFill>
+                  <a:schemeClr val="tx1"/>
+                </a:solidFill>
+                <a:latin typeface="+mn-lt"/>
+                <a:ea typeface="+mn-ea"/>
+                <a:cs typeface="+mn-cs"/>
+              </a:defRPr>
+            </a:lvl8pPr>
+            <a:lvl9pPr marL="18653760" indent="-1097280" algn="l" defTabSz="4389120" rtl="0" eaLnBrk="1" latinLnBrk="0" hangingPunct="1">
+              <a:lnSpc>
+                <a:spcPct val="90000"/>
+              </a:lnSpc>
+              <a:spcBef>
+                <a:spcPts val="2400"/>
+              </a:spcBef>
+              <a:buFont typeface="Arial" panose="020B0604020202020204" pitchFamily="34" charset="0"/>
+              <a:buChar char="•"/>
+              <a:defRPr sz="8640" kern="1200">
+                <a:solidFill>
+                  <a:schemeClr val="tx1"/>
+                </a:solidFill>
+                <a:latin typeface="+mn-lt"/>
+                <a:ea typeface="+mn-ea"/>
+                <a:cs typeface="+mn-cs"/>
+              </a:defRPr>
+            </a:lvl9pPr>
+          </a:lstStyle>
+          <a:p>
+            <a:r>
+              <a:rPr lang="en-US" u="none" dirty="0"/>
+              <a:t>The Chaotic Oscillator</a:t>
+            </a:r>
+          </a:p>
+        </p:txBody>
+      </p:sp>
+      <p:pic>
+        <p:nvPicPr>
+          <p:cNvPr id="52" name="Picture 51">
+            <a:extLst>
+              <a:ext uri="{FF2B5EF4-FFF2-40B4-BE49-F238E27FC236}">
+                <a16:creationId xmlns:a16="http://schemas.microsoft.com/office/drawing/2014/main" id="{16D3C10E-98D9-7A40-ACD1-051A33E33B84}"/>
+              </a:ext>
+            </a:extLst>
+          </p:cNvPr>
+          <p:cNvPicPr>
+            <a:picLocks noChangeAspect="1"/>
+          </p:cNvPicPr>
+          <p:nvPr/>
+        </p:nvPicPr>
+        <p:blipFill>
+          <a:blip r:embed="rId17">
+            <a:extLst>
+              <a:ext uri="{28A0092B-C50C-407E-A947-70E740481C1C}">
+                <a14:useLocalDpi xmlns:a14="http://schemas.microsoft.com/office/drawing/2010/main" val="0"/>
+              </a:ext>
+            </a:extLst>
+          </a:blip>
+          <a:stretch>
+            <a:fillRect/>
+          </a:stretch>
+        </p:blipFill>
+        <p:spPr>
+          <a:xfrm>
+            <a:off x="21541073" y="24257671"/>
+            <a:ext cx="9969500" cy="6718300"/>
+          </a:xfrm>
+          <a:prstGeom prst="rect">
+            <a:avLst/>
+          </a:prstGeom>
+        </p:spPr>
+      </p:pic>
+      <p:pic>
+        <p:nvPicPr>
+          <p:cNvPr id="56" name="Picture 55">
+            <a:extLst>
+              <a:ext uri="{FF2B5EF4-FFF2-40B4-BE49-F238E27FC236}">
+                <a16:creationId xmlns:a16="http://schemas.microsoft.com/office/drawing/2014/main" id="{14EDBDC2-0F96-3943-8BEA-48CA5FC2911B}"/>
+              </a:ext>
+            </a:extLst>
+          </p:cNvPr>
+          <p:cNvPicPr>
+            <a:picLocks noChangeAspect="1"/>
+          </p:cNvPicPr>
+          <p:nvPr/>
+        </p:nvPicPr>
+        <p:blipFill>
+          <a:blip r:embed="rId18">
+            <a:extLst>
+              <a:ext uri="{28A0092B-C50C-407E-A947-70E740481C1C}">
+                <a14:useLocalDpi xmlns:a14="http://schemas.microsoft.com/office/drawing/2010/main" val="0"/>
+              </a:ext>
+            </a:extLst>
+          </a:blip>
+          <a:stretch>
+            <a:fillRect/>
+          </a:stretch>
+        </p:blipFill>
+        <p:spPr>
+          <a:xfrm>
+            <a:off x="11528441" y="24249347"/>
+            <a:ext cx="10007600" cy="6718300"/>
           </a:xfrm>
           <a:prstGeom prst="rect">
             <a:avLst/>

--- a/Poster.pptx
+++ b/Poster.pptx
@@ -16422,31 +16422,11 @@
   <p:cSld>
     <p:bg>
       <p:bgPr>
-        <a:gradFill flip="none" rotWithShape="1">
-          <a:gsLst>
-            <a:gs pos="86000">
-              <a:srgbClr val="A0A0A0"/>
-            </a:gs>
-            <a:gs pos="64000">
-              <a:srgbClr val="BBBBBB"/>
-            </a:gs>
-            <a:gs pos="0">
-              <a:schemeClr val="accent1">
-                <a:lumMod val="40000"/>
-                <a:lumOff val="60000"/>
-              </a:schemeClr>
-            </a:gs>
-            <a:gs pos="100000">
-              <a:schemeClr val="accent1">
-                <a:lumMod val="60000"/>
-              </a:schemeClr>
-            </a:gs>
-          </a:gsLst>
-          <a:path path="circle">
-            <a:fillToRect l="50000" t="50000" r="50000" b="50000"/>
-          </a:path>
-          <a:tileRect/>
-        </a:gradFill>
+        <a:solidFill>
+          <a:schemeClr val="accent3">
+            <a:alpha val="75000"/>
+          </a:schemeClr>
+        </a:solidFill>
         <a:effectLst/>
       </p:bgPr>
     </p:bg>
@@ -16492,7 +16472,7 @@
         </p:blipFill>
         <p:spPr>
           <a:xfrm>
-            <a:off x="0" y="22276453"/>
+            <a:off x="67223" y="23462710"/>
             <a:ext cx="7449189" cy="5187426"/>
           </a:xfrm>
           <a:prstGeom prst="rect">
@@ -16528,7 +16508,7 @@
         </p:blipFill>
         <p:spPr>
           <a:xfrm>
-            <a:off x="0" y="17874267"/>
+            <a:off x="0" y="19049076"/>
             <a:ext cx="7386587" cy="5143832"/>
           </a:xfrm>
           <a:prstGeom prst="rect">
@@ -16557,7 +16537,7 @@
             <p:spPr>
               <a:xfrm>
                 <a:off x="459674" y="6378481"/>
-                <a:ext cx="10056813" cy="1687491"/>
+                <a:ext cx="10056813" cy="1646582"/>
               </a:xfrm>
             </p:spPr>
             <p:txBody>
@@ -16570,7 +16550,11 @@
                   </a:lnSpc>
                 </a:pPr>
                 <a:r>
-                  <a:rPr lang="en-US" dirty="0"/>
+                  <a:rPr lang="en-US" dirty="0">
+                    <a:solidFill>
+                      <a:schemeClr val="tx1"/>
+                    </a:solidFill>
+                  </a:rPr>
                   <a:t>The equation of motion for the pendulum</a:t>
                 </a:r>
               </a:p>
@@ -16591,6 +16575,9 @@
                           <m:chr m:val="̈"/>
                           <m:ctrlPr>
                             <a:rPr lang="en-US" i="1" smtClean="0">
+                              <a:solidFill>
+                                <a:schemeClr val="tx1"/>
+                              </a:solidFill>
                               <a:latin typeface="Cambria Math" panose="02040503050406030204" pitchFamily="18" charset="0"/>
                             </a:rPr>
                           </m:ctrlPr>
@@ -16598,6 +16585,9 @@
                         <m:e>
                           <m:r>
                             <a:rPr lang="en-US" b="0" i="1" smtClean="0">
+                              <a:solidFill>
+                                <a:schemeClr val="tx1"/>
+                              </a:solidFill>
                               <a:latin typeface="Cambria Math" panose="02040503050406030204" pitchFamily="18" charset="0"/>
                             </a:rPr>
                             <m:t>𝜙</m:t>
@@ -16606,6 +16596,9 @@
                       </m:acc>
                       <m:r>
                         <a:rPr lang="en-US" b="0" i="1" smtClean="0">
+                          <a:solidFill>
+                            <a:schemeClr val="tx1"/>
+                          </a:solidFill>
                           <a:latin typeface="Cambria Math" panose="02040503050406030204" pitchFamily="18" charset="0"/>
                         </a:rPr>
                         <m:t>=−</m:t>
@@ -16614,6 +16607,9 @@
                         <m:sSubSupPr>
                           <m:ctrlPr>
                             <a:rPr lang="en-US" b="0" i="1" smtClean="0">
+                              <a:solidFill>
+                                <a:schemeClr val="tx1"/>
+                              </a:solidFill>
                               <a:latin typeface="Cambria Math" panose="02040503050406030204" pitchFamily="18" charset="0"/>
                             </a:rPr>
                           </m:ctrlPr>
@@ -16621,6 +16617,9 @@
                         <m:e>
                           <m:r>
                             <a:rPr lang="en-US" b="0" i="1" smtClean="0">
+                              <a:solidFill>
+                                <a:schemeClr val="tx1"/>
+                              </a:solidFill>
                               <a:latin typeface="Cambria Math" panose="02040503050406030204" pitchFamily="18" charset="0"/>
                             </a:rPr>
                             <m:t>𝜔</m:t>
@@ -16629,6 +16628,9 @@
                         <m:sub>
                           <m:r>
                             <a:rPr lang="en-US" b="0" i="1" smtClean="0">
+                              <a:solidFill>
+                                <a:schemeClr val="tx1"/>
+                              </a:solidFill>
                               <a:latin typeface="Cambria Math" panose="02040503050406030204" pitchFamily="18" charset="0"/>
                             </a:rPr>
                             <m:t>0</m:t>
@@ -16637,6 +16639,9 @@
                         <m:sup>
                           <m:r>
                             <a:rPr lang="en-US" b="0" i="1" smtClean="0">
+                              <a:solidFill>
+                                <a:schemeClr val="tx1"/>
+                              </a:solidFill>
                               <a:latin typeface="Cambria Math" panose="02040503050406030204" pitchFamily="18" charset="0"/>
                             </a:rPr>
                             <m:t>2</m:t>
@@ -16648,6 +16653,9 @@
                           <m:nor/>
                         </m:rPr>
                         <a:rPr lang="en-US" b="0" i="0" smtClean="0">
+                          <a:solidFill>
+                            <a:schemeClr val="tx1"/>
+                          </a:solidFill>
                           <a:latin typeface="Cambria Math" panose="02040503050406030204" pitchFamily="18" charset="0"/>
                         </a:rPr>
                         <m:t>sin</m:t>
@@ -16656,6 +16664,9 @@
                         <m:dPr>
                           <m:ctrlPr>
                             <a:rPr lang="en-US" b="0" i="1" smtClean="0">
+                              <a:solidFill>
+                                <a:schemeClr val="tx1"/>
+                              </a:solidFill>
                               <a:latin typeface="Cambria Math" panose="02040503050406030204" pitchFamily="18" charset="0"/>
                             </a:rPr>
                           </m:ctrlPr>
@@ -16663,6 +16674,9 @@
                         <m:e>
                           <m:r>
                             <a:rPr lang="en-US" b="0" i="1" smtClean="0">
+                              <a:solidFill>
+                                <a:schemeClr val="tx1"/>
+                              </a:solidFill>
                               <a:latin typeface="Cambria Math" panose="02040503050406030204" pitchFamily="18" charset="0"/>
                             </a:rPr>
                             <m:t>𝜙</m:t>
@@ -16671,6 +16685,9 @@
                       </m:d>
                       <m:r>
                         <a:rPr lang="en-US" b="0" i="1" smtClean="0">
+                          <a:solidFill>
+                            <a:schemeClr val="tx1"/>
+                          </a:solidFill>
                           <a:latin typeface="Cambria Math" panose="02040503050406030204" pitchFamily="18" charset="0"/>
                         </a:rPr>
                         <m:t> −2</m:t>
@@ -16679,6 +16696,9 @@
                         <m:sSubPr>
                           <m:ctrlPr>
                             <a:rPr lang="en-US" b="0" i="1" smtClean="0">
+                              <a:solidFill>
+                                <a:schemeClr val="tx1"/>
+                              </a:solidFill>
                               <a:latin typeface="Cambria Math" panose="02040503050406030204" pitchFamily="18" charset="0"/>
                             </a:rPr>
                           </m:ctrlPr>
@@ -16686,6 +16706,9 @@
                         <m:e>
                           <m:r>
                             <a:rPr lang="en-US" b="0" i="1" smtClean="0">
+                              <a:solidFill>
+                                <a:schemeClr val="tx1"/>
+                              </a:solidFill>
                               <a:latin typeface="Cambria Math" panose="02040503050406030204" pitchFamily="18" charset="0"/>
                             </a:rPr>
                             <m:t>𝜔</m:t>
@@ -16694,6 +16717,9 @@
                         <m:sub>
                           <m:r>
                             <a:rPr lang="en-US" b="0" i="1" smtClean="0">
+                              <a:solidFill>
+                                <a:schemeClr val="tx1"/>
+                              </a:solidFill>
                               <a:latin typeface="Cambria Math" panose="02040503050406030204" pitchFamily="18" charset="0"/>
                             </a:rPr>
                             <m:t>0</m:t>
@@ -16702,6 +16728,9 @@
                       </m:sSub>
                       <m:r>
                         <a:rPr lang="en-US" b="0" i="1" smtClean="0">
+                          <a:solidFill>
+                            <a:schemeClr val="tx1"/>
+                          </a:solidFill>
                           <a:latin typeface="Cambria Math" panose="02040503050406030204" pitchFamily="18" charset="0"/>
                         </a:rPr>
                         <m:t>𝜒</m:t>
@@ -16711,6 +16740,9 @@
                           <m:chr m:val="̇"/>
                           <m:ctrlPr>
                             <a:rPr lang="en-US" b="0" i="1" smtClean="0">
+                              <a:solidFill>
+                                <a:schemeClr val="tx1"/>
+                              </a:solidFill>
                               <a:latin typeface="Cambria Math" panose="02040503050406030204" pitchFamily="18" charset="0"/>
                             </a:rPr>
                           </m:ctrlPr>
@@ -16718,6 +16750,9 @@
                         <m:e>
                           <m:r>
                             <a:rPr lang="en-US" b="0" i="1" smtClean="0">
+                              <a:solidFill>
+                                <a:schemeClr val="tx1"/>
+                              </a:solidFill>
                               <a:latin typeface="Cambria Math" panose="02040503050406030204" pitchFamily="18" charset="0"/>
                             </a:rPr>
                             <m:t>𝜙</m:t>
@@ -16726,12 +16761,18 @@
                       </m:acc>
                       <m:r>
                         <a:rPr lang="en-US" b="0" i="1" smtClean="0">
+                          <a:solidFill>
+                            <a:schemeClr val="tx1"/>
+                          </a:solidFill>
                           <a:latin typeface="Cambria Math" panose="02040503050406030204" pitchFamily="18" charset="0"/>
                         </a:rPr>
                         <m:t>+</m:t>
                       </m:r>
                       <m:r>
                         <a:rPr lang="en-US" b="0" i="1" smtClean="0">
+                          <a:solidFill>
+                            <a:schemeClr val="tx1"/>
+                          </a:solidFill>
                           <a:latin typeface="Cambria Math" panose="02040503050406030204" pitchFamily="18" charset="0"/>
                         </a:rPr>
                         <m:t>𝜂</m:t>
@@ -16741,12 +16782,18 @@
                           <m:nor/>
                         </m:rPr>
                         <a:rPr lang="en-US" b="0" i="0" smtClean="0">
+                          <a:solidFill>
+                            <a:schemeClr val="tx1"/>
+                          </a:solidFill>
                           <a:latin typeface="Cambria Math" panose="02040503050406030204" pitchFamily="18" charset="0"/>
                         </a:rPr>
                         <m:t>cos</m:t>
                       </m:r>
                       <m:r>
                         <a:rPr lang="en-US" b="0" i="1" smtClean="0">
+                          <a:solidFill>
+                            <a:schemeClr val="tx1"/>
+                          </a:solidFill>
                           <a:latin typeface="Cambria Math" panose="02040503050406030204" pitchFamily="18" charset="0"/>
                         </a:rPr>
                         <m:t>(</m:t>
@@ -16755,6 +16802,9 @@
                         <m:sSubPr>
                           <m:ctrlPr>
                             <a:rPr lang="en-US" b="0" i="1" smtClean="0">
+                              <a:solidFill>
+                                <a:schemeClr val="tx1"/>
+                              </a:solidFill>
                               <a:latin typeface="Cambria Math" panose="02040503050406030204" pitchFamily="18" charset="0"/>
                             </a:rPr>
                           </m:ctrlPr>
@@ -16762,6 +16812,9 @@
                         <m:e>
                           <m:r>
                             <a:rPr lang="en-US" b="0" i="1" smtClean="0">
+                              <a:solidFill>
+                                <a:schemeClr val="tx1"/>
+                              </a:solidFill>
                               <a:latin typeface="Cambria Math" panose="02040503050406030204" pitchFamily="18" charset="0"/>
                             </a:rPr>
                             <m:t>𝜔</m:t>
@@ -16770,6 +16823,9 @@
                         <m:sub>
                           <m:r>
                             <a:rPr lang="en-US" b="0" i="1" smtClean="0">
+                              <a:solidFill>
+                                <a:schemeClr val="tx1"/>
+                              </a:solidFill>
                               <a:latin typeface="Cambria Math" panose="02040503050406030204" pitchFamily="18" charset="0"/>
                             </a:rPr>
                             <m:t>𝑑</m:t>
@@ -16778,24 +16834,36 @@
                       </m:sSub>
                       <m:r>
                         <a:rPr lang="en-US" b="0" i="1" smtClean="0">
+                          <a:solidFill>
+                            <a:schemeClr val="tx1"/>
+                          </a:solidFill>
                           <a:latin typeface="Cambria Math" panose="02040503050406030204" pitchFamily="18" charset="0"/>
                         </a:rPr>
                         <m:t>𝑡</m:t>
                       </m:r>
                       <m:r>
                         <a:rPr lang="en-US" b="0" i="1" smtClean="0">
+                          <a:solidFill>
+                            <a:schemeClr val="tx1"/>
+                          </a:solidFill>
                           <a:latin typeface="Cambria Math" panose="02040503050406030204" pitchFamily="18" charset="0"/>
                         </a:rPr>
                         <m:t>+</m:t>
                       </m:r>
                       <m:r>
                         <a:rPr lang="en-US" b="0" i="1" smtClean="0">
+                          <a:solidFill>
+                            <a:schemeClr val="tx1"/>
+                          </a:solidFill>
                           <a:latin typeface="Cambria Math" panose="02040503050406030204" pitchFamily="18" charset="0"/>
                         </a:rPr>
                         <m:t>𝛿</m:t>
                       </m:r>
                       <m:r>
                         <a:rPr lang="en-US" b="0" i="1" smtClean="0">
+                          <a:solidFill>
+                            <a:schemeClr val="tx1"/>
+                          </a:solidFill>
                           <a:latin typeface="Cambria Math" panose="02040503050406030204" pitchFamily="18" charset="0"/>
                         </a:rPr>
                         <m:t>)</m:t>
@@ -16803,7 +16871,11 @@
                     </m:oMath>
                   </m:oMathPara>
                 </a14:m>
-                <a:endParaRPr lang="en-US" dirty="0"/>
+                <a:endParaRPr lang="en-US" dirty="0">
+                  <a:solidFill>
+                    <a:schemeClr val="tx1"/>
+                  </a:solidFill>
+                </a:endParaRPr>
               </a:p>
             </p:txBody>
           </p:sp>
@@ -16828,7 +16900,7 @@
             <p:spPr>
               <a:xfrm>
                 <a:off x="459674" y="6378481"/>
-                <a:ext cx="10056813" cy="1687491"/>
+                <a:ext cx="10056813" cy="1646582"/>
               </a:xfrm>
               <a:blipFill>
                 <a:blip r:embed="rId5"/>
@@ -16868,13 +16940,57 @@
             <p:ph type="body" sz="quarter" idx="11"/>
           </p:nvPr>
         </p:nvSpPr>
-        <p:spPr/>
+        <p:spPr>
+          <a:xfrm>
+            <a:off x="477827" y="5577218"/>
+            <a:ext cx="10048875" cy="697106"/>
+          </a:xfrm>
+          <a:gradFill flip="none" rotWithShape="1">
+            <a:gsLst>
+              <a:gs pos="0">
+                <a:srgbClr val="FF9300">
+                  <a:tint val="66000"/>
+                  <a:satMod val="160000"/>
+                </a:srgbClr>
+              </a:gs>
+              <a:gs pos="50000">
+                <a:srgbClr val="FF9300">
+                  <a:tint val="44500"/>
+                  <a:satMod val="160000"/>
+                </a:srgbClr>
+              </a:gs>
+              <a:gs pos="100000">
+                <a:srgbClr val="FF9300">
+                  <a:tint val="23500"/>
+                  <a:satMod val="160000"/>
+                </a:srgbClr>
+              </a:gs>
+            </a:gsLst>
+            <a:path path="circle">
+              <a:fillToRect l="50000" t="50000" r="50000" b="50000"/>
+            </a:path>
+            <a:tileRect/>
+          </a:gradFill>
+          <a:ln>
+            <a:solidFill>
+              <a:schemeClr val="accent5">
+                <a:lumMod val="50000"/>
+              </a:schemeClr>
+            </a:solidFill>
+          </a:ln>
+        </p:spPr>
         <p:txBody>
           <a:bodyPr/>
           <a:lstStyle/>
           <a:p>
             <a:r>
-              <a:rPr lang="en-US" u="none" dirty="0"/>
+              <a:rPr lang="en-US" u="none" dirty="0">
+                <a:solidFill>
+                  <a:schemeClr val="tx1">
+                    <a:lumMod val="95000"/>
+                  </a:schemeClr>
+                </a:solidFill>
+              </a:rPr>
               <a:t>Introduction</a:t>
             </a:r>
           </a:p>
@@ -16901,6 +17017,42 @@
             <a:off x="477825" y="14240982"/>
             <a:ext cx="10050462" cy="697106"/>
           </a:xfrm>
+          <a:gradFill flip="none" rotWithShape="1">
+            <a:gsLst>
+              <a:gs pos="0">
+                <a:srgbClr val="FF9300">
+                  <a:tint val="66000"/>
+                  <a:satMod val="160000"/>
+                </a:srgbClr>
+              </a:gs>
+              <a:gs pos="50000">
+                <a:srgbClr val="FF9300">
+                  <a:tint val="44500"/>
+                  <a:satMod val="160000"/>
+                </a:srgbClr>
+              </a:gs>
+              <a:gs pos="100000">
+                <a:srgbClr val="FF9300">
+                  <a:tint val="23500"/>
+                  <a:satMod val="160000"/>
+                </a:srgbClr>
+              </a:gs>
+            </a:gsLst>
+            <a:path path="circle">
+              <a:fillToRect l="50000" t="50000" r="50000" b="50000"/>
+            </a:path>
+            <a:tileRect/>
+          </a:gradFill>
+          <a:ln>
+            <a:solidFill>
+              <a:schemeClr val="accent5">
+                <a:lumMod val="50000"/>
+              </a:schemeClr>
+            </a:solidFill>
+          </a:ln>
+          <a:effectLst>
+            <a:softEdge rad="12700"/>
+          </a:effectLst>
         </p:spPr>
         <p:txBody>
           <a:bodyPr/>
@@ -16934,7 +17086,7 @@
             <p:spPr>
               <a:xfrm>
                 <a:off x="11433249" y="6278842"/>
-                <a:ext cx="10038662" cy="2337797"/>
+                <a:ext cx="10038662" cy="2562731"/>
               </a:xfrm>
             </p:spPr>
             <p:txBody>
@@ -16947,7 +17099,11 @@
                   </a:lnSpc>
                 </a:pPr>
                 <a:r>
-                  <a:rPr lang="en-US" dirty="0"/>
+                  <a:rPr lang="en-US" sz="2800" dirty="0">
+                    <a:solidFill>
+                      <a:schemeClr val="tx1"/>
+                    </a:solidFill>
+                  </a:rPr>
                   <a:t>For a small initial displacement </a:t>
                 </a:r>
                 <a14:m>
@@ -16955,14 +17111,20 @@
                     <m:sSub>
                       <m:sSubPr>
                         <m:ctrlPr>
-                          <a:rPr lang="en-US" b="0" i="1" smtClean="0">
+                          <a:rPr lang="en-US" sz="2800" b="0" i="1" smtClean="0">
+                            <a:solidFill>
+                              <a:schemeClr val="tx1"/>
+                            </a:solidFill>
                             <a:latin typeface="Cambria Math" panose="02040503050406030204" pitchFamily="18" charset="0"/>
                           </a:rPr>
                         </m:ctrlPr>
                       </m:sSubPr>
                       <m:e>
                         <m:r>
-                          <a:rPr lang="en-US" b="0" i="1" smtClean="0">
+                          <a:rPr lang="en-US" sz="2800" b="0" i="1" smtClean="0">
+                            <a:solidFill>
+                              <a:schemeClr val="tx1"/>
+                            </a:solidFill>
                             <a:latin typeface="Cambria Math" panose="02040503050406030204" pitchFamily="18" charset="0"/>
                           </a:rPr>
                           <m:t>𝜙</m:t>
@@ -16970,7 +17132,10 @@
                       </m:e>
                       <m:sub>
                         <m:r>
-                          <a:rPr lang="en-US" b="0" i="1" smtClean="0">
+                          <a:rPr lang="en-US" sz="2800" b="0" i="1" smtClean="0">
+                            <a:solidFill>
+                              <a:schemeClr val="tx1"/>
+                            </a:solidFill>
                             <a:latin typeface="Cambria Math" panose="02040503050406030204" pitchFamily="18" charset="0"/>
                           </a:rPr>
                           <m:t>0</m:t>
@@ -16978,7 +17143,10 @@
                       </m:sub>
                     </m:sSub>
                     <m:r>
-                      <a:rPr lang="en-US" b="0" i="1" smtClean="0">
+                      <a:rPr lang="en-US" sz="2800" b="0" i="1" smtClean="0">
+                        <a:solidFill>
+                          <a:schemeClr val="tx1"/>
+                        </a:solidFill>
                         <a:latin typeface="Cambria Math" panose="02040503050406030204" pitchFamily="18" charset="0"/>
                       </a:rPr>
                       <m:t>=</m:t>
@@ -16986,14 +17154,20 @@
                     <m:f>
                       <m:fPr>
                         <m:ctrlPr>
-                          <a:rPr lang="en-US" b="0" i="1" smtClean="0">
+                          <a:rPr lang="en-US" sz="2800" b="0" i="1" smtClean="0">
+                            <a:solidFill>
+                              <a:schemeClr val="tx1"/>
+                            </a:solidFill>
                             <a:latin typeface="Cambria Math" panose="02040503050406030204" pitchFamily="18" charset="0"/>
                           </a:rPr>
                         </m:ctrlPr>
                       </m:fPr>
                       <m:num>
                         <m:r>
-                          <a:rPr lang="en-US" b="0" i="1" smtClean="0">
+                          <a:rPr lang="en-US" sz="2800" b="0" i="1" smtClean="0">
+                            <a:solidFill>
+                              <a:schemeClr val="tx1"/>
+                            </a:solidFill>
                             <a:latin typeface="Cambria Math" panose="02040503050406030204" pitchFamily="18" charset="0"/>
                           </a:rPr>
                           <m:t>𝜋</m:t>
@@ -17001,7 +17175,10 @@
                       </m:num>
                       <m:den>
                         <m:r>
-                          <a:rPr lang="en-US" b="0" i="1" smtClean="0">
+                          <a:rPr lang="en-US" sz="2800" b="0" i="1" smtClean="0">
+                            <a:solidFill>
+                              <a:schemeClr val="tx1"/>
+                            </a:solidFill>
                             <a:latin typeface="Cambria Math" panose="02040503050406030204" pitchFamily="18" charset="0"/>
                           </a:rPr>
                           <m:t>20</m:t>
@@ -17011,31 +17188,47 @@
                   </m:oMath>
                 </a14:m>
                 <a:r>
-                  <a:rPr lang="en-US" dirty="0"/>
+                  <a:rPr lang="en-US" sz="2800" dirty="0">
+                    <a:solidFill>
+                      <a:schemeClr val="tx1"/>
+                    </a:solidFill>
+                  </a:rPr>
                   <a:t>, the dynamics of the pendulum can be well approximated by the analytic solution </a:t>
                 </a:r>
                 <a14:m>
                   <m:oMath xmlns:m="http://schemas.openxmlformats.org/officeDocument/2006/math">
                     <m:r>
-                      <a:rPr lang="en-US" b="0" i="1" smtClean="0">
+                      <a:rPr lang="en-US" sz="2800" b="0" i="1" smtClean="0">
+                        <a:solidFill>
+                          <a:schemeClr val="tx1"/>
+                        </a:solidFill>
                         <a:latin typeface="Cambria Math" panose="02040503050406030204" pitchFamily="18" charset="0"/>
                       </a:rPr>
                       <m:t>𝜙</m:t>
                     </m:r>
                     <m:r>
-                      <a:rPr lang="en-US" b="0" i="1" smtClean="0">
+                      <a:rPr lang="en-US" sz="2800" b="0" i="1" smtClean="0">
+                        <a:solidFill>
+                          <a:schemeClr val="tx1"/>
+                        </a:solidFill>
                         <a:latin typeface="Cambria Math" panose="02040503050406030204" pitchFamily="18" charset="0"/>
                       </a:rPr>
                       <m:t>(</m:t>
                     </m:r>
                     <m:r>
-                      <a:rPr lang="en-US" b="0" i="1" smtClean="0">
+                      <a:rPr lang="en-US" sz="2800" b="0" i="1" smtClean="0">
+                        <a:solidFill>
+                          <a:schemeClr val="tx1"/>
+                        </a:solidFill>
                         <a:latin typeface="Cambria Math" panose="02040503050406030204" pitchFamily="18" charset="0"/>
                       </a:rPr>
                       <m:t>𝑡</m:t>
                     </m:r>
                     <m:r>
-                      <a:rPr lang="en-US" b="0" i="1" smtClean="0">
+                      <a:rPr lang="en-US" sz="2800" b="0" i="1" smtClean="0">
+                        <a:solidFill>
+                          <a:schemeClr val="tx1"/>
+                        </a:solidFill>
                         <a:latin typeface="Cambria Math" panose="02040503050406030204" pitchFamily="18" charset="0"/>
                       </a:rPr>
                       <m:t>)=</m:t>
@@ -17043,14 +17236,20 @@
                     <m:sSub>
                       <m:sSubPr>
                         <m:ctrlPr>
-                          <a:rPr lang="en-US" b="0" i="1" smtClean="0">
+                          <a:rPr lang="en-US" sz="2800" b="0" i="1" smtClean="0">
+                            <a:solidFill>
+                              <a:schemeClr val="tx1"/>
+                            </a:solidFill>
                             <a:latin typeface="Cambria Math" panose="02040503050406030204" pitchFamily="18" charset="0"/>
                           </a:rPr>
                         </m:ctrlPr>
                       </m:sSubPr>
                       <m:e>
                         <m:r>
-                          <a:rPr lang="en-US" b="0" i="1" smtClean="0">
+                          <a:rPr lang="en-US" sz="2800" b="0" i="1" smtClean="0">
+                            <a:solidFill>
+                              <a:schemeClr val="tx1"/>
+                            </a:solidFill>
                             <a:latin typeface="Cambria Math" panose="02040503050406030204" pitchFamily="18" charset="0"/>
                           </a:rPr>
                           <m:t>𝜙</m:t>
@@ -17058,7 +17257,10 @@
                       </m:e>
                       <m:sub>
                         <m:r>
-                          <a:rPr lang="en-US" b="0" i="1" smtClean="0">
+                          <a:rPr lang="en-US" sz="2800" b="0" i="1" smtClean="0">
+                            <a:solidFill>
+                              <a:schemeClr val="tx1"/>
+                            </a:solidFill>
                             <a:latin typeface="Cambria Math" panose="02040503050406030204" pitchFamily="18" charset="0"/>
                           </a:rPr>
                           <m:t>0</m:t>
@@ -17069,13 +17271,19 @@
                       <m:rPr>
                         <m:nor/>
                       </m:rPr>
-                      <a:rPr lang="en-US" b="0" i="0" smtClean="0">
+                      <a:rPr lang="en-US" sz="2800" b="0" i="0" smtClean="0">
+                        <a:solidFill>
+                          <a:schemeClr val="tx1"/>
+                        </a:solidFill>
                         <a:latin typeface="Cambria Math" panose="02040503050406030204" pitchFamily="18" charset="0"/>
                       </a:rPr>
                       <m:t>cos</m:t>
                     </m:r>
                     <m:r>
-                      <a:rPr lang="en-US" b="0" i="1" smtClean="0">
+                      <a:rPr lang="en-US" sz="2800" b="0" i="1" smtClean="0">
+                        <a:solidFill>
+                          <a:schemeClr val="tx1"/>
+                        </a:solidFill>
                         <a:latin typeface="Cambria Math" panose="02040503050406030204" pitchFamily="18" charset="0"/>
                       </a:rPr>
                       <m:t>(</m:t>
@@ -17083,14 +17291,20 @@
                     <m:sSub>
                       <m:sSubPr>
                         <m:ctrlPr>
-                          <a:rPr lang="en-US" b="0" i="1" smtClean="0">
+                          <a:rPr lang="en-US" sz="2800" b="0" i="1" smtClean="0">
+                            <a:solidFill>
+                              <a:schemeClr val="tx1"/>
+                            </a:solidFill>
                             <a:latin typeface="Cambria Math" panose="02040503050406030204" pitchFamily="18" charset="0"/>
                           </a:rPr>
                         </m:ctrlPr>
                       </m:sSubPr>
                       <m:e>
                         <m:r>
-                          <a:rPr lang="en-US" b="0" i="1" smtClean="0">
+                          <a:rPr lang="en-US" sz="2800" b="0" i="1" smtClean="0">
+                            <a:solidFill>
+                              <a:schemeClr val="tx1"/>
+                            </a:solidFill>
                             <a:latin typeface="Cambria Math" panose="02040503050406030204" pitchFamily="18" charset="0"/>
                           </a:rPr>
                           <m:t>𝜔</m:t>
@@ -17098,7 +17312,10 @@
                       </m:e>
                       <m:sub>
                         <m:r>
-                          <a:rPr lang="en-US" b="0" i="1" smtClean="0">
+                          <a:rPr lang="en-US" sz="2800" b="0" i="1" smtClean="0">
+                            <a:solidFill>
+                              <a:schemeClr val="tx1"/>
+                            </a:solidFill>
                             <a:latin typeface="Cambria Math" panose="02040503050406030204" pitchFamily="18" charset="0"/>
                           </a:rPr>
                           <m:t>0</m:t>
@@ -17106,13 +17323,19 @@
                       </m:sub>
                     </m:sSub>
                     <m:r>
-                      <a:rPr lang="en-US" b="0" i="1" smtClean="0">
+                      <a:rPr lang="en-US" sz="2800" b="0" i="1" smtClean="0">
+                        <a:solidFill>
+                          <a:schemeClr val="tx1"/>
+                        </a:solidFill>
                         <a:latin typeface="Cambria Math" panose="02040503050406030204" pitchFamily="18" charset="0"/>
                       </a:rPr>
                       <m:t>𝑡</m:t>
                     </m:r>
                     <m:r>
-                      <a:rPr lang="en-US" b="0" i="1" smtClean="0">
+                      <a:rPr lang="en-US" sz="2800" b="0" i="1" smtClean="0">
+                        <a:solidFill>
+                          <a:schemeClr val="tx1"/>
+                        </a:solidFill>
                         <a:latin typeface="Cambria Math" panose="02040503050406030204" pitchFamily="18" charset="0"/>
                       </a:rPr>
                       <m:t>)</m:t>
@@ -17120,22 +17343,32 @@
                   </m:oMath>
                 </a14:m>
                 <a:r>
-                  <a:rPr lang="en-US" dirty="0"/>
-                  <a:t>. For the case shown, the pendulum acquires a well defined period of </a:t>
+                  <a:rPr lang="en-US" sz="2800" dirty="0">
+                    <a:solidFill>
+                      <a:schemeClr val="tx1"/>
+                    </a:solidFill>
+                  </a:rPr>
+                  <a:t>. For the case shown, the pendulum acquires a period of </a:t>
                 </a:r>
                 <a14:m>
                   <m:oMath xmlns:m="http://schemas.openxmlformats.org/officeDocument/2006/math">
                     <m:sSub>
                       <m:sSubPr>
                         <m:ctrlPr>
-                          <a:rPr lang="en-US" b="0" i="1" smtClean="0">
+                          <a:rPr lang="en-US" sz="2800" b="0" i="1" smtClean="0">
+                            <a:solidFill>
+                              <a:schemeClr val="tx1"/>
+                            </a:solidFill>
                             <a:latin typeface="Cambria Math" panose="02040503050406030204" pitchFamily="18" charset="0"/>
                           </a:rPr>
                         </m:ctrlPr>
                       </m:sSubPr>
                       <m:e>
                         <m:r>
-                          <a:rPr lang="en-US" b="0" i="1" smtClean="0">
+                          <a:rPr lang="en-US" sz="2800" b="0" i="1" smtClean="0">
+                            <a:solidFill>
+                              <a:schemeClr val="tx1"/>
+                            </a:solidFill>
                             <a:latin typeface="Cambria Math" panose="02040503050406030204" pitchFamily="18" charset="0"/>
                           </a:rPr>
                           <m:t>𝑇</m:t>
@@ -17143,7 +17376,10 @@
                       </m:e>
                       <m:sub>
                         <m:r>
-                          <a:rPr lang="en-US" b="0" i="1" smtClean="0">
+                          <a:rPr lang="en-US" sz="2800" b="0" i="1" smtClean="0">
+                            <a:solidFill>
+                              <a:schemeClr val="tx1"/>
+                            </a:solidFill>
                             <a:latin typeface="Cambria Math" panose="02040503050406030204" pitchFamily="18" charset="0"/>
                           </a:rPr>
                           <m:t>0</m:t>
@@ -17151,7 +17387,10 @@
                       </m:sub>
                     </m:sSub>
                     <m:r>
-                      <a:rPr lang="en-US" b="0" i="1" smtClean="0">
+                      <a:rPr lang="en-US" sz="2800" b="0" i="1" smtClean="0">
+                        <a:solidFill>
+                          <a:schemeClr val="tx1"/>
+                        </a:solidFill>
                         <a:latin typeface="Cambria Math" panose="02040503050406030204" pitchFamily="18" charset="0"/>
                       </a:rPr>
                       <m:t>=</m:t>
@@ -17159,20 +17398,29 @@
                     <m:f>
                       <m:fPr>
                         <m:ctrlPr>
-                          <a:rPr lang="en-US" b="0" i="1" smtClean="0">
+                          <a:rPr lang="en-US" sz="2800" b="0" i="1" smtClean="0">
+                            <a:solidFill>
+                              <a:schemeClr val="tx1"/>
+                            </a:solidFill>
                             <a:latin typeface="Cambria Math" panose="02040503050406030204" pitchFamily="18" charset="0"/>
                           </a:rPr>
                         </m:ctrlPr>
                       </m:fPr>
                       <m:num>
                         <m:r>
-                          <a:rPr lang="en-US" b="0" i="1" smtClean="0">
+                          <a:rPr lang="en-US" sz="2800" b="0" i="1" smtClean="0">
+                            <a:solidFill>
+                              <a:schemeClr val="tx1"/>
+                            </a:solidFill>
                             <a:latin typeface="Cambria Math" panose="02040503050406030204" pitchFamily="18" charset="0"/>
                           </a:rPr>
                           <m:t>2</m:t>
                         </m:r>
                         <m:r>
-                          <a:rPr lang="en-US" b="0" i="1" smtClean="0">
+                          <a:rPr lang="en-US" sz="2800" b="0" i="1" smtClean="0">
+                            <a:solidFill>
+                              <a:schemeClr val="tx1"/>
+                            </a:solidFill>
                             <a:latin typeface="Cambria Math" panose="02040503050406030204" pitchFamily="18" charset="0"/>
                           </a:rPr>
                           <m:t>𝜋</m:t>
@@ -17182,14 +17430,20 @@
                         <m:sSub>
                           <m:sSubPr>
                             <m:ctrlPr>
-                              <a:rPr lang="en-US" b="0" i="1" smtClean="0">
+                              <a:rPr lang="en-US" sz="2800" b="0" i="1" smtClean="0">
+                                <a:solidFill>
+                                  <a:schemeClr val="tx1"/>
+                                </a:solidFill>
                                 <a:latin typeface="Cambria Math" panose="02040503050406030204" pitchFamily="18" charset="0"/>
                               </a:rPr>
                             </m:ctrlPr>
                           </m:sSubPr>
                           <m:e>
                             <m:r>
-                              <a:rPr lang="en-US" b="0" i="1" smtClean="0">
+                              <a:rPr lang="en-US" sz="2800" b="0" i="1" smtClean="0">
+                                <a:solidFill>
+                                  <a:schemeClr val="tx1"/>
+                                </a:solidFill>
                                 <a:latin typeface="Cambria Math" panose="02040503050406030204" pitchFamily="18" charset="0"/>
                               </a:rPr>
                               <m:t>𝜔</m:t>
@@ -17197,7 +17451,10 @@
                           </m:e>
                           <m:sub>
                             <m:r>
-                              <a:rPr lang="en-US" b="0" i="1" smtClean="0">
+                              <a:rPr lang="en-US" sz="2800" b="0" i="1" smtClean="0">
+                                <a:solidFill>
+                                  <a:schemeClr val="tx1"/>
+                                </a:solidFill>
                                 <a:latin typeface="Cambria Math" panose="02040503050406030204" pitchFamily="18" charset="0"/>
                               </a:rPr>
                               <m:t>0</m:t>
@@ -17207,13 +17464,19 @@
                       </m:den>
                     </m:f>
                     <m:r>
-                      <a:rPr lang="en-US" b="0" i="1" smtClean="0">
+                      <a:rPr lang="en-US" sz="2800" b="0" i="1" smtClean="0">
+                        <a:solidFill>
+                          <a:schemeClr val="tx1"/>
+                        </a:solidFill>
                         <a:latin typeface="Cambria Math" panose="02040503050406030204" pitchFamily="18" charset="0"/>
                       </a:rPr>
                       <m:t>=0.916 </m:t>
                     </m:r>
                     <m:r>
-                      <a:rPr lang="en-US" b="0" i="1" smtClean="0">
+                      <a:rPr lang="en-US" sz="2800" b="0" i="1" smtClean="0">
+                        <a:solidFill>
+                          <a:schemeClr val="tx1"/>
+                        </a:solidFill>
                         <a:latin typeface="Cambria Math" panose="02040503050406030204" pitchFamily="18" charset="0"/>
                       </a:rPr>
                       <m:t>𝑠</m:t>
@@ -17221,7 +17484,11 @@
                   </m:oMath>
                 </a14:m>
                 <a:r>
-                  <a:rPr lang="en-US" dirty="0"/>
+                  <a:rPr lang="en-US" sz="2800" dirty="0">
+                    <a:solidFill>
+                      <a:schemeClr val="tx1"/>
+                    </a:solidFill>
+                  </a:rPr>
                   <a:t>.</a:t>
                 </a:r>
               </a:p>
@@ -17248,7 +17515,7 @@
             <p:spPr>
               <a:xfrm>
                 <a:off x="11433249" y="6278842"/>
-                <a:ext cx="10038662" cy="2337797"/>
+                <a:ext cx="10038662" cy="2562731"/>
               </a:xfrm>
               <a:blipFill>
                 <a:blip r:embed="rId6"/>
@@ -17293,6 +17560,39 @@
             <a:off x="11460162" y="5623377"/>
             <a:ext cx="20974055" cy="697106"/>
           </a:xfrm>
+          <a:gradFill flip="none" rotWithShape="1">
+            <a:gsLst>
+              <a:gs pos="0">
+                <a:srgbClr val="FF9300">
+                  <a:tint val="66000"/>
+                  <a:satMod val="160000"/>
+                </a:srgbClr>
+              </a:gs>
+              <a:gs pos="50000">
+                <a:srgbClr val="FF9300">
+                  <a:tint val="44500"/>
+                  <a:satMod val="160000"/>
+                </a:srgbClr>
+              </a:gs>
+              <a:gs pos="100000">
+                <a:srgbClr val="FF9300">
+                  <a:tint val="23500"/>
+                  <a:satMod val="160000"/>
+                </a:srgbClr>
+              </a:gs>
+            </a:gsLst>
+            <a:path path="circle">
+              <a:fillToRect l="50000" t="50000" r="50000" b="50000"/>
+            </a:path>
+            <a:tileRect/>
+          </a:gradFill>
+          <a:ln>
+            <a:solidFill>
+              <a:schemeClr val="accent5">
+                <a:lumMod val="50000"/>
+              </a:schemeClr>
+            </a:solidFill>
+          </a:ln>
         </p:spPr>
         <p:txBody>
           <a:bodyPr/>
@@ -17326,6 +17626,39 @@
             <a:off x="33390292" y="5577218"/>
             <a:ext cx="10047018" cy="697106"/>
           </a:xfrm>
+          <a:gradFill flip="none" rotWithShape="1">
+            <a:gsLst>
+              <a:gs pos="0">
+                <a:srgbClr val="FF9300">
+                  <a:tint val="66000"/>
+                  <a:satMod val="160000"/>
+                </a:srgbClr>
+              </a:gs>
+              <a:gs pos="50000">
+                <a:srgbClr val="FF9300">
+                  <a:tint val="44500"/>
+                  <a:satMod val="160000"/>
+                </a:srgbClr>
+              </a:gs>
+              <a:gs pos="100000">
+                <a:srgbClr val="FF9300">
+                  <a:tint val="23500"/>
+                  <a:satMod val="160000"/>
+                </a:srgbClr>
+              </a:gs>
+            </a:gsLst>
+            <a:path path="circle">
+              <a:fillToRect l="50000" t="50000" r="50000" b="50000"/>
+            </a:path>
+            <a:tileRect/>
+          </a:gradFill>
+          <a:ln>
+            <a:solidFill>
+              <a:schemeClr val="accent4">
+                <a:lumMod val="50000"/>
+              </a:schemeClr>
+            </a:solidFill>
+          </a:ln>
         </p:spPr>
         <p:txBody>
           <a:bodyPr/>
@@ -17379,12 +17712,46 @@
             <p:ph type="body" sz="quarter" idx="27"/>
           </p:nvPr>
         </p:nvSpPr>
-        <p:spPr/>
+        <p:spPr>
+          <a:gradFill flip="none" rotWithShape="1">
+            <a:gsLst>
+              <a:gs pos="0">
+                <a:srgbClr val="FF9300">
+                  <a:tint val="66000"/>
+                  <a:satMod val="160000"/>
+                </a:srgbClr>
+              </a:gs>
+              <a:gs pos="50000">
+                <a:srgbClr val="FF9300">
+                  <a:tint val="44500"/>
+                  <a:satMod val="160000"/>
+                </a:srgbClr>
+              </a:gs>
+              <a:gs pos="100000">
+                <a:srgbClr val="FF9300">
+                  <a:tint val="23500"/>
+                  <a:satMod val="160000"/>
+                </a:srgbClr>
+              </a:gs>
+            </a:gsLst>
+            <a:path path="circle">
+              <a:fillToRect l="50000" t="50000" r="50000" b="50000"/>
+            </a:path>
+            <a:tileRect/>
+          </a:gradFill>
+          <a:ln>
+            <a:solidFill>
+              <a:schemeClr val="accent4">
+                <a:lumMod val="50000"/>
+              </a:schemeClr>
+            </a:solidFill>
+          </a:ln>
+        </p:spPr>
         <p:txBody>
           <a:bodyPr/>
           <a:lstStyle/>
           <a:p>
-            <a:endParaRPr lang="en-US"/>
+            <a:endParaRPr lang="en-US" dirty="0"/>
           </a:p>
         </p:txBody>
       </p:sp>
@@ -17429,12 +17796,46 @@
             <p:ph type="body" sz="quarter" idx="29"/>
           </p:nvPr>
         </p:nvSpPr>
-        <p:spPr/>
+        <p:spPr>
+          <a:gradFill flip="none" rotWithShape="1">
+            <a:gsLst>
+              <a:gs pos="0">
+                <a:srgbClr val="FF9300">
+                  <a:tint val="66000"/>
+                  <a:satMod val="160000"/>
+                </a:srgbClr>
+              </a:gs>
+              <a:gs pos="50000">
+                <a:srgbClr val="FF9300">
+                  <a:tint val="44500"/>
+                  <a:satMod val="160000"/>
+                </a:srgbClr>
+              </a:gs>
+              <a:gs pos="100000">
+                <a:srgbClr val="FF9300">
+                  <a:tint val="23500"/>
+                  <a:satMod val="160000"/>
+                </a:srgbClr>
+              </a:gs>
+            </a:gsLst>
+            <a:path path="circle">
+              <a:fillToRect l="50000" t="50000" r="50000" b="50000"/>
+            </a:path>
+            <a:tileRect/>
+          </a:gradFill>
+          <a:ln>
+            <a:solidFill>
+              <a:schemeClr val="accent5">
+                <a:lumMod val="50000"/>
+              </a:schemeClr>
+            </a:solidFill>
+          </a:ln>
+        </p:spPr>
         <p:txBody>
           <a:bodyPr/>
           <a:lstStyle/>
           <a:p>
-            <a:endParaRPr lang="en-US"/>
+            <a:endParaRPr lang="en-US" dirty="0"/>
           </a:p>
         </p:txBody>
       </p:sp>
@@ -17484,7 +17885,7 @@
             <p:spPr>
               <a:xfrm>
                 <a:off x="459674" y="14951552"/>
-                <a:ext cx="10056813" cy="15956718"/>
+                <a:ext cx="10056813" cy="16297966"/>
               </a:xfrm>
             </p:spPr>
             <p:txBody>
@@ -17497,23 +17898,43 @@
                   </a:lnSpc>
                 </a:pPr>
                 <a:r>
-                  <a:rPr lang="en-US" dirty="0"/>
+                  <a:rPr lang="en-US" sz="2800" dirty="0">
+                    <a:solidFill>
+                      <a:schemeClr val="tx1"/>
+                    </a:solidFill>
+                  </a:rPr>
                   <a:t>In this project, I will explore how </a:t>
                 </a:r>
                 <a:r>
-                  <a:rPr lang="en-US" dirty="0" err="1"/>
+                  <a:rPr lang="en-US" sz="2800" dirty="0" err="1">
+                    <a:solidFill>
+                      <a:schemeClr val="tx1"/>
+                    </a:solidFill>
+                  </a:rPr>
                   <a:t>anharmonic</a:t>
                 </a:r>
                 <a:r>
-                  <a:rPr lang="en-US" dirty="0"/>
+                  <a:rPr lang="en-US" sz="2800" dirty="0">
+                    <a:solidFill>
+                      <a:schemeClr val="tx1"/>
+                    </a:solidFill>
+                  </a:rPr>
                   <a:t> and chaotic behavior progressively arises in pendulum dynamics by simulating the above differential equation by implementing a fourth order Runge-</a:t>
                 </a:r>
                 <a:r>
-                  <a:rPr lang="en-US" dirty="0" err="1"/>
+                  <a:rPr lang="en-US" sz="2800" dirty="0" err="1">
+                    <a:solidFill>
+                      <a:schemeClr val="tx1"/>
+                    </a:solidFill>
+                  </a:rPr>
                   <a:t>Kutta</a:t>
                 </a:r>
                 <a:r>
-                  <a:rPr lang="en-US" dirty="0"/>
+                  <a:rPr lang="en-US" sz="2800" dirty="0">
+                    <a:solidFill>
+                      <a:schemeClr val="tx1"/>
+                    </a:solidFill>
+                  </a:rPr>
                   <a:t> method in Python. The time step for each simulation was set to 0.001 s.</a:t>
                 </a:r>
               </a:p>
@@ -17524,31 +17945,47 @@
                   </a:lnSpc>
                 </a:pPr>
                 <a:r>
-                  <a:rPr lang="en-US" dirty="0"/>
+                  <a:rPr lang="en-US" sz="2800" dirty="0">
+                    <a:solidFill>
+                      <a:schemeClr val="tx1"/>
+                    </a:solidFill>
+                  </a:rPr>
                   <a:t>By manipulating the frictional and driving force parameters, </a:t>
                 </a:r>
                 <a14:m>
                   <m:oMath xmlns:m="http://schemas.openxmlformats.org/officeDocument/2006/math">
                     <m:r>
-                      <a:rPr lang="en-US" i="1">
+                      <a:rPr lang="en-US" sz="2800" i="1">
+                        <a:solidFill>
+                          <a:schemeClr val="tx1"/>
+                        </a:solidFill>
                         <a:latin typeface="Cambria Math" panose="02040503050406030204" pitchFamily="18" charset="0"/>
                       </a:rPr>
                       <m:t>𝜒</m:t>
                     </m:r>
                     <m:r>
-                      <a:rPr lang="en-US" b="0" i="1" smtClean="0">
+                      <a:rPr lang="en-US" sz="2800" b="0" i="1" smtClean="0">
+                        <a:solidFill>
+                          <a:schemeClr val="tx1"/>
+                        </a:solidFill>
                         <a:latin typeface="Cambria Math" panose="02040503050406030204" pitchFamily="18" charset="0"/>
                       </a:rPr>
                       <m:t>,  </m:t>
                     </m:r>
                     <m:r>
-                      <a:rPr lang="en-US" b="0" i="1" smtClean="0">
+                      <a:rPr lang="en-US" sz="2800" b="0" i="1" smtClean="0">
+                        <a:solidFill>
+                          <a:schemeClr val="tx1"/>
+                        </a:solidFill>
                         <a:latin typeface="Cambria Math" panose="02040503050406030204" pitchFamily="18" charset="0"/>
                       </a:rPr>
                       <m:t>𝜂</m:t>
                     </m:r>
                     <m:r>
-                      <a:rPr lang="en-US" b="0" i="1" smtClean="0">
+                      <a:rPr lang="en-US" sz="2800" b="0" i="1" smtClean="0">
+                        <a:solidFill>
+                          <a:schemeClr val="tx1"/>
+                        </a:solidFill>
                         <a:latin typeface="Cambria Math" panose="02040503050406030204" pitchFamily="18" charset="0"/>
                       </a:rPr>
                       <m:t>,  </m:t>
@@ -17557,7 +17994,10 @@
                       <m:rPr>
                         <m:nor/>
                       </m:rPr>
-                      <a:rPr lang="en-US" b="0" i="0" smtClean="0">
+                      <a:rPr lang="en-US" sz="2800" b="0" i="0" smtClean="0">
+                        <a:solidFill>
+                          <a:schemeClr val="tx1"/>
+                        </a:solidFill>
                         <a:latin typeface="Cambria Math" panose="02040503050406030204" pitchFamily="18" charset="0"/>
                       </a:rPr>
                       <m:t>and</m:t>
@@ -17566,7 +18006,10 @@
                       <m:rPr>
                         <m:nor/>
                       </m:rPr>
-                      <a:rPr lang="en-US" b="0" i="0" smtClean="0">
+                      <a:rPr lang="en-US" sz="2800" b="0" i="0" smtClean="0">
+                        <a:solidFill>
+                          <a:schemeClr val="tx1"/>
+                        </a:solidFill>
                         <a:latin typeface="Cambria Math" panose="02040503050406030204" pitchFamily="18" charset="0"/>
                       </a:rPr>
                       <m:t> </m:t>
@@ -17574,14 +18017,20 @@
                     <m:sSub>
                       <m:sSubPr>
                         <m:ctrlPr>
-                          <a:rPr lang="en-US" b="0" i="1" smtClean="0">
+                          <a:rPr lang="en-US" sz="2800" b="0" i="1" smtClean="0">
+                            <a:solidFill>
+                              <a:schemeClr val="tx1"/>
+                            </a:solidFill>
                             <a:latin typeface="Cambria Math" panose="02040503050406030204" pitchFamily="18" charset="0"/>
                           </a:rPr>
                         </m:ctrlPr>
                       </m:sSubPr>
                       <m:e>
                         <m:r>
-                          <a:rPr lang="en-US" b="0" i="1" smtClean="0">
+                          <a:rPr lang="en-US" sz="2800" b="0" i="1" smtClean="0">
+                            <a:solidFill>
+                              <a:schemeClr val="tx1"/>
+                            </a:solidFill>
                             <a:latin typeface="Cambria Math" panose="02040503050406030204" pitchFamily="18" charset="0"/>
                           </a:rPr>
                           <m:t>𝜔</m:t>
@@ -17589,7 +18038,10 @@
                       </m:e>
                       <m:sub>
                         <m:r>
-                          <a:rPr lang="en-US" b="0" i="1" smtClean="0">
+                          <a:rPr lang="en-US" sz="2800" b="0" i="1" smtClean="0">
+                            <a:solidFill>
+                              <a:schemeClr val="tx1"/>
+                            </a:solidFill>
                             <a:latin typeface="Cambria Math" panose="02040503050406030204" pitchFamily="18" charset="0"/>
                           </a:rPr>
                           <m:t>𝑑</m:t>
@@ -17599,7 +18051,11 @@
                   </m:oMath>
                 </a14:m>
                 <a:r>
-                  <a:rPr lang="en-US" dirty="0"/>
+                  <a:rPr lang="en-US" sz="2800" dirty="0">
+                    <a:solidFill>
+                      <a:schemeClr val="tx1"/>
+                    </a:solidFill>
+                  </a:rPr>
                   <a:t> for a fixed </a:t>
                 </a:r>
                 <a14:m>
@@ -17607,14 +18063,20 @@
                     <m:sSub>
                       <m:sSubPr>
                         <m:ctrlPr>
-                          <a:rPr lang="en-US" i="1">
+                          <a:rPr lang="en-US" sz="2800" i="1">
+                            <a:solidFill>
+                              <a:schemeClr val="tx1"/>
+                            </a:solidFill>
                             <a:latin typeface="Cambria Math" panose="02040503050406030204" pitchFamily="18" charset="0"/>
                           </a:rPr>
                         </m:ctrlPr>
                       </m:sSubPr>
                       <m:e>
                         <m:r>
-                          <a:rPr lang="en-US" i="1">
+                          <a:rPr lang="en-US" sz="2800" i="1">
+                            <a:solidFill>
+                              <a:schemeClr val="tx1"/>
+                            </a:solidFill>
                             <a:latin typeface="Cambria Math" panose="02040503050406030204" pitchFamily="18" charset="0"/>
                           </a:rPr>
                           <m:t>𝜔</m:t>
@@ -17622,7 +18084,10 @@
                       </m:e>
                       <m:sub>
                         <m:r>
-                          <a:rPr lang="en-US" i="1">
+                          <a:rPr lang="en-US" sz="2800" i="1">
+                            <a:solidFill>
+                              <a:schemeClr val="tx1"/>
+                            </a:solidFill>
                             <a:latin typeface="Cambria Math" panose="02040503050406030204" pitchFamily="18" charset="0"/>
                           </a:rPr>
                           <m:t>0</m:t>
@@ -17632,15 +18097,27 @@
                   </m:oMath>
                 </a14:m>
                 <a:r>
-                  <a:rPr lang="en-US" dirty="0"/>
+                  <a:rPr lang="en-US" sz="2800" dirty="0">
+                    <a:solidFill>
+                      <a:schemeClr val="tx1"/>
+                    </a:solidFill>
+                  </a:rPr>
                   <a:t>, we can study three main cases of </a:t>
                 </a:r>
                 <a:r>
-                  <a:rPr lang="en-US" dirty="0" err="1"/>
+                  <a:rPr lang="en-US" sz="2800" dirty="0" err="1">
+                    <a:solidFill>
+                      <a:schemeClr val="tx1"/>
+                    </a:solidFill>
+                  </a:rPr>
                   <a:t>oscillatiors</a:t>
                 </a:r>
                 <a:r>
-                  <a:rPr lang="en-US" dirty="0"/>
+                  <a:rPr lang="en-US" sz="2800" dirty="0">
+                    <a:solidFill>
+                      <a:schemeClr val="tx1"/>
+                    </a:solidFill>
+                  </a:rPr>
                   <a:t>:</a:t>
                 </a:r>
               </a:p>
@@ -17653,29 +18130,16 @@
                   <a:buAutoNum type="romanUcPeriod"/>
                 </a:pPr>
                 <a:r>
-                  <a:rPr lang="en-US" dirty="0"/>
+                  <a:rPr lang="en-US" sz="2800" dirty="0">
+                    <a:solidFill>
+                      <a:schemeClr val="tx1"/>
+                    </a:solidFill>
+                  </a:rPr>
                   <a:t>Simple Harmonic Oscillator:</a:t>
                 </a:r>
-                <a:endParaRPr lang="en-US" b="0" i="1" dirty="0">
+                <a:endParaRPr lang="en-US" sz="2800" b="0" i="1" dirty="0">
                   <a:solidFill>
-                    <a:schemeClr val="accent5">
-                      <a:lumMod val="50000"/>
-                    </a:schemeClr>
-                  </a:solidFill>
-                  <a:latin typeface="Cambria Math" panose="02040503050406030204" pitchFamily="18" charset="0"/>
-                </a:endParaRPr>
-              </a:p>
-              <a:p>
-                <a:pPr>
-                  <a:lnSpc>
-                    <a:spcPct val="100000"/>
-                  </a:lnSpc>
-                </a:pPr>
-                <a:endParaRPr lang="en-US" b="0" i="1" dirty="0">
-                  <a:solidFill>
-                    <a:schemeClr val="accent5">
-                      <a:lumMod val="50000"/>
-                    </a:schemeClr>
+                    <a:schemeClr val="tx1"/>
                   </a:solidFill>
                   <a:latin typeface="Cambria Math" panose="02040503050406030204" pitchFamily="18" charset="0"/>
                 </a:endParaRPr>
@@ -17696,11 +18160,9 @@
                         <m:accPr>
                           <m:chr m:val="̈"/>
                           <m:ctrlPr>
-                            <a:rPr lang="en-US" sz="2800" b="0" i="1" dirty="0" smtClean="0">
+                            <a:rPr lang="en-US" b="0" i="1" dirty="0" smtClean="0">
                               <a:solidFill>
-                                <a:schemeClr val="accent5">
-                                  <a:lumMod val="50000"/>
-                                </a:schemeClr>
+                                <a:schemeClr val="tx1"/>
                               </a:solidFill>
                               <a:latin typeface="Cambria Math" panose="02040503050406030204" pitchFamily="18" charset="0"/>
                             </a:rPr>
@@ -17708,11 +18170,9 @@
                         </m:accPr>
                         <m:e>
                           <m:r>
-                            <a:rPr lang="en-US" sz="2800" b="0" i="1" dirty="0" smtClean="0">
+                            <a:rPr lang="en-US" b="0" i="1" dirty="0" smtClean="0">
                               <a:solidFill>
-                                <a:schemeClr val="accent5">
-                                  <a:lumMod val="50000"/>
-                                </a:schemeClr>
+                                <a:schemeClr val="tx1"/>
                               </a:solidFill>
                               <a:latin typeface="Cambria Math" panose="02040503050406030204" pitchFamily="18" charset="0"/>
                             </a:rPr>
@@ -17721,11 +18181,9 @@
                         </m:e>
                       </m:acc>
                       <m:r>
-                        <a:rPr lang="en-US" sz="2800" b="0" i="1" dirty="0" smtClean="0">
-                          <a:solidFill>
-                            <a:schemeClr val="accent5">
-                              <a:lumMod val="50000"/>
-                            </a:schemeClr>
+                        <a:rPr lang="en-US" b="0" i="1" dirty="0" smtClean="0">
+                          <a:solidFill>
+                            <a:schemeClr val="tx1"/>
                           </a:solidFill>
                           <a:latin typeface="Cambria Math" panose="02040503050406030204" pitchFamily="18" charset="0"/>
                         </a:rPr>
@@ -17734,11 +18192,9 @@
                       <m:sSubSup>
                         <m:sSubSupPr>
                           <m:ctrlPr>
-                            <a:rPr lang="en-US" sz="2800" b="0" i="1" dirty="0" smtClean="0">
+                            <a:rPr lang="en-US" b="0" i="1" dirty="0" smtClean="0">
                               <a:solidFill>
-                                <a:schemeClr val="accent5">
-                                  <a:lumMod val="50000"/>
-                                </a:schemeClr>
+                                <a:schemeClr val="tx1"/>
                               </a:solidFill>
                               <a:latin typeface="Cambria Math" panose="02040503050406030204" pitchFamily="18" charset="0"/>
                             </a:rPr>
@@ -17746,11 +18202,9 @@
                         </m:sSubSupPr>
                         <m:e>
                           <m:r>
-                            <a:rPr lang="en-US" sz="2800" b="0" i="1" dirty="0" smtClean="0">
+                            <a:rPr lang="en-US" b="0" i="1" dirty="0" smtClean="0">
                               <a:solidFill>
-                                <a:schemeClr val="accent5">
-                                  <a:lumMod val="50000"/>
-                                </a:schemeClr>
+                                <a:schemeClr val="tx1"/>
                               </a:solidFill>
                               <a:latin typeface="Cambria Math" panose="02040503050406030204" pitchFamily="18" charset="0"/>
                             </a:rPr>
@@ -17759,11 +18213,9 @@
                         </m:e>
                         <m:sub>
                           <m:r>
-                            <a:rPr lang="en-US" sz="2800" b="0" i="1" dirty="0" smtClean="0">
+                            <a:rPr lang="en-US" b="0" i="1" dirty="0" smtClean="0">
                               <a:solidFill>
-                                <a:schemeClr val="accent5">
-                                  <a:lumMod val="50000"/>
-                                </a:schemeClr>
+                                <a:schemeClr val="tx1"/>
                               </a:solidFill>
                               <a:latin typeface="Cambria Math" panose="02040503050406030204" pitchFamily="18" charset="0"/>
                             </a:rPr>
@@ -17772,11 +18224,9 @@
                         </m:sub>
                         <m:sup>
                           <m:r>
-                            <a:rPr lang="en-US" sz="2800" b="0" i="1" dirty="0" smtClean="0">
+                            <a:rPr lang="en-US" b="0" i="1" dirty="0" smtClean="0">
                               <a:solidFill>
-                                <a:schemeClr val="accent5">
-                                  <a:lumMod val="50000"/>
-                                </a:schemeClr>
+                                <a:schemeClr val="tx1"/>
                               </a:solidFill>
                               <a:latin typeface="Cambria Math" panose="02040503050406030204" pitchFamily="18" charset="0"/>
                             </a:rPr>
@@ -17785,22 +18235,18 @@
                         </m:sup>
                       </m:sSubSup>
                       <m:r>
-                        <a:rPr lang="en-US" sz="2800" b="0" i="1" dirty="0" smtClean="0">
-                          <a:solidFill>
-                            <a:schemeClr val="accent5">
-                              <a:lumMod val="50000"/>
-                            </a:schemeClr>
+                        <a:rPr lang="en-US" b="0" i="1" dirty="0" smtClean="0">
+                          <a:solidFill>
+                            <a:schemeClr val="tx1"/>
                           </a:solidFill>
                           <a:latin typeface="Cambria Math" panose="02040503050406030204" pitchFamily="18" charset="0"/>
                         </a:rPr>
                         <m:t>𝜙</m:t>
                       </m:r>
                       <m:r>
-                        <a:rPr lang="en-US" sz="2800" b="0" i="1" dirty="0" smtClean="0">
-                          <a:solidFill>
-                            <a:schemeClr val="accent5">
-                              <a:lumMod val="50000"/>
-                            </a:schemeClr>
+                        <a:rPr lang="en-US" b="0" i="1" dirty="0" smtClean="0">
+                          <a:solidFill>
+                            <a:schemeClr val="tx1"/>
                           </a:solidFill>
                           <a:latin typeface="Cambria Math" panose="02040503050406030204" pitchFamily="18" charset="0"/>
                         </a:rPr>
@@ -17809,14 +18255,20 @@
                       <m:sSub>
                         <m:sSubPr>
                           <m:ctrlPr>
-                            <a:rPr lang="en-US" sz="2800" i="1">
+                            <a:rPr lang="en-US" i="1">
+                              <a:solidFill>
+                                <a:schemeClr val="tx1"/>
+                              </a:solidFill>
                               <a:latin typeface="Cambria Math" panose="02040503050406030204" pitchFamily="18" charset="0"/>
                             </a:rPr>
                           </m:ctrlPr>
                         </m:sSubPr>
                         <m:e>
                           <m:r>
-                            <a:rPr lang="en-US" sz="2800" i="1">
+                            <a:rPr lang="en-US" i="1">
+                              <a:solidFill>
+                                <a:schemeClr val="tx1"/>
+                              </a:solidFill>
                               <a:latin typeface="Cambria Math" panose="02040503050406030204" pitchFamily="18" charset="0"/>
                             </a:rPr>
                             <m:t>𝜔</m:t>
@@ -17824,7 +18276,10 @@
                         </m:e>
                         <m:sub>
                           <m:r>
-                            <a:rPr lang="en-US" sz="2800" i="1">
+                            <a:rPr lang="en-US" i="1">
+                              <a:solidFill>
+                                <a:schemeClr val="tx1"/>
+                              </a:solidFill>
                               <a:latin typeface="Cambria Math" panose="02040503050406030204" pitchFamily="18" charset="0"/>
                             </a:rPr>
                             <m:t>0</m:t>
@@ -17832,7 +18287,10 @@
                         </m:sub>
                       </m:sSub>
                       <m:r>
-                        <a:rPr lang="en-US" sz="2800" i="1">
+                        <a:rPr lang="en-US" i="1">
+                          <a:solidFill>
+                            <a:schemeClr val="tx1"/>
+                          </a:solidFill>
                           <a:latin typeface="Cambria Math" panose="02040503050406030204" pitchFamily="18" charset="0"/>
                         </a:rPr>
                         <m:t>𝜒</m:t>
@@ -17841,11 +18299,9 @@
                         <m:accPr>
                           <m:chr m:val="̇"/>
                           <m:ctrlPr>
-                            <a:rPr lang="en-US" sz="2800" b="0" i="1" dirty="0" smtClean="0">
+                            <a:rPr lang="en-US" b="0" i="1" dirty="0" smtClean="0">
                               <a:solidFill>
-                                <a:schemeClr val="accent5">
-                                  <a:lumMod val="50000"/>
-                                </a:schemeClr>
+                                <a:schemeClr val="tx1"/>
                               </a:solidFill>
                               <a:latin typeface="Cambria Math" panose="02040503050406030204" pitchFamily="18" charset="0"/>
                             </a:rPr>
@@ -17853,11 +18309,9 @@
                         </m:accPr>
                         <m:e>
                           <m:r>
-                            <a:rPr lang="en-US" sz="2800" b="0" i="1" dirty="0" smtClean="0">
+                            <a:rPr lang="en-US" b="0" i="1" dirty="0" smtClean="0">
                               <a:solidFill>
-                                <a:schemeClr val="accent5">
-                                  <a:lumMod val="50000"/>
-                                </a:schemeClr>
+                                <a:schemeClr val="tx1"/>
                               </a:solidFill>
                               <a:latin typeface="Cambria Math" panose="02040503050406030204" pitchFamily="18" charset="0"/>
                             </a:rPr>
@@ -17866,11 +18320,9 @@
                         </m:e>
                       </m:acc>
                       <m:r>
-                        <a:rPr lang="en-US" sz="2800" b="0" i="1" dirty="0" smtClean="0">
-                          <a:solidFill>
-                            <a:schemeClr val="accent5">
-                              <a:lumMod val="50000"/>
-                            </a:schemeClr>
+                        <a:rPr lang="en-US" b="0" i="1" dirty="0" smtClean="0">
+                          <a:solidFill>
+                            <a:schemeClr val="tx1"/>
                           </a:solidFill>
                           <a:latin typeface="Cambria Math" panose="02040503050406030204" pitchFamily="18" charset="0"/>
                         </a:rPr>
@@ -17879,11 +18331,9 @@
                       <m:d>
                         <m:dPr>
                           <m:ctrlPr>
-                            <a:rPr lang="en-US" sz="2800" b="0" i="1" dirty="0" smtClean="0">
+                            <a:rPr lang="en-US" b="0" i="1" dirty="0" smtClean="0">
                               <a:solidFill>
-                                <a:schemeClr val="accent5">
-                                  <a:lumMod val="50000"/>
-                                </a:schemeClr>
+                                <a:schemeClr val="tx1"/>
                               </a:solidFill>
                               <a:latin typeface="Cambria Math" panose="02040503050406030204" pitchFamily="18" charset="0"/>
                             </a:rPr>
@@ -17891,11 +18341,9 @@
                         </m:dPr>
                         <m:e>
                           <m:r>
-                            <a:rPr lang="en-US" sz="2800" b="0" i="1" dirty="0" smtClean="0">
+                            <a:rPr lang="en-US" b="0" i="1" dirty="0" smtClean="0">
                               <a:solidFill>
-                                <a:schemeClr val="accent5">
-                                  <a:lumMod val="50000"/>
-                                </a:schemeClr>
+                                <a:schemeClr val="tx1"/>
                               </a:solidFill>
                               <a:latin typeface="Cambria Math" panose="02040503050406030204" pitchFamily="18" charset="0"/>
                             </a:rPr>
@@ -17907,19 +18355,15 @@
                   </m:oMathPara>
                 </a14:m>
                 <a:br>
-                  <a:rPr lang="en-US" sz="2800" dirty="0">
+                  <a:rPr lang="en-US" dirty="0">
                     <a:solidFill>
-                      <a:schemeClr val="accent5">
-                        <a:lumMod val="50000"/>
-                      </a:schemeClr>
+                      <a:schemeClr val="tx1"/>
                     </a:solidFill>
                   </a:rPr>
                 </a:br>
-                <a:endParaRPr lang="en-US" sz="2800" dirty="0">
+                <a:endParaRPr lang="en-US" dirty="0">
                   <a:solidFill>
-                    <a:schemeClr val="accent5">
-                      <a:lumMod val="50000"/>
-                    </a:schemeClr>
+                    <a:schemeClr val="tx1"/>
                   </a:solidFill>
                 </a:endParaRPr>
               </a:p>
@@ -17930,22 +18374,36 @@
                   </a:lnSpc>
                 </a:pPr>
                 <a:br>
-                  <a:rPr lang="en-US" dirty="0"/>
+                  <a:rPr lang="en-US" dirty="0">
+                    <a:solidFill>
+                      <a:schemeClr val="tx1"/>
+                    </a:solidFill>
+                  </a:rPr>
                 </a:br>
                 <a:br>
                   <a:rPr lang="en-US" dirty="0">
                     <a:solidFill>
-                      <a:schemeClr val="accent5">
-                        <a:lumMod val="50000"/>
-                      </a:schemeClr>
+                      <a:schemeClr val="tx1"/>
                     </a:solidFill>
                   </a:rPr>
                 </a:br>
                 <a:endParaRPr lang="en-US" dirty="0">
                   <a:solidFill>
-                    <a:schemeClr val="accent5">
-                      <a:lumMod val="50000"/>
-                    </a:schemeClr>
+                    <a:schemeClr val="tx1"/>
+                  </a:solidFill>
+                </a:endParaRPr>
+              </a:p>
+              <a:p>
+                <a:pPr marL="514350" indent="-514350">
+                  <a:lnSpc>
+                    <a:spcPct val="100000"/>
+                  </a:lnSpc>
+                  <a:buFont typeface="+mj-lt"/>
+                  <a:buAutoNum type="romanUcPeriod" startAt="2"/>
+                </a:pPr>
+                <a:endParaRPr lang="en-US" sz="2800" dirty="0">
+                  <a:solidFill>
+                    <a:schemeClr val="tx1"/>
                   </a:solidFill>
                 </a:endParaRPr>
               </a:p>
@@ -17958,230 +18416,274 @@
                   <a:buAutoNum type="romanUcPeriod" startAt="2"/>
                 </a:pPr>
                 <a:r>
-                  <a:rPr lang="en-US" dirty="0" err="1">
+                  <a:rPr lang="en-US" sz="2800" dirty="0" err="1">
                     <a:solidFill>
-                      <a:schemeClr val="accent5">
-                        <a:lumMod val="50000"/>
-                      </a:schemeClr>
+                      <a:schemeClr val="tx1"/>
                     </a:solidFill>
                   </a:rPr>
                   <a:t>Anharmonic</a:t>
                 </a:r>
                 <a:r>
-                  <a:rPr lang="en-US" dirty="0">
+                  <a:rPr lang="en-US" sz="2800" dirty="0">
                     <a:solidFill>
-                      <a:schemeClr val="accent5">
-                        <a:lumMod val="50000"/>
-                      </a:schemeClr>
+                      <a:schemeClr val="tx1"/>
                     </a:solidFill>
                   </a:rPr>
                   <a:t> Oscillator:</a:t>
                 </a:r>
                 <a:br>
-                  <a:rPr lang="en-US" dirty="0">
+                  <a:rPr lang="en-US" sz="2800" dirty="0">
                     <a:solidFill>
-                      <a:schemeClr val="accent5">
-                        <a:lumMod val="50000"/>
-                      </a:schemeClr>
+                      <a:schemeClr val="tx1"/>
                     </a:solidFill>
                   </a:rPr>
                 </a:br>
-                <a:endParaRPr lang="en-US" dirty="0">
-                  <a:solidFill>
-                    <a:schemeClr val="accent5">
-                      <a:lumMod val="50000"/>
-                    </a:schemeClr>
-                  </a:solidFill>
-                </a:endParaRPr>
-              </a:p>
-              <a:p>
-                <a:pPr>
-                  <a:lnSpc>
-                    <a:spcPct val="100000"/>
-                  </a:lnSpc>
-                </a:pPr>
                 <a14:m>
-                  <m:oMathPara xmlns:m="http://schemas.openxmlformats.org/officeDocument/2006/math">
-                    <m:oMathParaPr>
-                      <m:jc m:val="right"/>
-                    </m:oMathParaPr>
-                    <m:oMath xmlns:m="http://schemas.openxmlformats.org/officeDocument/2006/math">
-                      <m:acc>
-                        <m:accPr>
-                          <m:chr m:val="̈"/>
-                          <m:ctrlPr>
-                            <a:rPr lang="en-US" sz="2800" b="0" i="1" smtClean="0">
-                              <a:latin typeface="Cambria Math" panose="02040503050406030204" pitchFamily="18" charset="0"/>
-                            </a:rPr>
-                          </m:ctrlPr>
-                        </m:accPr>
-                        <m:e>
-                          <m:r>
-                            <a:rPr lang="en-US" sz="2800" b="0" i="1" smtClean="0">
-                              <a:latin typeface="Cambria Math" panose="02040503050406030204" pitchFamily="18" charset="0"/>
-                            </a:rPr>
-                            <m:t>𝜙</m:t>
-                          </m:r>
-                        </m:e>
-                      </m:acc>
-                      <m:r>
-                        <a:rPr lang="en-US" sz="2800" b="0" i="1" dirty="0" smtClean="0">
-                          <a:latin typeface="Cambria Math" panose="02040503050406030204" pitchFamily="18" charset="0"/>
-                        </a:rPr>
-                        <m:t>=−</m:t>
-                      </m:r>
-                      <m:sSubSup>
-                        <m:sSubSupPr>
-                          <m:ctrlPr>
-                            <a:rPr lang="en-US" sz="2800" b="0" i="1" dirty="0" smtClean="0">
-                              <a:latin typeface="Cambria Math" panose="02040503050406030204" pitchFamily="18" charset="0"/>
-                            </a:rPr>
-                          </m:ctrlPr>
-                        </m:sSubSupPr>
-                        <m:e>
-                          <m:r>
-                            <a:rPr lang="en-US" sz="2800" b="0" i="1" dirty="0" smtClean="0">
-                              <a:latin typeface="Cambria Math" panose="02040503050406030204" pitchFamily="18" charset="0"/>
-                            </a:rPr>
-                            <m:t>𝜔</m:t>
-                          </m:r>
-                        </m:e>
-                        <m:sub>
-                          <m:r>
-                            <a:rPr lang="en-US" sz="2800" b="0" i="1" dirty="0" smtClean="0">
-                              <a:latin typeface="Cambria Math" panose="02040503050406030204" pitchFamily="18" charset="0"/>
-                            </a:rPr>
-                            <m:t>0</m:t>
-                          </m:r>
-                        </m:sub>
-                        <m:sup>
-                          <m:r>
-                            <a:rPr lang="en-US" sz="2800" b="0" i="1" dirty="0" smtClean="0">
-                              <a:latin typeface="Cambria Math" panose="02040503050406030204" pitchFamily="18" charset="0"/>
-                            </a:rPr>
-                            <m:t>2</m:t>
-                          </m:r>
-                        </m:sup>
-                      </m:sSubSup>
-                      <m:r>
-                        <m:rPr>
-                          <m:nor/>
-                        </m:rPr>
-                        <a:rPr lang="en-US" sz="2800" b="0" i="0" dirty="0" smtClean="0">
-                          <a:latin typeface="Cambria Math" panose="02040503050406030204" pitchFamily="18" charset="0"/>
-                        </a:rPr>
-                        <m:t>sin</m:t>
-                      </m:r>
-                      <m:d>
-                        <m:dPr>
-                          <m:ctrlPr>
-                            <a:rPr lang="en-US" sz="2800" b="0" i="1" dirty="0" smtClean="0">
-                              <a:latin typeface="Cambria Math" panose="02040503050406030204" pitchFamily="18" charset="0"/>
-                            </a:rPr>
-                          </m:ctrlPr>
-                        </m:dPr>
-                        <m:e>
-                          <m:r>
-                            <a:rPr lang="en-US" sz="2800" b="0" i="1" dirty="0" smtClean="0">
-                              <a:latin typeface="Cambria Math" panose="02040503050406030204" pitchFamily="18" charset="0"/>
-                            </a:rPr>
-                            <m:t>𝜙</m:t>
-                          </m:r>
-                        </m:e>
-                      </m:d>
-                      <m:r>
-                        <a:rPr lang="en-US" sz="2800" b="0" i="1" dirty="0" smtClean="0">
-                          <a:latin typeface="Cambria Math" panose="02040503050406030204" pitchFamily="18" charset="0"/>
-                        </a:rPr>
-                        <m:t>−</m:t>
-                      </m:r>
-                      <m:r>
-                        <a:rPr lang="en-US" sz="2800" i="1">
-                          <a:latin typeface="Cambria Math" panose="02040503050406030204" pitchFamily="18" charset="0"/>
-                        </a:rPr>
-                        <m:t>2</m:t>
-                      </m:r>
-                      <m:sSub>
-                        <m:sSubPr>
-                          <m:ctrlPr>
-                            <a:rPr lang="en-US" sz="2800" i="1">
-                              <a:latin typeface="Cambria Math" panose="02040503050406030204" pitchFamily="18" charset="0"/>
-                            </a:rPr>
-                          </m:ctrlPr>
-                        </m:sSubPr>
-                        <m:e>
-                          <m:r>
-                            <a:rPr lang="en-US" sz="2800" i="1">
-                              <a:latin typeface="Cambria Math" panose="02040503050406030204" pitchFamily="18" charset="0"/>
-                            </a:rPr>
-                            <m:t>𝜔</m:t>
-                          </m:r>
-                        </m:e>
-                        <m:sub>
-                          <m:r>
-                            <a:rPr lang="en-US" sz="2800" i="1">
-                              <a:latin typeface="Cambria Math" panose="02040503050406030204" pitchFamily="18" charset="0"/>
-                            </a:rPr>
-                            <m:t>0</m:t>
-                          </m:r>
-                        </m:sub>
-                      </m:sSub>
-                      <m:r>
-                        <a:rPr lang="en-US" sz="2800" i="1">
-                          <a:latin typeface="Cambria Math" panose="02040503050406030204" pitchFamily="18" charset="0"/>
-                        </a:rPr>
-                        <m:t>𝜒</m:t>
-                      </m:r>
-                      <m:acc>
-                        <m:accPr>
-                          <m:chr m:val="̇"/>
-                          <m:ctrlPr>
-                            <a:rPr lang="en-US" sz="2800" b="0" i="1" dirty="0" smtClean="0">
-                              <a:latin typeface="Cambria Math" panose="02040503050406030204" pitchFamily="18" charset="0"/>
-                            </a:rPr>
-                          </m:ctrlPr>
-                        </m:accPr>
-                        <m:e>
-                          <m:r>
-                            <a:rPr lang="en-US" sz="2800" b="0" i="1" dirty="0" smtClean="0">
-                              <a:latin typeface="Cambria Math" panose="02040503050406030204" pitchFamily="18" charset="0"/>
-                            </a:rPr>
-                            <m:t>𝜙</m:t>
-                          </m:r>
-                        </m:e>
-                      </m:acc>
-                      <m:r>
-                        <a:rPr lang="en-US" sz="2800" b="0" i="1" dirty="0" smtClean="0">
-                          <a:latin typeface="Cambria Math" panose="02040503050406030204" pitchFamily="18" charset="0"/>
-                        </a:rPr>
-                        <m:t>  </m:t>
-                      </m:r>
-                      <m:d>
-                        <m:dPr>
-                          <m:ctrlPr>
-                            <a:rPr lang="en-US" sz="2800" b="0" i="1" dirty="0" smtClean="0">
-                              <a:latin typeface="Cambria Math" panose="02040503050406030204" pitchFamily="18" charset="0"/>
-                            </a:rPr>
-                          </m:ctrlPr>
-                        </m:dPr>
-                        <m:e>
-                          <m:r>
-                            <a:rPr lang="en-US" sz="2800" b="0" i="1" dirty="0" smtClean="0">
-                              <a:latin typeface="Cambria Math" panose="02040503050406030204" pitchFamily="18" charset="0"/>
-                            </a:rPr>
-                            <m:t>2</m:t>
-                          </m:r>
-                        </m:e>
-                      </m:d>
-                    </m:oMath>
-                  </m:oMathPara>
+                  <m:oMath xmlns:m="http://schemas.openxmlformats.org/officeDocument/2006/math">
+                    <m:acc>
+                      <m:accPr>
+                        <m:chr m:val="̈"/>
+                        <m:ctrlPr>
+                          <a:rPr lang="en-US" b="0" i="1" smtClean="0">
+                            <a:solidFill>
+                              <a:schemeClr val="tx1"/>
+                            </a:solidFill>
+                            <a:latin typeface="Cambria Math" panose="02040503050406030204" pitchFamily="18" charset="0"/>
+                          </a:rPr>
+                        </m:ctrlPr>
+                      </m:accPr>
+                      <m:e>
+                        <m:r>
+                          <a:rPr lang="en-US" b="0" i="1" smtClean="0">
+                            <a:solidFill>
+                              <a:schemeClr val="tx1"/>
+                            </a:solidFill>
+                            <a:latin typeface="Cambria Math" panose="02040503050406030204" pitchFamily="18" charset="0"/>
+                          </a:rPr>
+                          <m:t>𝜙</m:t>
+                        </m:r>
+                      </m:e>
+                    </m:acc>
+                    <m:r>
+                      <a:rPr lang="en-US" b="0" i="1" dirty="0" smtClean="0">
+                        <a:solidFill>
+                          <a:schemeClr val="tx1"/>
+                        </a:solidFill>
+                        <a:latin typeface="Cambria Math" panose="02040503050406030204" pitchFamily="18" charset="0"/>
+                      </a:rPr>
+                      <m:t>=−</m:t>
+                    </m:r>
+                    <m:sSubSup>
+                      <m:sSubSupPr>
+                        <m:ctrlPr>
+                          <a:rPr lang="en-US" b="0" i="1" dirty="0" smtClean="0">
+                            <a:solidFill>
+                              <a:schemeClr val="tx1"/>
+                            </a:solidFill>
+                            <a:latin typeface="Cambria Math" panose="02040503050406030204" pitchFamily="18" charset="0"/>
+                          </a:rPr>
+                        </m:ctrlPr>
+                      </m:sSubSupPr>
+                      <m:e>
+                        <m:r>
+                          <a:rPr lang="en-US" b="0" i="1" dirty="0" smtClean="0">
+                            <a:solidFill>
+                              <a:schemeClr val="tx1"/>
+                            </a:solidFill>
+                            <a:latin typeface="Cambria Math" panose="02040503050406030204" pitchFamily="18" charset="0"/>
+                          </a:rPr>
+                          <m:t>𝜔</m:t>
+                        </m:r>
+                      </m:e>
+                      <m:sub>
+                        <m:r>
+                          <a:rPr lang="en-US" b="0" i="1" dirty="0" smtClean="0">
+                            <a:solidFill>
+                              <a:schemeClr val="tx1"/>
+                            </a:solidFill>
+                            <a:latin typeface="Cambria Math" panose="02040503050406030204" pitchFamily="18" charset="0"/>
+                          </a:rPr>
+                          <m:t>0</m:t>
+                        </m:r>
+                      </m:sub>
+                      <m:sup>
+                        <m:r>
+                          <a:rPr lang="en-US" b="0" i="1" dirty="0" smtClean="0">
+                            <a:solidFill>
+                              <a:schemeClr val="tx1"/>
+                            </a:solidFill>
+                            <a:latin typeface="Cambria Math" panose="02040503050406030204" pitchFamily="18" charset="0"/>
+                          </a:rPr>
+                          <m:t>2</m:t>
+                        </m:r>
+                      </m:sup>
+                    </m:sSubSup>
+                    <m:r>
+                      <m:rPr>
+                        <m:nor/>
+                      </m:rPr>
+                      <a:rPr lang="en-US" b="0" i="0" dirty="0" smtClean="0">
+                        <a:solidFill>
+                          <a:schemeClr val="tx1"/>
+                        </a:solidFill>
+                        <a:latin typeface="Cambria Math" panose="02040503050406030204" pitchFamily="18" charset="0"/>
+                      </a:rPr>
+                      <m:t>sin</m:t>
+                    </m:r>
+                    <m:d>
+                      <m:dPr>
+                        <m:ctrlPr>
+                          <a:rPr lang="en-US" b="0" i="1" dirty="0" smtClean="0">
+                            <a:solidFill>
+                              <a:schemeClr val="tx1"/>
+                            </a:solidFill>
+                            <a:latin typeface="Cambria Math" panose="02040503050406030204" pitchFamily="18" charset="0"/>
+                          </a:rPr>
+                        </m:ctrlPr>
+                      </m:dPr>
+                      <m:e>
+                        <m:r>
+                          <a:rPr lang="en-US" b="0" i="1" dirty="0" smtClean="0">
+                            <a:solidFill>
+                              <a:schemeClr val="tx1"/>
+                            </a:solidFill>
+                            <a:latin typeface="Cambria Math" panose="02040503050406030204" pitchFamily="18" charset="0"/>
+                          </a:rPr>
+                          <m:t>𝜙</m:t>
+                        </m:r>
+                      </m:e>
+                    </m:d>
+                    <m:r>
+                      <a:rPr lang="en-US" b="0" i="1" dirty="0" smtClean="0">
+                        <a:solidFill>
+                          <a:schemeClr val="tx1"/>
+                        </a:solidFill>
+                        <a:latin typeface="Cambria Math" panose="02040503050406030204" pitchFamily="18" charset="0"/>
+                      </a:rPr>
+                      <m:t>−</m:t>
+                    </m:r>
+                    <m:r>
+                      <a:rPr lang="en-US" i="1">
+                        <a:solidFill>
+                          <a:schemeClr val="tx1"/>
+                        </a:solidFill>
+                        <a:latin typeface="Cambria Math" panose="02040503050406030204" pitchFamily="18" charset="0"/>
+                      </a:rPr>
+                      <m:t>2</m:t>
+                    </m:r>
+                    <m:sSub>
+                      <m:sSubPr>
+                        <m:ctrlPr>
+                          <a:rPr lang="en-US" i="1">
+                            <a:solidFill>
+                              <a:schemeClr val="tx1"/>
+                            </a:solidFill>
+                            <a:latin typeface="Cambria Math" panose="02040503050406030204" pitchFamily="18" charset="0"/>
+                          </a:rPr>
+                        </m:ctrlPr>
+                      </m:sSubPr>
+                      <m:e>
+                        <m:r>
+                          <a:rPr lang="en-US" i="1">
+                            <a:solidFill>
+                              <a:schemeClr val="tx1"/>
+                            </a:solidFill>
+                            <a:latin typeface="Cambria Math" panose="02040503050406030204" pitchFamily="18" charset="0"/>
+                          </a:rPr>
+                          <m:t>𝜔</m:t>
+                        </m:r>
+                      </m:e>
+                      <m:sub>
+                        <m:r>
+                          <a:rPr lang="en-US" i="1">
+                            <a:solidFill>
+                              <a:schemeClr val="tx1"/>
+                            </a:solidFill>
+                            <a:latin typeface="Cambria Math" panose="02040503050406030204" pitchFamily="18" charset="0"/>
+                          </a:rPr>
+                          <m:t>0</m:t>
+                        </m:r>
+                      </m:sub>
+                    </m:sSub>
+                    <m:r>
+                      <a:rPr lang="en-US" i="1">
+                        <a:solidFill>
+                          <a:schemeClr val="tx1"/>
+                        </a:solidFill>
+                        <a:latin typeface="Cambria Math" panose="02040503050406030204" pitchFamily="18" charset="0"/>
+                      </a:rPr>
+                      <m:t>𝜒</m:t>
+                    </m:r>
+                    <m:acc>
+                      <m:accPr>
+                        <m:chr m:val="̇"/>
+                        <m:ctrlPr>
+                          <a:rPr lang="en-US" b="0" i="1" dirty="0" smtClean="0">
+                            <a:solidFill>
+                              <a:schemeClr val="tx1"/>
+                            </a:solidFill>
+                            <a:latin typeface="Cambria Math" panose="02040503050406030204" pitchFamily="18" charset="0"/>
+                          </a:rPr>
+                        </m:ctrlPr>
+                      </m:accPr>
+                      <m:e>
+                        <m:r>
+                          <a:rPr lang="en-US" b="0" i="1" dirty="0" smtClean="0">
+                            <a:solidFill>
+                              <a:schemeClr val="tx1"/>
+                            </a:solidFill>
+                            <a:latin typeface="Cambria Math" panose="02040503050406030204" pitchFamily="18" charset="0"/>
+                          </a:rPr>
+                          <m:t>𝜙</m:t>
+                        </m:r>
+                      </m:e>
+                    </m:acc>
+                    <m:r>
+                      <a:rPr lang="en-US" b="0" i="1" dirty="0" smtClean="0">
+                        <a:solidFill>
+                          <a:schemeClr val="tx1"/>
+                        </a:solidFill>
+                        <a:latin typeface="Cambria Math" panose="02040503050406030204" pitchFamily="18" charset="0"/>
+                      </a:rPr>
+                      <m:t>  </m:t>
+                    </m:r>
+                    <m:d>
+                      <m:dPr>
+                        <m:ctrlPr>
+                          <a:rPr lang="en-US" b="0" i="1" dirty="0" smtClean="0">
+                            <a:solidFill>
+                              <a:schemeClr val="tx1"/>
+                            </a:solidFill>
+                            <a:latin typeface="Cambria Math" panose="02040503050406030204" pitchFamily="18" charset="0"/>
+                          </a:rPr>
+                        </m:ctrlPr>
+                      </m:dPr>
+                      <m:e>
+                        <m:r>
+                          <a:rPr lang="en-US" b="0" i="1" dirty="0" smtClean="0">
+                            <a:solidFill>
+                              <a:schemeClr val="tx1"/>
+                            </a:solidFill>
+                            <a:latin typeface="Cambria Math" panose="02040503050406030204" pitchFamily="18" charset="0"/>
+                          </a:rPr>
+                          <m:t>2</m:t>
+                        </m:r>
+                      </m:e>
+                    </m:d>
+                  </m:oMath>
                 </a14:m>
                 <a:br>
-                  <a:rPr lang="en-US" sz="2800" i="1" dirty="0">
+                  <a:rPr lang="en-US" i="1" dirty="0">
+                    <a:solidFill>
+                      <a:schemeClr val="tx1"/>
+                    </a:solidFill>
                     <a:latin typeface="Cambria Math" panose="02040503050406030204" pitchFamily="18" charset="0"/>
                   </a:rPr>
                 </a:br>
-                <a:endParaRPr lang="en-US" sz="2800" i="1" dirty="0">
+                <a:endParaRPr lang="en-US" i="1" dirty="0">
+                  <a:solidFill>
+                    <a:schemeClr val="tx1"/>
+                  </a:solidFill>
                   <a:latin typeface="Cambria Math" panose="02040503050406030204" pitchFamily="18" charset="0"/>
                 </a:endParaRPr>
               </a:p>
@@ -18191,7 +18693,10 @@
                     <a:spcPct val="100000"/>
                   </a:lnSpc>
                 </a:pPr>
-                <a:endParaRPr lang="en-US" sz="2800" i="1" dirty="0">
+                <a:endParaRPr lang="en-US" i="1" dirty="0">
+                  <a:solidFill>
+                    <a:schemeClr val="tx1"/>
+                  </a:solidFill>
                   <a:latin typeface="Cambria Math" panose="02040503050406030204" pitchFamily="18" charset="0"/>
                 </a:endParaRPr>
               </a:p>
@@ -18201,7 +18706,10 @@
                     <a:spcPct val="100000"/>
                   </a:lnSpc>
                 </a:pPr>
-                <a:endParaRPr lang="en-US" sz="2800" i="1" dirty="0">
+                <a:endParaRPr lang="en-US" sz="2800" dirty="0">
+                  <a:solidFill>
+                    <a:schemeClr val="tx1"/>
+                  </a:solidFill>
                   <a:latin typeface="Cambria Math" panose="02040503050406030204" pitchFamily="18" charset="0"/>
                 </a:endParaRPr>
               </a:p>
@@ -18214,272 +18722,356 @@
                   <a:buAutoNum type="romanUcPeriod" startAt="3"/>
                 </a:pPr>
                 <a:r>
-                  <a:rPr lang="en-US" dirty="0">
+                  <a:rPr lang="en-US" sz="2800" dirty="0">
+                    <a:solidFill>
+                      <a:schemeClr val="tx1"/>
+                    </a:solidFill>
                     <a:latin typeface="Cambria Math" panose="02040503050406030204" pitchFamily="18" charset="0"/>
                   </a:rPr>
                   <a:t>Chaotic Oscillator:</a:t>
                 </a:r>
                 <a:br>
-                  <a:rPr lang="en-US" dirty="0">
+                  <a:rPr lang="en-US" sz="2800" dirty="0">
+                    <a:solidFill>
+                      <a:schemeClr val="tx1"/>
+                    </a:solidFill>
                     <a:latin typeface="Cambria Math" panose="02040503050406030204" pitchFamily="18" charset="0"/>
                   </a:rPr>
                 </a:br>
+                <a14:m>
+                  <m:oMath xmlns:m="http://schemas.openxmlformats.org/officeDocument/2006/math">
+                    <m:acc>
+                      <m:accPr>
+                        <m:chr m:val="̈"/>
+                        <m:ctrlPr>
+                          <a:rPr lang="en-US" i="1">
+                            <a:solidFill>
+                              <a:schemeClr val="tx1"/>
+                            </a:solidFill>
+                            <a:latin typeface="Cambria Math" panose="02040503050406030204" pitchFamily="18" charset="0"/>
+                          </a:rPr>
+                        </m:ctrlPr>
+                      </m:accPr>
+                      <m:e>
+                        <m:r>
+                          <a:rPr lang="en-US" i="1">
+                            <a:solidFill>
+                              <a:schemeClr val="tx1"/>
+                            </a:solidFill>
+                            <a:latin typeface="Cambria Math" panose="02040503050406030204" pitchFamily="18" charset="0"/>
+                          </a:rPr>
+                          <m:t>𝜙</m:t>
+                        </m:r>
+                      </m:e>
+                    </m:acc>
+                    <m:r>
+                      <a:rPr lang="en-US" i="1">
+                        <a:solidFill>
+                          <a:schemeClr val="tx1"/>
+                        </a:solidFill>
+                        <a:latin typeface="Cambria Math" panose="02040503050406030204" pitchFamily="18" charset="0"/>
+                      </a:rPr>
+                      <m:t>=−</m:t>
+                    </m:r>
+                    <m:r>
+                      <m:rPr>
+                        <m:nor/>
+                      </m:rPr>
+                      <a:rPr lang="en-US">
+                        <a:solidFill>
+                          <a:schemeClr val="tx1"/>
+                        </a:solidFill>
+                        <a:latin typeface="Cambria Math" panose="02040503050406030204" pitchFamily="18" charset="0"/>
+                      </a:rPr>
+                      <m:t>sin</m:t>
+                    </m:r>
+                    <m:d>
+                      <m:dPr>
+                        <m:ctrlPr>
+                          <a:rPr lang="en-US" i="1">
+                            <a:solidFill>
+                              <a:schemeClr val="tx1"/>
+                            </a:solidFill>
+                            <a:latin typeface="Cambria Math" panose="02040503050406030204" pitchFamily="18" charset="0"/>
+                          </a:rPr>
+                        </m:ctrlPr>
+                      </m:dPr>
+                      <m:e>
+                        <m:r>
+                          <a:rPr lang="en-US" i="1">
+                            <a:solidFill>
+                              <a:schemeClr val="tx1"/>
+                            </a:solidFill>
+                            <a:latin typeface="Cambria Math" panose="02040503050406030204" pitchFamily="18" charset="0"/>
+                          </a:rPr>
+                          <m:t>𝜙</m:t>
+                        </m:r>
+                      </m:e>
+                    </m:d>
+                    <m:d>
+                      <m:dPr>
+                        <m:ctrlPr>
+                          <a:rPr lang="en-US" b="0" i="1" smtClean="0">
+                            <a:solidFill>
+                              <a:schemeClr val="tx1"/>
+                            </a:solidFill>
+                            <a:latin typeface="Cambria Math" panose="02040503050406030204" pitchFamily="18" charset="0"/>
+                          </a:rPr>
+                        </m:ctrlPr>
+                      </m:dPr>
+                      <m:e>
+                        <m:sSubSup>
+                          <m:sSubSupPr>
+                            <m:ctrlPr>
+                              <a:rPr lang="en-US" i="1">
+                                <a:solidFill>
+                                  <a:schemeClr val="tx1"/>
+                                </a:solidFill>
+                                <a:latin typeface="Cambria Math" panose="02040503050406030204" pitchFamily="18" charset="0"/>
+                              </a:rPr>
+                            </m:ctrlPr>
+                          </m:sSubSupPr>
+                          <m:e>
+                            <m:r>
+                              <a:rPr lang="en-US" i="1">
+                                <a:solidFill>
+                                  <a:schemeClr val="tx1"/>
+                                </a:solidFill>
+                                <a:latin typeface="Cambria Math" panose="02040503050406030204" pitchFamily="18" charset="0"/>
+                              </a:rPr>
+                              <m:t>𝜔</m:t>
+                            </m:r>
+                          </m:e>
+                          <m:sub>
+                            <m:r>
+                              <a:rPr lang="en-US" i="1">
+                                <a:solidFill>
+                                  <a:schemeClr val="tx1"/>
+                                </a:solidFill>
+                                <a:latin typeface="Cambria Math" panose="02040503050406030204" pitchFamily="18" charset="0"/>
+                              </a:rPr>
+                              <m:t>0</m:t>
+                            </m:r>
+                          </m:sub>
+                          <m:sup>
+                            <m:r>
+                              <a:rPr lang="en-US" i="1">
+                                <a:solidFill>
+                                  <a:schemeClr val="tx1"/>
+                                </a:solidFill>
+                                <a:latin typeface="Cambria Math" panose="02040503050406030204" pitchFamily="18" charset="0"/>
+                              </a:rPr>
+                              <m:t>2</m:t>
+                            </m:r>
+                          </m:sup>
+                        </m:sSubSup>
+                        <m:r>
+                          <a:rPr lang="en-US" b="0" i="1" smtClean="0">
+                            <a:solidFill>
+                              <a:schemeClr val="tx1"/>
+                            </a:solidFill>
+                            <a:latin typeface="Cambria Math" panose="02040503050406030204" pitchFamily="18" charset="0"/>
+                          </a:rPr>
+                          <m:t>+</m:t>
+                        </m:r>
+                        <m:r>
+                          <a:rPr lang="en-US" i="1">
+                            <a:solidFill>
+                              <a:schemeClr val="tx1"/>
+                            </a:solidFill>
+                            <a:latin typeface="Cambria Math" panose="02040503050406030204" pitchFamily="18" charset="0"/>
+                          </a:rPr>
+                          <m:t>𝜂</m:t>
+                        </m:r>
+                        <m:r>
+                          <m:rPr>
+                            <m:nor/>
+                          </m:rPr>
+                          <a:rPr lang="en-US">
+                            <a:solidFill>
+                              <a:schemeClr val="tx1"/>
+                            </a:solidFill>
+                            <a:latin typeface="Cambria Math" panose="02040503050406030204" pitchFamily="18" charset="0"/>
+                          </a:rPr>
+                          <m:t>cos</m:t>
+                        </m:r>
+                        <m:d>
+                          <m:dPr>
+                            <m:ctrlPr>
+                              <a:rPr lang="en-US" i="1">
+                                <a:solidFill>
+                                  <a:schemeClr val="tx1"/>
+                                </a:solidFill>
+                                <a:latin typeface="Cambria Math" panose="02040503050406030204" pitchFamily="18" charset="0"/>
+                              </a:rPr>
+                            </m:ctrlPr>
+                          </m:dPr>
+                          <m:e>
+                            <m:sSub>
+                              <m:sSubPr>
+                                <m:ctrlPr>
+                                  <a:rPr lang="en-US" i="1">
+                                    <a:solidFill>
+                                      <a:schemeClr val="tx1"/>
+                                    </a:solidFill>
+                                    <a:latin typeface="Cambria Math" panose="02040503050406030204" pitchFamily="18" charset="0"/>
+                                  </a:rPr>
+                                </m:ctrlPr>
+                              </m:sSubPr>
+                              <m:e>
+                                <m:r>
+                                  <a:rPr lang="en-US" i="1">
+                                    <a:solidFill>
+                                      <a:schemeClr val="tx1"/>
+                                    </a:solidFill>
+                                    <a:latin typeface="Cambria Math" panose="02040503050406030204" pitchFamily="18" charset="0"/>
+                                  </a:rPr>
+                                  <m:t>𝜔</m:t>
+                                </m:r>
+                              </m:e>
+                              <m:sub>
+                                <m:r>
+                                  <a:rPr lang="en-US" i="1">
+                                    <a:solidFill>
+                                      <a:schemeClr val="tx1"/>
+                                    </a:solidFill>
+                                    <a:latin typeface="Cambria Math" panose="02040503050406030204" pitchFamily="18" charset="0"/>
+                                  </a:rPr>
+                                  <m:t>𝑑</m:t>
+                                </m:r>
+                              </m:sub>
+                            </m:sSub>
+                            <m:r>
+                              <a:rPr lang="en-US" i="1">
+                                <a:solidFill>
+                                  <a:schemeClr val="tx1"/>
+                                </a:solidFill>
+                                <a:latin typeface="Cambria Math" panose="02040503050406030204" pitchFamily="18" charset="0"/>
+                              </a:rPr>
+                              <m:t>𝑡</m:t>
+                            </m:r>
+                            <m:r>
+                              <a:rPr lang="en-US" i="1">
+                                <a:solidFill>
+                                  <a:schemeClr val="tx1"/>
+                                </a:solidFill>
+                                <a:latin typeface="Cambria Math" panose="02040503050406030204" pitchFamily="18" charset="0"/>
+                              </a:rPr>
+                              <m:t>+</m:t>
+                            </m:r>
+                            <m:r>
+                              <a:rPr lang="en-US" i="1">
+                                <a:solidFill>
+                                  <a:schemeClr val="tx1"/>
+                                </a:solidFill>
+                                <a:latin typeface="Cambria Math" panose="02040503050406030204" pitchFamily="18" charset="0"/>
+                              </a:rPr>
+                              <m:t>𝛿</m:t>
+                            </m:r>
+                          </m:e>
+                        </m:d>
+                      </m:e>
+                    </m:d>
+                    <m:r>
+                      <a:rPr lang="en-US" b="0" i="1" smtClean="0">
+                        <a:solidFill>
+                          <a:schemeClr val="tx1"/>
+                        </a:solidFill>
+                        <a:latin typeface="Cambria Math" panose="02040503050406030204" pitchFamily="18" charset="0"/>
+                      </a:rPr>
+                      <m:t>−</m:t>
+                    </m:r>
+                    <m:r>
+                      <a:rPr lang="en-US" i="1">
+                        <a:solidFill>
+                          <a:schemeClr val="tx1"/>
+                        </a:solidFill>
+                        <a:latin typeface="Cambria Math" panose="02040503050406030204" pitchFamily="18" charset="0"/>
+                      </a:rPr>
+                      <m:t>2</m:t>
+                    </m:r>
+                    <m:sSub>
+                      <m:sSubPr>
+                        <m:ctrlPr>
+                          <a:rPr lang="en-US" i="1">
+                            <a:solidFill>
+                              <a:schemeClr val="tx1"/>
+                            </a:solidFill>
+                            <a:latin typeface="Cambria Math" panose="02040503050406030204" pitchFamily="18" charset="0"/>
+                          </a:rPr>
+                        </m:ctrlPr>
+                      </m:sSubPr>
+                      <m:e>
+                        <m:r>
+                          <a:rPr lang="en-US" i="1">
+                            <a:solidFill>
+                              <a:schemeClr val="tx1"/>
+                            </a:solidFill>
+                            <a:latin typeface="Cambria Math" panose="02040503050406030204" pitchFamily="18" charset="0"/>
+                          </a:rPr>
+                          <m:t>𝜔</m:t>
+                        </m:r>
+                      </m:e>
+                      <m:sub>
+                        <m:r>
+                          <a:rPr lang="en-US" i="1">
+                            <a:solidFill>
+                              <a:schemeClr val="tx1"/>
+                            </a:solidFill>
+                            <a:latin typeface="Cambria Math" panose="02040503050406030204" pitchFamily="18" charset="0"/>
+                          </a:rPr>
+                          <m:t>0</m:t>
+                        </m:r>
+                      </m:sub>
+                    </m:sSub>
+                    <m:r>
+                      <a:rPr lang="en-US" i="1">
+                        <a:solidFill>
+                          <a:schemeClr val="tx1"/>
+                        </a:solidFill>
+                        <a:latin typeface="Cambria Math" panose="02040503050406030204" pitchFamily="18" charset="0"/>
+                      </a:rPr>
+                      <m:t>𝜒</m:t>
+                    </m:r>
+                    <m:acc>
+                      <m:accPr>
+                        <m:chr m:val="̇"/>
+                        <m:ctrlPr>
+                          <a:rPr lang="en-US" b="0" i="1" smtClean="0">
+                            <a:solidFill>
+                              <a:schemeClr val="tx1"/>
+                            </a:solidFill>
+                            <a:latin typeface="Cambria Math" panose="02040503050406030204" pitchFamily="18" charset="0"/>
+                          </a:rPr>
+                        </m:ctrlPr>
+                      </m:accPr>
+                      <m:e>
+                        <m:r>
+                          <a:rPr lang="en-US" b="0" i="1" smtClean="0">
+                            <a:solidFill>
+                              <a:schemeClr val="tx1"/>
+                            </a:solidFill>
+                            <a:latin typeface="Cambria Math" panose="02040503050406030204" pitchFamily="18" charset="0"/>
+                          </a:rPr>
+                          <m:t>𝜙</m:t>
+                        </m:r>
+                      </m:e>
+                    </m:acc>
+                    <m:r>
+                      <a:rPr lang="en-US" b="0" i="1" smtClean="0">
+                        <a:solidFill>
+                          <a:schemeClr val="tx1"/>
+                        </a:solidFill>
+                        <a:latin typeface="Cambria Math" panose="02040503050406030204" pitchFamily="18" charset="0"/>
+                      </a:rPr>
+                      <m:t> (3)</m:t>
+                    </m:r>
+                  </m:oMath>
+                </a14:m>
                 <a:endParaRPr lang="en-US" dirty="0">
-                  <a:latin typeface="Cambria Math" panose="02040503050406030204" pitchFamily="18" charset="0"/>
-                </a:endParaRPr>
-              </a:p>
-              <a:p>
-                <a:pPr algn="r">
-                  <a:lnSpc>
-                    <a:spcPct val="100000"/>
-                  </a:lnSpc>
-                </a:pPr>
-                <a14:m>
-                  <m:oMathPara xmlns:m="http://schemas.openxmlformats.org/officeDocument/2006/math">
-                    <m:oMathParaPr>
-                      <m:jc m:val="right"/>
-                    </m:oMathParaPr>
-                    <m:oMath xmlns:m="http://schemas.openxmlformats.org/officeDocument/2006/math">
-                      <m:acc>
-                        <m:accPr>
-                          <m:chr m:val="̈"/>
-                          <m:ctrlPr>
-                            <a:rPr lang="en-US" sz="2800" i="1">
-                              <a:latin typeface="Cambria Math" panose="02040503050406030204" pitchFamily="18" charset="0"/>
-                            </a:rPr>
-                          </m:ctrlPr>
-                        </m:accPr>
-                        <m:e>
-                          <m:r>
-                            <a:rPr lang="en-US" sz="2800" i="1">
-                              <a:latin typeface="Cambria Math" panose="02040503050406030204" pitchFamily="18" charset="0"/>
-                            </a:rPr>
-                            <m:t>𝜙</m:t>
-                          </m:r>
-                        </m:e>
-                      </m:acc>
-                      <m:r>
-                        <a:rPr lang="en-US" sz="2800" i="1">
-                          <a:latin typeface="Cambria Math" panose="02040503050406030204" pitchFamily="18" charset="0"/>
-                        </a:rPr>
-                        <m:t>=−</m:t>
-                      </m:r>
-                      <m:r>
-                        <m:rPr>
-                          <m:nor/>
-                        </m:rPr>
-                        <a:rPr lang="en-US" sz="2800">
-                          <a:latin typeface="Cambria Math" panose="02040503050406030204" pitchFamily="18" charset="0"/>
-                        </a:rPr>
-                        <m:t>sin</m:t>
-                      </m:r>
-                      <m:d>
-                        <m:dPr>
-                          <m:ctrlPr>
-                            <a:rPr lang="en-US" sz="2800" i="1">
-                              <a:latin typeface="Cambria Math" panose="02040503050406030204" pitchFamily="18" charset="0"/>
-                            </a:rPr>
-                          </m:ctrlPr>
-                        </m:dPr>
-                        <m:e>
-                          <m:r>
-                            <a:rPr lang="en-US" sz="2800" i="1">
-                              <a:latin typeface="Cambria Math" panose="02040503050406030204" pitchFamily="18" charset="0"/>
-                            </a:rPr>
-                            <m:t>𝜙</m:t>
-                          </m:r>
-                        </m:e>
-                      </m:d>
-                      <m:d>
-                        <m:dPr>
-                          <m:ctrlPr>
-                            <a:rPr lang="en-US" sz="2800" b="0" i="1" smtClean="0">
-                              <a:latin typeface="Cambria Math" panose="02040503050406030204" pitchFamily="18" charset="0"/>
-                            </a:rPr>
-                          </m:ctrlPr>
-                        </m:dPr>
-                        <m:e>
-                          <m:sSubSup>
-                            <m:sSubSupPr>
-                              <m:ctrlPr>
-                                <a:rPr lang="en-US" sz="2800" i="1">
-                                  <a:latin typeface="Cambria Math" panose="02040503050406030204" pitchFamily="18" charset="0"/>
-                                </a:rPr>
-                              </m:ctrlPr>
-                            </m:sSubSupPr>
-                            <m:e>
-                              <m:r>
-                                <a:rPr lang="en-US" sz="2800" i="1">
-                                  <a:latin typeface="Cambria Math" panose="02040503050406030204" pitchFamily="18" charset="0"/>
-                                </a:rPr>
-                                <m:t>𝜔</m:t>
-                              </m:r>
-                            </m:e>
-                            <m:sub>
-                              <m:r>
-                                <a:rPr lang="en-US" sz="2800" i="1">
-                                  <a:latin typeface="Cambria Math" panose="02040503050406030204" pitchFamily="18" charset="0"/>
-                                </a:rPr>
-                                <m:t>0</m:t>
-                              </m:r>
-                            </m:sub>
-                            <m:sup>
-                              <m:r>
-                                <a:rPr lang="en-US" sz="2800" i="1">
-                                  <a:latin typeface="Cambria Math" panose="02040503050406030204" pitchFamily="18" charset="0"/>
-                                </a:rPr>
-                                <m:t>2</m:t>
-                              </m:r>
-                            </m:sup>
-                          </m:sSubSup>
-                          <m:r>
-                            <a:rPr lang="en-US" sz="2800" b="0" i="1" smtClean="0">
-                              <a:latin typeface="Cambria Math" panose="02040503050406030204" pitchFamily="18" charset="0"/>
-                            </a:rPr>
-                            <m:t>+</m:t>
-                          </m:r>
-                          <m:r>
-                            <a:rPr lang="en-US" sz="2800" i="1">
-                              <a:latin typeface="Cambria Math" panose="02040503050406030204" pitchFamily="18" charset="0"/>
-                            </a:rPr>
-                            <m:t>𝜂</m:t>
-                          </m:r>
-                          <m:r>
-                            <m:rPr>
-                              <m:nor/>
-                            </m:rPr>
-                            <a:rPr lang="en-US" sz="2800">
-                              <a:latin typeface="Cambria Math" panose="02040503050406030204" pitchFamily="18" charset="0"/>
-                            </a:rPr>
-                            <m:t>cos</m:t>
-                          </m:r>
-                          <m:d>
-                            <m:dPr>
-                              <m:ctrlPr>
-                                <a:rPr lang="en-US" sz="2800" i="1">
-                                  <a:latin typeface="Cambria Math" panose="02040503050406030204" pitchFamily="18" charset="0"/>
-                                </a:rPr>
-                              </m:ctrlPr>
-                            </m:dPr>
-                            <m:e>
-                              <m:sSub>
-                                <m:sSubPr>
-                                  <m:ctrlPr>
-                                    <a:rPr lang="en-US" sz="2800" i="1">
-                                      <a:latin typeface="Cambria Math" panose="02040503050406030204" pitchFamily="18" charset="0"/>
-                                    </a:rPr>
-                                  </m:ctrlPr>
-                                </m:sSubPr>
-                                <m:e>
-                                  <m:r>
-                                    <a:rPr lang="en-US" sz="2800" i="1">
-                                      <a:latin typeface="Cambria Math" panose="02040503050406030204" pitchFamily="18" charset="0"/>
-                                    </a:rPr>
-                                    <m:t>𝜔</m:t>
-                                  </m:r>
-                                </m:e>
-                                <m:sub>
-                                  <m:r>
-                                    <a:rPr lang="en-US" sz="2800" i="1">
-                                      <a:latin typeface="Cambria Math" panose="02040503050406030204" pitchFamily="18" charset="0"/>
-                                    </a:rPr>
-                                    <m:t>𝑑</m:t>
-                                  </m:r>
-                                </m:sub>
-                              </m:sSub>
-                              <m:r>
-                                <a:rPr lang="en-US" sz="2800" i="1">
-                                  <a:latin typeface="Cambria Math" panose="02040503050406030204" pitchFamily="18" charset="0"/>
-                                </a:rPr>
-                                <m:t>𝑡</m:t>
-                              </m:r>
-                              <m:r>
-                                <a:rPr lang="en-US" sz="2800" i="1">
-                                  <a:latin typeface="Cambria Math" panose="02040503050406030204" pitchFamily="18" charset="0"/>
-                                </a:rPr>
-                                <m:t>+</m:t>
-                              </m:r>
-                              <m:r>
-                                <a:rPr lang="en-US" sz="2800" i="1">
-                                  <a:latin typeface="Cambria Math" panose="02040503050406030204" pitchFamily="18" charset="0"/>
-                                </a:rPr>
-                                <m:t>𝛿</m:t>
-                              </m:r>
-                            </m:e>
-                          </m:d>
-                        </m:e>
-                      </m:d>
-                      <m:r>
-                        <a:rPr lang="en-US" sz="2800" b="0" i="1" smtClean="0">
-                          <a:latin typeface="Cambria Math" panose="02040503050406030204" pitchFamily="18" charset="0"/>
-                        </a:rPr>
-                        <m:t>−</m:t>
-                      </m:r>
-                      <m:r>
-                        <a:rPr lang="en-US" sz="2800" i="1">
-                          <a:latin typeface="Cambria Math" panose="02040503050406030204" pitchFamily="18" charset="0"/>
-                        </a:rPr>
-                        <m:t>2</m:t>
-                      </m:r>
-                      <m:sSub>
-                        <m:sSubPr>
-                          <m:ctrlPr>
-                            <a:rPr lang="en-US" sz="2800" i="1">
-                              <a:latin typeface="Cambria Math" panose="02040503050406030204" pitchFamily="18" charset="0"/>
-                            </a:rPr>
-                          </m:ctrlPr>
-                        </m:sSubPr>
-                        <m:e>
-                          <m:r>
-                            <a:rPr lang="en-US" sz="2800" i="1">
-                              <a:latin typeface="Cambria Math" panose="02040503050406030204" pitchFamily="18" charset="0"/>
-                            </a:rPr>
-                            <m:t>𝜔</m:t>
-                          </m:r>
-                        </m:e>
-                        <m:sub>
-                          <m:r>
-                            <a:rPr lang="en-US" sz="2800" i="1">
-                              <a:latin typeface="Cambria Math" panose="02040503050406030204" pitchFamily="18" charset="0"/>
-                            </a:rPr>
-                            <m:t>0</m:t>
-                          </m:r>
-                        </m:sub>
-                      </m:sSub>
-                      <m:r>
-                        <a:rPr lang="en-US" sz="2800" i="1">
-                          <a:latin typeface="Cambria Math" panose="02040503050406030204" pitchFamily="18" charset="0"/>
-                        </a:rPr>
-                        <m:t>𝜒</m:t>
-                      </m:r>
-                      <m:acc>
-                        <m:accPr>
-                          <m:chr m:val="̇"/>
-                          <m:ctrlPr>
-                            <a:rPr lang="en-US" sz="2800" b="0" i="1" smtClean="0">
-                              <a:latin typeface="Cambria Math" panose="02040503050406030204" pitchFamily="18" charset="0"/>
-                            </a:rPr>
-                          </m:ctrlPr>
-                        </m:accPr>
-                        <m:e>
-                          <m:r>
-                            <a:rPr lang="en-US" sz="2800" b="0" i="1" smtClean="0">
-                              <a:latin typeface="Cambria Math" panose="02040503050406030204" pitchFamily="18" charset="0"/>
-                            </a:rPr>
-                            <m:t>𝜙</m:t>
-                          </m:r>
-                        </m:e>
-                      </m:acc>
-                      <m:r>
-                        <a:rPr lang="en-US" sz="2800" b="0" i="1" smtClean="0">
-                          <a:latin typeface="Cambria Math" panose="02040503050406030204" pitchFamily="18" charset="0"/>
-                        </a:rPr>
-                        <m:t> (3)</m:t>
-                      </m:r>
-                    </m:oMath>
-                  </m:oMathPara>
-                </a14:m>
-                <a:endParaRPr lang="en-US" sz="2800" dirty="0">
+                  <a:solidFill>
+                    <a:schemeClr val="tx1"/>
+                  </a:solidFill>
                   <a:latin typeface="Cambria Math" panose="02040503050406030204" pitchFamily="18" charset="0"/>
                 </a:endParaRPr>
               </a:p>
@@ -18493,9 +19085,7 @@
                 </a:pPr>
                 <a:endParaRPr lang="en-US" dirty="0">
                   <a:solidFill>
-                    <a:schemeClr val="accent5">
-                      <a:lumMod val="50000"/>
-                    </a:schemeClr>
+                    <a:schemeClr val="tx1"/>
                   </a:solidFill>
                 </a:endParaRPr>
               </a:p>
@@ -18508,9 +19098,7 @@
                 </a:pPr>
                 <a:endParaRPr lang="en-US" dirty="0">
                   <a:solidFill>
-                    <a:schemeClr val="accent5">
-                      <a:lumMod val="50000"/>
-                    </a:schemeClr>
+                    <a:schemeClr val="tx1"/>
                   </a:solidFill>
                 </a:endParaRPr>
               </a:p>
@@ -18523,9 +19111,7 @@
                 </a:pPr>
                 <a:endParaRPr lang="en-US" dirty="0">
                   <a:solidFill>
-                    <a:schemeClr val="accent5">
-                      <a:lumMod val="50000"/>
-                    </a:schemeClr>
+                    <a:schemeClr val="tx1"/>
                   </a:solidFill>
                 </a:endParaRPr>
               </a:p>
@@ -18552,12 +19138,12 @@
             <p:spPr>
               <a:xfrm>
                 <a:off x="459674" y="14951552"/>
-                <a:ext cx="10056813" cy="15956718"/>
+                <a:ext cx="10056813" cy="16297966"/>
               </a:xfrm>
               <a:blipFill>
                 <a:blip r:embed="rId7"/>
                 <a:stretch>
-                  <a:fillRect/>
+                  <a:fillRect r="-505"/>
                 </a:stretch>
               </a:blipFill>
             </p:spPr>
@@ -18650,7 +19236,12 @@
             <p:ph type="body" sz="quarter" idx="153"/>
           </p:nvPr>
         </p:nvSpPr>
-        <p:spPr/>
+        <p:spPr>
+          <a:noFill/>
+          <a:ln>
+            <a:noFill/>
+          </a:ln>
+        </p:spPr>
         <p:txBody>
           <a:bodyPr>
             <a:normAutofit lnSpcReduction="10000"/>
@@ -18692,7 +19283,7 @@
         </p:blipFill>
         <p:spPr>
           <a:xfrm>
-            <a:off x="10956944" y="8701083"/>
+            <a:off x="10671476" y="8701083"/>
             <a:ext cx="7315200" cy="4864100"/>
           </a:xfrm>
           <a:prstGeom prst="rect">
@@ -18770,6 +19361,9 @@
           <a:prstGeom prst="rect">
             <a:avLst/>
           </a:prstGeom>
+          <a:ln>
+            <a:noFill/>
+          </a:ln>
         </p:spPr>
       </p:pic>
       <p:sp>
@@ -18794,7 +19388,39 @@
           <a:prstGeom prst="rect">
             <a:avLst/>
           </a:prstGeom>
-          <a:noFill/>
+          <a:gradFill flip="none" rotWithShape="1">
+            <a:gsLst>
+              <a:gs pos="0">
+                <a:srgbClr val="FF9300">
+                  <a:tint val="66000"/>
+                  <a:satMod val="160000"/>
+                </a:srgbClr>
+              </a:gs>
+              <a:gs pos="50000">
+                <a:srgbClr val="FF9300">
+                  <a:tint val="44500"/>
+                  <a:satMod val="160000"/>
+                </a:srgbClr>
+              </a:gs>
+              <a:gs pos="100000">
+                <a:srgbClr val="FF9300">
+                  <a:tint val="23500"/>
+                  <a:satMod val="160000"/>
+                </a:srgbClr>
+              </a:gs>
+            </a:gsLst>
+            <a:path path="circle">
+              <a:fillToRect l="50000" t="50000" r="50000" b="50000"/>
+            </a:path>
+            <a:tileRect/>
+          </a:gradFill>
+          <a:ln>
+            <a:solidFill>
+              <a:schemeClr val="accent5">
+                <a:lumMod val="50000"/>
+              </a:schemeClr>
+            </a:solidFill>
+          </a:ln>
         </p:spPr>
         <p:txBody>
           <a:bodyPr vert="horz" lIns="91436" tIns="91436" rIns="91436" bIns="91436" rtlCol="0" anchor="ctr" anchorCtr="0">
@@ -19001,7 +19627,7 @@
             <p:spPr>
               <a:xfrm>
                 <a:off x="11466362" y="15144161"/>
-                <a:ext cx="6829427" cy="1846637"/>
+                <a:ext cx="6829427" cy="2012837"/>
               </a:xfrm>
               <a:prstGeom prst="rect">
                 <a:avLst/>
@@ -19180,7 +19806,11 @@
               <a:p>
                 <a:pPr algn="just"/>
                 <a:r>
-                  <a:rPr lang="en-US" dirty="0"/>
+                  <a:rPr lang="en-US" sz="2800" dirty="0">
+                    <a:solidFill>
+                      <a:schemeClr val="tx1"/>
+                    </a:solidFill>
+                  </a:rPr>
                   <a:t>As the initial displacement is further increased, higher order terms in the </a:t>
                 </a:r>
                 <a14:m>
@@ -19189,25 +19819,37 @@
                       <m:rPr>
                         <m:nor/>
                       </m:rPr>
-                      <a:rPr lang="en-US" b="0" i="0" smtClean="0">
+                      <a:rPr lang="en-US" sz="2800" b="0" i="0" smtClean="0">
+                        <a:solidFill>
+                          <a:schemeClr val="tx1"/>
+                        </a:solidFill>
                         <a:latin typeface="Cambria Math" panose="02040503050406030204" pitchFamily="18" charset="0"/>
                       </a:rPr>
                       <m:t>sin</m:t>
                     </m:r>
                     <m:r>
-                      <a:rPr lang="en-US" b="0" i="1" smtClean="0">
+                      <a:rPr lang="en-US" sz="2800" b="0" i="1" smtClean="0">
+                        <a:solidFill>
+                          <a:schemeClr val="tx1"/>
+                        </a:solidFill>
                         <a:latin typeface="Cambria Math" panose="02040503050406030204" pitchFamily="18" charset="0"/>
                       </a:rPr>
                       <m:t>(</m:t>
                     </m:r>
                     <m:r>
-                      <a:rPr lang="en-US" b="0" i="1" smtClean="0">
+                      <a:rPr lang="en-US" sz="2800" b="0" i="1" smtClean="0">
+                        <a:solidFill>
+                          <a:schemeClr val="tx1"/>
+                        </a:solidFill>
                         <a:latin typeface="Cambria Math" panose="02040503050406030204" pitchFamily="18" charset="0"/>
                       </a:rPr>
                       <m:t>𝜙</m:t>
                     </m:r>
                     <m:r>
-                      <a:rPr lang="en-US" b="0" i="1" smtClean="0">
+                      <a:rPr lang="en-US" sz="2800" b="0" i="1" smtClean="0">
+                        <a:solidFill>
+                          <a:schemeClr val="tx1"/>
+                        </a:solidFill>
                         <a:latin typeface="Cambria Math" panose="02040503050406030204" pitchFamily="18" charset="0"/>
                       </a:rPr>
                       <m:t>)</m:t>
@@ -19215,7 +19857,11 @@
                   </m:oMath>
                 </a14:m>
                 <a:r>
-                  <a:rPr lang="en-US" dirty="0"/>
+                  <a:rPr lang="en-US" sz="2800" dirty="0">
+                    <a:solidFill>
+                      <a:schemeClr val="tx1"/>
+                    </a:solidFill>
+                  </a:rPr>
                   <a:t> term become dominant. While periodic, the behavior is no longer harmonic [].  </a:t>
                 </a:r>
               </a:p>
@@ -19240,7 +19886,7 @@
             <p:spPr>
               <a:xfrm>
                 <a:off x="11466362" y="15144161"/>
-                <a:ext cx="6829427" cy="1846637"/>
+                <a:ext cx="6829427" cy="2012837"/>
               </a:xfrm>
               <a:prstGeom prst="rect">
                 <a:avLst/>
@@ -19269,10 +19915,10 @@
       </mc:AlternateContent>
       <p:pic>
         <p:nvPicPr>
-          <p:cNvPr id="24" name="Picture 23">
+          <p:cNvPr id="34" name="Picture 33">
             <a:extLst>
               <a:ext uri="{FF2B5EF4-FFF2-40B4-BE49-F238E27FC236}">
-                <a16:creationId xmlns:a16="http://schemas.microsoft.com/office/drawing/2014/main" id="{FF958E18-8FD6-9742-BF85-D701FB53040D}"/>
+                <a16:creationId xmlns:a16="http://schemas.microsoft.com/office/drawing/2014/main" id="{ABBDECF5-BDE1-6145-A84F-294830BD9373}"/>
               </a:ext>
             </a:extLst>
           </p:cNvPr>
@@ -19295,79 +19941,7 @@
         </p:blipFill>
         <p:spPr>
           <a:xfrm>
-            <a:off x="17986676" y="17056112"/>
-            <a:ext cx="7315200" cy="4864100"/>
-          </a:xfrm>
-          <a:prstGeom prst="rect">
-            <a:avLst/>
-          </a:prstGeom>
-        </p:spPr>
-      </p:pic>
-      <p:pic>
-        <p:nvPicPr>
-          <p:cNvPr id="32" name="Picture 31">
-            <a:extLst>
-              <a:ext uri="{FF2B5EF4-FFF2-40B4-BE49-F238E27FC236}">
-                <a16:creationId xmlns:a16="http://schemas.microsoft.com/office/drawing/2014/main" id="{59AB2C37-B88E-C846-A4AC-3A2DFBCC2F64}"/>
-              </a:ext>
-            </a:extLst>
-          </p:cNvPr>
-          <p:cNvPicPr>
-            <a:picLocks noChangeAspect="1"/>
-          </p:cNvPicPr>
-          <p:nvPr/>
-        </p:nvPicPr>
-        <p:blipFill>
-          <a:blip r:embed="rId13">
-            <a:extLst>
-              <a:ext uri="{28A0092B-C50C-407E-A947-70E740481C1C}">
-                <a14:useLocalDpi xmlns:a14="http://schemas.microsoft.com/office/drawing/2010/main" val="0"/>
-              </a:ext>
-            </a:extLst>
-          </a:blip>
-          <a:stretch>
-            <a:fillRect/>
-          </a:stretch>
-        </p:blipFill>
-        <p:spPr>
-          <a:xfrm>
-            <a:off x="24863393" y="17064436"/>
-            <a:ext cx="7315200" cy="4864100"/>
-          </a:xfrm>
-          <a:prstGeom prst="rect">
-            <a:avLst/>
-          </a:prstGeom>
-        </p:spPr>
-      </p:pic>
-      <p:pic>
-        <p:nvPicPr>
-          <p:cNvPr id="34" name="Picture 33">
-            <a:extLst>
-              <a:ext uri="{FF2B5EF4-FFF2-40B4-BE49-F238E27FC236}">
-                <a16:creationId xmlns:a16="http://schemas.microsoft.com/office/drawing/2014/main" id="{ABBDECF5-BDE1-6145-A84F-294830BD9373}"/>
-              </a:ext>
-            </a:extLst>
-          </p:cNvPr>
-          <p:cNvPicPr>
-            <a:picLocks noChangeAspect="1"/>
-          </p:cNvPicPr>
-          <p:nvPr/>
-        </p:nvPicPr>
-        <p:blipFill>
-          <a:blip r:embed="rId14">
-            <a:extLst>
-              <a:ext uri="{28A0092B-C50C-407E-A947-70E740481C1C}">
-                <a14:useLocalDpi xmlns:a14="http://schemas.microsoft.com/office/drawing/2010/main" val="0"/>
-              </a:ext>
-            </a:extLst>
-          </a:blip>
-          <a:stretch>
-            <a:fillRect/>
-          </a:stretch>
-        </p:blipFill>
-        <p:spPr>
-          <a:xfrm>
-            <a:off x="-4428" y="27463879"/>
+            <a:off x="62191" y="27774568"/>
             <a:ext cx="7386588" cy="5143832"/>
           </a:xfrm>
           <a:prstGeom prst="rect">
@@ -19392,7 +19966,7 @@
         <p:spPr>
           <a:xfrm>
             <a:off x="18472449" y="15144161"/>
-            <a:ext cx="6829427" cy="1154140"/>
+            <a:ext cx="6829427" cy="1625038"/>
           </a:xfrm>
           <a:prstGeom prst="rect">
             <a:avLst/>
@@ -19571,7 +20145,11 @@
           <a:p>
             <a:pPr algn="just"/>
             <a:r>
-              <a:rPr lang="en-US" dirty="0"/>
+              <a:rPr lang="en-US" sz="2800" dirty="0">
+                <a:solidFill>
+                  <a:schemeClr val="tx1"/>
+                </a:solidFill>
+              </a:rPr>
               <a:t>The phase space orbits now become pointed ellipses, indicating an elongation of the period. </a:t>
             </a:r>
           </a:p>
@@ -19594,7 +20172,7 @@
         <p:spPr>
           <a:xfrm>
             <a:off x="21471911" y="6281665"/>
-            <a:ext cx="10038662" cy="1615805"/>
+            <a:ext cx="10038662" cy="1754304"/>
           </a:xfrm>
           <a:prstGeom prst="rect">
             <a:avLst/>
@@ -19777,7 +20355,11 @@
               </a:lnSpc>
             </a:pPr>
             <a:r>
-              <a:rPr lang="en-US" dirty="0"/>
+              <a:rPr lang="en-US" sz="2800" dirty="0">
+                <a:solidFill>
+                  <a:schemeClr val="tx1"/>
+                </a:solidFill>
+              </a:rPr>
               <a:t>Elliptical phase space orbits indicate harmonic pendulum oscillations. Adding a damping force to the system causes the orbits to converge to a single point.</a:t>
             </a:r>
           </a:p>
@@ -19802,7 +20384,7 @@
             <p:spPr>
               <a:xfrm>
                 <a:off x="25301876" y="15144161"/>
-                <a:ext cx="6829427" cy="1154140"/>
+                <a:ext cx="6829427" cy="2012837"/>
               </a:xfrm>
               <a:prstGeom prst="rect">
                 <a:avLst/>
@@ -19981,13 +20563,20 @@
               <a:p>
                 <a:pPr algn="just"/>
                 <a:r>
-                  <a:rPr lang="en-US" dirty="0"/>
+                  <a:rPr lang="en-US" sz="2800" dirty="0">
+                    <a:solidFill>
+                      <a:schemeClr val="tx1"/>
+                    </a:solidFill>
+                  </a:rPr>
                   <a:t>As the initial angle approaches </a:t>
                 </a:r>
                 <a14:m>
                   <m:oMath xmlns:m="http://schemas.openxmlformats.org/officeDocument/2006/math">
                     <m:r>
-                      <a:rPr lang="en-US" b="0" i="1" smtClean="0">
+                      <a:rPr lang="en-US" sz="2800" b="0" i="1" smtClean="0">
+                        <a:solidFill>
+                          <a:schemeClr val="tx1"/>
+                        </a:solidFill>
                         <a:latin typeface="Cambria Math" panose="02040503050406030204" pitchFamily="18" charset="0"/>
                       </a:rPr>
                       <m:t>𝜋</m:t>
@@ -19995,8 +20584,33 @@
                   </m:oMath>
                 </a14:m>
                 <a:r>
-                  <a:rPr lang="en-US" dirty="0"/>
-                  <a:t>, the period of oscillations quickly diverges.</a:t>
+                  <a:rPr lang="en-US" sz="2800" dirty="0">
+                    <a:solidFill>
+                      <a:schemeClr val="tx1"/>
+                    </a:solidFill>
+                  </a:rPr>
+                  <a:t>, the period of oscillations quickly diverges. When the initial angle is equal to </a:t>
+                </a:r>
+                <a14:m>
+                  <m:oMath xmlns:m="http://schemas.openxmlformats.org/officeDocument/2006/math">
+                    <m:r>
+                      <a:rPr lang="en-US" sz="2800" b="0" i="1" smtClean="0">
+                        <a:solidFill>
+                          <a:schemeClr val="tx1"/>
+                        </a:solidFill>
+                        <a:latin typeface="Cambria Math" panose="02040503050406030204" pitchFamily="18" charset="0"/>
+                      </a:rPr>
+                      <m:t>𝜋</m:t>
+                    </m:r>
+                  </m:oMath>
+                </a14:m>
+                <a:r>
+                  <a:rPr lang="en-US" sz="2800" dirty="0">
+                    <a:solidFill>
+                      <a:schemeClr val="tx1"/>
+                    </a:solidFill>
+                  </a:rPr>
+                  <a:t> the system becomes unstable.</a:t>
                 </a:r>
               </a:p>
             </p:txBody>
@@ -20020,13 +20634,13 @@
             <p:spPr>
               <a:xfrm>
                 <a:off x="25301876" y="15144161"/>
-                <a:ext cx="6829427" cy="1154140"/>
+                <a:ext cx="6829427" cy="2012837"/>
               </a:xfrm>
               <a:prstGeom prst="rect">
                 <a:avLst/>
               </a:prstGeom>
               <a:blipFill>
-                <a:blip r:embed="rId15"/>
+                <a:blip r:embed="rId13"/>
                 <a:stretch>
                   <a:fillRect/>
                 </a:stretch>
@@ -20047,12 +20661,332 @@
           </p:sp>
         </mc:Fallback>
       </mc:AlternateContent>
+      <p:sp>
+        <p:nvSpPr>
+          <p:cNvPr id="62" name="Text Placeholder 90">
+            <a:extLst>
+              <a:ext uri="{FF2B5EF4-FFF2-40B4-BE49-F238E27FC236}">
+                <a16:creationId xmlns:a16="http://schemas.microsoft.com/office/drawing/2014/main" id="{2598926A-A1B4-A143-A74C-813F9CC1A1D2}"/>
+              </a:ext>
+            </a:extLst>
+          </p:cNvPr>
+          <p:cNvSpPr txBox="1">
+            <a:spLocks/>
+          </p:cNvSpPr>
+          <p:nvPr/>
+        </p:nvSpPr>
+        <p:spPr>
+          <a:xfrm>
+            <a:off x="11400134" y="23095968"/>
+            <a:ext cx="20974055" cy="697106"/>
+          </a:xfrm>
+          <a:prstGeom prst="rect">
+            <a:avLst/>
+          </a:prstGeom>
+          <a:gradFill flip="none" rotWithShape="1">
+            <a:gsLst>
+              <a:gs pos="0">
+                <a:srgbClr val="FF9300">
+                  <a:tint val="66000"/>
+                  <a:satMod val="160000"/>
+                </a:srgbClr>
+              </a:gs>
+              <a:gs pos="50000">
+                <a:srgbClr val="FF9300">
+                  <a:tint val="44500"/>
+                  <a:satMod val="160000"/>
+                </a:srgbClr>
+              </a:gs>
+              <a:gs pos="100000">
+                <a:srgbClr val="FF9300">
+                  <a:tint val="23500"/>
+                  <a:satMod val="160000"/>
+                </a:srgbClr>
+              </a:gs>
+            </a:gsLst>
+            <a:path path="circle">
+              <a:fillToRect l="50000" t="50000" r="50000" b="50000"/>
+            </a:path>
+            <a:tileRect/>
+          </a:gradFill>
+          <a:ln>
+            <a:solidFill>
+              <a:schemeClr val="accent5">
+                <a:lumMod val="50000"/>
+              </a:schemeClr>
+            </a:solidFill>
+          </a:ln>
+        </p:spPr>
+        <p:txBody>
+          <a:bodyPr vert="horz" lIns="91436" tIns="91436" rIns="91436" bIns="91436" rtlCol="0" anchor="ctr" anchorCtr="0">
+            <a:spAutoFit/>
+          </a:bodyPr>
+          <a:lstStyle>
+            <a:lvl1pPr marL="0" indent="0" algn="ctr" defTabSz="4389120" rtl="0" eaLnBrk="1" latinLnBrk="0" hangingPunct="1">
+              <a:lnSpc>
+                <a:spcPct val="90000"/>
+              </a:lnSpc>
+              <a:spcBef>
+                <a:spcPts val="4800"/>
+              </a:spcBef>
+              <a:buFont typeface="Arial" panose="020B0604020202020204" pitchFamily="34" charset="0"/>
+              <a:buNone/>
+              <a:defRPr sz="3700" b="1" u="sng" kern="1200" baseline="0">
+                <a:solidFill>
+                  <a:schemeClr val="accent5">
+                    <a:lumMod val="50000"/>
+                  </a:schemeClr>
+                </a:solidFill>
+                <a:latin typeface="+mn-lt"/>
+                <a:ea typeface="+mn-ea"/>
+                <a:cs typeface="+mn-cs"/>
+              </a:defRPr>
+            </a:lvl1pPr>
+            <a:lvl2pPr marL="3291840" indent="-1097280" algn="l" defTabSz="4389120" rtl="0" eaLnBrk="1" latinLnBrk="0" hangingPunct="1">
+              <a:lnSpc>
+                <a:spcPct val="90000"/>
+              </a:lnSpc>
+              <a:spcBef>
+                <a:spcPts val="2400"/>
+              </a:spcBef>
+              <a:buFont typeface="Arial" panose="020B0604020202020204" pitchFamily="34" charset="0"/>
+              <a:buChar char="•"/>
+              <a:defRPr sz="11520" kern="1200">
+                <a:solidFill>
+                  <a:schemeClr val="tx1"/>
+                </a:solidFill>
+                <a:latin typeface="+mn-lt"/>
+                <a:ea typeface="+mn-ea"/>
+                <a:cs typeface="+mn-cs"/>
+              </a:defRPr>
+            </a:lvl2pPr>
+            <a:lvl3pPr marL="5486400" indent="-1097280" algn="l" defTabSz="4389120" rtl="0" eaLnBrk="1" latinLnBrk="0" hangingPunct="1">
+              <a:lnSpc>
+                <a:spcPct val="90000"/>
+              </a:lnSpc>
+              <a:spcBef>
+                <a:spcPts val="2400"/>
+              </a:spcBef>
+              <a:buFont typeface="Arial" panose="020B0604020202020204" pitchFamily="34" charset="0"/>
+              <a:buChar char="•"/>
+              <a:defRPr sz="9600" kern="1200">
+                <a:solidFill>
+                  <a:schemeClr val="tx1"/>
+                </a:solidFill>
+                <a:latin typeface="+mn-lt"/>
+                <a:ea typeface="+mn-ea"/>
+                <a:cs typeface="+mn-cs"/>
+              </a:defRPr>
+            </a:lvl3pPr>
+            <a:lvl4pPr marL="7680960" indent="-1097280" algn="l" defTabSz="4389120" rtl="0" eaLnBrk="1" latinLnBrk="0" hangingPunct="1">
+              <a:lnSpc>
+                <a:spcPct val="90000"/>
+              </a:lnSpc>
+              <a:spcBef>
+                <a:spcPts val="2400"/>
+              </a:spcBef>
+              <a:buFont typeface="Arial" panose="020B0604020202020204" pitchFamily="34" charset="0"/>
+              <a:buChar char="•"/>
+              <a:defRPr sz="8640" kern="1200">
+                <a:solidFill>
+                  <a:schemeClr val="tx1"/>
+                </a:solidFill>
+                <a:latin typeface="+mn-lt"/>
+                <a:ea typeface="+mn-ea"/>
+                <a:cs typeface="+mn-cs"/>
+              </a:defRPr>
+            </a:lvl4pPr>
+            <a:lvl5pPr marL="9875520" indent="-1097280" algn="l" defTabSz="4389120" rtl="0" eaLnBrk="1" latinLnBrk="0" hangingPunct="1">
+              <a:lnSpc>
+                <a:spcPct val="90000"/>
+              </a:lnSpc>
+              <a:spcBef>
+                <a:spcPts val="2400"/>
+              </a:spcBef>
+              <a:buFont typeface="Arial" panose="020B0604020202020204" pitchFamily="34" charset="0"/>
+              <a:buChar char="•"/>
+              <a:defRPr sz="8640" kern="1200">
+                <a:solidFill>
+                  <a:schemeClr val="tx1"/>
+                </a:solidFill>
+                <a:latin typeface="+mn-lt"/>
+                <a:ea typeface="+mn-ea"/>
+                <a:cs typeface="+mn-cs"/>
+              </a:defRPr>
+            </a:lvl5pPr>
+            <a:lvl6pPr marL="12070080" indent="-1097280" algn="l" defTabSz="4389120" rtl="0" eaLnBrk="1" latinLnBrk="0" hangingPunct="1">
+              <a:lnSpc>
+                <a:spcPct val="90000"/>
+              </a:lnSpc>
+              <a:spcBef>
+                <a:spcPts val="2400"/>
+              </a:spcBef>
+              <a:buFont typeface="Arial" panose="020B0604020202020204" pitchFamily="34" charset="0"/>
+              <a:buChar char="•"/>
+              <a:defRPr sz="8640" kern="1200">
+                <a:solidFill>
+                  <a:schemeClr val="tx1"/>
+                </a:solidFill>
+                <a:latin typeface="+mn-lt"/>
+                <a:ea typeface="+mn-ea"/>
+                <a:cs typeface="+mn-cs"/>
+              </a:defRPr>
+            </a:lvl6pPr>
+            <a:lvl7pPr marL="14264640" indent="-1097280" algn="l" defTabSz="4389120" rtl="0" eaLnBrk="1" latinLnBrk="0" hangingPunct="1">
+              <a:lnSpc>
+                <a:spcPct val="90000"/>
+              </a:lnSpc>
+              <a:spcBef>
+                <a:spcPts val="2400"/>
+              </a:spcBef>
+              <a:buFont typeface="Arial" panose="020B0604020202020204" pitchFamily="34" charset="0"/>
+              <a:buChar char="•"/>
+              <a:defRPr sz="8640" kern="1200">
+                <a:solidFill>
+                  <a:schemeClr val="tx1"/>
+                </a:solidFill>
+                <a:latin typeface="+mn-lt"/>
+                <a:ea typeface="+mn-ea"/>
+                <a:cs typeface="+mn-cs"/>
+              </a:defRPr>
+            </a:lvl7pPr>
+            <a:lvl8pPr marL="16459200" indent="-1097280" algn="l" defTabSz="4389120" rtl="0" eaLnBrk="1" latinLnBrk="0" hangingPunct="1">
+              <a:lnSpc>
+                <a:spcPct val="90000"/>
+              </a:lnSpc>
+              <a:spcBef>
+                <a:spcPts val="2400"/>
+              </a:spcBef>
+              <a:buFont typeface="Arial" panose="020B0604020202020204" pitchFamily="34" charset="0"/>
+              <a:buChar char="•"/>
+              <a:defRPr sz="8640" kern="1200">
+                <a:solidFill>
+                  <a:schemeClr val="tx1"/>
+                </a:solidFill>
+                <a:latin typeface="+mn-lt"/>
+                <a:ea typeface="+mn-ea"/>
+                <a:cs typeface="+mn-cs"/>
+              </a:defRPr>
+            </a:lvl8pPr>
+            <a:lvl9pPr marL="18653760" indent="-1097280" algn="l" defTabSz="4389120" rtl="0" eaLnBrk="1" latinLnBrk="0" hangingPunct="1">
+              <a:lnSpc>
+                <a:spcPct val="90000"/>
+              </a:lnSpc>
+              <a:spcBef>
+                <a:spcPts val="2400"/>
+              </a:spcBef>
+              <a:buFont typeface="Arial" panose="020B0604020202020204" pitchFamily="34" charset="0"/>
+              <a:buChar char="•"/>
+              <a:defRPr sz="8640" kern="1200">
+                <a:solidFill>
+                  <a:schemeClr val="tx1"/>
+                </a:solidFill>
+                <a:latin typeface="+mn-lt"/>
+                <a:ea typeface="+mn-ea"/>
+                <a:cs typeface="+mn-cs"/>
+              </a:defRPr>
+            </a:lvl9pPr>
+          </a:lstStyle>
+          <a:p>
+            <a:r>
+              <a:rPr lang="en-US" u="none" dirty="0"/>
+              <a:t>The Chaotic Oscillator</a:t>
+            </a:r>
+          </a:p>
+        </p:txBody>
+      </p:sp>
       <p:pic>
         <p:nvPicPr>
-          <p:cNvPr id="40" name="Picture 39">
+          <p:cNvPr id="67" name="Picture 66">
             <a:extLst>
               <a:ext uri="{FF2B5EF4-FFF2-40B4-BE49-F238E27FC236}">
-                <a16:creationId xmlns:a16="http://schemas.microsoft.com/office/drawing/2014/main" id="{8681B195-5D34-4747-A94D-11D6C0492740}"/>
+                <a16:creationId xmlns:a16="http://schemas.microsoft.com/office/drawing/2014/main" id="{673FF9F6-7E69-5341-B281-173FFC949717}"/>
+              </a:ext>
+            </a:extLst>
+          </p:cNvPr>
+          <p:cNvPicPr>
+            <a:picLocks noChangeAspect="1"/>
+          </p:cNvPicPr>
+          <p:nvPr/>
+        </p:nvPicPr>
+        <p:blipFill>
+          <a:blip r:embed="rId14">
+            <a:extLst>
+              <a:ext uri="{28A0092B-C50C-407E-A947-70E740481C1C}">
+                <a14:useLocalDpi xmlns:a14="http://schemas.microsoft.com/office/drawing/2010/main" val="0"/>
+              </a:ext>
+            </a:extLst>
+          </a:blip>
+          <a:stretch>
+            <a:fillRect/>
+          </a:stretch>
+        </p:blipFill>
+        <p:spPr>
+          <a:xfrm>
+            <a:off x="12369783" y="17210982"/>
+            <a:ext cx="18548985" cy="5000625"/>
+          </a:xfrm>
+          <a:prstGeom prst="rect">
+            <a:avLst/>
+          </a:prstGeom>
+          <a:ln>
+            <a:solidFill>
+              <a:schemeClr val="accent4">
+                <a:lumMod val="50000"/>
+              </a:schemeClr>
+            </a:solidFill>
+          </a:ln>
+        </p:spPr>
+      </p:pic>
+      <p:pic>
+        <p:nvPicPr>
+          <p:cNvPr id="71" name="Picture 70">
+            <a:extLst>
+              <a:ext uri="{FF2B5EF4-FFF2-40B4-BE49-F238E27FC236}">
+                <a16:creationId xmlns:a16="http://schemas.microsoft.com/office/drawing/2014/main" id="{A0E4D42C-A08E-5A41-A0B8-BE77F02DADD7}"/>
+              </a:ext>
+            </a:extLst>
+          </p:cNvPr>
+          <p:cNvPicPr>
+            <a:picLocks noChangeAspect="1"/>
+          </p:cNvPicPr>
+          <p:nvPr/>
+        </p:nvPicPr>
+        <p:blipFill>
+          <a:blip r:embed="rId15">
+            <a:extLst>
+              <a:ext uri="{28A0092B-C50C-407E-A947-70E740481C1C}">
+                <a14:useLocalDpi xmlns:a14="http://schemas.microsoft.com/office/drawing/2010/main" val="0"/>
+              </a:ext>
+            </a:extLst>
+          </a:blip>
+          <a:stretch>
+            <a:fillRect/>
+          </a:stretch>
+        </p:blipFill>
+        <p:spPr>
+          <a:xfrm>
+            <a:off x="21673168" y="24525440"/>
+            <a:ext cx="9245600" cy="6819900"/>
+          </a:xfrm>
+          <a:prstGeom prst="rect">
+            <a:avLst/>
+          </a:prstGeom>
+          <a:ln>
+            <a:solidFill>
+              <a:schemeClr val="accent4">
+                <a:lumMod val="50000"/>
+              </a:schemeClr>
+            </a:solidFill>
+          </a:ln>
+        </p:spPr>
+      </p:pic>
+      <p:pic>
+        <p:nvPicPr>
+          <p:cNvPr id="75" name="Picture 74">
+            <a:extLst>
+              <a:ext uri="{FF2B5EF4-FFF2-40B4-BE49-F238E27FC236}">
+                <a16:creationId xmlns:a16="http://schemas.microsoft.com/office/drawing/2014/main" id="{AB71DE38-CC57-074F-BABD-AA41FDAC8F29}"/>
               </a:ext>
             </a:extLst>
           </p:cNvPr>
@@ -20075,286 +21009,19 @@
         </p:blipFill>
         <p:spPr>
           <a:xfrm>
-            <a:off x="10902440" y="17064436"/>
-            <a:ext cx="7315200" cy="4855776"/>
+            <a:off x="12422536" y="24525440"/>
+            <a:ext cx="9245600" cy="6819900"/>
           </a:xfrm>
           <a:prstGeom prst="rect">
             <a:avLst/>
           </a:prstGeom>
-        </p:spPr>
-      </p:pic>
-      <p:sp>
-        <p:nvSpPr>
-          <p:cNvPr id="62" name="Text Placeholder 90">
-            <a:extLst>
-              <a:ext uri="{FF2B5EF4-FFF2-40B4-BE49-F238E27FC236}">
-                <a16:creationId xmlns:a16="http://schemas.microsoft.com/office/drawing/2014/main" id="{2598926A-A1B4-A143-A74C-813F9CC1A1D2}"/>
-              </a:ext>
-            </a:extLst>
-          </p:cNvPr>
-          <p:cNvSpPr txBox="1">
-            <a:spLocks/>
-          </p:cNvSpPr>
-          <p:nvPr/>
-        </p:nvSpPr>
-        <p:spPr>
-          <a:xfrm>
-            <a:off x="11400133" y="22444413"/>
-            <a:ext cx="20974055" cy="697106"/>
-          </a:xfrm>
-          <a:prstGeom prst="rect">
-            <a:avLst/>
-          </a:prstGeom>
-          <a:noFill/>
-        </p:spPr>
-        <p:txBody>
-          <a:bodyPr vert="horz" lIns="91436" tIns="91436" rIns="91436" bIns="91436" rtlCol="0" anchor="ctr" anchorCtr="0">
-            <a:spAutoFit/>
-          </a:bodyPr>
-          <a:lstStyle>
-            <a:lvl1pPr marL="0" indent="0" algn="ctr" defTabSz="4389120" rtl="0" eaLnBrk="1" latinLnBrk="0" hangingPunct="1">
-              <a:lnSpc>
-                <a:spcPct val="90000"/>
-              </a:lnSpc>
-              <a:spcBef>
-                <a:spcPts val="4800"/>
-              </a:spcBef>
-              <a:buFont typeface="Arial" panose="020B0604020202020204" pitchFamily="34" charset="0"/>
-              <a:buNone/>
-              <a:defRPr sz="3700" b="1" u="sng" kern="1200" baseline="0">
-                <a:solidFill>
-                  <a:schemeClr val="accent5">
-                    <a:lumMod val="50000"/>
-                  </a:schemeClr>
-                </a:solidFill>
-                <a:latin typeface="+mn-lt"/>
-                <a:ea typeface="+mn-ea"/>
-                <a:cs typeface="+mn-cs"/>
-              </a:defRPr>
-            </a:lvl1pPr>
-            <a:lvl2pPr marL="3291840" indent="-1097280" algn="l" defTabSz="4389120" rtl="0" eaLnBrk="1" latinLnBrk="0" hangingPunct="1">
-              <a:lnSpc>
-                <a:spcPct val="90000"/>
-              </a:lnSpc>
-              <a:spcBef>
-                <a:spcPts val="2400"/>
-              </a:spcBef>
-              <a:buFont typeface="Arial" panose="020B0604020202020204" pitchFamily="34" charset="0"/>
-              <a:buChar char="•"/>
-              <a:defRPr sz="11520" kern="1200">
-                <a:solidFill>
-                  <a:schemeClr val="tx1"/>
-                </a:solidFill>
-                <a:latin typeface="+mn-lt"/>
-                <a:ea typeface="+mn-ea"/>
-                <a:cs typeface="+mn-cs"/>
-              </a:defRPr>
-            </a:lvl2pPr>
-            <a:lvl3pPr marL="5486400" indent="-1097280" algn="l" defTabSz="4389120" rtl="0" eaLnBrk="1" latinLnBrk="0" hangingPunct="1">
-              <a:lnSpc>
-                <a:spcPct val="90000"/>
-              </a:lnSpc>
-              <a:spcBef>
-                <a:spcPts val="2400"/>
-              </a:spcBef>
-              <a:buFont typeface="Arial" panose="020B0604020202020204" pitchFamily="34" charset="0"/>
-              <a:buChar char="•"/>
-              <a:defRPr sz="9600" kern="1200">
-                <a:solidFill>
-                  <a:schemeClr val="tx1"/>
-                </a:solidFill>
-                <a:latin typeface="+mn-lt"/>
-                <a:ea typeface="+mn-ea"/>
-                <a:cs typeface="+mn-cs"/>
-              </a:defRPr>
-            </a:lvl3pPr>
-            <a:lvl4pPr marL="7680960" indent="-1097280" algn="l" defTabSz="4389120" rtl="0" eaLnBrk="1" latinLnBrk="0" hangingPunct="1">
-              <a:lnSpc>
-                <a:spcPct val="90000"/>
-              </a:lnSpc>
-              <a:spcBef>
-                <a:spcPts val="2400"/>
-              </a:spcBef>
-              <a:buFont typeface="Arial" panose="020B0604020202020204" pitchFamily="34" charset="0"/>
-              <a:buChar char="•"/>
-              <a:defRPr sz="8640" kern="1200">
-                <a:solidFill>
-                  <a:schemeClr val="tx1"/>
-                </a:solidFill>
-                <a:latin typeface="+mn-lt"/>
-                <a:ea typeface="+mn-ea"/>
-                <a:cs typeface="+mn-cs"/>
-              </a:defRPr>
-            </a:lvl4pPr>
-            <a:lvl5pPr marL="9875520" indent="-1097280" algn="l" defTabSz="4389120" rtl="0" eaLnBrk="1" latinLnBrk="0" hangingPunct="1">
-              <a:lnSpc>
-                <a:spcPct val="90000"/>
-              </a:lnSpc>
-              <a:spcBef>
-                <a:spcPts val="2400"/>
-              </a:spcBef>
-              <a:buFont typeface="Arial" panose="020B0604020202020204" pitchFamily="34" charset="0"/>
-              <a:buChar char="•"/>
-              <a:defRPr sz="8640" kern="1200">
-                <a:solidFill>
-                  <a:schemeClr val="tx1"/>
-                </a:solidFill>
-                <a:latin typeface="+mn-lt"/>
-                <a:ea typeface="+mn-ea"/>
-                <a:cs typeface="+mn-cs"/>
-              </a:defRPr>
-            </a:lvl5pPr>
-            <a:lvl6pPr marL="12070080" indent="-1097280" algn="l" defTabSz="4389120" rtl="0" eaLnBrk="1" latinLnBrk="0" hangingPunct="1">
-              <a:lnSpc>
-                <a:spcPct val="90000"/>
-              </a:lnSpc>
-              <a:spcBef>
-                <a:spcPts val="2400"/>
-              </a:spcBef>
-              <a:buFont typeface="Arial" panose="020B0604020202020204" pitchFamily="34" charset="0"/>
-              <a:buChar char="•"/>
-              <a:defRPr sz="8640" kern="1200">
-                <a:solidFill>
-                  <a:schemeClr val="tx1"/>
-                </a:solidFill>
-                <a:latin typeface="+mn-lt"/>
-                <a:ea typeface="+mn-ea"/>
-                <a:cs typeface="+mn-cs"/>
-              </a:defRPr>
-            </a:lvl6pPr>
-            <a:lvl7pPr marL="14264640" indent="-1097280" algn="l" defTabSz="4389120" rtl="0" eaLnBrk="1" latinLnBrk="0" hangingPunct="1">
-              <a:lnSpc>
-                <a:spcPct val="90000"/>
-              </a:lnSpc>
-              <a:spcBef>
-                <a:spcPts val="2400"/>
-              </a:spcBef>
-              <a:buFont typeface="Arial" panose="020B0604020202020204" pitchFamily="34" charset="0"/>
-              <a:buChar char="•"/>
-              <a:defRPr sz="8640" kern="1200">
-                <a:solidFill>
-                  <a:schemeClr val="tx1"/>
-                </a:solidFill>
-                <a:latin typeface="+mn-lt"/>
-                <a:ea typeface="+mn-ea"/>
-                <a:cs typeface="+mn-cs"/>
-              </a:defRPr>
-            </a:lvl7pPr>
-            <a:lvl8pPr marL="16459200" indent="-1097280" algn="l" defTabSz="4389120" rtl="0" eaLnBrk="1" latinLnBrk="0" hangingPunct="1">
-              <a:lnSpc>
-                <a:spcPct val="90000"/>
-              </a:lnSpc>
-              <a:spcBef>
-                <a:spcPts val="2400"/>
-              </a:spcBef>
-              <a:buFont typeface="Arial" panose="020B0604020202020204" pitchFamily="34" charset="0"/>
-              <a:buChar char="•"/>
-              <a:defRPr sz="8640" kern="1200">
-                <a:solidFill>
-                  <a:schemeClr val="tx1"/>
-                </a:solidFill>
-                <a:latin typeface="+mn-lt"/>
-                <a:ea typeface="+mn-ea"/>
-                <a:cs typeface="+mn-cs"/>
-              </a:defRPr>
-            </a:lvl8pPr>
-            <a:lvl9pPr marL="18653760" indent="-1097280" algn="l" defTabSz="4389120" rtl="0" eaLnBrk="1" latinLnBrk="0" hangingPunct="1">
-              <a:lnSpc>
-                <a:spcPct val="90000"/>
-              </a:lnSpc>
-              <a:spcBef>
-                <a:spcPts val="2400"/>
-              </a:spcBef>
-              <a:buFont typeface="Arial" panose="020B0604020202020204" pitchFamily="34" charset="0"/>
-              <a:buChar char="•"/>
-              <a:defRPr sz="8640" kern="1200">
-                <a:solidFill>
-                  <a:schemeClr val="tx1"/>
-                </a:solidFill>
-                <a:latin typeface="+mn-lt"/>
-                <a:ea typeface="+mn-ea"/>
-                <a:cs typeface="+mn-cs"/>
-              </a:defRPr>
-            </a:lvl9pPr>
-          </a:lstStyle>
-          <a:p>
-            <a:r>
-              <a:rPr lang="en-US" u="none" dirty="0"/>
-              <a:t>The Chaotic Oscillator</a:t>
-            </a:r>
-          </a:p>
-        </p:txBody>
-      </p:sp>
-      <p:pic>
-        <p:nvPicPr>
-          <p:cNvPr id="52" name="Picture 51">
-            <a:extLst>
-              <a:ext uri="{FF2B5EF4-FFF2-40B4-BE49-F238E27FC236}">
-                <a16:creationId xmlns:a16="http://schemas.microsoft.com/office/drawing/2014/main" id="{16D3C10E-98D9-7A40-ACD1-051A33E33B84}"/>
-              </a:ext>
-            </a:extLst>
-          </p:cNvPr>
-          <p:cNvPicPr>
-            <a:picLocks noChangeAspect="1"/>
-          </p:cNvPicPr>
-          <p:nvPr/>
-        </p:nvPicPr>
-        <p:blipFill>
-          <a:blip r:embed="rId17">
-            <a:extLst>
-              <a:ext uri="{28A0092B-C50C-407E-A947-70E740481C1C}">
-                <a14:useLocalDpi xmlns:a14="http://schemas.microsoft.com/office/drawing/2010/main" val="0"/>
-              </a:ext>
-            </a:extLst>
-          </a:blip>
-          <a:stretch>
-            <a:fillRect/>
-          </a:stretch>
-        </p:blipFill>
-        <p:spPr>
-          <a:xfrm>
-            <a:off x="21541073" y="24257671"/>
-            <a:ext cx="9969500" cy="6718300"/>
-          </a:xfrm>
-          <a:prstGeom prst="rect">
-            <a:avLst/>
-          </a:prstGeom>
-        </p:spPr>
-      </p:pic>
-      <p:pic>
-        <p:nvPicPr>
-          <p:cNvPr id="56" name="Picture 55">
-            <a:extLst>
-              <a:ext uri="{FF2B5EF4-FFF2-40B4-BE49-F238E27FC236}">
-                <a16:creationId xmlns:a16="http://schemas.microsoft.com/office/drawing/2014/main" id="{14EDBDC2-0F96-3943-8BEA-48CA5FC2911B}"/>
-              </a:ext>
-            </a:extLst>
-          </p:cNvPr>
-          <p:cNvPicPr>
-            <a:picLocks noChangeAspect="1"/>
-          </p:cNvPicPr>
-          <p:nvPr/>
-        </p:nvPicPr>
-        <p:blipFill>
-          <a:blip r:embed="rId18">
-            <a:extLst>
-              <a:ext uri="{28A0092B-C50C-407E-A947-70E740481C1C}">
-                <a14:useLocalDpi xmlns:a14="http://schemas.microsoft.com/office/drawing/2010/main" val="0"/>
-              </a:ext>
-            </a:extLst>
-          </a:blip>
-          <a:stretch>
-            <a:fillRect/>
-          </a:stretch>
-        </p:blipFill>
-        <p:spPr>
-          <a:xfrm>
-            <a:off x="11528441" y="24249347"/>
-            <a:ext cx="10007600" cy="6718300"/>
-          </a:xfrm>
-          <a:prstGeom prst="rect">
-            <a:avLst/>
-          </a:prstGeom>
+          <a:ln>
+            <a:solidFill>
+              <a:schemeClr val="accent4">
+                <a:lumMod val="50000"/>
+              </a:schemeClr>
+            </a:solidFill>
+          </a:ln>
         </p:spPr>
       </p:pic>
     </p:spTree>

--- a/Poster.pptx
+++ b/Poster.pptx
@@ -16444,78 +16444,6 @@
           <a:chExt cx="0" cy="0"/>
         </a:xfrm>
       </p:grpSpPr>
-      <p:pic>
-        <p:nvPicPr>
-          <p:cNvPr id="11" name="Picture 10">
-            <a:extLst>
-              <a:ext uri="{FF2B5EF4-FFF2-40B4-BE49-F238E27FC236}">
-                <a16:creationId xmlns:a16="http://schemas.microsoft.com/office/drawing/2014/main" id="{3B9276C2-729A-3345-A6B5-8F505E974F9C}"/>
-              </a:ext>
-            </a:extLst>
-          </p:cNvPr>
-          <p:cNvPicPr>
-            <a:picLocks noChangeAspect="1"/>
-          </p:cNvPicPr>
-          <p:nvPr/>
-        </p:nvPicPr>
-        <p:blipFill>
-          <a:blip r:embed="rId3">
-            <a:extLst>
-              <a:ext uri="{28A0092B-C50C-407E-A947-70E740481C1C}">
-                <a14:useLocalDpi xmlns:a14="http://schemas.microsoft.com/office/drawing/2010/main" val="0"/>
-              </a:ext>
-            </a:extLst>
-          </a:blip>
-          <a:stretch>
-            <a:fillRect/>
-          </a:stretch>
-        </p:blipFill>
-        <p:spPr>
-          <a:xfrm>
-            <a:off x="67223" y="23462710"/>
-            <a:ext cx="7449189" cy="5187426"/>
-          </a:xfrm>
-          <a:prstGeom prst="rect">
-            <a:avLst/>
-          </a:prstGeom>
-        </p:spPr>
-      </p:pic>
-      <p:pic>
-        <p:nvPicPr>
-          <p:cNvPr id="9" name="Picture 8">
-            <a:extLst>
-              <a:ext uri="{FF2B5EF4-FFF2-40B4-BE49-F238E27FC236}">
-                <a16:creationId xmlns:a16="http://schemas.microsoft.com/office/drawing/2014/main" id="{5361F8D2-D58B-B149-9C38-21958D9743E2}"/>
-              </a:ext>
-            </a:extLst>
-          </p:cNvPr>
-          <p:cNvPicPr>
-            <a:picLocks noChangeAspect="1"/>
-          </p:cNvPicPr>
-          <p:nvPr/>
-        </p:nvPicPr>
-        <p:blipFill>
-          <a:blip r:embed="rId4">
-            <a:extLst>
-              <a:ext uri="{28A0092B-C50C-407E-A947-70E740481C1C}">
-                <a14:useLocalDpi xmlns:a14="http://schemas.microsoft.com/office/drawing/2010/main" val="0"/>
-              </a:ext>
-            </a:extLst>
-          </a:blip>
-          <a:stretch>
-            <a:fillRect/>
-          </a:stretch>
-        </p:blipFill>
-        <p:spPr>
-          <a:xfrm>
-            <a:off x="0" y="19049076"/>
-            <a:ext cx="7386587" cy="5143832"/>
-          </a:xfrm>
-          <a:prstGeom prst="rect">
-            <a:avLst/>
-          </a:prstGeom>
-        </p:spPr>
-      </p:pic>
       <mc:AlternateContent xmlns:mc="http://schemas.openxmlformats.org/markup-compatibility/2006">
         <mc:Choice xmlns:a14="http://schemas.microsoft.com/office/drawing/2010/main" Requires="a14">
           <p:sp>
@@ -16536,9 +16464,19 @@
             </p:nvSpPr>
             <p:spPr>
               <a:xfrm>
-                <a:off x="459674" y="6378481"/>
-                <a:ext cx="10056813" cy="1646582"/>
+                <a:off x="477825" y="6378481"/>
+                <a:ext cx="10047018" cy="7980496"/>
               </a:xfrm>
+              <a:solidFill>
+                <a:srgbClr val="EAEAEA"/>
+              </a:solidFill>
+              <a:ln>
+                <a:solidFill>
+                  <a:schemeClr val="accent4">
+                    <a:lumMod val="50000"/>
+                  </a:schemeClr>
+                </a:solidFill>
+              </a:ln>
             </p:spPr>
             <p:txBody>
               <a:bodyPr/>
@@ -16546,24 +16484,24 @@
               <a:p>
                 <a:pPr>
                   <a:lnSpc>
-                    <a:spcPct val="150000"/>
+                    <a:spcPct val="125000"/>
                   </a:lnSpc>
                 </a:pPr>
                 <a:r>
-                  <a:rPr lang="en-US" dirty="0">
+                  <a:rPr lang="en-US" sz="2800" dirty="0">
                     <a:solidFill>
                       <a:schemeClr val="tx1"/>
                     </a:solidFill>
                   </a:rPr>
-                  <a:t>The equation of motion for the pendulum</a:t>
+                  <a:t>The dynamics of a pendulum can be precisely determined by the well-known differential equation</a:t>
                 </a:r>
-              </a:p>
-              <a:p>
-                <a:pPr>
-                  <a:lnSpc>
-                    <a:spcPct val="150000"/>
-                  </a:lnSpc>
-                </a:pPr>
+                <a:br>
+                  <a:rPr lang="en-US" sz="2800" dirty="0">
+                    <a:solidFill>
+                      <a:schemeClr val="tx1"/>
+                    </a:solidFill>
+                  </a:rPr>
+                </a:br>
                 <a14:m>
                   <m:oMathPara xmlns:m="http://schemas.openxmlformats.org/officeDocument/2006/math">
                     <m:oMathParaPr>
@@ -16574,7 +16512,7 @@
                         <m:accPr>
                           <m:chr m:val="̈"/>
                           <m:ctrlPr>
-                            <a:rPr lang="en-US" i="1" smtClean="0">
+                            <a:rPr lang="en-US" sz="2800" i="1" smtClean="0">
                               <a:solidFill>
                                 <a:schemeClr val="tx1"/>
                               </a:solidFill>
@@ -16584,7 +16522,7 @@
                         </m:accPr>
                         <m:e>
                           <m:r>
-                            <a:rPr lang="en-US" b="0" i="1" smtClean="0">
+                            <a:rPr lang="en-US" sz="2800" b="0" i="1" smtClean="0">
                               <a:solidFill>
                                 <a:schemeClr val="tx1"/>
                               </a:solidFill>
@@ -16595,7 +16533,7 @@
                         </m:e>
                       </m:acc>
                       <m:r>
-                        <a:rPr lang="en-US" b="0" i="1" smtClean="0">
+                        <a:rPr lang="en-US" sz="2800" b="0" i="1" smtClean="0">
                           <a:solidFill>
                             <a:schemeClr val="tx1"/>
                           </a:solidFill>
@@ -16606,7 +16544,7 @@
                       <m:sSubSup>
                         <m:sSubSupPr>
                           <m:ctrlPr>
-                            <a:rPr lang="en-US" b="0" i="1" smtClean="0">
+                            <a:rPr lang="en-US" sz="2800" b="0" i="1" smtClean="0">
                               <a:solidFill>
                                 <a:schemeClr val="tx1"/>
                               </a:solidFill>
@@ -16616,7 +16554,7 @@
                         </m:sSubSupPr>
                         <m:e>
                           <m:r>
-                            <a:rPr lang="en-US" b="0" i="1" smtClean="0">
+                            <a:rPr lang="en-US" sz="2800" b="0" i="1" smtClean="0">
                               <a:solidFill>
                                 <a:schemeClr val="tx1"/>
                               </a:solidFill>
@@ -16627,7 +16565,7 @@
                         </m:e>
                         <m:sub>
                           <m:r>
-                            <a:rPr lang="en-US" b="0" i="1" smtClean="0">
+                            <a:rPr lang="en-US" sz="2800" b="0" i="1" smtClean="0">
                               <a:solidFill>
                                 <a:schemeClr val="tx1"/>
                               </a:solidFill>
@@ -16638,7 +16576,7 @@
                         </m:sub>
                         <m:sup>
                           <m:r>
-                            <a:rPr lang="en-US" b="0" i="1" smtClean="0">
+                            <a:rPr lang="en-US" sz="2800" b="0" i="1" smtClean="0">
                               <a:solidFill>
                                 <a:schemeClr val="tx1"/>
                               </a:solidFill>
@@ -16652,7 +16590,7 @@
                         <m:rPr>
                           <m:nor/>
                         </m:rPr>
-                        <a:rPr lang="en-US" b="0" i="0" smtClean="0">
+                        <a:rPr lang="en-US" sz="2800" b="0" i="0" smtClean="0">
                           <a:solidFill>
                             <a:schemeClr val="tx1"/>
                           </a:solidFill>
@@ -16663,7 +16601,7 @@
                       <m:d>
                         <m:dPr>
                           <m:ctrlPr>
-                            <a:rPr lang="en-US" b="0" i="1" smtClean="0">
+                            <a:rPr lang="en-US" sz="2800" b="0" i="1" smtClean="0">
                               <a:solidFill>
                                 <a:schemeClr val="tx1"/>
                               </a:solidFill>
@@ -16673,7 +16611,7 @@
                         </m:dPr>
                         <m:e>
                           <m:r>
-                            <a:rPr lang="en-US" b="0" i="1" smtClean="0">
+                            <a:rPr lang="en-US" sz="2800" b="0" i="1" smtClean="0">
                               <a:solidFill>
                                 <a:schemeClr val="tx1"/>
                               </a:solidFill>
@@ -16684,7 +16622,7 @@
                         </m:e>
                       </m:d>
                       <m:r>
-                        <a:rPr lang="en-US" b="0" i="1" smtClean="0">
+                        <a:rPr lang="en-US" sz="2800" b="0" i="1" smtClean="0">
                           <a:solidFill>
                             <a:schemeClr val="tx1"/>
                           </a:solidFill>
@@ -16695,7 +16633,7 @@
                       <m:sSub>
                         <m:sSubPr>
                           <m:ctrlPr>
-                            <a:rPr lang="en-US" b="0" i="1" smtClean="0">
+                            <a:rPr lang="en-US" sz="2800" b="0" i="1" smtClean="0">
                               <a:solidFill>
                                 <a:schemeClr val="tx1"/>
                               </a:solidFill>
@@ -16705,7 +16643,7 @@
                         </m:sSubPr>
                         <m:e>
                           <m:r>
-                            <a:rPr lang="en-US" b="0" i="1" smtClean="0">
+                            <a:rPr lang="en-US" sz="2800" b="0" i="1" smtClean="0">
                               <a:solidFill>
                                 <a:schemeClr val="tx1"/>
                               </a:solidFill>
@@ -16716,7 +16654,7 @@
                         </m:e>
                         <m:sub>
                           <m:r>
-                            <a:rPr lang="en-US" b="0" i="1" smtClean="0">
+                            <a:rPr lang="en-US" sz="2800" b="0" i="1" smtClean="0">
                               <a:solidFill>
                                 <a:schemeClr val="tx1"/>
                               </a:solidFill>
@@ -16727,7 +16665,7 @@
                         </m:sub>
                       </m:sSub>
                       <m:r>
-                        <a:rPr lang="en-US" b="0" i="1" smtClean="0">
+                        <a:rPr lang="en-US" sz="2800" b="0" i="1" smtClean="0">
                           <a:solidFill>
                             <a:schemeClr val="tx1"/>
                           </a:solidFill>
@@ -16739,7 +16677,7 @@
                         <m:accPr>
                           <m:chr m:val="̇"/>
                           <m:ctrlPr>
-                            <a:rPr lang="en-US" b="0" i="1" smtClean="0">
+                            <a:rPr lang="en-US" sz="2800" b="0" i="1" smtClean="0">
                               <a:solidFill>
                                 <a:schemeClr val="tx1"/>
                               </a:solidFill>
@@ -16749,7 +16687,7 @@
                         </m:accPr>
                         <m:e>
                           <m:r>
-                            <a:rPr lang="en-US" b="0" i="1" smtClean="0">
+                            <a:rPr lang="en-US" sz="2800" b="0" i="1" smtClean="0">
                               <a:solidFill>
                                 <a:schemeClr val="tx1"/>
                               </a:solidFill>
@@ -16760,7 +16698,7 @@
                         </m:e>
                       </m:acc>
                       <m:r>
-                        <a:rPr lang="en-US" b="0" i="1" smtClean="0">
+                        <a:rPr lang="en-US" sz="2800" b="0" i="1" smtClean="0">
                           <a:solidFill>
                             <a:schemeClr val="tx1"/>
                           </a:solidFill>
@@ -16769,7 +16707,7 @@
                         <m:t>+</m:t>
                       </m:r>
                       <m:r>
-                        <a:rPr lang="en-US" b="0" i="1" smtClean="0">
+                        <a:rPr lang="en-US" sz="2800" b="0" i="1" smtClean="0">
                           <a:solidFill>
                             <a:schemeClr val="tx1"/>
                           </a:solidFill>
@@ -16781,7 +16719,7 @@
                         <m:rPr>
                           <m:nor/>
                         </m:rPr>
-                        <a:rPr lang="en-US" b="0" i="0" smtClean="0">
+                        <a:rPr lang="en-US" sz="2800" b="0" i="0" smtClean="0">
                           <a:solidFill>
                             <a:schemeClr val="tx1"/>
                           </a:solidFill>
@@ -16789,93 +16727,236 @@
                         </a:rPr>
                         <m:t>cos</m:t>
                       </m:r>
-                      <m:r>
-                        <a:rPr lang="en-US" b="0" i="1" smtClean="0">
-                          <a:solidFill>
-                            <a:schemeClr val="tx1"/>
-                          </a:solidFill>
-                          <a:latin typeface="Cambria Math" panose="02040503050406030204" pitchFamily="18" charset="0"/>
-                        </a:rPr>
-                        <m:t>(</m:t>
-                      </m:r>
-                      <m:sSub>
-                        <m:sSubPr>
+                      <m:d>
+                        <m:dPr>
                           <m:ctrlPr>
-                            <a:rPr lang="en-US" b="0" i="1" smtClean="0">
+                            <a:rPr lang="en-US" sz="2800" b="0" i="1" smtClean="0">
                               <a:solidFill>
                                 <a:schemeClr val="tx1"/>
                               </a:solidFill>
                               <a:latin typeface="Cambria Math" panose="02040503050406030204" pitchFamily="18" charset="0"/>
                             </a:rPr>
                           </m:ctrlPr>
-                        </m:sSubPr>
+                        </m:dPr>
                         <m:e>
+                          <m:sSub>
+                            <m:sSubPr>
+                              <m:ctrlPr>
+                                <a:rPr lang="en-US" sz="2800" b="0" i="1" smtClean="0">
+                                  <a:solidFill>
+                                    <a:schemeClr val="tx1"/>
+                                  </a:solidFill>
+                                  <a:latin typeface="Cambria Math" panose="02040503050406030204" pitchFamily="18" charset="0"/>
+                                </a:rPr>
+                              </m:ctrlPr>
+                            </m:sSubPr>
+                            <m:e>
+                              <m:r>
+                                <a:rPr lang="en-US" sz="2800" b="0" i="1" smtClean="0">
+                                  <a:solidFill>
+                                    <a:schemeClr val="tx1"/>
+                                  </a:solidFill>
+                                  <a:latin typeface="Cambria Math" panose="02040503050406030204" pitchFamily="18" charset="0"/>
+                                </a:rPr>
+                                <m:t>𝜔</m:t>
+                              </m:r>
+                            </m:e>
+                            <m:sub>
+                              <m:r>
+                                <a:rPr lang="en-US" sz="2800" b="0" i="1" smtClean="0">
+                                  <a:solidFill>
+                                    <a:schemeClr val="tx1"/>
+                                  </a:solidFill>
+                                  <a:latin typeface="Cambria Math" panose="02040503050406030204" pitchFamily="18" charset="0"/>
+                                </a:rPr>
+                                <m:t>𝑑</m:t>
+                              </m:r>
+                            </m:sub>
+                          </m:sSub>
                           <m:r>
-                            <a:rPr lang="en-US" b="0" i="1" smtClean="0">
+                            <a:rPr lang="en-US" sz="2800" b="0" i="1" smtClean="0">
                               <a:solidFill>
                                 <a:schemeClr val="tx1"/>
                               </a:solidFill>
                               <a:latin typeface="Cambria Math" panose="02040503050406030204" pitchFamily="18" charset="0"/>
                             </a:rPr>
-                            <m:t>𝜔</m:t>
+                            <m:t>𝑡</m:t>
                           </m:r>
                         </m:e>
-                        <m:sub>
-                          <m:r>
-                            <a:rPr lang="en-US" b="0" i="1" smtClean="0">
-                              <a:solidFill>
-                                <a:schemeClr val="tx1"/>
-                              </a:solidFill>
-                              <a:latin typeface="Cambria Math" panose="02040503050406030204" pitchFamily="18" charset="0"/>
-                            </a:rPr>
-                            <m:t>𝑑</m:t>
-                          </m:r>
-                        </m:sub>
-                      </m:sSub>
-                      <m:r>
-                        <a:rPr lang="en-US" b="0" i="1" smtClean="0">
-                          <a:solidFill>
-                            <a:schemeClr val="tx1"/>
-                          </a:solidFill>
-                          <a:latin typeface="Cambria Math" panose="02040503050406030204" pitchFamily="18" charset="0"/>
-                        </a:rPr>
-                        <m:t>𝑡</m:t>
-                      </m:r>
-                      <m:r>
-                        <a:rPr lang="en-US" b="0" i="1" smtClean="0">
-                          <a:solidFill>
-                            <a:schemeClr val="tx1"/>
-                          </a:solidFill>
-                          <a:latin typeface="Cambria Math" panose="02040503050406030204" pitchFamily="18" charset="0"/>
-                        </a:rPr>
-                        <m:t>+</m:t>
-                      </m:r>
-                      <m:r>
-                        <a:rPr lang="en-US" b="0" i="1" smtClean="0">
-                          <a:solidFill>
-                            <a:schemeClr val="tx1"/>
-                          </a:solidFill>
-                          <a:latin typeface="Cambria Math" panose="02040503050406030204" pitchFamily="18" charset="0"/>
-                        </a:rPr>
-                        <m:t>𝛿</m:t>
-                      </m:r>
-                      <m:r>
-                        <a:rPr lang="en-US" b="0" i="1" smtClean="0">
-                          <a:solidFill>
-                            <a:schemeClr val="tx1"/>
-                          </a:solidFill>
-                          <a:latin typeface="Cambria Math" panose="02040503050406030204" pitchFamily="18" charset="0"/>
-                        </a:rPr>
-                        <m:t>)</m:t>
-                      </m:r>
+                      </m:d>
                     </m:oMath>
                   </m:oMathPara>
                 </a14:m>
-                <a:endParaRPr lang="en-US" dirty="0">
-                  <a:solidFill>
-                    <a:schemeClr val="tx1"/>
-                  </a:solidFill>
-                </a:endParaRPr>
+                <a:br>
+                  <a:rPr lang="en-US" sz="2800" b="0" dirty="0">
+                    <a:solidFill>
+                      <a:schemeClr val="tx1"/>
+                    </a:solidFill>
+                  </a:rPr>
+                </a:br>
+                <a:r>
+                  <a:rPr lang="en-US" sz="2800" dirty="0">
+                    <a:solidFill>
+                      <a:schemeClr val="tx1"/>
+                    </a:solidFill>
+                  </a:rPr>
+                  <a:t>where </a:t>
+                </a:r>
+                <a14:m>
+                  <m:oMath xmlns:m="http://schemas.openxmlformats.org/officeDocument/2006/math">
+                    <m:r>
+                      <a:rPr lang="en-US" sz="2800" b="0" i="1" smtClean="0">
+                        <a:solidFill>
+                          <a:schemeClr val="tx1"/>
+                        </a:solidFill>
+                        <a:latin typeface="Cambria Math" panose="02040503050406030204" pitchFamily="18" charset="0"/>
+                      </a:rPr>
+                      <m:t>𝜙</m:t>
+                    </m:r>
+                  </m:oMath>
+                </a14:m>
+                <a:r>
+                  <a:rPr lang="en-US" sz="2800" dirty="0">
+                    <a:solidFill>
+                      <a:schemeClr val="tx1"/>
+                    </a:solidFill>
+                  </a:rPr>
+                  <a:t> is the angular displacement, </a:t>
+                </a:r>
+                <a14:m>
+                  <m:oMath xmlns:m="http://schemas.openxmlformats.org/officeDocument/2006/math">
+                    <m:sSub>
+                      <m:sSubPr>
+                        <m:ctrlPr>
+                          <a:rPr lang="en-US" sz="2800" b="0" i="1" smtClean="0">
+                            <a:solidFill>
+                              <a:schemeClr val="tx1"/>
+                            </a:solidFill>
+                            <a:latin typeface="Cambria Math" panose="02040503050406030204" pitchFamily="18" charset="0"/>
+                          </a:rPr>
+                        </m:ctrlPr>
+                      </m:sSubPr>
+                      <m:e>
+                        <m:r>
+                          <a:rPr lang="en-US" sz="2800" b="0" i="1" smtClean="0">
+                            <a:solidFill>
+                              <a:schemeClr val="tx1"/>
+                            </a:solidFill>
+                            <a:latin typeface="Cambria Math" panose="02040503050406030204" pitchFamily="18" charset="0"/>
+                          </a:rPr>
+                          <m:t>𝜔</m:t>
+                        </m:r>
+                      </m:e>
+                      <m:sub>
+                        <m:r>
+                          <a:rPr lang="en-US" sz="2800" b="0" i="1" smtClean="0">
+                            <a:solidFill>
+                              <a:schemeClr val="tx1"/>
+                            </a:solidFill>
+                            <a:latin typeface="Cambria Math" panose="02040503050406030204" pitchFamily="18" charset="0"/>
+                          </a:rPr>
+                          <m:t>0</m:t>
+                        </m:r>
+                      </m:sub>
+                    </m:sSub>
+                  </m:oMath>
+                </a14:m>
+                <a:r>
+                  <a:rPr lang="en-US" sz="2800" dirty="0">
+                    <a:solidFill>
+                      <a:schemeClr val="tx1"/>
+                    </a:solidFill>
+                  </a:rPr>
+                  <a:t> is the natural frequency, </a:t>
+                </a:r>
+                <a14:m>
+                  <m:oMath xmlns:m="http://schemas.openxmlformats.org/officeDocument/2006/math">
+                    <m:r>
+                      <a:rPr lang="en-US" sz="2800" b="0" i="1" smtClean="0">
+                        <a:solidFill>
+                          <a:schemeClr val="tx1"/>
+                        </a:solidFill>
+                        <a:latin typeface="Cambria Math" panose="02040503050406030204" pitchFamily="18" charset="0"/>
+                      </a:rPr>
+                      <m:t>𝜒</m:t>
+                    </m:r>
+                  </m:oMath>
+                </a14:m>
+                <a:r>
+                  <a:rPr lang="en-US" sz="2800" dirty="0">
+                    <a:solidFill>
+                      <a:schemeClr val="tx1"/>
+                    </a:solidFill>
+                  </a:rPr>
+                  <a:t> is the damping coefficient, and </a:t>
+                </a:r>
+                <a14:m>
+                  <m:oMath xmlns:m="http://schemas.openxmlformats.org/officeDocument/2006/math">
+                    <m:r>
+                      <a:rPr lang="en-US" sz="2800" b="0" i="1" smtClean="0">
+                        <a:solidFill>
+                          <a:schemeClr val="tx1"/>
+                        </a:solidFill>
+                        <a:latin typeface="Cambria Math" panose="02040503050406030204" pitchFamily="18" charset="0"/>
+                      </a:rPr>
+                      <m:t>𝜂</m:t>
+                    </m:r>
+                  </m:oMath>
+                </a14:m>
+                <a:r>
+                  <a:rPr lang="en-US" sz="2800" dirty="0">
+                    <a:solidFill>
+                      <a:schemeClr val="tx1"/>
+                    </a:solidFill>
+                  </a:rPr>
+                  <a:t> and </a:t>
+                </a:r>
+                <a14:m>
+                  <m:oMath xmlns:m="http://schemas.openxmlformats.org/officeDocument/2006/math">
+                    <m:sSub>
+                      <m:sSubPr>
+                        <m:ctrlPr>
+                          <a:rPr lang="en-US" sz="2800" b="0" i="1" smtClean="0">
+                            <a:solidFill>
+                              <a:schemeClr val="tx1"/>
+                            </a:solidFill>
+                            <a:latin typeface="Cambria Math" panose="02040503050406030204" pitchFamily="18" charset="0"/>
+                          </a:rPr>
+                        </m:ctrlPr>
+                      </m:sSubPr>
+                      <m:e>
+                        <m:r>
+                          <a:rPr lang="en-US" sz="2800" b="0" i="1" smtClean="0">
+                            <a:solidFill>
+                              <a:schemeClr val="tx1"/>
+                            </a:solidFill>
+                            <a:latin typeface="Cambria Math" panose="02040503050406030204" pitchFamily="18" charset="0"/>
+                          </a:rPr>
+                          <m:t>𝜔</m:t>
+                        </m:r>
+                      </m:e>
+                      <m:sub>
+                        <m:r>
+                          <a:rPr lang="en-US" sz="2800" b="0" i="1" smtClean="0">
+                            <a:solidFill>
+                              <a:schemeClr val="tx1"/>
+                            </a:solidFill>
+                            <a:latin typeface="Cambria Math" panose="02040503050406030204" pitchFamily="18" charset="0"/>
+                          </a:rPr>
+                          <m:t>𝑑</m:t>
+                        </m:r>
+                      </m:sub>
+                    </m:sSub>
+                  </m:oMath>
+                </a14:m>
+                <a:r>
+                  <a:rPr lang="en-US" sz="2800" dirty="0">
+                    <a:solidFill>
+                      <a:schemeClr val="tx1"/>
+                    </a:solidFill>
+                  </a:rPr>
+                  <a:t> are the driving force and frequency. In the absence of external forces and for small initial boundary conditions, this equation can lead to predictable linear pendulum dynamics. However, as the initial boundary conditions are varied and external forces are added to the system, the dynamics of the pendulum become increasingly nonlinear. Further varying the external force parameters can give rise to complex chaotic behavior as the system becomes ever more sensitive to the initial conditions. This increasing complexity in behavior make it an interesting case study in the physics of dynamical systems.</a:t>
+                </a:r>
               </a:p>
             </p:txBody>
           </p:sp>
@@ -16899,15 +16980,22 @@
             </p:nvSpPr>
             <p:spPr>
               <a:xfrm>
-                <a:off x="459674" y="6378481"/>
-                <a:ext cx="10056813" cy="1646582"/>
+                <a:off x="477825" y="6378481"/>
+                <a:ext cx="10047018" cy="7980496"/>
               </a:xfrm>
               <a:blipFill>
-                <a:blip r:embed="rId5"/>
+                <a:blip r:embed="rId3"/>
                 <a:stretch>
                   <a:fillRect/>
                 </a:stretch>
               </a:blipFill>
+              <a:ln>
+                <a:solidFill>
+                  <a:schemeClr val="accent4">
+                    <a:lumMod val="50000"/>
+                  </a:schemeClr>
+                </a:solidFill>
+              </a:ln>
             </p:spPr>
             <p:txBody>
               <a:bodyPr/>
@@ -16945,32 +17033,9 @@
             <a:off x="477827" y="5577218"/>
             <a:ext cx="10048875" cy="697106"/>
           </a:xfrm>
-          <a:gradFill flip="none" rotWithShape="1">
-            <a:gsLst>
-              <a:gs pos="0">
-                <a:srgbClr val="FF9300">
-                  <a:tint val="66000"/>
-                  <a:satMod val="160000"/>
-                </a:srgbClr>
-              </a:gs>
-              <a:gs pos="50000">
-                <a:srgbClr val="FF9300">
-                  <a:tint val="44500"/>
-                  <a:satMod val="160000"/>
-                </a:srgbClr>
-              </a:gs>
-              <a:gs pos="100000">
-                <a:srgbClr val="FF9300">
-                  <a:tint val="23500"/>
-                  <a:satMod val="160000"/>
-                </a:srgbClr>
-              </a:gs>
-            </a:gsLst>
-            <a:path path="circle">
-              <a:fillToRect l="50000" t="50000" r="50000" b="50000"/>
-            </a:path>
-            <a:tileRect/>
-          </a:gradFill>
+          <a:solidFill>
+            <a:srgbClr val="FFAF79"/>
+          </a:solidFill>
           <a:ln>
             <a:solidFill>
               <a:schemeClr val="accent5">
@@ -17014,35 +17079,12 @@
         </p:nvSpPr>
         <p:spPr>
           <a:xfrm>
-            <a:off x="477825" y="14240982"/>
+            <a:off x="448858" y="14586162"/>
             <a:ext cx="10050462" cy="697106"/>
           </a:xfrm>
-          <a:gradFill flip="none" rotWithShape="1">
-            <a:gsLst>
-              <a:gs pos="0">
-                <a:srgbClr val="FF9300">
-                  <a:tint val="66000"/>
-                  <a:satMod val="160000"/>
-                </a:srgbClr>
-              </a:gs>
-              <a:gs pos="50000">
-                <a:srgbClr val="FF9300">
-                  <a:tint val="44500"/>
-                  <a:satMod val="160000"/>
-                </a:srgbClr>
-              </a:gs>
-              <a:gs pos="100000">
-                <a:srgbClr val="FF9300">
-                  <a:tint val="23500"/>
-                  <a:satMod val="160000"/>
-                </a:srgbClr>
-              </a:gs>
-            </a:gsLst>
-            <a:path path="circle">
-              <a:fillToRect l="50000" t="50000" r="50000" b="50000"/>
-            </a:path>
-            <a:tileRect/>
-          </a:gradFill>
+          <a:solidFill>
+            <a:srgbClr val="FFAF79"/>
+          </a:solidFill>
           <a:ln>
             <a:solidFill>
               <a:schemeClr val="accent5">
@@ -17085,17 +17127,27 @@
             </p:nvSpPr>
             <p:spPr>
               <a:xfrm>
-                <a:off x="11433249" y="6278842"/>
-                <a:ext cx="10038662" cy="2562731"/>
+                <a:off x="11433249" y="6289219"/>
+                <a:ext cx="10038662" cy="2365690"/>
               </a:xfrm>
+              <a:solidFill>
+                <a:srgbClr val="EAEAEA"/>
+              </a:solidFill>
+              <a:ln>
+                <a:solidFill>
+                  <a:schemeClr val="accent4">
+                    <a:lumMod val="50000"/>
+                  </a:schemeClr>
+                </a:solidFill>
+              </a:ln>
             </p:spPr>
             <p:txBody>
               <a:bodyPr/>
               <a:lstStyle/>
               <a:p>
-                <a:pPr algn="just">
+                <a:pPr>
                   <a:lnSpc>
-                    <a:spcPct val="100000"/>
+                    <a:spcPct val="114000"/>
                   </a:lnSpc>
                 </a:pPr>
                 <a:r>
@@ -17193,7 +17245,7 @@
                       <a:schemeClr val="tx1"/>
                     </a:solidFill>
                   </a:rPr>
-                  <a:t>, the dynamics of the pendulum can be well approximated by the analytic solution </a:t>
+                  <a:t>, the motion can be well approximated by the analytic solution </a:t>
                 </a:r>
                 <a14:m>
                   <m:oMath xmlns:m="http://schemas.openxmlformats.org/officeDocument/2006/math">
@@ -17514,15 +17566,22 @@
             </p:nvSpPr>
             <p:spPr>
               <a:xfrm>
-                <a:off x="11433249" y="6278842"/>
-                <a:ext cx="10038662" cy="2562731"/>
+                <a:off x="11433249" y="6289219"/>
+                <a:ext cx="10038662" cy="2365690"/>
               </a:xfrm>
               <a:blipFill>
-                <a:blip r:embed="rId6"/>
+                <a:blip r:embed="rId4"/>
                 <a:stretch>
-                  <a:fillRect/>
+                  <a:fillRect r="-505"/>
                 </a:stretch>
               </a:blipFill>
+              <a:ln>
+                <a:solidFill>
+                  <a:schemeClr val="accent4">
+                    <a:lumMod val="50000"/>
+                  </a:schemeClr>
+                </a:solidFill>
+              </a:ln>
             </p:spPr>
             <p:txBody>
               <a:bodyPr/>
@@ -17557,35 +17616,12 @@
         </p:nvSpPr>
         <p:spPr>
           <a:xfrm>
-            <a:off x="11460162" y="5623377"/>
-            <a:ext cx="20974055" cy="697106"/>
+            <a:off x="11400135" y="5468805"/>
+            <a:ext cx="21049432" cy="744267"/>
           </a:xfrm>
-          <a:gradFill flip="none" rotWithShape="1">
-            <a:gsLst>
-              <a:gs pos="0">
-                <a:srgbClr val="FF9300">
-                  <a:tint val="66000"/>
-                  <a:satMod val="160000"/>
-                </a:srgbClr>
-              </a:gs>
-              <a:gs pos="50000">
-                <a:srgbClr val="FF9300">
-                  <a:tint val="44500"/>
-                  <a:satMod val="160000"/>
-                </a:srgbClr>
-              </a:gs>
-              <a:gs pos="100000">
-                <a:srgbClr val="FF9300">
-                  <a:tint val="23500"/>
-                  <a:satMod val="160000"/>
-                </a:srgbClr>
-              </a:gs>
-            </a:gsLst>
-            <a:path path="circle">
-              <a:fillToRect l="50000" t="50000" r="50000" b="50000"/>
-            </a:path>
-            <a:tileRect/>
-          </a:gradFill>
+          <a:solidFill>
+            <a:srgbClr val="FFAF79"/>
+          </a:solidFill>
           <a:ln>
             <a:solidFill>
               <a:schemeClr val="accent5">
@@ -17626,32 +17662,9 @@
             <a:off x="33390292" y="5577218"/>
             <a:ext cx="10047018" cy="697106"/>
           </a:xfrm>
-          <a:gradFill flip="none" rotWithShape="1">
-            <a:gsLst>
-              <a:gs pos="0">
-                <a:srgbClr val="FF9300">
-                  <a:tint val="66000"/>
-                  <a:satMod val="160000"/>
-                </a:srgbClr>
-              </a:gs>
-              <a:gs pos="50000">
-                <a:srgbClr val="FF9300">
-                  <a:tint val="44500"/>
-                  <a:satMod val="160000"/>
-                </a:srgbClr>
-              </a:gs>
-              <a:gs pos="100000">
-                <a:srgbClr val="FF9300">
-                  <a:tint val="23500"/>
-                  <a:satMod val="160000"/>
-                </a:srgbClr>
-              </a:gs>
-            </a:gsLst>
-            <a:path path="circle">
-              <a:fillToRect l="50000" t="50000" r="50000" b="50000"/>
-            </a:path>
-            <a:tileRect/>
-          </a:gradFill>
+          <a:solidFill>
+            <a:srgbClr val="FFAF79"/>
+          </a:solidFill>
           <a:ln>
             <a:solidFill>
               <a:schemeClr val="accent4">
@@ -17713,32 +17726,9 @@
           </p:nvPr>
         </p:nvSpPr>
         <p:spPr>
-          <a:gradFill flip="none" rotWithShape="1">
-            <a:gsLst>
-              <a:gs pos="0">
-                <a:srgbClr val="FF9300">
-                  <a:tint val="66000"/>
-                  <a:satMod val="160000"/>
-                </a:srgbClr>
-              </a:gs>
-              <a:gs pos="50000">
-                <a:srgbClr val="FF9300">
-                  <a:tint val="44500"/>
-                  <a:satMod val="160000"/>
-                </a:srgbClr>
-              </a:gs>
-              <a:gs pos="100000">
-                <a:srgbClr val="FF9300">
-                  <a:tint val="23500"/>
-                  <a:satMod val="160000"/>
-                </a:srgbClr>
-              </a:gs>
-            </a:gsLst>
-            <a:path path="circle">
-              <a:fillToRect l="50000" t="50000" r="50000" b="50000"/>
-            </a:path>
-            <a:tileRect/>
-          </a:gradFill>
+          <a:solidFill>
+            <a:srgbClr val="FFAF79"/>
+          </a:solidFill>
           <a:ln>
             <a:solidFill>
               <a:schemeClr val="accent4">
@@ -17797,32 +17787,13 @@
           </p:nvPr>
         </p:nvSpPr>
         <p:spPr>
-          <a:gradFill flip="none" rotWithShape="1">
-            <a:gsLst>
-              <a:gs pos="0">
-                <a:srgbClr val="FF9300">
-                  <a:tint val="66000"/>
-                  <a:satMod val="160000"/>
-                </a:srgbClr>
-              </a:gs>
-              <a:gs pos="50000">
-                <a:srgbClr val="FF9300">
-                  <a:tint val="44500"/>
-                  <a:satMod val="160000"/>
-                </a:srgbClr>
-              </a:gs>
-              <a:gs pos="100000">
-                <a:srgbClr val="FF9300">
-                  <a:tint val="23500"/>
-                  <a:satMod val="160000"/>
-                </a:srgbClr>
-              </a:gs>
-            </a:gsLst>
-            <a:path path="circle">
-              <a:fillToRect l="50000" t="50000" r="50000" b="50000"/>
-            </a:path>
-            <a:tileRect/>
-          </a:gradFill>
+          <a:xfrm>
+            <a:off x="33390292" y="25591094"/>
+            <a:ext cx="10047018" cy="697106"/>
+          </a:xfrm>
+          <a:solidFill>
+            <a:srgbClr val="FFAF79"/>
+          </a:solidFill>
           <a:ln>
             <a:solidFill>
               <a:schemeClr val="accent5">
@@ -17835,7 +17806,10 @@
           <a:bodyPr/>
           <a:lstStyle/>
           <a:p>
-            <a:endParaRPr lang="en-US" dirty="0"/>
+            <a:r>
+              <a:rPr lang="en-US" u="none" dirty="0"/>
+              <a:t>References</a:t>
+            </a:r>
           </a:p>
         </p:txBody>
       </p:sp>
@@ -17855,12 +17829,108 @@
             <p:ph type="body" sz="quarter" idx="30"/>
           </p:nvPr>
         </p:nvSpPr>
-        <p:spPr/>
+        <p:spPr>
+          <a:xfrm>
+            <a:off x="33390292" y="26433446"/>
+            <a:ext cx="10052050" cy="5963149"/>
+          </a:xfrm>
+          <a:solidFill>
+            <a:srgbClr val="EAEAEA"/>
+          </a:solidFill>
+        </p:spPr>
         <p:txBody>
           <a:bodyPr/>
           <a:lstStyle/>
           <a:p>
-            <a:endParaRPr lang="en-US"/>
+            <a:pPr marL="457200" indent="-457200">
+              <a:spcBef>
+                <a:spcPts val="2400"/>
+              </a:spcBef>
+              <a:buFont typeface="+mj-lt"/>
+              <a:buAutoNum type="arabicPeriod"/>
+            </a:pPr>
+            <a:r>
+              <a:rPr lang="en-US" dirty="0"/>
+              <a:t>Davidson, Gray (2011). The Damped Driven Pendulum: Bifurcation Analysis of Experimental Data. Reed College.</a:t>
+            </a:r>
+          </a:p>
+          <a:p>
+            <a:pPr marL="457200" indent="-457200">
+              <a:spcBef>
+                <a:spcPts val="2400"/>
+              </a:spcBef>
+              <a:buFont typeface="+mj-lt"/>
+              <a:buAutoNum type="arabicPeriod"/>
+            </a:pPr>
+            <a:r>
+              <a:rPr lang="en-US" dirty="0" err="1"/>
+              <a:t>Bevivino</a:t>
+            </a:r>
+            <a:r>
+              <a:rPr lang="en-US" dirty="0"/>
+              <a:t>, Josh (2009). The Path From the Simple Pendulum to Chaos. Department of Physics, Colorado State University.</a:t>
+            </a:r>
+          </a:p>
+          <a:p>
+            <a:pPr marL="457200" indent="-457200">
+              <a:spcBef>
+                <a:spcPts val="2400"/>
+              </a:spcBef>
+              <a:buFont typeface="+mj-lt"/>
+              <a:buAutoNum type="arabicPeriod"/>
+            </a:pPr>
+            <a:r>
+              <a:rPr lang="en-US" dirty="0" err="1"/>
+              <a:t>Borkar</a:t>
+            </a:r>
+            <a:r>
+              <a:rPr lang="en-US" dirty="0"/>
+              <a:t>, V.C. and Kulkarni, P.R. (2015). IJSIMR. 3. ISSN 2347-3142</a:t>
+            </a:r>
+          </a:p>
+          <a:p>
+            <a:pPr>
+              <a:lnSpc>
+                <a:spcPct val="114000"/>
+              </a:lnSpc>
+              <a:spcBef>
+                <a:spcPts val="2400"/>
+              </a:spcBef>
+            </a:pPr>
+            <a:r>
+              <a:rPr lang="en-US" dirty="0"/>
+              <a:t>This project was done as part of the Computational Physics 25000 course  for the 2019 autumn quarter at the University of Chicago. For more information, contact me at </a:t>
+            </a:r>
+            <a:r>
+              <a:rPr lang="en-US" dirty="0">
+                <a:hlinkClick r:id="rId5"/>
+              </a:rPr>
+              <a:t>lbaralt@uchicago.edu</a:t>
+            </a:r>
+            <a:r>
+              <a:rPr lang="en-US" dirty="0"/>
+              <a:t> or visit the GitHub repository </a:t>
+            </a:r>
+            <a:r>
+              <a:rPr lang="en-US" dirty="0">
+                <a:hlinkClick r:id="rId6"/>
+              </a:rPr>
+              <a:t>https://github.com/lubar13/Final-Project-Equation-of-Pendulum</a:t>
+            </a:r>
+            <a:r>
+              <a:rPr lang="en-US" dirty="0"/>
+              <a:t>. </a:t>
+            </a:r>
+          </a:p>
+          <a:p>
+            <a:pPr marL="457200" indent="-457200">
+              <a:spcBef>
+                <a:spcPts val="2400"/>
+              </a:spcBef>
+              <a:buFont typeface="+mj-lt"/>
+              <a:buAutoNum type="arabicPeriod"/>
+            </a:pPr>
+            <a:endParaRPr lang="en-US" dirty="0"/>
           </a:p>
         </p:txBody>
       </p:sp>
@@ -17884,18 +17954,31 @@
             </p:nvSpPr>
             <p:spPr>
               <a:xfrm>
-                <a:off x="459674" y="14951552"/>
-                <a:ext cx="10056813" cy="16297966"/>
+                <a:off x="459674" y="15611676"/>
+                <a:ext cx="10056813" cy="16838969"/>
               </a:xfrm>
+              <a:solidFill>
+                <a:srgbClr val="EAEAEA"/>
+              </a:solidFill>
+              <a:ln>
+                <a:solidFill>
+                  <a:schemeClr val="accent4">
+                    <a:lumMod val="50000"/>
+                  </a:schemeClr>
+                </a:solidFill>
+              </a:ln>
             </p:spPr>
             <p:txBody>
               <a:bodyPr/>
               <a:lstStyle/>
               <a:p>
-                <a:pPr>
+                <a:pPr algn="just">
                   <a:lnSpc>
-                    <a:spcPct val="100000"/>
+                    <a:spcPct val="114000"/>
                   </a:lnSpc>
+                  <a:spcBef>
+                    <a:spcPts val="3000"/>
+                  </a:spcBef>
                 </a:pPr>
                 <a:r>
                   <a:rPr lang="en-US" sz="2800" dirty="0">
@@ -17903,7 +17986,7 @@
                       <a:schemeClr val="tx1"/>
                     </a:solidFill>
                   </a:rPr>
-                  <a:t>In this project, I will explore how </a:t>
+                  <a:t>In this project, I explore how </a:t>
                 </a:r>
                 <a:r>
                   <a:rPr lang="en-US" sz="2800" dirty="0" err="1">
@@ -17919,7 +18002,7 @@
                       <a:schemeClr val="tx1"/>
                     </a:solidFill>
                   </a:rPr>
-                  <a:t> and chaotic behavior progressively arises in pendulum dynamics by simulating the above differential equation by implementing a fourth order Runge-</a:t>
+                  <a:t> and chaotic behavior progressively arises in pendulum dynamics by simulating the above differential equation. I implement a fourth order Runge-</a:t>
                 </a:r>
                 <a:r>
                   <a:rPr lang="en-US" sz="2800" dirty="0" err="1">
@@ -17935,14 +18018,17 @@
                       <a:schemeClr val="tx1"/>
                     </a:solidFill>
                   </a:rPr>
-                  <a:t> method in Python. The time step for each simulation was set to 0.001 s.</a:t>
+                  <a:t> method in Python, using a time step of 0.001 s for each simulation. </a:t>
                 </a:r>
               </a:p>
               <a:p>
-                <a:pPr>
+                <a:pPr algn="just">
                   <a:lnSpc>
-                    <a:spcPct val="100000"/>
+                    <a:spcPct val="114000"/>
                   </a:lnSpc>
+                  <a:spcBef>
+                    <a:spcPts val="3000"/>
+                  </a:spcBef>
                 </a:pPr>
                 <a:r>
                   <a:rPr lang="en-US" sz="2800" dirty="0">
@@ -17950,7 +18036,7 @@
                       <a:schemeClr val="tx1"/>
                     </a:solidFill>
                   </a:rPr>
-                  <a:t>By manipulating the frictional and driving force parameters, </a:t>
+                  <a:t>By varying the frictional and driving force parameters, </a:t>
                 </a:r>
                 <a14:m>
                   <m:oMath xmlns:m="http://schemas.openxmlformats.org/officeDocument/2006/math">
@@ -18102,23 +18188,7 @@
                       <a:schemeClr val="tx1"/>
                     </a:solidFill>
                   </a:rPr>
-                  <a:t>, we can study three main cases of </a:t>
-                </a:r>
-                <a:r>
-                  <a:rPr lang="en-US" sz="2800" dirty="0" err="1">
-                    <a:solidFill>
-                      <a:schemeClr val="tx1"/>
-                    </a:solidFill>
-                  </a:rPr>
-                  <a:t>oscillatiors</a:t>
-                </a:r>
-                <a:r>
-                  <a:rPr lang="en-US" sz="2800" dirty="0">
-                    <a:solidFill>
-                      <a:schemeClr val="tx1"/>
-                    </a:solidFill>
-                  </a:rPr>
-                  <a:t>:</a:t>
+                  <a:t>, we can study three main cases of oscillations and their corresponding differential equations:</a:t>
                 </a:r>
               </a:p>
               <a:p>
@@ -18126,6 +18196,9 @@
                   <a:lnSpc>
                     <a:spcPct val="100000"/>
                   </a:lnSpc>
+                  <a:spcBef>
+                    <a:spcPts val="3000"/>
+                  </a:spcBef>
                   <a:buFont typeface="+mj-lt"/>
                   <a:buAutoNum type="romanUcPeriod"/>
                 </a:pPr>
@@ -18160,7 +18233,7 @@
                         <m:accPr>
                           <m:chr m:val="̈"/>
                           <m:ctrlPr>
-                            <a:rPr lang="en-US" b="0" i="1" dirty="0" smtClean="0">
+                            <a:rPr lang="en-US" sz="2400" b="0" i="1" dirty="0" smtClean="0">
                               <a:solidFill>
                                 <a:schemeClr val="tx1"/>
                               </a:solidFill>
@@ -18170,7 +18243,7 @@
                         </m:accPr>
                         <m:e>
                           <m:r>
-                            <a:rPr lang="en-US" b="0" i="1" dirty="0" smtClean="0">
+                            <a:rPr lang="en-US" sz="2400" b="0" i="1" dirty="0" smtClean="0">
                               <a:solidFill>
                                 <a:schemeClr val="tx1"/>
                               </a:solidFill>
@@ -18181,7 +18254,7 @@
                         </m:e>
                       </m:acc>
                       <m:r>
-                        <a:rPr lang="en-US" b="0" i="1" dirty="0" smtClean="0">
+                        <a:rPr lang="en-US" sz="2400" b="0" i="1" dirty="0" smtClean="0">
                           <a:solidFill>
                             <a:schemeClr val="tx1"/>
                           </a:solidFill>
@@ -18192,7 +18265,7 @@
                       <m:sSubSup>
                         <m:sSubSupPr>
                           <m:ctrlPr>
-                            <a:rPr lang="en-US" b="0" i="1" dirty="0" smtClean="0">
+                            <a:rPr lang="en-US" sz="2400" b="0" i="1" dirty="0" smtClean="0">
                               <a:solidFill>
                                 <a:schemeClr val="tx1"/>
                               </a:solidFill>
@@ -18202,7 +18275,7 @@
                         </m:sSubSupPr>
                         <m:e>
                           <m:r>
-                            <a:rPr lang="en-US" b="0" i="1" dirty="0" smtClean="0">
+                            <a:rPr lang="en-US" sz="2400" b="0" i="1" dirty="0" smtClean="0">
                               <a:solidFill>
                                 <a:schemeClr val="tx1"/>
                               </a:solidFill>
@@ -18213,7 +18286,7 @@
                         </m:e>
                         <m:sub>
                           <m:r>
-                            <a:rPr lang="en-US" b="0" i="1" dirty="0" smtClean="0">
+                            <a:rPr lang="en-US" sz="2400" b="0" i="1" dirty="0" smtClean="0">
                               <a:solidFill>
                                 <a:schemeClr val="tx1"/>
                               </a:solidFill>
@@ -18224,7 +18297,7 @@
                         </m:sub>
                         <m:sup>
                           <m:r>
-                            <a:rPr lang="en-US" b="0" i="1" dirty="0" smtClean="0">
+                            <a:rPr lang="en-US" sz="2400" b="0" i="1" dirty="0" smtClean="0">
                               <a:solidFill>
                                 <a:schemeClr val="tx1"/>
                               </a:solidFill>
@@ -18235,7 +18308,7 @@
                         </m:sup>
                       </m:sSubSup>
                       <m:r>
-                        <a:rPr lang="en-US" b="0" i="1" dirty="0" smtClean="0">
+                        <a:rPr lang="en-US" sz="2400" b="0" i="1" dirty="0" smtClean="0">
                           <a:solidFill>
                             <a:schemeClr val="tx1"/>
                           </a:solidFill>
@@ -18244,7 +18317,7 @@
                         <m:t>𝜙</m:t>
                       </m:r>
                       <m:r>
-                        <a:rPr lang="en-US" b="0" i="1" dirty="0" smtClean="0">
+                        <a:rPr lang="en-US" sz="2400" b="0" i="1" dirty="0" smtClean="0">
                           <a:solidFill>
                             <a:schemeClr val="tx1"/>
                           </a:solidFill>
@@ -18255,7 +18328,7 @@
                       <m:sSub>
                         <m:sSubPr>
                           <m:ctrlPr>
-                            <a:rPr lang="en-US" i="1">
+                            <a:rPr lang="en-US" sz="2400" i="1" smtClean="0">
                               <a:solidFill>
                                 <a:schemeClr val="tx1"/>
                               </a:solidFill>
@@ -18265,7 +18338,7 @@
                         </m:sSubPr>
                         <m:e>
                           <m:r>
-                            <a:rPr lang="en-US" i="1">
+                            <a:rPr lang="en-US" sz="2400" i="1">
                               <a:solidFill>
                                 <a:schemeClr val="tx1"/>
                               </a:solidFill>
@@ -18276,7 +18349,7 @@
                         </m:e>
                         <m:sub>
                           <m:r>
-                            <a:rPr lang="en-US" i="1">
+                            <a:rPr lang="en-US" sz="2400" i="1">
                               <a:solidFill>
                                 <a:schemeClr val="tx1"/>
                               </a:solidFill>
@@ -18287,7 +18360,7 @@
                         </m:sub>
                       </m:sSub>
                       <m:r>
-                        <a:rPr lang="en-US" i="1">
+                        <a:rPr lang="en-US" sz="2400" i="1" smtClean="0">
                           <a:solidFill>
                             <a:schemeClr val="tx1"/>
                           </a:solidFill>
@@ -18299,7 +18372,7 @@
                         <m:accPr>
                           <m:chr m:val="̇"/>
                           <m:ctrlPr>
-                            <a:rPr lang="en-US" b="0" i="1" dirty="0" smtClean="0">
+                            <a:rPr lang="en-US" sz="2400" b="0" i="1" dirty="0" smtClean="0">
                               <a:solidFill>
                                 <a:schemeClr val="tx1"/>
                               </a:solidFill>
@@ -18309,7 +18382,7 @@
                         </m:accPr>
                         <m:e>
                           <m:r>
-                            <a:rPr lang="en-US" b="0" i="1" dirty="0" smtClean="0">
+                            <a:rPr lang="en-US" sz="2400" b="0" i="1" dirty="0" smtClean="0">
                               <a:solidFill>
                                 <a:schemeClr val="tx1"/>
                               </a:solidFill>
@@ -18319,49 +18392,17 @@
                           </m:r>
                         </m:e>
                       </m:acc>
-                      <m:r>
-                        <a:rPr lang="en-US" b="0" i="1" dirty="0" smtClean="0">
-                          <a:solidFill>
-                            <a:schemeClr val="tx1"/>
-                          </a:solidFill>
-                          <a:latin typeface="Cambria Math" panose="02040503050406030204" pitchFamily="18" charset="0"/>
-                        </a:rPr>
-                        <m:t> </m:t>
-                      </m:r>
-                      <m:d>
-                        <m:dPr>
-                          <m:ctrlPr>
-                            <a:rPr lang="en-US" b="0" i="1" dirty="0" smtClean="0">
-                              <a:solidFill>
-                                <a:schemeClr val="tx1"/>
-                              </a:solidFill>
-                              <a:latin typeface="Cambria Math" panose="02040503050406030204" pitchFamily="18" charset="0"/>
-                            </a:rPr>
-                          </m:ctrlPr>
-                        </m:dPr>
-                        <m:e>
-                          <m:r>
-                            <a:rPr lang="en-US" b="0" i="1" dirty="0" smtClean="0">
-                              <a:solidFill>
-                                <a:schemeClr val="tx1"/>
-                              </a:solidFill>
-                              <a:latin typeface="Cambria Math" panose="02040503050406030204" pitchFamily="18" charset="0"/>
-                            </a:rPr>
-                            <m:t>1</m:t>
-                          </m:r>
-                        </m:e>
-                      </m:d>
                     </m:oMath>
                   </m:oMathPara>
                 </a14:m>
                 <a:br>
-                  <a:rPr lang="en-US" dirty="0">
+                  <a:rPr lang="en-US" sz="2800" dirty="0">
                     <a:solidFill>
                       <a:schemeClr val="tx1"/>
                     </a:solidFill>
                   </a:rPr>
                 </a:br>
-                <a:endParaRPr lang="en-US" dirty="0">
+                <a:endParaRPr lang="en-US" sz="2800" dirty="0">
                   <a:solidFill>
                     <a:schemeClr val="tx1"/>
                   </a:solidFill>
@@ -18444,7 +18485,7 @@
                       <m:accPr>
                         <m:chr m:val="̈"/>
                         <m:ctrlPr>
-                          <a:rPr lang="en-US" b="0" i="1" smtClean="0">
+                          <a:rPr lang="en-US" sz="2400" b="0" i="1" smtClean="0">
                             <a:solidFill>
                               <a:schemeClr val="tx1"/>
                             </a:solidFill>
@@ -18454,7 +18495,7 @@
                       </m:accPr>
                       <m:e>
                         <m:r>
-                          <a:rPr lang="en-US" b="0" i="1" smtClean="0">
+                          <a:rPr lang="en-US" sz="2400" b="0" i="1" smtClean="0">
                             <a:solidFill>
                               <a:schemeClr val="tx1"/>
                             </a:solidFill>
@@ -18465,7 +18506,7 @@
                       </m:e>
                     </m:acc>
                     <m:r>
-                      <a:rPr lang="en-US" b="0" i="1" dirty="0" smtClean="0">
+                      <a:rPr lang="en-US" sz="2400" b="0" i="1" dirty="0" smtClean="0">
                         <a:solidFill>
                           <a:schemeClr val="tx1"/>
                         </a:solidFill>
@@ -18476,7 +18517,7 @@
                     <m:sSubSup>
                       <m:sSubSupPr>
                         <m:ctrlPr>
-                          <a:rPr lang="en-US" b="0" i="1" dirty="0" smtClean="0">
+                          <a:rPr lang="en-US" sz="2400" b="0" i="1" dirty="0" smtClean="0">
                             <a:solidFill>
                               <a:schemeClr val="tx1"/>
                             </a:solidFill>
@@ -18486,7 +18527,7 @@
                       </m:sSubSupPr>
                       <m:e>
                         <m:r>
-                          <a:rPr lang="en-US" b="0" i="1" dirty="0" smtClean="0">
+                          <a:rPr lang="en-US" sz="2400" b="0" i="1" dirty="0" smtClean="0">
                             <a:solidFill>
                               <a:schemeClr val="tx1"/>
                             </a:solidFill>
@@ -18497,7 +18538,7 @@
                       </m:e>
                       <m:sub>
                         <m:r>
-                          <a:rPr lang="en-US" b="0" i="1" dirty="0" smtClean="0">
+                          <a:rPr lang="en-US" sz="2400" b="0" i="1" dirty="0" smtClean="0">
                             <a:solidFill>
                               <a:schemeClr val="tx1"/>
                             </a:solidFill>
@@ -18508,7 +18549,7 @@
                       </m:sub>
                       <m:sup>
                         <m:r>
-                          <a:rPr lang="en-US" b="0" i="1" dirty="0" smtClean="0">
+                          <a:rPr lang="en-US" sz="2400" b="0" i="1" dirty="0" smtClean="0">
                             <a:solidFill>
                               <a:schemeClr val="tx1"/>
                             </a:solidFill>
@@ -18522,7 +18563,7 @@
                       <m:rPr>
                         <m:nor/>
                       </m:rPr>
-                      <a:rPr lang="en-US" b="0" i="0" dirty="0" smtClean="0">
+                      <a:rPr lang="en-US" sz="2400" b="0" i="0" dirty="0" smtClean="0">
                         <a:solidFill>
                           <a:schemeClr val="tx1"/>
                         </a:solidFill>
@@ -18533,7 +18574,7 @@
                     <m:d>
                       <m:dPr>
                         <m:ctrlPr>
-                          <a:rPr lang="en-US" b="0" i="1" dirty="0" smtClean="0">
+                          <a:rPr lang="en-US" sz="2400" b="0" i="1" dirty="0" smtClean="0">
                             <a:solidFill>
                               <a:schemeClr val="tx1"/>
                             </a:solidFill>
@@ -18543,7 +18584,7 @@
                       </m:dPr>
                       <m:e>
                         <m:r>
-                          <a:rPr lang="en-US" b="0" i="1" dirty="0" smtClean="0">
+                          <a:rPr lang="en-US" sz="2400" b="0" i="1" dirty="0" smtClean="0">
                             <a:solidFill>
                               <a:schemeClr val="tx1"/>
                             </a:solidFill>
@@ -18554,7 +18595,7 @@
                       </m:e>
                     </m:d>
                     <m:r>
-                      <a:rPr lang="en-US" b="0" i="1" dirty="0" smtClean="0">
+                      <a:rPr lang="en-US" sz="2400" b="0" i="1" dirty="0" smtClean="0">
                         <a:solidFill>
                           <a:schemeClr val="tx1"/>
                         </a:solidFill>
@@ -18563,7 +18604,7 @@
                       <m:t>−</m:t>
                     </m:r>
                     <m:r>
-                      <a:rPr lang="en-US" i="1">
+                      <a:rPr lang="en-US" sz="2400" i="1">
                         <a:solidFill>
                           <a:schemeClr val="tx1"/>
                         </a:solidFill>
@@ -18574,7 +18615,7 @@
                     <m:sSub>
                       <m:sSubPr>
                         <m:ctrlPr>
-                          <a:rPr lang="en-US" i="1">
+                          <a:rPr lang="en-US" sz="2400" i="1">
                             <a:solidFill>
                               <a:schemeClr val="tx1"/>
                             </a:solidFill>
@@ -18584,7 +18625,7 @@
                       </m:sSubPr>
                       <m:e>
                         <m:r>
-                          <a:rPr lang="en-US" i="1">
+                          <a:rPr lang="en-US" sz="2400" i="1">
                             <a:solidFill>
                               <a:schemeClr val="tx1"/>
                             </a:solidFill>
@@ -18595,7 +18636,7 @@
                       </m:e>
                       <m:sub>
                         <m:r>
-                          <a:rPr lang="en-US" i="1">
+                          <a:rPr lang="en-US" sz="2400" i="1">
                             <a:solidFill>
                               <a:schemeClr val="tx1"/>
                             </a:solidFill>
@@ -18606,7 +18647,7 @@
                       </m:sub>
                     </m:sSub>
                     <m:r>
-                      <a:rPr lang="en-US" i="1">
+                      <a:rPr lang="en-US" sz="2400" i="1">
                         <a:solidFill>
                           <a:schemeClr val="tx1"/>
                         </a:solidFill>
@@ -18618,7 +18659,7 @@
                       <m:accPr>
                         <m:chr m:val="̇"/>
                         <m:ctrlPr>
-                          <a:rPr lang="en-US" b="0" i="1" dirty="0" smtClean="0">
+                          <a:rPr lang="en-US" sz="2400" b="0" i="1" dirty="0" smtClean="0">
                             <a:solidFill>
                               <a:schemeClr val="tx1"/>
                             </a:solidFill>
@@ -18628,7 +18669,7 @@
                       </m:accPr>
                       <m:e>
                         <m:r>
-                          <a:rPr lang="en-US" b="0" i="1" dirty="0" smtClean="0">
+                          <a:rPr lang="en-US" sz="2400" b="0" i="1" dirty="0" smtClean="0">
                             <a:solidFill>
                               <a:schemeClr val="tx1"/>
                             </a:solidFill>
@@ -18638,38 +18679,6 @@
                         </m:r>
                       </m:e>
                     </m:acc>
-                    <m:r>
-                      <a:rPr lang="en-US" b="0" i="1" dirty="0" smtClean="0">
-                        <a:solidFill>
-                          <a:schemeClr val="tx1"/>
-                        </a:solidFill>
-                        <a:latin typeface="Cambria Math" panose="02040503050406030204" pitchFamily="18" charset="0"/>
-                      </a:rPr>
-                      <m:t>  </m:t>
-                    </m:r>
-                    <m:d>
-                      <m:dPr>
-                        <m:ctrlPr>
-                          <a:rPr lang="en-US" b="0" i="1" dirty="0" smtClean="0">
-                            <a:solidFill>
-                              <a:schemeClr val="tx1"/>
-                            </a:solidFill>
-                            <a:latin typeface="Cambria Math" panose="02040503050406030204" pitchFamily="18" charset="0"/>
-                          </a:rPr>
-                        </m:ctrlPr>
-                      </m:dPr>
-                      <m:e>
-                        <m:r>
-                          <a:rPr lang="en-US" b="0" i="1" dirty="0" smtClean="0">
-                            <a:solidFill>
-                              <a:schemeClr val="tx1"/>
-                            </a:solidFill>
-                            <a:latin typeface="Cambria Math" panose="02040503050406030204" pitchFamily="18" charset="0"/>
-                          </a:rPr>
-                          <m:t>2</m:t>
-                        </m:r>
-                      </m:e>
-                    </m:d>
                   </m:oMath>
                 </a14:m>
                 <a:br>
@@ -18744,7 +18753,7 @@
                       <m:accPr>
                         <m:chr m:val="̈"/>
                         <m:ctrlPr>
-                          <a:rPr lang="en-US" i="1">
+                          <a:rPr lang="en-US" sz="2400" i="1">
                             <a:solidFill>
                               <a:schemeClr val="tx1"/>
                             </a:solidFill>
@@ -18754,7 +18763,7 @@
                       </m:accPr>
                       <m:e>
                         <m:r>
-                          <a:rPr lang="en-US" i="1">
+                          <a:rPr lang="en-US" sz="2400" i="1">
                             <a:solidFill>
                               <a:schemeClr val="tx1"/>
                             </a:solidFill>
@@ -18765,7 +18774,7 @@
                       </m:e>
                     </m:acc>
                     <m:r>
-                      <a:rPr lang="en-US" i="1">
+                      <a:rPr lang="en-US" sz="2400" i="1">
                         <a:solidFill>
                           <a:schemeClr val="tx1"/>
                         </a:solidFill>
@@ -18777,7 +18786,7 @@
                       <m:rPr>
                         <m:nor/>
                       </m:rPr>
-                      <a:rPr lang="en-US">
+                      <a:rPr lang="en-US" sz="2400">
                         <a:solidFill>
                           <a:schemeClr val="tx1"/>
                         </a:solidFill>
@@ -18788,7 +18797,7 @@
                     <m:d>
                       <m:dPr>
                         <m:ctrlPr>
-                          <a:rPr lang="en-US" i="1">
+                          <a:rPr lang="en-US" sz="2400" i="1">
                             <a:solidFill>
                               <a:schemeClr val="tx1"/>
                             </a:solidFill>
@@ -18798,7 +18807,7 @@
                       </m:dPr>
                       <m:e>
                         <m:r>
-                          <a:rPr lang="en-US" i="1">
+                          <a:rPr lang="en-US" sz="2400" i="1">
                             <a:solidFill>
                               <a:schemeClr val="tx1"/>
                             </a:solidFill>
@@ -18811,7 +18820,7 @@
                     <m:d>
                       <m:dPr>
                         <m:ctrlPr>
-                          <a:rPr lang="en-US" b="0" i="1" smtClean="0">
+                          <a:rPr lang="en-US" sz="2400" b="0" i="1" smtClean="0">
                             <a:solidFill>
                               <a:schemeClr val="tx1"/>
                             </a:solidFill>
@@ -18823,7 +18832,7 @@
                         <m:sSubSup>
                           <m:sSubSupPr>
                             <m:ctrlPr>
-                              <a:rPr lang="en-US" i="1">
+                              <a:rPr lang="en-US" sz="2400" i="1">
                                 <a:solidFill>
                                   <a:schemeClr val="tx1"/>
                                 </a:solidFill>
@@ -18833,7 +18842,7 @@
                           </m:sSubSupPr>
                           <m:e>
                             <m:r>
-                              <a:rPr lang="en-US" i="1">
+                              <a:rPr lang="en-US" sz="2400" i="1">
                                 <a:solidFill>
                                   <a:schemeClr val="tx1"/>
                                 </a:solidFill>
@@ -18844,7 +18853,7 @@
                           </m:e>
                           <m:sub>
                             <m:r>
-                              <a:rPr lang="en-US" i="1">
+                              <a:rPr lang="en-US" sz="2400" i="1">
                                 <a:solidFill>
                                   <a:schemeClr val="tx1"/>
                                 </a:solidFill>
@@ -18855,7 +18864,7 @@
                           </m:sub>
                           <m:sup>
                             <m:r>
-                              <a:rPr lang="en-US" i="1">
+                              <a:rPr lang="en-US" sz="2400" i="1">
                                 <a:solidFill>
                                   <a:schemeClr val="tx1"/>
                                 </a:solidFill>
@@ -18866,7 +18875,7 @@
                           </m:sup>
                         </m:sSubSup>
                         <m:r>
-                          <a:rPr lang="en-US" b="0" i="1" smtClean="0">
+                          <a:rPr lang="en-US" sz="2400" b="0" i="1" smtClean="0">
                             <a:solidFill>
                               <a:schemeClr val="tx1"/>
                             </a:solidFill>
@@ -18875,7 +18884,7 @@
                           <m:t>+</m:t>
                         </m:r>
                         <m:r>
-                          <a:rPr lang="en-US" i="1">
+                          <a:rPr lang="en-US" sz="2400" i="1">
                             <a:solidFill>
                               <a:schemeClr val="tx1"/>
                             </a:solidFill>
@@ -18887,7 +18896,7 @@
                           <m:rPr>
                             <m:nor/>
                           </m:rPr>
-                          <a:rPr lang="en-US">
+                          <a:rPr lang="en-US" sz="2400">
                             <a:solidFill>
                               <a:schemeClr val="tx1"/>
                             </a:solidFill>
@@ -18898,7 +18907,7 @@
                         <m:d>
                           <m:dPr>
                             <m:ctrlPr>
-                              <a:rPr lang="en-US" i="1">
+                              <a:rPr lang="en-US" sz="2400" i="1">
                                 <a:solidFill>
                                   <a:schemeClr val="tx1"/>
                                 </a:solidFill>
@@ -18910,7 +18919,7 @@
                             <m:sSub>
                               <m:sSubPr>
                                 <m:ctrlPr>
-                                  <a:rPr lang="en-US" i="1">
+                                  <a:rPr lang="en-US" sz="2400" i="1">
                                     <a:solidFill>
                                       <a:schemeClr val="tx1"/>
                                     </a:solidFill>
@@ -18920,7 +18929,7 @@
                               </m:sSubPr>
                               <m:e>
                                 <m:r>
-                                  <a:rPr lang="en-US" i="1">
+                                  <a:rPr lang="en-US" sz="2400" i="1">
                                     <a:solidFill>
                                       <a:schemeClr val="tx1"/>
                                     </a:solidFill>
@@ -18931,7 +18940,7 @@
                               </m:e>
                               <m:sub>
                                 <m:r>
-                                  <a:rPr lang="en-US" i="1">
+                                  <a:rPr lang="en-US" sz="2400" i="1">
                                     <a:solidFill>
                                       <a:schemeClr val="tx1"/>
                                     </a:solidFill>
@@ -18942,7 +18951,7 @@
                               </m:sub>
                             </m:sSub>
                             <m:r>
-                              <a:rPr lang="en-US" i="1">
+                              <a:rPr lang="en-US" sz="2400" i="1">
                                 <a:solidFill>
                                   <a:schemeClr val="tx1"/>
                                 </a:solidFill>
@@ -18951,7 +18960,7 @@
                               <m:t>𝑡</m:t>
                             </m:r>
                             <m:r>
-                              <a:rPr lang="en-US" i="1">
+                              <a:rPr lang="en-US" sz="2400" i="1">
                                 <a:solidFill>
                                   <a:schemeClr val="tx1"/>
                                 </a:solidFill>
@@ -18960,7 +18969,7 @@
                               <m:t>+</m:t>
                             </m:r>
                             <m:r>
-                              <a:rPr lang="en-US" i="1">
+                              <a:rPr lang="en-US" sz="2400" i="1">
                                 <a:solidFill>
                                   <a:schemeClr val="tx1"/>
                                 </a:solidFill>
@@ -18973,27 +18982,18 @@
                       </m:e>
                     </m:d>
                     <m:r>
-                      <a:rPr lang="en-US" b="0" i="1" smtClean="0">
+                      <a:rPr lang="en-US" sz="2400" b="0" i="1" smtClean="0">
                         <a:solidFill>
                           <a:schemeClr val="tx1"/>
                         </a:solidFill>
                         <a:latin typeface="Cambria Math" panose="02040503050406030204" pitchFamily="18" charset="0"/>
                       </a:rPr>
-                      <m:t>−</m:t>
-                    </m:r>
-                    <m:r>
-                      <a:rPr lang="en-US" i="1">
-                        <a:solidFill>
-                          <a:schemeClr val="tx1"/>
-                        </a:solidFill>
-                        <a:latin typeface="Cambria Math" panose="02040503050406030204" pitchFamily="18" charset="0"/>
-                      </a:rPr>
-                      <m:t>2</m:t>
+                      <m:t>−2</m:t>
                     </m:r>
                     <m:sSub>
                       <m:sSubPr>
                         <m:ctrlPr>
-                          <a:rPr lang="en-US" i="1">
+                          <a:rPr lang="en-US" sz="2400" b="0" i="1" smtClean="0">
                             <a:solidFill>
                               <a:schemeClr val="tx1"/>
                             </a:solidFill>
@@ -19003,7 +19003,7 @@
                       </m:sSubPr>
                       <m:e>
                         <m:r>
-                          <a:rPr lang="en-US" i="1">
+                          <a:rPr lang="en-US" sz="2400" b="0" i="1" smtClean="0">
                             <a:solidFill>
                               <a:schemeClr val="tx1"/>
                             </a:solidFill>
@@ -19014,7 +19014,7 @@
                       </m:e>
                       <m:sub>
                         <m:r>
-                          <a:rPr lang="en-US" i="1">
+                          <a:rPr lang="en-US" sz="2400" b="0" i="1" smtClean="0">
                             <a:solidFill>
                               <a:schemeClr val="tx1"/>
                             </a:solidFill>
@@ -19025,7 +19025,7 @@
                       </m:sub>
                     </m:sSub>
                     <m:r>
-                      <a:rPr lang="en-US" i="1">
+                      <a:rPr lang="en-US" sz="2400" b="0" i="1" smtClean="0">
                         <a:solidFill>
                           <a:schemeClr val="tx1"/>
                         </a:solidFill>
@@ -19037,7 +19037,7 @@
                       <m:accPr>
                         <m:chr m:val="̇"/>
                         <m:ctrlPr>
-                          <a:rPr lang="en-US" b="0" i="1" smtClean="0">
+                          <a:rPr lang="en-US" sz="2400" b="0" i="1" smtClean="0">
                             <a:solidFill>
                               <a:schemeClr val="tx1"/>
                             </a:solidFill>
@@ -19047,7 +19047,7 @@
                       </m:accPr>
                       <m:e>
                         <m:r>
-                          <a:rPr lang="en-US" b="0" i="1" smtClean="0">
+                          <a:rPr lang="en-US" sz="2400" b="0" i="1" smtClean="0">
                             <a:solidFill>
                               <a:schemeClr val="tx1"/>
                             </a:solidFill>
@@ -19057,15 +19057,6 @@
                         </m:r>
                       </m:e>
                     </m:acc>
-                    <m:r>
-                      <a:rPr lang="en-US" b="0" i="1" smtClean="0">
-                        <a:solidFill>
-                          <a:schemeClr val="tx1"/>
-                        </a:solidFill>
-                        <a:latin typeface="Cambria Math" panose="02040503050406030204" pitchFamily="18" charset="0"/>
-                      </a:rPr>
-                      <m:t> (3)</m:t>
-                    </m:r>
                   </m:oMath>
                 </a14:m>
                 <a:endParaRPr lang="en-US" dirty="0">
@@ -19137,15 +19128,22 @@
             </p:nvSpPr>
             <p:spPr>
               <a:xfrm>
-                <a:off x="459674" y="14951552"/>
-                <a:ext cx="10056813" cy="16297966"/>
+                <a:off x="459674" y="15611676"/>
+                <a:ext cx="10056813" cy="16838969"/>
               </a:xfrm>
               <a:blipFill>
                 <a:blip r:embed="rId7"/>
                 <a:stretch>
-                  <a:fillRect r="-505"/>
+                  <a:fillRect/>
                 </a:stretch>
               </a:blipFill>
+              <a:ln>
+                <a:solidFill>
+                  <a:schemeClr val="accent4">
+                    <a:lumMod val="50000"/>
+                  </a:schemeClr>
+                </a:solidFill>
+              </a:ln>
             </p:spPr>
             <p:txBody>
               <a:bodyPr/>
@@ -19250,122 +19248,11 @@
           <a:p>
             <a:r>
               <a:rPr lang="en-US" dirty="0"/>
-              <a:t>Dynamics of a Pendulum: From Harmony to Chaos</a:t>
+              <a:t>Pendulum Dynamics: From Harmony to Chaos</a:t>
             </a:r>
           </a:p>
         </p:txBody>
       </p:sp>
-      <p:pic>
-        <p:nvPicPr>
-          <p:cNvPr id="13" name="Picture 12">
-            <a:extLst>
-              <a:ext uri="{FF2B5EF4-FFF2-40B4-BE49-F238E27FC236}">
-                <a16:creationId xmlns:a16="http://schemas.microsoft.com/office/drawing/2014/main" id="{878E7200-669F-D848-B148-64B0BDF92C8A}"/>
-              </a:ext>
-            </a:extLst>
-          </p:cNvPr>
-          <p:cNvPicPr>
-            <a:picLocks noChangeAspect="1"/>
-          </p:cNvPicPr>
-          <p:nvPr/>
-        </p:nvPicPr>
-        <p:blipFill>
-          <a:blip r:embed="rId8">
-            <a:extLst>
-              <a:ext uri="{28A0092B-C50C-407E-A947-70E740481C1C}">
-                <a14:useLocalDpi xmlns:a14="http://schemas.microsoft.com/office/drawing/2010/main" val="0"/>
-              </a:ext>
-            </a:extLst>
-          </a:blip>
-          <a:stretch>
-            <a:fillRect/>
-          </a:stretch>
-        </p:blipFill>
-        <p:spPr>
-          <a:xfrm>
-            <a:off x="10671476" y="8701083"/>
-            <a:ext cx="7315200" cy="4864100"/>
-          </a:xfrm>
-          <a:prstGeom prst="rect">
-            <a:avLst/>
-          </a:prstGeom>
-        </p:spPr>
-      </p:pic>
-      <p:pic>
-        <p:nvPicPr>
-          <p:cNvPr id="15" name="Picture 14">
-            <a:extLst>
-              <a:ext uri="{FF2B5EF4-FFF2-40B4-BE49-F238E27FC236}">
-                <a16:creationId xmlns:a16="http://schemas.microsoft.com/office/drawing/2014/main" id="{11E0F095-416F-9E4D-9417-8E96468FEC19}"/>
-              </a:ext>
-            </a:extLst>
-          </p:cNvPr>
-          <p:cNvPicPr>
-            <a:picLocks noChangeAspect="1"/>
-          </p:cNvPicPr>
-          <p:nvPr/>
-        </p:nvPicPr>
-        <p:blipFill>
-          <a:blip r:embed="rId9">
-            <a:extLst>
-              <a:ext uri="{28A0092B-C50C-407E-A947-70E740481C1C}">
-                <a14:useLocalDpi xmlns:a14="http://schemas.microsoft.com/office/drawing/2010/main" val="0"/>
-              </a:ext>
-            </a:extLst>
-          </a:blip>
-          <a:stretch>
-            <a:fillRect/>
-          </a:stretch>
-        </p:blipFill>
-        <p:spPr>
-          <a:xfrm>
-            <a:off x="25301876" y="8701083"/>
-            <a:ext cx="7315200" cy="4864100"/>
-          </a:xfrm>
-          <a:prstGeom prst="rect">
-            <a:avLst/>
-          </a:prstGeom>
-        </p:spPr>
-      </p:pic>
-      <p:pic>
-        <p:nvPicPr>
-          <p:cNvPr id="17" name="Picture 16">
-            <a:extLst>
-              <a:ext uri="{FF2B5EF4-FFF2-40B4-BE49-F238E27FC236}">
-                <a16:creationId xmlns:a16="http://schemas.microsoft.com/office/drawing/2014/main" id="{81CFE688-0D20-6B4E-932B-DC710F805FED}"/>
-              </a:ext>
-            </a:extLst>
-          </p:cNvPr>
-          <p:cNvPicPr>
-            <a:picLocks noChangeAspect="1"/>
-          </p:cNvPicPr>
-          <p:nvPr/>
-        </p:nvPicPr>
-        <p:blipFill>
-          <a:blip r:embed="rId10">
-            <a:extLst>
-              <a:ext uri="{28A0092B-C50C-407E-A947-70E740481C1C}">
-                <a14:useLocalDpi xmlns:a14="http://schemas.microsoft.com/office/drawing/2010/main" val="0"/>
-              </a:ext>
-            </a:extLst>
-          </a:blip>
-          <a:stretch>
-            <a:fillRect/>
-          </a:stretch>
-        </p:blipFill>
-        <p:spPr>
-          <a:xfrm>
-            <a:off x="17986676" y="8701083"/>
-            <a:ext cx="7315200" cy="4864100"/>
-          </a:xfrm>
-          <a:prstGeom prst="rect">
-            <a:avLst/>
-          </a:prstGeom>
-          <a:ln>
-            <a:noFill/>
-          </a:ln>
-        </p:spPr>
-      </p:pic>
       <p:sp>
         <p:nvSpPr>
           <p:cNvPr id="36" name="Text Placeholder 90">
@@ -19382,38 +19269,15 @@
         </p:nvSpPr>
         <p:spPr>
           <a:xfrm>
-            <a:off x="11472262" y="14074616"/>
+            <a:off x="11472262" y="14329677"/>
             <a:ext cx="20974055" cy="697106"/>
           </a:xfrm>
           <a:prstGeom prst="rect">
             <a:avLst/>
           </a:prstGeom>
-          <a:gradFill flip="none" rotWithShape="1">
-            <a:gsLst>
-              <a:gs pos="0">
-                <a:srgbClr val="FF9300">
-                  <a:tint val="66000"/>
-                  <a:satMod val="160000"/>
-                </a:srgbClr>
-              </a:gs>
-              <a:gs pos="50000">
-                <a:srgbClr val="FF9300">
-                  <a:tint val="44500"/>
-                  <a:satMod val="160000"/>
-                </a:srgbClr>
-              </a:gs>
-              <a:gs pos="100000">
-                <a:srgbClr val="FF9300">
-                  <a:tint val="23500"/>
-                  <a:satMod val="160000"/>
-                </a:srgbClr>
-              </a:gs>
-            </a:gsLst>
-            <a:path path="circle">
-              <a:fillToRect l="50000" t="50000" r="50000" b="50000"/>
-            </a:path>
-            <a:tileRect/>
-          </a:gradFill>
+          <a:solidFill>
+            <a:srgbClr val="FFAF79"/>
+          </a:solidFill>
           <a:ln>
             <a:solidFill>
               <a:schemeClr val="accent5">
@@ -19627,11 +19491,21 @@
             <p:spPr>
               <a:xfrm>
                 <a:off x="11466362" y="15144161"/>
-                <a:ext cx="6829427" cy="2012837"/>
+                <a:ext cx="7006087" cy="2387876"/>
               </a:xfrm>
               <a:prstGeom prst="rect">
                 <a:avLst/>
               </a:prstGeom>
+              <a:solidFill>
+                <a:srgbClr val="EAEAEA"/>
+              </a:solidFill>
+              <a:ln>
+                <a:solidFill>
+                  <a:schemeClr val="accent4">
+                    <a:lumMod val="50000"/>
+                  </a:schemeClr>
+                </a:solidFill>
+              </a:ln>
             </p:spPr>
             <p:txBody>
               <a:bodyPr vert="horz" wrap="square" lIns="228589" tIns="228589" rIns="228589" bIns="228589" rtlCol="0">
@@ -19804,7 +19678,11 @@
                 </a:lvl9pPr>
               </a:lstStyle>
               <a:p>
-                <a:pPr algn="just"/>
+                <a:pPr>
+                  <a:lnSpc>
+                    <a:spcPct val="114000"/>
+                  </a:lnSpc>
+                </a:pPr>
                 <a:r>
                   <a:rPr lang="en-US" sz="2800" dirty="0">
                     <a:solidFill>
@@ -19886,17 +19764,24 @@
             <p:spPr>
               <a:xfrm>
                 <a:off x="11466362" y="15144161"/>
-                <a:ext cx="6829427" cy="2012837"/>
+                <a:ext cx="7006087" cy="2387876"/>
               </a:xfrm>
               <a:prstGeom prst="rect">
                 <a:avLst/>
               </a:prstGeom>
               <a:blipFill>
-                <a:blip r:embed="rId11"/>
+                <a:blip r:embed="rId8"/>
                 <a:stretch>
                   <a:fillRect/>
                 </a:stretch>
               </a:blipFill>
+              <a:ln>
+                <a:solidFill>
+                  <a:schemeClr val="accent4">
+                    <a:lumMod val="50000"/>
+                  </a:schemeClr>
+                </a:solidFill>
+              </a:ln>
             </p:spPr>
             <p:txBody>
               <a:bodyPr/>
@@ -19928,7 +19813,7 @@
           <p:nvPr/>
         </p:nvPicPr>
         <p:blipFill>
-          <a:blip r:embed="rId12">
+          <a:blip r:embed="rId9">
             <a:extLst>
               <a:ext uri="{28A0092B-C50C-407E-A947-70E740481C1C}">
                 <a14:useLocalDpi xmlns:a14="http://schemas.microsoft.com/office/drawing/2010/main" val="0"/>
@@ -19941,7 +19826,7 @@
         </p:blipFill>
         <p:spPr>
           <a:xfrm>
-            <a:off x="62191" y="27774568"/>
+            <a:off x="67223" y="27957971"/>
             <a:ext cx="7386588" cy="5143832"/>
           </a:xfrm>
           <a:prstGeom prst="rect">
@@ -19966,11 +19851,21 @@
         <p:spPr>
           <a:xfrm>
             <a:off x="18472449" y="15144161"/>
-            <a:ext cx="6829427" cy="1625038"/>
+            <a:ext cx="6829427" cy="2387876"/>
           </a:xfrm>
           <a:prstGeom prst="rect">
             <a:avLst/>
           </a:prstGeom>
+          <a:solidFill>
+            <a:srgbClr val="EAEAEA"/>
+          </a:solidFill>
+          <a:ln>
+            <a:solidFill>
+              <a:schemeClr val="accent4">
+                <a:lumMod val="50000"/>
+              </a:schemeClr>
+            </a:solidFill>
+          </a:ln>
         </p:spPr>
         <p:txBody>
           <a:bodyPr vert="horz" wrap="square" lIns="228589" tIns="228589" rIns="228589" bIns="228589" rtlCol="0">
@@ -20143,7 +20038,11 @@
             </a:lvl9pPr>
           </a:lstStyle>
           <a:p>
-            <a:pPr algn="just"/>
+            <a:pPr>
+              <a:lnSpc>
+                <a:spcPct val="114000"/>
+              </a:lnSpc>
+            </a:pPr>
             <a:r>
               <a:rPr lang="en-US" sz="2800" dirty="0">
                 <a:solidFill>
@@ -20152,6 +20051,18 @@
               </a:rPr>
               <a:t>The phase space orbits now become pointed ellipses, indicating an elongation of the period. </a:t>
             </a:r>
+            <a:br>
+              <a:rPr lang="en-US" sz="2800" dirty="0">
+                <a:solidFill>
+                  <a:schemeClr val="tx1"/>
+                </a:solidFill>
+              </a:rPr>
+            </a:br>
+            <a:endParaRPr lang="en-US" sz="2800" dirty="0">
+              <a:solidFill>
+                <a:schemeClr val="tx1"/>
+              </a:solidFill>
+            </a:endParaRPr>
           </a:p>
         </p:txBody>
       </p:sp>
@@ -20171,12 +20082,22 @@
         </p:nvSpPr>
         <p:spPr>
           <a:xfrm>
-            <a:off x="21471911" y="6281665"/>
-            <a:ext cx="10038662" cy="1754304"/>
+            <a:off x="21471911" y="6308200"/>
+            <a:ext cx="10659392" cy="2387876"/>
           </a:xfrm>
           <a:prstGeom prst="rect">
             <a:avLst/>
           </a:prstGeom>
+          <a:solidFill>
+            <a:srgbClr val="EAEAEA"/>
+          </a:solidFill>
+          <a:ln>
+            <a:solidFill>
+              <a:schemeClr val="accent4">
+                <a:lumMod val="50000"/>
+              </a:schemeClr>
+            </a:solidFill>
+          </a:ln>
         </p:spPr>
         <p:txBody>
           <a:bodyPr vert="horz" wrap="square" lIns="228589" tIns="228589" rIns="228589" bIns="228589" rtlCol="0">
@@ -20349,9 +20270,9 @@
             </a:lvl9pPr>
           </a:lstStyle>
           <a:p>
-            <a:pPr algn="just">
+            <a:pPr>
               <a:lnSpc>
-                <a:spcPct val="100000"/>
+                <a:spcPct val="114000"/>
               </a:lnSpc>
             </a:pPr>
             <a:r>
@@ -20362,6 +20283,18 @@
               </a:rPr>
               <a:t>Elliptical phase space orbits indicate harmonic pendulum oscillations. Adding a damping force to the system causes the orbits to converge to a single point.</a:t>
             </a:r>
+            <a:br>
+              <a:rPr lang="en-US" sz="2800" dirty="0">
+                <a:solidFill>
+                  <a:schemeClr val="tx1"/>
+                </a:solidFill>
+              </a:rPr>
+            </a:br>
+            <a:endParaRPr lang="en-US" sz="2800" dirty="0">
+              <a:solidFill>
+                <a:schemeClr val="tx1"/>
+              </a:solidFill>
+            </a:endParaRPr>
           </a:p>
         </p:txBody>
       </p:sp>
@@ -20384,11 +20317,21 @@
             <p:spPr>
               <a:xfrm>
                 <a:off x="25301876" y="15144161"/>
-                <a:ext cx="6829427" cy="2012837"/>
+                <a:ext cx="6829427" cy="2387876"/>
               </a:xfrm>
               <a:prstGeom prst="rect">
                 <a:avLst/>
               </a:prstGeom>
+              <a:solidFill>
+                <a:srgbClr val="EAEAEA"/>
+              </a:solidFill>
+              <a:ln>
+                <a:solidFill>
+                  <a:schemeClr val="accent4">
+                    <a:lumMod val="50000"/>
+                  </a:schemeClr>
+                </a:solidFill>
+              </a:ln>
             </p:spPr>
             <p:txBody>
               <a:bodyPr vert="horz" wrap="square" lIns="228589" tIns="228589" rIns="228589" bIns="228589" rtlCol="0">
@@ -20561,7 +20504,11 @@
                 </a:lvl9pPr>
               </a:lstStyle>
               <a:p>
-                <a:pPr algn="just"/>
+                <a:pPr>
+                  <a:lnSpc>
+                    <a:spcPct val="114000"/>
+                  </a:lnSpc>
+                </a:pPr>
                 <a:r>
                   <a:rPr lang="en-US" sz="2800" dirty="0">
                     <a:solidFill>
@@ -20634,17 +20581,24 @@
             <p:spPr>
               <a:xfrm>
                 <a:off x="25301876" y="15144161"/>
-                <a:ext cx="6829427" cy="2012837"/>
+                <a:ext cx="6829427" cy="2387876"/>
               </a:xfrm>
               <a:prstGeom prst="rect">
                 <a:avLst/>
               </a:prstGeom>
               <a:blipFill>
-                <a:blip r:embed="rId13"/>
+                <a:blip r:embed="rId10"/>
                 <a:stretch>
                   <a:fillRect/>
                 </a:stretch>
               </a:blipFill>
+              <a:ln>
+                <a:solidFill>
+                  <a:schemeClr val="accent4">
+                    <a:lumMod val="50000"/>
+                  </a:schemeClr>
+                </a:solidFill>
+              </a:ln>
             </p:spPr>
             <p:txBody>
               <a:bodyPr/>
@@ -20683,32 +20637,9 @@
           <a:prstGeom prst="rect">
             <a:avLst/>
           </a:prstGeom>
-          <a:gradFill flip="none" rotWithShape="1">
-            <a:gsLst>
-              <a:gs pos="0">
-                <a:srgbClr val="FF9300">
-                  <a:tint val="66000"/>
-                  <a:satMod val="160000"/>
-                </a:srgbClr>
-              </a:gs>
-              <a:gs pos="50000">
-                <a:srgbClr val="FF9300">
-                  <a:tint val="44500"/>
-                  <a:satMod val="160000"/>
-                </a:srgbClr>
-              </a:gs>
-              <a:gs pos="100000">
-                <a:srgbClr val="FF9300">
-                  <a:tint val="23500"/>
-                  <a:satMod val="160000"/>
-                </a:srgbClr>
-              </a:gs>
-            </a:gsLst>
-            <a:path path="circle">
-              <a:fillToRect l="50000" t="50000" r="50000" b="50000"/>
-            </a:path>
-            <a:tileRect/>
-          </a:gradFill>
+          <a:solidFill>
+            <a:srgbClr val="FFAF79"/>
+          </a:solidFill>
           <a:ln>
             <a:solidFill>
               <a:schemeClr val="accent5">
@@ -20895,12 +20826,374 @@
           </a:p>
         </p:txBody>
       </p:sp>
+      <mc:AlternateContent xmlns:mc="http://schemas.openxmlformats.org/markup-compatibility/2006">
+        <mc:Choice xmlns:a14="http://schemas.microsoft.com/office/drawing/2010/main" Requires="a14">
+          <p:sp>
+            <p:nvSpPr>
+              <p:cNvPr id="76" name="TextBox 75">
+                <a:extLst>
+                  <a:ext uri="{FF2B5EF4-FFF2-40B4-BE49-F238E27FC236}">
+                    <a16:creationId xmlns:a16="http://schemas.microsoft.com/office/drawing/2014/main" id="{F1260E50-4786-944F-BA17-86E5B2535E4A}"/>
+                  </a:ext>
+                </a:extLst>
+              </p:cNvPr>
+              <p:cNvSpPr txBox="1"/>
+              <p:nvPr/>
+            </p:nvSpPr>
+            <p:spPr>
+              <a:xfrm>
+                <a:off x="11640453" y="24192908"/>
+                <a:ext cx="9893299" cy="1527341"/>
+              </a:xfrm>
+              <a:prstGeom prst="rect">
+                <a:avLst/>
+              </a:prstGeom>
+              <a:solidFill>
+                <a:srgbClr val="EAEAEA"/>
+              </a:solidFill>
+              <a:ln>
+                <a:solidFill>
+                  <a:schemeClr val="accent4">
+                    <a:lumMod val="50000"/>
+                  </a:schemeClr>
+                </a:solidFill>
+              </a:ln>
+            </p:spPr>
+            <p:txBody>
+              <a:bodyPr wrap="square" rtlCol="0">
+                <a:spAutoFit/>
+              </a:bodyPr>
+              <a:lstStyle/>
+              <a:p>
+                <a:pPr>
+                  <a:lnSpc>
+                    <a:spcPct val="114000"/>
+                  </a:lnSpc>
+                </a:pPr>
+                <a:r>
+                  <a:rPr lang="en-US" sz="2800" dirty="0">
+                    <a:latin typeface="Times New Roman" panose="02020603050405020304" pitchFamily="18" charset="0"/>
+                    <a:cs typeface="Times New Roman" panose="02020603050405020304" pitchFamily="18" charset="0"/>
+                  </a:rPr>
+                  <a:t>Periodic but chaotic behavior arises when a driving force is added to the system. The case shown demonstrates convergent limit cycles for </a:t>
+                </a:r>
+                <a14:m>
+                  <m:oMath xmlns:m="http://schemas.openxmlformats.org/officeDocument/2006/math">
+                    <m:sSub>
+                      <m:sSubPr>
+                        <m:ctrlPr>
+                          <a:rPr lang="en-US" sz="2800" b="0" i="1" smtClean="0">
+                            <a:latin typeface="Cambria Math" panose="02040503050406030204" pitchFamily="18" charset="0"/>
+                            <a:cs typeface="Times New Roman" panose="02020603050405020304" pitchFamily="18" charset="0"/>
+                          </a:rPr>
+                        </m:ctrlPr>
+                      </m:sSubPr>
+                      <m:e>
+                        <m:r>
+                          <a:rPr lang="en-US" sz="2800" b="0" i="1" smtClean="0">
+                            <a:latin typeface="Cambria Math" panose="02040503050406030204" pitchFamily="18" charset="0"/>
+                            <a:cs typeface="Times New Roman" panose="02020603050405020304" pitchFamily="18" charset="0"/>
+                          </a:rPr>
+                          <m:t>𝜔</m:t>
+                        </m:r>
+                      </m:e>
+                      <m:sub>
+                        <m:r>
+                          <a:rPr lang="en-US" sz="2800" b="0" i="1" smtClean="0">
+                            <a:latin typeface="Cambria Math" panose="02040503050406030204" pitchFamily="18" charset="0"/>
+                            <a:cs typeface="Times New Roman" panose="02020603050405020304" pitchFamily="18" charset="0"/>
+                          </a:rPr>
+                          <m:t>𝑑</m:t>
+                        </m:r>
+                      </m:sub>
+                    </m:sSub>
+                    <m:r>
+                      <a:rPr lang="en-US" sz="2800" b="0" i="1" smtClean="0">
+                        <a:latin typeface="Cambria Math" panose="02040503050406030204" pitchFamily="18" charset="0"/>
+                        <a:cs typeface="Times New Roman" panose="02020603050405020304" pitchFamily="18" charset="0"/>
+                      </a:rPr>
+                      <m:t>=2</m:t>
+                    </m:r>
+                    <m:sSub>
+                      <m:sSubPr>
+                        <m:ctrlPr>
+                          <a:rPr lang="en-US" sz="2800" b="0" i="1" smtClean="0">
+                            <a:latin typeface="Cambria Math" panose="02040503050406030204" pitchFamily="18" charset="0"/>
+                            <a:cs typeface="Times New Roman" panose="02020603050405020304" pitchFamily="18" charset="0"/>
+                          </a:rPr>
+                        </m:ctrlPr>
+                      </m:sSubPr>
+                      <m:e>
+                        <m:r>
+                          <a:rPr lang="en-US" sz="2800" b="0" i="1" smtClean="0">
+                            <a:latin typeface="Cambria Math" panose="02040503050406030204" pitchFamily="18" charset="0"/>
+                            <a:cs typeface="Times New Roman" panose="02020603050405020304" pitchFamily="18" charset="0"/>
+                          </a:rPr>
+                          <m:t>𝜔</m:t>
+                        </m:r>
+                      </m:e>
+                      <m:sub>
+                        <m:r>
+                          <a:rPr lang="en-US" sz="2800" b="0" i="1" smtClean="0">
+                            <a:latin typeface="Cambria Math" panose="02040503050406030204" pitchFamily="18" charset="0"/>
+                            <a:cs typeface="Times New Roman" panose="02020603050405020304" pitchFamily="18" charset="0"/>
+                          </a:rPr>
+                          <m:t>0</m:t>
+                        </m:r>
+                      </m:sub>
+                    </m:sSub>
+                    <m:r>
+                      <a:rPr lang="en-US" sz="2800" b="0" i="1" smtClean="0">
+                        <a:latin typeface="Cambria Math" panose="02040503050406030204" pitchFamily="18" charset="0"/>
+                        <a:cs typeface="Times New Roman" panose="02020603050405020304" pitchFamily="18" charset="0"/>
+                      </a:rPr>
+                      <m:t>=13.717</m:t>
+                    </m:r>
+                  </m:oMath>
+                </a14:m>
+                <a:r>
+                  <a:rPr lang="en-US" sz="2800" dirty="0">
+                    <a:latin typeface="Times New Roman" panose="02020603050405020304" pitchFamily="18" charset="0"/>
+                    <a:cs typeface="Times New Roman" panose="02020603050405020304" pitchFamily="18" charset="0"/>
+                  </a:rPr>
+                  <a:t> and  </a:t>
+                </a:r>
+                <a14:m>
+                  <m:oMath xmlns:m="http://schemas.openxmlformats.org/officeDocument/2006/math">
+                    <m:r>
+                      <a:rPr lang="en-US" sz="2800" b="0" i="1" smtClean="0">
+                        <a:latin typeface="Cambria Math" panose="02040503050406030204" pitchFamily="18" charset="0"/>
+                        <a:cs typeface="Times New Roman" panose="02020603050405020304" pitchFamily="18" charset="0"/>
+                      </a:rPr>
+                      <m:t>𝜅</m:t>
+                    </m:r>
+                    <m:r>
+                      <a:rPr lang="en-US" sz="2800" b="0" i="1" smtClean="0">
+                        <a:latin typeface="Cambria Math" panose="02040503050406030204" pitchFamily="18" charset="0"/>
+                        <a:cs typeface="Times New Roman" panose="02020603050405020304" pitchFamily="18" charset="0"/>
+                      </a:rPr>
+                      <m:t>=0.178</m:t>
+                    </m:r>
+                  </m:oMath>
+                </a14:m>
+                <a:r>
+                  <a:rPr lang="en-US" sz="2800" dirty="0">
+                    <a:latin typeface="Times New Roman" panose="02020603050405020304" pitchFamily="18" charset="0"/>
+                    <a:cs typeface="Times New Roman" panose="02020603050405020304" pitchFamily="18" charset="0"/>
+                  </a:rPr>
+                  <a:t>.</a:t>
+                </a:r>
+              </a:p>
+            </p:txBody>
+          </p:sp>
+        </mc:Choice>
+        <mc:Fallback>
+          <p:sp>
+            <p:nvSpPr>
+              <p:cNvPr id="76" name="TextBox 75">
+                <a:extLst>
+                  <a:ext uri="{FF2B5EF4-FFF2-40B4-BE49-F238E27FC236}">
+                    <a16:creationId xmlns:a16="http://schemas.microsoft.com/office/drawing/2014/main" id="{F1260E50-4786-944F-BA17-86E5B2535E4A}"/>
+                  </a:ext>
+                </a:extLst>
+              </p:cNvPr>
+              <p:cNvSpPr txBox="1">
+                <a:spLocks noRot="1" noChangeAspect="1" noMove="1" noResize="1" noEditPoints="1" noAdjustHandles="1" noChangeArrowheads="1" noChangeShapeType="1" noTextEdit="1"/>
+              </p:cNvSpPr>
+              <p:nvPr/>
+            </p:nvSpPr>
+            <p:spPr>
+              <a:xfrm>
+                <a:off x="11640453" y="24192908"/>
+                <a:ext cx="9893299" cy="1527341"/>
+              </a:xfrm>
+              <a:prstGeom prst="rect">
+                <a:avLst/>
+              </a:prstGeom>
+              <a:blipFill>
+                <a:blip r:embed="rId11"/>
+                <a:stretch>
+                  <a:fillRect l="-1280" t="-2459" r="-1536" b="-9016"/>
+                </a:stretch>
+              </a:blipFill>
+              <a:ln>
+                <a:solidFill>
+                  <a:schemeClr val="accent4">
+                    <a:lumMod val="50000"/>
+                  </a:schemeClr>
+                </a:solidFill>
+              </a:ln>
+            </p:spPr>
+            <p:txBody>
+              <a:bodyPr/>
+              <a:lstStyle/>
+              <a:p>
+                <a:r>
+                  <a:rPr lang="en-US">
+                    <a:noFill/>
+                  </a:rPr>
+                  <a:t> </a:t>
+                </a:r>
+              </a:p>
+            </p:txBody>
+          </p:sp>
+        </mc:Fallback>
+      </mc:AlternateContent>
+      <p:sp>
+        <p:nvSpPr>
+          <p:cNvPr id="104" name="TextBox 103">
+            <a:extLst>
+              <a:ext uri="{FF2B5EF4-FFF2-40B4-BE49-F238E27FC236}">
+                <a16:creationId xmlns:a16="http://schemas.microsoft.com/office/drawing/2014/main" id="{B61135DA-16B9-DA47-BB6C-EFC97E7605A5}"/>
+              </a:ext>
+            </a:extLst>
+          </p:cNvPr>
+          <p:cNvSpPr txBox="1"/>
+          <p:nvPr/>
+        </p:nvSpPr>
+        <p:spPr>
+          <a:xfrm>
+            <a:off x="21533752" y="24198461"/>
+            <a:ext cx="9893302" cy="1515543"/>
+          </a:xfrm>
+          <a:prstGeom prst="rect">
+            <a:avLst/>
+          </a:prstGeom>
+          <a:solidFill>
+            <a:srgbClr val="EAEAEA"/>
+          </a:solidFill>
+          <a:ln>
+            <a:solidFill>
+              <a:schemeClr val="accent4">
+                <a:lumMod val="50000"/>
+              </a:schemeClr>
+            </a:solidFill>
+          </a:ln>
+        </p:spPr>
+        <p:txBody>
+          <a:bodyPr wrap="square" rtlCol="0">
+            <a:spAutoFit/>
+          </a:bodyPr>
+          <a:lstStyle/>
+          <a:p>
+            <a:pPr>
+              <a:lnSpc>
+                <a:spcPct val="113000"/>
+              </a:lnSpc>
+            </a:pPr>
+            <a:r>
+              <a:rPr lang="en-US" sz="2800" dirty="0">
+                <a:latin typeface="Times New Roman" panose="02020603050405020304" pitchFamily="18" charset="0"/>
+                <a:cs typeface="Times New Roman" panose="02020603050405020304" pitchFamily="18" charset="0"/>
+              </a:rPr>
+              <a:t>When the driving force is increased, the oscillations become aperiodic and the system becomes more chaotic.</a:t>
+            </a:r>
+          </a:p>
+          <a:p>
+            <a:pPr algn="just">
+              <a:lnSpc>
+                <a:spcPct val="113000"/>
+              </a:lnSpc>
+            </a:pPr>
+            <a:endParaRPr lang="en-US" sz="2800" dirty="0">
+              <a:latin typeface="Times New Roman" panose="02020603050405020304" pitchFamily="18" charset="0"/>
+              <a:cs typeface="Times New Roman" panose="02020603050405020304" pitchFamily="18" charset="0"/>
+            </a:endParaRPr>
+          </a:p>
+        </p:txBody>
+      </p:sp>
       <p:pic>
         <p:nvPicPr>
-          <p:cNvPr id="67" name="Picture 66">
+          <p:cNvPr id="82" name="Picture 81">
             <a:extLst>
               <a:ext uri="{FF2B5EF4-FFF2-40B4-BE49-F238E27FC236}">
-                <a16:creationId xmlns:a16="http://schemas.microsoft.com/office/drawing/2014/main" id="{673FF9F6-7E69-5341-B281-173FFC949717}"/>
+                <a16:creationId xmlns:a16="http://schemas.microsoft.com/office/drawing/2014/main" id="{2D5B3F94-353C-844A-BD68-AB0D53255333}"/>
+              </a:ext>
+            </a:extLst>
+          </p:cNvPr>
+          <p:cNvPicPr>
+            <a:picLocks noChangeAspect="1"/>
+          </p:cNvPicPr>
+          <p:nvPr/>
+        </p:nvPicPr>
+        <p:blipFill>
+          <a:blip r:embed="rId12">
+            <a:extLst>
+              <a:ext uri="{28A0092B-C50C-407E-A947-70E740481C1C}">
+                <a14:useLocalDpi xmlns:a14="http://schemas.microsoft.com/office/drawing/2010/main" val="0"/>
+              </a:ext>
+            </a:extLst>
+          </a:blip>
+          <a:stretch>
+            <a:fillRect/>
+          </a:stretch>
+        </p:blipFill>
+        <p:spPr>
+          <a:xfrm>
+            <a:off x="12325333" y="8874002"/>
+            <a:ext cx="18580100" cy="4978400"/>
+          </a:xfrm>
+          <a:prstGeom prst="rect">
+            <a:avLst/>
+          </a:prstGeom>
+          <a:ln>
+            <a:solidFill>
+              <a:schemeClr val="accent4">
+                <a:lumMod val="50000"/>
+              </a:schemeClr>
+            </a:solidFill>
+          </a:ln>
+        </p:spPr>
+      </p:pic>
+      <p:pic>
+        <p:nvPicPr>
+          <p:cNvPr id="106" name="Picture 105">
+            <a:extLst>
+              <a:ext uri="{FF2B5EF4-FFF2-40B4-BE49-F238E27FC236}">
+                <a16:creationId xmlns:a16="http://schemas.microsoft.com/office/drawing/2014/main" id="{09DF4EDC-43B0-044F-A3EF-430D33843A43}"/>
+              </a:ext>
+            </a:extLst>
+          </p:cNvPr>
+          <p:cNvPicPr>
+            <a:picLocks noChangeAspect="1"/>
+          </p:cNvPicPr>
+          <p:nvPr/>
+        </p:nvPicPr>
+        <p:blipFill>
+          <a:blip r:embed="rId13">
+            <a:extLst>
+              <a:ext uri="{28A0092B-C50C-407E-A947-70E740481C1C}">
+                <a14:useLocalDpi xmlns:a14="http://schemas.microsoft.com/office/drawing/2010/main" val="0"/>
+              </a:ext>
+            </a:extLst>
+          </a:blip>
+          <a:stretch>
+            <a:fillRect/>
+          </a:stretch>
+        </p:blipFill>
+        <p:spPr>
+          <a:xfrm>
+            <a:off x="12426933" y="17805752"/>
+            <a:ext cx="18376900" cy="5016500"/>
+          </a:xfrm>
+          <a:prstGeom prst="rect">
+            <a:avLst/>
+          </a:prstGeom>
+          <a:ln>
+            <a:solidFill>
+              <a:schemeClr val="accent4">
+                <a:lumMod val="50000"/>
+              </a:schemeClr>
+            </a:solidFill>
+          </a:ln>
+        </p:spPr>
+      </p:pic>
+      <p:pic>
+        <p:nvPicPr>
+          <p:cNvPr id="110" name="Picture 109">
+            <a:extLst>
+              <a:ext uri="{FF2B5EF4-FFF2-40B4-BE49-F238E27FC236}">
+                <a16:creationId xmlns:a16="http://schemas.microsoft.com/office/drawing/2014/main" id="{BE0521C2-8328-F949-8789-43F52803FA24}"/>
               </a:ext>
             </a:extLst>
           </p:cNvPr>
@@ -20917,14 +21210,13 @@
               </a:ext>
             </a:extLst>
           </a:blip>
-          <a:stretch>
-            <a:fillRect/>
-          </a:stretch>
+          <a:srcRect/>
+          <a:stretch/>
         </p:blipFill>
         <p:spPr>
           <a:xfrm>
-            <a:off x="12369783" y="17210982"/>
-            <a:ext cx="18548985" cy="5000625"/>
+            <a:off x="21533754" y="25787029"/>
+            <a:ext cx="9893300" cy="6663616"/>
           </a:xfrm>
           <a:prstGeom prst="rect">
             <a:avLst/>
@@ -20940,10 +21232,10 @@
       </p:pic>
       <p:pic>
         <p:nvPicPr>
-          <p:cNvPr id="71" name="Picture 70">
+          <p:cNvPr id="112" name="Picture 111">
             <a:extLst>
               <a:ext uri="{FF2B5EF4-FFF2-40B4-BE49-F238E27FC236}">
-                <a16:creationId xmlns:a16="http://schemas.microsoft.com/office/drawing/2014/main" id="{A0E4D42C-A08E-5A41-A0B8-BE77F02DADD7}"/>
+                <a16:creationId xmlns:a16="http://schemas.microsoft.com/office/drawing/2014/main" id="{579C83CC-4DE6-7549-878A-9F75D65ADC79}"/>
               </a:ext>
             </a:extLst>
           </p:cNvPr>
@@ -20960,14 +21252,13 @@
               </a:ext>
             </a:extLst>
           </a:blip>
-          <a:stretch>
-            <a:fillRect/>
-          </a:stretch>
+          <a:srcRect/>
+          <a:stretch/>
         </p:blipFill>
         <p:spPr>
           <a:xfrm>
-            <a:off x="21673168" y="24525440"/>
-            <a:ext cx="9245600" cy="6819900"/>
+            <a:off x="11640454" y="25787029"/>
+            <a:ext cx="9893300" cy="6663616"/>
           </a:xfrm>
           <a:prstGeom prst="rect">
             <a:avLst/>
@@ -20983,10 +21274,10 @@
       </p:pic>
       <p:pic>
         <p:nvPicPr>
-          <p:cNvPr id="75" name="Picture 74">
+          <p:cNvPr id="9" name="Picture 8">
             <a:extLst>
               <a:ext uri="{FF2B5EF4-FFF2-40B4-BE49-F238E27FC236}">
-                <a16:creationId xmlns:a16="http://schemas.microsoft.com/office/drawing/2014/main" id="{AB71DE38-CC57-074F-BABD-AA41FDAC8F29}"/>
+                <a16:creationId xmlns:a16="http://schemas.microsoft.com/office/drawing/2014/main" id="{5361F8D2-D58B-B149-9C38-21958D9743E2}"/>
               </a:ext>
             </a:extLst>
           </p:cNvPr>
@@ -21009,8 +21300,80 @@
         </p:blipFill>
         <p:spPr>
           <a:xfrm>
-            <a:off x="12422536" y="24525440"/>
-            <a:ext cx="9245600" cy="6819900"/>
+            <a:off x="-1410" y="19531682"/>
+            <a:ext cx="7386587" cy="5143832"/>
+          </a:xfrm>
+          <a:prstGeom prst="rect">
+            <a:avLst/>
+          </a:prstGeom>
+        </p:spPr>
+      </p:pic>
+      <p:pic>
+        <p:nvPicPr>
+          <p:cNvPr id="11" name="Picture 10">
+            <a:extLst>
+              <a:ext uri="{FF2B5EF4-FFF2-40B4-BE49-F238E27FC236}">
+                <a16:creationId xmlns:a16="http://schemas.microsoft.com/office/drawing/2014/main" id="{3B9276C2-729A-3345-A6B5-8F505E974F9C}"/>
+              </a:ext>
+            </a:extLst>
+          </p:cNvPr>
+          <p:cNvPicPr>
+            <a:picLocks noChangeAspect="1"/>
+          </p:cNvPicPr>
+          <p:nvPr/>
+        </p:nvPicPr>
+        <p:blipFill>
+          <a:blip r:embed="rId17">
+            <a:extLst>
+              <a:ext uri="{28A0092B-C50C-407E-A947-70E740481C1C}">
+                <a14:useLocalDpi xmlns:a14="http://schemas.microsoft.com/office/drawing/2010/main" val="0"/>
+              </a:ext>
+            </a:extLst>
+          </a:blip>
+          <a:stretch>
+            <a:fillRect/>
+          </a:stretch>
+        </p:blipFill>
+        <p:spPr>
+          <a:xfrm>
+            <a:off x="67223" y="24243678"/>
+            <a:ext cx="7449189" cy="5187426"/>
+          </a:xfrm>
+          <a:prstGeom prst="rect">
+            <a:avLst/>
+          </a:prstGeom>
+        </p:spPr>
+      </p:pic>
+      <p:pic>
+        <p:nvPicPr>
+          <p:cNvPr id="114" name="Picture 113">
+            <a:extLst>
+              <a:ext uri="{FF2B5EF4-FFF2-40B4-BE49-F238E27FC236}">
+                <a16:creationId xmlns:a16="http://schemas.microsoft.com/office/drawing/2014/main" id="{38198F86-7A8D-2043-8771-1C55AFCC9EB9}"/>
+              </a:ext>
+            </a:extLst>
+          </p:cNvPr>
+          <p:cNvPicPr>
+            <a:picLocks noChangeAspect="1"/>
+          </p:cNvPicPr>
+          <p:nvPr/>
+        </p:nvPicPr>
+        <p:blipFill>
+          <a:blip r:embed="rId18">
+            <a:extLst>
+              <a:ext uri="{28A0092B-C50C-407E-A947-70E740481C1C}">
+                <a14:useLocalDpi xmlns:a14="http://schemas.microsoft.com/office/drawing/2010/main" val="0"/>
+              </a:ext>
+            </a:extLst>
+          </a:blip>
+          <a:stretch>
+            <a:fillRect/>
+          </a:stretch>
+        </p:blipFill>
+        <p:spPr>
+          <a:xfrm>
+            <a:off x="33988105" y="7994476"/>
+            <a:ext cx="8851392" cy="5885561"/>
           </a:xfrm>
           <a:prstGeom prst="rect">
             <a:avLst/>

--- a/Poster.pptx
+++ b/Poster.pptx
@@ -17700,12 +17700,35 @@
             <p:ph type="body" sz="quarter" idx="26"/>
           </p:nvPr>
         </p:nvSpPr>
-        <p:spPr/>
+        <p:spPr>
+          <a:xfrm>
+            <a:off x="33390292" y="6378481"/>
+            <a:ext cx="10047018" cy="1304309"/>
+          </a:xfrm>
+          <a:solidFill>
+            <a:srgbClr val="EAEAEA"/>
+          </a:solidFill>
+          <a:ln>
+            <a:solidFill>
+              <a:schemeClr val="accent4">
+                <a:lumMod val="50000"/>
+              </a:schemeClr>
+            </a:solidFill>
+          </a:ln>
+        </p:spPr>
         <p:txBody>
           <a:bodyPr/>
           <a:lstStyle/>
           <a:p>
-            <a:endParaRPr lang="en-US" dirty="0"/>
+            <a:pPr>
+              <a:lnSpc>
+                <a:spcPct val="114000"/>
+              </a:lnSpc>
+            </a:pPr>
+            <a:r>
+              <a:rPr lang="en-US" dirty="0"/>
+              <a:t>As the external driving force is varied, period doubling behavior progressively arises until the system eventually becomes chaotic.</a:t>
+            </a:r>
           </a:p>
         </p:txBody>
       </p:sp>
@@ -17726,6 +17749,10 @@
           </p:nvPr>
         </p:nvSpPr>
         <p:spPr>
+          <a:xfrm>
+            <a:off x="33390292" y="14301207"/>
+            <a:ext cx="10047018" cy="697106"/>
+          </a:xfrm>
           <a:solidFill>
             <a:srgbClr val="FFAF79"/>
           </a:solidFill>
@@ -17741,7 +17768,10 @@
           <a:bodyPr/>
           <a:lstStyle/>
           <a:p>
-            <a:endParaRPr lang="en-US" dirty="0"/>
+            <a:r>
+              <a:rPr lang="en-US" u="none" dirty="0"/>
+              <a:t>A Complicated Story</a:t>
+            </a:r>
           </a:p>
         </p:txBody>
       </p:sp>
@@ -17761,12 +17791,78 @@
             <p:ph type="body" sz="quarter" idx="28"/>
           </p:nvPr>
         </p:nvSpPr>
-        <p:spPr/>
+        <p:spPr>
+          <a:xfrm>
+            <a:off x="33390292" y="15144161"/>
+            <a:ext cx="10052050" cy="8968587"/>
+          </a:xfrm>
+          <a:solidFill>
+            <a:srgbClr val="EAEAEA"/>
+          </a:solidFill>
+          <a:ln>
+            <a:solidFill>
+              <a:schemeClr val="accent4">
+                <a:lumMod val="50000"/>
+              </a:schemeClr>
+            </a:solidFill>
+          </a:ln>
+        </p:spPr>
         <p:txBody>
           <a:bodyPr/>
           <a:lstStyle/>
           <a:p>
-            <a:endParaRPr lang="en-US"/>
+            <a:r>
+              <a:rPr lang="en-US" sz="2800" dirty="0"/>
+              <a:t>After exploring these three cases, we can appreciate how the dynamics of the pendulum become more complicated as we increased the influence of external forces in the system. In particular:</a:t>
+            </a:r>
+          </a:p>
+          <a:p>
+            <a:pPr marL="457200" indent="-457200">
+              <a:buFont typeface="Helvetica" pitchFamily="2" charset="0"/>
+              <a:buChar char="‣"/>
+            </a:pPr>
+            <a:r>
+              <a:rPr lang="en-US" sz="2800" dirty="0"/>
+              <a:t>For no external driving forces, the system behaves in an easily predictable manner.</a:t>
+            </a:r>
+          </a:p>
+          <a:p>
+            <a:pPr marL="457200" indent="-457200">
+              <a:buFont typeface="Helvetica" pitchFamily="2" charset="0"/>
+              <a:buChar char="‣"/>
+            </a:pPr>
+            <a:r>
+              <a:rPr lang="en-US" sz="2800" dirty="0"/>
+              <a:t>The system becomes increasingly sensitive to initial conditions as we deviate from simple linear approximations to nonlinear behavior.</a:t>
+            </a:r>
+          </a:p>
+          <a:p>
+            <a:pPr marL="457200" indent="-457200">
+              <a:buFont typeface="Helvetica" pitchFamily="2" charset="0"/>
+              <a:buChar char="‣"/>
+            </a:pPr>
+            <a:r>
+              <a:rPr lang="en-US" sz="2800" dirty="0"/>
+              <a:t>Adding external forces to the system heightens the system’s sensitivity to initial conditions. </a:t>
+            </a:r>
+          </a:p>
+          <a:p>
+            <a:pPr marL="457200" indent="-457200">
+              <a:buFont typeface="Helvetica" pitchFamily="2" charset="0"/>
+              <a:buChar char="‣"/>
+            </a:pPr>
+            <a:r>
+              <a:rPr lang="en-US" sz="2800" dirty="0"/>
+              <a:t>Further increasing the influence of external forces in the system makes the behavior unpredictable </a:t>
+            </a:r>
+            <a:r>
+              <a:rPr lang="en-US" sz="2800"/>
+              <a:t>and chaotic.</a:t>
+            </a:r>
+            <a:endParaRPr lang="en-US" sz="2800" dirty="0"/>
+          </a:p>
+          <a:p>
+            <a:endParaRPr lang="en-US" sz="2800" dirty="0"/>
           </a:p>
         </p:txBody>
       </p:sp>

--- a/Poster.pptx
+++ b/Poster.pptx
@@ -17055,6 +17055,9 @@
                     <a:lumMod val="95000"/>
                   </a:schemeClr>
                 </a:solidFill>
+                <a:latin typeface="Helvetica Neue" panose="02000503000000020004" pitchFamily="2" charset="0"/>
+                <a:ea typeface="Helvetica Neue" panose="02000503000000020004" pitchFamily="2" charset="0"/>
+                <a:cs typeface="Helvetica Neue" panose="02000503000000020004" pitchFamily="2" charset="0"/>
               </a:rPr>
               <a:t>Introduction</a:t>
             </a:r>
@@ -17101,7 +17104,11 @@
           <a:lstStyle/>
           <a:p>
             <a:r>
-              <a:rPr lang="en-US" u="none" dirty="0"/>
+              <a:rPr lang="en-US" u="none" dirty="0">
+                <a:latin typeface="Helvetica Neue" panose="02000503000000020004" pitchFamily="2" charset="0"/>
+                <a:ea typeface="Helvetica Neue" panose="02000503000000020004" pitchFamily="2" charset="0"/>
+                <a:cs typeface="Helvetica Neue" panose="02000503000000020004" pitchFamily="2" charset="0"/>
+              </a:rPr>
               <a:t>Three Main Cases</a:t>
             </a:r>
           </a:p>
@@ -17616,8 +17623,8 @@
         </p:nvSpPr>
         <p:spPr>
           <a:xfrm>
-            <a:off x="11400135" y="5468805"/>
-            <a:ext cx="21049432" cy="744267"/>
+            <a:off x="11400135" y="5492385"/>
+            <a:ext cx="21049432" cy="697106"/>
           </a:xfrm>
           <a:solidFill>
             <a:srgbClr val="FFAF79"/>
@@ -17635,7 +17642,11 @@
           <a:lstStyle/>
           <a:p>
             <a:r>
-              <a:rPr lang="en-US" u="none" dirty="0"/>
+              <a:rPr lang="en-US" u="none" dirty="0">
+                <a:latin typeface="Helvetica Neue" panose="02000503000000020004" pitchFamily="2" charset="0"/>
+                <a:ea typeface="Helvetica Neue" panose="02000503000000020004" pitchFamily="2" charset="0"/>
+                <a:cs typeface="Helvetica Neue" panose="02000503000000020004" pitchFamily="2" charset="0"/>
+              </a:rPr>
               <a:t>The Simple Harmonic Oscillator</a:t>
             </a:r>
           </a:p>
@@ -17678,7 +17689,11 @@
           <a:lstStyle/>
           <a:p>
             <a:r>
-              <a:rPr lang="en-US" u="none" dirty="0"/>
+              <a:rPr lang="en-US" u="none" dirty="0">
+                <a:latin typeface="Helvetica Neue" panose="02000503000000020004" pitchFamily="2" charset="0"/>
+                <a:ea typeface="Helvetica Neue" panose="02000503000000020004" pitchFamily="2" charset="0"/>
+                <a:cs typeface="Helvetica Neue" panose="02000503000000020004" pitchFamily="2" charset="0"/>
+              </a:rPr>
               <a:t>How Chaos Develops</a:t>
             </a:r>
           </a:p>
@@ -17769,8 +17784,12 @@
           <a:lstStyle/>
           <a:p>
             <a:r>
-              <a:rPr lang="en-US" u="none" dirty="0"/>
-              <a:t>A Complicated Story</a:t>
+              <a:rPr lang="en-US" u="none" dirty="0">
+                <a:latin typeface="Helvetica Neue" panose="02000503000000020004" pitchFamily="2" charset="0"/>
+                <a:ea typeface="Helvetica Neue" panose="02000503000000020004" pitchFamily="2" charset="0"/>
+                <a:cs typeface="Helvetica Neue" panose="02000503000000020004" pitchFamily="2" charset="0"/>
+              </a:rPr>
+              <a:t>Conclusions</a:t>
             </a:r>
           </a:p>
         </p:txBody>
@@ -17794,7 +17813,7 @@
         <p:spPr>
           <a:xfrm>
             <a:off x="33390292" y="15144161"/>
-            <a:ext cx="10052050" cy="8968587"/>
+            <a:ext cx="10052050" cy="10739574"/>
           </a:xfrm>
           <a:solidFill>
             <a:srgbClr val="EAEAEA"/>
@@ -17811,13 +17830,27 @@
           <a:bodyPr/>
           <a:lstStyle/>
           <a:p>
+            <a:pPr>
+              <a:lnSpc>
+                <a:spcPct val="114000"/>
+              </a:lnSpc>
+              <a:spcBef>
+                <a:spcPts val="3600"/>
+              </a:spcBef>
+            </a:pPr>
             <a:r>
               <a:rPr lang="en-US" sz="2800" dirty="0"/>
-              <a:t>After exploring these three cases, we can appreciate how the dynamics of the pendulum become more complicated as we increased the influence of external forces in the system. In particular:</a:t>
+              <a:t>After exploring these three cases, we can appreciate how the dynamics of the pendulum become more complicated as we increase the influence of external forces in the system. In particular:</a:t>
             </a:r>
           </a:p>
           <a:p>
             <a:pPr marL="457200" indent="-457200">
+              <a:lnSpc>
+                <a:spcPct val="114000"/>
+              </a:lnSpc>
+              <a:spcBef>
+                <a:spcPts val="3600"/>
+              </a:spcBef>
               <a:buFont typeface="Helvetica" pitchFamily="2" charset="0"/>
               <a:buChar char="‣"/>
             </a:pPr>
@@ -17828,16 +17861,28 @@
           </a:p>
           <a:p>
             <a:pPr marL="457200" indent="-457200">
+              <a:lnSpc>
+                <a:spcPct val="114000"/>
+              </a:lnSpc>
+              <a:spcBef>
+                <a:spcPts val="3600"/>
+              </a:spcBef>
               <a:buFont typeface="Helvetica" pitchFamily="2" charset="0"/>
               <a:buChar char="‣"/>
             </a:pPr>
             <a:r>
               <a:rPr lang="en-US" sz="2800" dirty="0"/>
-              <a:t>The system becomes increasingly sensitive to initial conditions as we deviate from simple linear approximations to nonlinear behavior.</a:t>
+              <a:t>Simple linear approximations to nonlinear dynamics begin to break down as the initial conditions are varied considerably.</a:t>
             </a:r>
           </a:p>
           <a:p>
             <a:pPr marL="457200" indent="-457200">
+              <a:lnSpc>
+                <a:spcPct val="114000"/>
+              </a:lnSpc>
+              <a:spcBef>
+                <a:spcPts val="3600"/>
+              </a:spcBef>
               <a:buFont typeface="Helvetica" pitchFamily="2" charset="0"/>
               <a:buChar char="‣"/>
             </a:pPr>
@@ -17848,21 +17893,33 @@
           </a:p>
           <a:p>
             <a:pPr marL="457200" indent="-457200">
+              <a:lnSpc>
+                <a:spcPct val="114000"/>
+              </a:lnSpc>
+              <a:spcBef>
+                <a:spcPts val="3600"/>
+              </a:spcBef>
               <a:buFont typeface="Helvetica" pitchFamily="2" charset="0"/>
               <a:buChar char="‣"/>
             </a:pPr>
             <a:r>
               <a:rPr lang="en-US" sz="2800" dirty="0"/>
-              <a:t>Further increasing the influence of external forces in the system makes the behavior unpredictable </a:t>
+              <a:t>Further increasing the influence of external forces in the system makes the dynamics unpredictable and chaotic.</a:t>
             </a:r>
+          </a:p>
+          <a:p>
+            <a:pPr>
+              <a:lnSpc>
+                <a:spcPct val="114000"/>
+              </a:lnSpc>
+              <a:spcBef>
+                <a:spcPts val="3600"/>
+              </a:spcBef>
+            </a:pPr>
             <a:r>
-              <a:rPr lang="en-US" sz="2800"/>
-              <a:t>and chaotic.</a:t>
+              <a:rPr lang="en-US" sz="2800" dirty="0"/>
+              <a:t>As with many dynamical systems in nature,  from weather patterns and population growth to atomic interactions, the pendulum illustrates how subtle interactions between the system and its environment quickly lead to complex and highly variable behavior.</a:t>
             </a:r>
-            <a:endParaRPr lang="en-US" sz="2800" dirty="0"/>
-          </a:p>
-          <a:p>
-            <a:endParaRPr lang="en-US" sz="2800" dirty="0"/>
           </a:p>
         </p:txBody>
       </p:sp>
@@ -17884,7 +17941,7 @@
         </p:nvSpPr>
         <p:spPr>
           <a:xfrm>
-            <a:off x="33390292" y="25591094"/>
+            <a:off x="33390292" y="26140285"/>
             <a:ext cx="10047018" cy="697106"/>
           </a:xfrm>
           <a:solidFill>
@@ -17903,7 +17960,11 @@
           <a:lstStyle/>
           <a:p>
             <a:r>
-              <a:rPr lang="en-US" u="none" dirty="0"/>
+              <a:rPr lang="en-US" u="none" dirty="0">
+                <a:latin typeface="Helvetica Neue" panose="02000503000000020004" pitchFamily="2" charset="0"/>
+                <a:ea typeface="Helvetica Neue" panose="02000503000000020004" pitchFamily="2" charset="0"/>
+                <a:cs typeface="Helvetica Neue" panose="02000503000000020004" pitchFamily="2" charset="0"/>
+              </a:rPr>
               <a:t>References</a:t>
             </a:r>
           </a:p>
@@ -17927,8 +17988,8 @@
         </p:nvSpPr>
         <p:spPr>
           <a:xfrm>
-            <a:off x="33390292" y="26433446"/>
-            <a:ext cx="10052050" cy="5963149"/>
+            <a:off x="33379476" y="27002011"/>
+            <a:ext cx="10052050" cy="5448634"/>
           </a:xfrm>
           <a:solidFill>
             <a:srgbClr val="EAEAEA"/>
@@ -19055,24 +19116,6 @@
                               </a:rPr>
                               <m:t>𝑡</m:t>
                             </m:r>
-                            <m:r>
-                              <a:rPr lang="en-US" sz="2400" i="1">
-                                <a:solidFill>
-                                  <a:schemeClr val="tx1"/>
-                                </a:solidFill>
-                                <a:latin typeface="Cambria Math" panose="02040503050406030204" pitchFamily="18" charset="0"/>
-                              </a:rPr>
-                              <m:t>+</m:t>
-                            </m:r>
-                            <m:r>
-                              <a:rPr lang="en-US" sz="2400" i="1">
-                                <a:solidFill>
-                                  <a:schemeClr val="tx1"/>
-                                </a:solidFill>
-                                <a:latin typeface="Cambria Math" panose="02040503050406030204" pitchFamily="18" charset="0"/>
-                              </a:rPr>
-                              <m:t>𝛿</m:t>
-                            </m:r>
                           </m:e>
                         </m:d>
                       </m:e>
@@ -19258,64 +19301,6 @@
       </mc:AlternateContent>
       <p:sp>
         <p:nvSpPr>
-          <p:cNvPr id="101" name="Text Placeholder 100">
-            <a:extLst>
-              <a:ext uri="{FF2B5EF4-FFF2-40B4-BE49-F238E27FC236}">
-                <a16:creationId xmlns:a16="http://schemas.microsoft.com/office/drawing/2014/main" id="{3F1E5495-EDC6-8943-BA21-C1F3009450C4}"/>
-              </a:ext>
-            </a:extLst>
-          </p:cNvPr>
-          <p:cNvSpPr>
-            <a:spLocks noGrp="1"/>
-          </p:cNvSpPr>
-          <p:nvPr>
-            <p:ph type="body" sz="quarter" idx="150"/>
-          </p:nvPr>
-        </p:nvSpPr>
-        <p:spPr/>
-        <p:txBody>
-          <a:bodyPr/>
-          <a:lstStyle/>
-          <a:p>
-            <a:r>
-              <a:rPr lang="en-US" dirty="0"/>
-              <a:t>Department of Physics, The University of Chicago</a:t>
-            </a:r>
-          </a:p>
-        </p:txBody>
-      </p:sp>
-      <p:sp>
-        <p:nvSpPr>
-          <p:cNvPr id="102" name="Text Placeholder 101">
-            <a:extLst>
-              <a:ext uri="{FF2B5EF4-FFF2-40B4-BE49-F238E27FC236}">
-                <a16:creationId xmlns:a16="http://schemas.microsoft.com/office/drawing/2014/main" id="{54FAC610-AA8B-4244-8F06-6E0DE1A9D297}"/>
-              </a:ext>
-            </a:extLst>
-          </p:cNvPr>
-          <p:cNvSpPr>
-            <a:spLocks noGrp="1"/>
-          </p:cNvSpPr>
-          <p:nvPr>
-            <p:ph type="body" sz="quarter" idx="151"/>
-          </p:nvPr>
-        </p:nvSpPr>
-        <p:spPr/>
-        <p:txBody>
-          <a:bodyPr>
-            <a:normAutofit lnSpcReduction="10000"/>
-          </a:bodyPr>
-          <a:lstStyle/>
-          <a:p>
-            <a:r>
-              <a:rPr lang="en-US" dirty="0"/>
-              <a:t>Lucas Baralt Nazario</a:t>
-            </a:r>
-          </a:p>
-        </p:txBody>
-      </p:sp>
-      <p:sp>
-        <p:nvSpPr>
           <p:cNvPr id="103" name="Text Placeholder 102">
             <a:extLst>
               <a:ext uri="{FF2B5EF4-FFF2-40B4-BE49-F238E27FC236}">
@@ -19331,20 +19316,69 @@
           </p:nvPr>
         </p:nvSpPr>
         <p:spPr>
-          <a:noFill/>
+          <a:xfrm>
+            <a:off x="5932593" y="821628"/>
+            <a:ext cx="31998968" cy="3890392"/>
+          </a:xfrm>
+          <a:solidFill>
+            <a:srgbClr val="EAEAEA"/>
+          </a:solidFill>
           <a:ln>
-            <a:noFill/>
+            <a:solidFill>
+              <a:schemeClr val="accent4">
+                <a:lumMod val="50000"/>
+              </a:schemeClr>
+            </a:solidFill>
           </a:ln>
         </p:spPr>
         <p:txBody>
           <a:bodyPr>
-            <a:normAutofit lnSpcReduction="10000"/>
+            <a:normAutofit/>
           </a:bodyPr>
           <a:lstStyle/>
           <a:p>
+            <a:pPr>
+              <a:spcBef>
+                <a:spcPts val="3000"/>
+              </a:spcBef>
+            </a:pPr>
             <a:r>
-              <a:rPr lang="en-US" dirty="0"/>
+              <a:rPr lang="en-US" sz="9600" dirty="0">
+                <a:latin typeface="Helvetica Neue" panose="02000503000000020004" pitchFamily="2" charset="0"/>
+                <a:ea typeface="Helvetica Neue" panose="02000503000000020004" pitchFamily="2" charset="0"/>
+                <a:cs typeface="Helvetica Neue" panose="02000503000000020004" pitchFamily="2" charset="0"/>
+              </a:rPr>
               <a:t>Pendulum Dynamics: From Harmony to Chaos</a:t>
+            </a:r>
+          </a:p>
+          <a:p>
+            <a:pPr>
+              <a:spcBef>
+                <a:spcPts val="3000"/>
+              </a:spcBef>
+            </a:pPr>
+            <a:r>
+              <a:rPr lang="en-US" sz="6000" dirty="0">
+                <a:latin typeface="Helvetica Neue" panose="02000503000000020004" pitchFamily="2" charset="0"/>
+                <a:ea typeface="Helvetica Neue" panose="02000503000000020004" pitchFamily="2" charset="0"/>
+                <a:cs typeface="Helvetica Neue" panose="02000503000000020004" pitchFamily="2" charset="0"/>
+              </a:rPr>
+              <a:t>Lucas Baralt Nazario</a:t>
+            </a:r>
+          </a:p>
+          <a:p>
+            <a:pPr>
+              <a:spcBef>
+                <a:spcPts val="3600"/>
+              </a:spcBef>
+            </a:pPr>
+            <a:r>
+              <a:rPr lang="en-US" sz="5400" dirty="0">
+                <a:latin typeface="Helvetica Neue" panose="02000503000000020004" pitchFamily="2" charset="0"/>
+                <a:ea typeface="Helvetica Neue" panose="02000503000000020004" pitchFamily="2" charset="0"/>
+                <a:cs typeface="Helvetica Neue" panose="02000503000000020004" pitchFamily="2" charset="0"/>
+              </a:rPr>
+              <a:t>Department of Physics, The University of Chicago</a:t>
             </a:r>
           </a:p>
         </p:txBody>
@@ -19554,15 +19588,27 @@
           </a:lstStyle>
           <a:p>
             <a:r>
-              <a:rPr lang="en-US" u="none" dirty="0"/>
+              <a:rPr lang="en-US" u="none" dirty="0">
+                <a:latin typeface="Helvetica Neue" panose="02000503000000020004" pitchFamily="2" charset="0"/>
+                <a:ea typeface="Helvetica Neue" panose="02000503000000020004" pitchFamily="2" charset="0"/>
+                <a:cs typeface="Helvetica Neue" panose="02000503000000020004" pitchFamily="2" charset="0"/>
+              </a:rPr>
               <a:t>The </a:t>
             </a:r>
             <a:r>
-              <a:rPr lang="en-US" u="none" dirty="0" err="1"/>
+              <a:rPr lang="en-US" u="none" dirty="0" err="1">
+                <a:latin typeface="Helvetica Neue" panose="02000503000000020004" pitchFamily="2" charset="0"/>
+                <a:ea typeface="Helvetica Neue" panose="02000503000000020004" pitchFamily="2" charset="0"/>
+                <a:cs typeface="Helvetica Neue" panose="02000503000000020004" pitchFamily="2" charset="0"/>
+              </a:rPr>
               <a:t>Anharmonic</a:t>
             </a:r>
             <a:r>
-              <a:rPr lang="en-US" u="none" dirty="0"/>
+              <a:rPr lang="en-US" u="none" dirty="0">
+                <a:latin typeface="Helvetica Neue" panose="02000503000000020004" pitchFamily="2" charset="0"/>
+                <a:ea typeface="Helvetica Neue" panose="02000503000000020004" pitchFamily="2" charset="0"/>
+                <a:cs typeface="Helvetica Neue" panose="02000503000000020004" pitchFamily="2" charset="0"/>
+              </a:rPr>
               <a:t> Oscillator</a:t>
             </a:r>
           </a:p>
@@ -20916,7 +20962,11 @@
           </a:lstStyle>
           <a:p>
             <a:r>
-              <a:rPr lang="en-US" u="none" dirty="0"/>
+              <a:rPr lang="en-US" u="none" dirty="0">
+                <a:latin typeface="Helvetica Neue" panose="02000503000000020004" pitchFamily="2" charset="0"/>
+                <a:ea typeface="Helvetica Neue" panose="02000503000000020004" pitchFamily="2" charset="0"/>
+                <a:cs typeface="Helvetica Neue" panose="02000503000000020004" pitchFamily="2" charset="0"/>
+              </a:rPr>
               <a:t>The Chaotic Oscillator</a:t>
             </a:r>
           </a:p>
@@ -20938,7 +20988,7 @@
             </p:nvSpPr>
             <p:spPr>
               <a:xfrm>
-                <a:off x="11640453" y="24192908"/>
+                <a:off x="11640453" y="24041630"/>
                 <a:ext cx="9893299" cy="1527341"/>
               </a:xfrm>
               <a:prstGeom prst="rect">
@@ -21100,7 +21150,7 @@
             </p:nvSpPr>
             <p:spPr>
               <a:xfrm>
-                <a:off x="11640453" y="24192908"/>
+                <a:off x="11640453" y="24041630"/>
                 <a:ext cx="9893299" cy="1527341"/>
               </a:xfrm>
               <a:prstGeom prst="rect">
@@ -21109,7 +21159,7 @@
               <a:blipFill>
                 <a:blip r:embed="rId11"/>
                 <a:stretch>
-                  <a:fillRect l="-1280" t="-2459" r="-1536" b="-9016"/>
+                  <a:fillRect l="-1280" t="-2459" r="-1536" b="-9836"/>
                 </a:stretch>
               </a:blipFill>
               <a:ln>
@@ -21149,7 +21199,7 @@
         </p:nvSpPr>
         <p:spPr>
           <a:xfrm>
-            <a:off x="21533752" y="24198461"/>
+            <a:off x="21533752" y="24053428"/>
             <a:ext cx="9893302" cy="1515543"/>
           </a:xfrm>
           <a:prstGeom prst="rect">
@@ -21396,7 +21446,7 @@
         </p:blipFill>
         <p:spPr>
           <a:xfrm>
-            <a:off x="-1410" y="19531682"/>
+            <a:off x="-1410" y="19794598"/>
             <a:ext cx="7386587" cy="5143832"/>
           </a:xfrm>
           <a:prstGeom prst="rect">
@@ -21462,14 +21512,13 @@
               </a:ext>
             </a:extLst>
           </a:blip>
-          <a:stretch>
-            <a:fillRect/>
-          </a:stretch>
+          <a:srcRect/>
+          <a:stretch/>
         </p:blipFill>
         <p:spPr>
           <a:xfrm>
-            <a:off x="33988105" y="7994476"/>
-            <a:ext cx="8851392" cy="5885561"/>
+            <a:off x="34490094" y="7994476"/>
+            <a:ext cx="7847414" cy="5885561"/>
           </a:xfrm>
           <a:prstGeom prst="rect">
             <a:avLst/>

--- a/Poster.pptx
+++ b/Poster.pptx
@@ -257,7 +257,7 @@
             <a:fld id="{0158C5BC-9A70-462C-B28D-9600239EAC64}" type="datetimeFigureOut">
               <a:rPr lang="en-US" smtClean="0"/>
               <a:pPr/>
-              <a:t>11/30/19</a:t>
+              <a:t>12/3/19</a:t>
             </a:fld>
             <a:endParaRPr lang="en-US"/>
           </a:p>
@@ -424,7 +424,7 @@
             <a:fld id="{E6CC2317-6751-4CD4-9995-8782DD78E936}" type="datetimeFigureOut">
               <a:rPr lang="en-US" smtClean="0"/>
               <a:pPr/>
-              <a:t>11/30/19</a:t>
+              <a:t>12/3/19</a:t>
             </a:fld>
             <a:endParaRPr lang="en-US" dirty="0"/>
           </a:p>
@@ -2085,7 +2085,7 @@
           <a:p>
             <a:fld id="{FD2F1D65-88FA-B345-95F8-A8FCF199D2AD}" type="datetimeFigureOut">
               <a:rPr lang="en-US" smtClean="0"/>
-              <a:t>11/30/19</a:t>
+              <a:t>12/3/19</a:t>
             </a:fld>
             <a:endParaRPr lang="en-US"/>
           </a:p>
@@ -2203,7 +2203,7 @@
           <a:p>
             <a:fld id="{FD2F1D65-88FA-B345-95F8-A8FCF199D2AD}" type="datetimeFigureOut">
               <a:rPr lang="en-US" smtClean="0"/>
-              <a:t>11/30/19</a:t>
+              <a:t>12/3/19</a:t>
             </a:fld>
             <a:endParaRPr lang="en-US"/>
           </a:p>
@@ -2298,7 +2298,7 @@
           <a:p>
             <a:fld id="{FD2F1D65-88FA-B345-95F8-A8FCF199D2AD}" type="datetimeFigureOut">
               <a:rPr lang="en-US" smtClean="0"/>
-              <a:t>11/30/19</a:t>
+              <a:t>12/3/19</a:t>
             </a:fld>
             <a:endParaRPr lang="en-US"/>
           </a:p>
@@ -2575,7 +2575,7 @@
           <a:p>
             <a:fld id="{FD2F1D65-88FA-B345-95F8-A8FCF199D2AD}" type="datetimeFigureOut">
               <a:rPr lang="en-US" smtClean="0"/>
-              <a:t>11/30/19</a:t>
+              <a:t>12/3/19</a:t>
             </a:fld>
             <a:endParaRPr lang="en-US"/>
           </a:p>
@@ -2832,7 +2832,7 @@
           <a:p>
             <a:fld id="{FD2F1D65-88FA-B345-95F8-A8FCF199D2AD}" type="datetimeFigureOut">
               <a:rPr lang="en-US" smtClean="0"/>
-              <a:t>11/30/19</a:t>
+              <a:t>12/3/19</a:t>
             </a:fld>
             <a:endParaRPr lang="en-US"/>
           </a:p>
@@ -3002,7 +3002,7 @@
           <a:p>
             <a:fld id="{FD2F1D65-88FA-B345-95F8-A8FCF199D2AD}" type="datetimeFigureOut">
               <a:rPr lang="en-US" smtClean="0"/>
-              <a:t>11/30/19</a:t>
+              <a:t>12/3/19</a:t>
             </a:fld>
             <a:endParaRPr lang="en-US"/>
           </a:p>
@@ -3182,7 +3182,7 @@
           <a:p>
             <a:fld id="{FD2F1D65-88FA-B345-95F8-A8FCF199D2AD}" type="datetimeFigureOut">
               <a:rPr lang="en-US" smtClean="0"/>
-              <a:t>11/30/19</a:t>
+              <a:t>12/3/19</a:t>
             </a:fld>
             <a:endParaRPr lang="en-US"/>
           </a:p>
@@ -8399,7 +8399,7 @@
           <a:p>
             <a:fld id="{FD2F1D65-88FA-B345-95F8-A8FCF199D2AD}" type="datetimeFigureOut">
               <a:rPr lang="en-US" smtClean="0"/>
-              <a:t>11/30/19</a:t>
+              <a:t>12/3/19</a:t>
             </a:fld>
             <a:endParaRPr lang="en-US"/>
           </a:p>
@@ -8569,7 +8569,7 @@
           <a:p>
             <a:fld id="{FD2F1D65-88FA-B345-95F8-A8FCF199D2AD}" type="datetimeFigureOut">
               <a:rPr lang="en-US" smtClean="0"/>
-              <a:t>11/30/19</a:t>
+              <a:t>12/3/19</a:t>
             </a:fld>
             <a:endParaRPr lang="en-US"/>
           </a:p>
@@ -8813,7 +8813,7 @@
           <a:p>
             <a:fld id="{FD2F1D65-88FA-B345-95F8-A8FCF199D2AD}" type="datetimeFigureOut">
               <a:rPr lang="en-US" smtClean="0"/>
-              <a:t>11/30/19</a:t>
+              <a:t>12/3/19</a:t>
             </a:fld>
             <a:endParaRPr lang="en-US"/>
           </a:p>
@@ -9045,7 +9045,7 @@
           <a:p>
             <a:fld id="{FD2F1D65-88FA-B345-95F8-A8FCF199D2AD}" type="datetimeFigureOut">
               <a:rPr lang="en-US" smtClean="0"/>
-              <a:t>11/30/19</a:t>
+              <a:t>12/3/19</a:t>
             </a:fld>
             <a:endParaRPr lang="en-US"/>
           </a:p>
@@ -13007,7 +13007,7 @@
           <a:p>
             <a:fld id="{C764DE79-268F-4C1A-8933-263129D2AF90}" type="datetimeFigureOut">
               <a:rPr lang="en-US" dirty="0"/>
-              <a:t>11/30/19</a:t>
+              <a:t>12/3/19</a:t>
             </a:fld>
             <a:endParaRPr lang="en-US" dirty="0"/>
           </a:p>
@@ -16444,8 +16444,8 @@
           <a:chExt cx="0" cy="0"/>
         </a:xfrm>
       </p:grpSpPr>
-      <mc:AlternateContent xmlns:mc="http://schemas.openxmlformats.org/markup-compatibility/2006">
-        <mc:Choice xmlns:a14="http://schemas.microsoft.com/office/drawing/2010/main" Requires="a14">
+      <mc:AlternateContent xmlns:mc="http://schemas.openxmlformats.org/markup-compatibility/2006" xmlns:a14="http://schemas.microsoft.com/office/drawing/2010/main">
+        <mc:Choice Requires="a14">
           <p:sp>
             <p:nvSpPr>
               <p:cNvPr id="87" name="Text Placeholder 86">
@@ -16961,7 +16961,7 @@
             </p:txBody>
           </p:sp>
         </mc:Choice>
-        <mc:Fallback>
+        <mc:Fallback xmlns="">
           <p:sp>
             <p:nvSpPr>
               <p:cNvPr id="87" name="Text Placeholder 86">
@@ -17114,8 +17114,8 @@
           </a:p>
         </p:txBody>
       </p:sp>
-      <mc:AlternateContent xmlns:mc="http://schemas.openxmlformats.org/markup-compatibility/2006">
-        <mc:Choice xmlns:a14="http://schemas.microsoft.com/office/drawing/2010/main" Requires="a14">
+      <mc:AlternateContent xmlns:mc="http://schemas.openxmlformats.org/markup-compatibility/2006" xmlns:a14="http://schemas.microsoft.com/office/drawing/2010/main">
+        <mc:Choice Requires="a14">
           <p:sp>
             <p:nvSpPr>
               <p:cNvPr id="90" name="Text Placeholder 89">
@@ -17554,7 +17554,7 @@
             </p:txBody>
           </p:sp>
         </mc:Choice>
-        <mc:Fallback>
+        <mc:Fallback xmlns="">
           <p:sp>
             <p:nvSpPr>
               <p:cNvPr id="90" name="Text Placeholder 89">
@@ -17699,54 +17699,122 @@
           </a:p>
         </p:txBody>
       </p:sp>
-      <p:sp>
-        <p:nvSpPr>
-          <p:cNvPr id="95" name="Text Placeholder 94">
-            <a:extLst>
-              <a:ext uri="{FF2B5EF4-FFF2-40B4-BE49-F238E27FC236}">
-                <a16:creationId xmlns:a16="http://schemas.microsoft.com/office/drawing/2014/main" id="{C425D03E-96C1-804B-9990-78B2B8349537}"/>
-              </a:ext>
-            </a:extLst>
-          </p:cNvPr>
-          <p:cNvSpPr>
-            <a:spLocks noGrp="1"/>
-          </p:cNvSpPr>
-          <p:nvPr>
-            <p:ph type="body" sz="quarter" idx="26"/>
-          </p:nvPr>
-        </p:nvSpPr>
-        <p:spPr>
-          <a:xfrm>
-            <a:off x="33390292" y="6378481"/>
-            <a:ext cx="10047018" cy="1304309"/>
-          </a:xfrm>
-          <a:solidFill>
-            <a:srgbClr val="EAEAEA"/>
-          </a:solidFill>
-          <a:ln>
-            <a:solidFill>
-              <a:schemeClr val="accent4">
-                <a:lumMod val="50000"/>
-              </a:schemeClr>
-            </a:solidFill>
-          </a:ln>
-        </p:spPr>
-        <p:txBody>
-          <a:bodyPr/>
-          <a:lstStyle/>
-          <a:p>
-            <a:pPr>
-              <a:lnSpc>
-                <a:spcPct val="114000"/>
-              </a:lnSpc>
-            </a:pPr>
-            <a:r>
-              <a:rPr lang="en-US" dirty="0"/>
-              <a:t>As the external driving force is varied, period doubling behavior progressively arises until the system eventually becomes chaotic.</a:t>
-            </a:r>
-          </a:p>
-        </p:txBody>
-      </p:sp>
+      <mc:AlternateContent xmlns:mc="http://schemas.openxmlformats.org/markup-compatibility/2006">
+        <mc:Choice xmlns:a14="http://schemas.microsoft.com/office/drawing/2010/main" Requires="a14">
+          <p:sp>
+            <p:nvSpPr>
+              <p:cNvPr id="95" name="Text Placeholder 94">
+                <a:extLst>
+                  <a:ext uri="{FF2B5EF4-FFF2-40B4-BE49-F238E27FC236}">
+                    <a16:creationId xmlns:a16="http://schemas.microsoft.com/office/drawing/2014/main" id="{C425D03E-96C1-804B-9990-78B2B8349537}"/>
+                  </a:ext>
+                </a:extLst>
+              </p:cNvPr>
+              <p:cNvSpPr>
+                <a:spLocks noGrp="1"/>
+              </p:cNvSpPr>
+              <p:nvPr>
+                <p:ph type="body" sz="quarter" idx="26"/>
+              </p:nvPr>
+            </p:nvSpPr>
+            <p:spPr>
+              <a:xfrm>
+                <a:off x="33390292" y="6378482"/>
+                <a:ext cx="10047018" cy="1590498"/>
+              </a:xfrm>
+              <a:solidFill>
+                <a:srgbClr val="EAEAEA"/>
+              </a:solidFill>
+              <a:ln>
+                <a:solidFill>
+                  <a:schemeClr val="accent4">
+                    <a:lumMod val="50000"/>
+                  </a:schemeClr>
+                </a:solidFill>
+              </a:ln>
+            </p:spPr>
+            <p:txBody>
+              <a:bodyPr/>
+              <a:lstStyle/>
+              <a:p>
+                <a:pPr>
+                  <a:lnSpc>
+                    <a:spcPct val="114000"/>
+                  </a:lnSpc>
+                </a:pPr>
+                <a:r>
+                  <a:rPr lang="en-US" dirty="0"/>
+                  <a:t>As the external driving force is varied, period doubling behavior progressively arises until the system eventually becomes chaotic. The simulation was run over 400,000 iterations for 350 values of </a:t>
+                </a:r>
+                <a14:m>
+                  <m:oMath xmlns:m="http://schemas.openxmlformats.org/officeDocument/2006/math">
+                    <m:r>
+                      <a:rPr lang="en-US" b="0" i="1" smtClean="0">
+                        <a:latin typeface="Cambria Math" panose="02040503050406030204" pitchFamily="18" charset="0"/>
+                      </a:rPr>
+                      <m:t>𝜂</m:t>
+                    </m:r>
+                  </m:oMath>
+                </a14:m>
+                <a:r>
+                  <a:rPr lang="en-US" dirty="0"/>
+                  <a:t>.</a:t>
+                </a:r>
+              </a:p>
+            </p:txBody>
+          </p:sp>
+        </mc:Choice>
+        <mc:Fallback>
+          <p:sp>
+            <p:nvSpPr>
+              <p:cNvPr id="95" name="Text Placeholder 94">
+                <a:extLst>
+                  <a:ext uri="{FF2B5EF4-FFF2-40B4-BE49-F238E27FC236}">
+                    <a16:creationId xmlns:a16="http://schemas.microsoft.com/office/drawing/2014/main" id="{C425D03E-96C1-804B-9990-78B2B8349537}"/>
+                  </a:ext>
+                </a:extLst>
+              </p:cNvPr>
+              <p:cNvSpPr>
+                <a:spLocks noGrp="1" noRot="1" noChangeAspect="1" noMove="1" noResize="1" noEditPoints="1" noAdjustHandles="1" noChangeArrowheads="1" noChangeShapeType="1" noTextEdit="1"/>
+              </p:cNvSpPr>
+              <p:nvPr>
+                <p:ph type="body" sz="quarter" idx="26"/>
+              </p:nvPr>
+            </p:nvSpPr>
+            <p:spPr>
+              <a:xfrm>
+                <a:off x="33390292" y="6378482"/>
+                <a:ext cx="10047018" cy="1590498"/>
+              </a:xfrm>
+              <a:blipFill>
+                <a:blip r:embed="rId5"/>
+                <a:stretch>
+                  <a:fillRect b="-5512"/>
+                </a:stretch>
+              </a:blipFill>
+              <a:ln>
+                <a:solidFill>
+                  <a:schemeClr val="accent4">
+                    <a:lumMod val="50000"/>
+                  </a:schemeClr>
+                </a:solidFill>
+              </a:ln>
+            </p:spPr>
+            <p:txBody>
+              <a:bodyPr/>
+              <a:lstStyle/>
+              <a:p>
+                <a:r>
+                  <a:rPr lang="en-US">
+                    <a:noFill/>
+                  </a:rPr>
+                  <a:t> </a:t>
+                </a:r>
+              </a:p>
+            </p:txBody>
+          </p:sp>
+        </mc:Fallback>
+      </mc:AlternateContent>
       <p:sp>
         <p:nvSpPr>
           <p:cNvPr id="96" name="Text Placeholder 95">
@@ -18060,7 +18128,7 @@
             </a:r>
             <a:r>
               <a:rPr lang="en-US" dirty="0">
-                <a:hlinkClick r:id="rId5"/>
+                <a:hlinkClick r:id="rId6"/>
               </a:rPr>
               <a:t>lbaralt@uchicago.edu</a:t>
             </a:r>
@@ -18070,7 +18138,7 @@
             </a:r>
             <a:r>
               <a:rPr lang="en-US" dirty="0">
-                <a:hlinkClick r:id="rId6"/>
+                <a:hlinkClick r:id="rId7"/>
               </a:rPr>
               <a:t>https://github.com/lubar13/Final-Project-Equation-of-Pendulum</a:t>
             </a:r>
@@ -18091,8 +18159,8 @@
           </a:p>
         </p:txBody>
       </p:sp>
-      <mc:AlternateContent xmlns:mc="http://schemas.openxmlformats.org/markup-compatibility/2006">
-        <mc:Choice xmlns:a14="http://schemas.microsoft.com/office/drawing/2010/main" Requires="a14">
+      <mc:AlternateContent xmlns:mc="http://schemas.openxmlformats.org/markup-compatibility/2006" xmlns:a14="http://schemas.microsoft.com/office/drawing/2010/main">
+        <mc:Choice Requires="a14">
           <p:sp>
             <p:nvSpPr>
               <p:cNvPr id="100" name="Text Placeholder 99">
@@ -19248,7 +19316,7 @@
             </p:txBody>
           </p:sp>
         </mc:Choice>
-        <mc:Fallback>
+        <mc:Fallback xmlns="">
           <p:sp>
             <p:nvSpPr>
               <p:cNvPr id="100" name="Text Placeholder 99">
@@ -19271,7 +19339,7 @@
                 <a:ext cx="10056813" cy="16838969"/>
               </a:xfrm>
               <a:blipFill>
-                <a:blip r:embed="rId7"/>
+                <a:blip r:embed="rId8"/>
                 <a:stretch>
                   <a:fillRect/>
                 </a:stretch>
@@ -19614,8 +19682,8 @@
           </a:p>
         </p:txBody>
       </p:sp>
-      <mc:AlternateContent xmlns:mc="http://schemas.openxmlformats.org/markup-compatibility/2006">
-        <mc:Choice xmlns:a14="http://schemas.microsoft.com/office/drawing/2010/main" Requires="a14">
+      <mc:AlternateContent xmlns:mc="http://schemas.openxmlformats.org/markup-compatibility/2006" xmlns:a14="http://schemas.microsoft.com/office/drawing/2010/main">
+        <mc:Choice Requires="a14">
           <p:sp>
             <p:nvSpPr>
               <p:cNvPr id="37" name="Text Placeholder 89">
@@ -19888,7 +19956,7 @@
             </p:txBody>
           </p:sp>
         </mc:Choice>
-        <mc:Fallback>
+        <mc:Fallback xmlns="">
           <p:sp>
             <p:nvSpPr>
               <p:cNvPr id="37" name="Text Placeholder 89">
@@ -19912,7 +19980,7 @@
                 <a:avLst/>
               </a:prstGeom>
               <a:blipFill>
-                <a:blip r:embed="rId8"/>
+                <a:blip r:embed="rId9"/>
                 <a:stretch>
                   <a:fillRect/>
                 </a:stretch>
@@ -19955,7 +20023,7 @@
           <p:nvPr/>
         </p:nvPicPr>
         <p:blipFill>
-          <a:blip r:embed="rId9">
+          <a:blip r:embed="rId10">
             <a:extLst>
               <a:ext uri="{28A0092B-C50C-407E-A947-70E740481C1C}">
                 <a14:useLocalDpi xmlns:a14="http://schemas.microsoft.com/office/drawing/2010/main" val="0"/>
@@ -20440,8 +20508,8 @@
           </a:p>
         </p:txBody>
       </p:sp>
-      <mc:AlternateContent xmlns:mc="http://schemas.openxmlformats.org/markup-compatibility/2006">
-        <mc:Choice xmlns:a14="http://schemas.microsoft.com/office/drawing/2010/main" Requires="a14">
+      <mc:AlternateContent xmlns:mc="http://schemas.openxmlformats.org/markup-compatibility/2006" xmlns:a14="http://schemas.microsoft.com/office/drawing/2010/main">
+        <mc:Choice Requires="a14">
           <p:sp>
             <p:nvSpPr>
               <p:cNvPr id="59" name="Text Placeholder 89">
@@ -20705,7 +20773,7 @@
             </p:txBody>
           </p:sp>
         </mc:Choice>
-        <mc:Fallback>
+        <mc:Fallback xmlns="">
           <p:sp>
             <p:nvSpPr>
               <p:cNvPr id="59" name="Text Placeholder 89">
@@ -20729,7 +20797,7 @@
                 <a:avLst/>
               </a:prstGeom>
               <a:blipFill>
-                <a:blip r:embed="rId10"/>
+                <a:blip r:embed="rId11"/>
                 <a:stretch>
                   <a:fillRect/>
                 </a:stretch>
@@ -20972,8 +21040,8 @@
           </a:p>
         </p:txBody>
       </p:sp>
-      <mc:AlternateContent xmlns:mc="http://schemas.openxmlformats.org/markup-compatibility/2006">
-        <mc:Choice xmlns:a14="http://schemas.microsoft.com/office/drawing/2010/main" Requires="a14">
+      <mc:AlternateContent xmlns:mc="http://schemas.openxmlformats.org/markup-compatibility/2006" xmlns:a14="http://schemas.microsoft.com/office/drawing/2010/main">
+        <mc:Choice Requires="a14">
           <p:sp>
             <p:nvSpPr>
               <p:cNvPr id="76" name="TextBox 75">
@@ -21133,7 +21201,7 @@
             </p:txBody>
           </p:sp>
         </mc:Choice>
-        <mc:Fallback>
+        <mc:Fallback xmlns="">
           <p:sp>
             <p:nvSpPr>
               <p:cNvPr id="76" name="TextBox 75">
@@ -21157,7 +21225,7 @@
                 <a:avLst/>
               </a:prstGeom>
               <a:blipFill>
-                <a:blip r:embed="rId11"/>
+                <a:blip r:embed="rId12"/>
                 <a:stretch>
                   <a:fillRect l="-1280" t="-2459" r="-1536" b="-9836"/>
                 </a:stretch>
@@ -21263,7 +21331,7 @@
           <p:nvPr/>
         </p:nvPicPr>
         <p:blipFill>
-          <a:blip r:embed="rId12">
+          <a:blip r:embed="rId13">
             <a:extLst>
               <a:ext uri="{28A0092B-C50C-407E-A947-70E740481C1C}">
                 <a14:useLocalDpi xmlns:a14="http://schemas.microsoft.com/office/drawing/2010/main" val="0"/>
@@ -21306,7 +21374,7 @@
           <p:nvPr/>
         </p:nvPicPr>
         <p:blipFill>
-          <a:blip r:embed="rId13">
+          <a:blip r:embed="rId14">
             <a:extLst>
               <a:ext uri="{28A0092B-C50C-407E-A947-70E740481C1C}">
                 <a14:useLocalDpi xmlns:a14="http://schemas.microsoft.com/office/drawing/2010/main" val="0"/>
@@ -21349,7 +21417,7 @@
           <p:nvPr/>
         </p:nvPicPr>
         <p:blipFill>
-          <a:blip r:embed="rId14">
+          <a:blip r:embed="rId15">
             <a:extLst>
               <a:ext uri="{28A0092B-C50C-407E-A947-70E740481C1C}">
                 <a14:useLocalDpi xmlns:a14="http://schemas.microsoft.com/office/drawing/2010/main" val="0"/>
@@ -21391,7 +21459,7 @@
           <p:nvPr/>
         </p:nvPicPr>
         <p:blipFill>
-          <a:blip r:embed="rId15">
+          <a:blip r:embed="rId16">
             <a:extLst>
               <a:ext uri="{28A0092B-C50C-407E-A947-70E740481C1C}">
                 <a14:useLocalDpi xmlns:a14="http://schemas.microsoft.com/office/drawing/2010/main" val="0"/>
@@ -21433,7 +21501,7 @@
           <p:nvPr/>
         </p:nvPicPr>
         <p:blipFill>
-          <a:blip r:embed="rId16">
+          <a:blip r:embed="rId17">
             <a:extLst>
               <a:ext uri="{28A0092B-C50C-407E-A947-70E740481C1C}">
                 <a14:useLocalDpi xmlns:a14="http://schemas.microsoft.com/office/drawing/2010/main" val="0"/>
@@ -21469,7 +21537,7 @@
           <p:nvPr/>
         </p:nvPicPr>
         <p:blipFill>
-          <a:blip r:embed="rId17">
+          <a:blip r:embed="rId18">
             <a:extLst>
               <a:ext uri="{28A0092B-C50C-407E-A947-70E740481C1C}">
                 <a14:useLocalDpi xmlns:a14="http://schemas.microsoft.com/office/drawing/2010/main" val="0"/>
@@ -21505,7 +21573,7 @@
           <p:nvPr/>
         </p:nvPicPr>
         <p:blipFill>
-          <a:blip r:embed="rId18">
+          <a:blip r:embed="rId19">
             <a:extLst>
               <a:ext uri="{28A0092B-C50C-407E-A947-70E740481C1C}">
                 <a14:useLocalDpi xmlns:a14="http://schemas.microsoft.com/office/drawing/2010/main" val="0"/>
@@ -21517,7 +21585,7 @@
         </p:blipFill>
         <p:spPr>
           <a:xfrm>
-            <a:off x="34490094" y="7994476"/>
+            <a:off x="34490094" y="8225529"/>
             <a:ext cx="7847414" cy="5885561"/>
           </a:xfrm>
           <a:prstGeom prst="rect">
